--- a/BỘ-TÀI-NGUYÊN-MÔI-TRƯỜNG-1.pptx
+++ b/BỘ-TÀI-NGUYÊN-MÔI-TRƯỜNG-1.pptx
@@ -5,13 +5,10 @@
     <p:sldMasterId id="2147483648" r:id="rId1"/>
   </p:sldMasterIdLst>
   <p:notesMasterIdLst>
-    <p:notesMasterId r:id="rId6"/>
+    <p:notesMasterId r:id="rId3"/>
   </p:notesMasterIdLst>
   <p:sldIdLst>
-    <p:sldId id="288" r:id="rId2"/>
-    <p:sldId id="290" r:id="rId3"/>
-    <p:sldId id="291" r:id="rId4"/>
-    <p:sldId id="292" r:id="rId5"/>
+    <p:sldId id="292" r:id="rId2"/>
   </p:sldIdLst>
   <p:sldSz cx="12192000" cy="6858000"/>
   <p:notesSz cx="7104063" cy="10234613"/>
@@ -5666,62 +5663,6 @@
 </p:notesMaster>
 </file>
 
-<file path=ppt/notesSlides/notesSlide1.xml><?xml version="1.0" encoding="utf-8"?>
-<p:notes xmlns:a="http://schemas.openxmlformats.org/drawingml/2006/main" xmlns:r="http://schemas.openxmlformats.org/officeDocument/2006/relationships" xmlns:p="http://schemas.openxmlformats.org/presentationml/2006/main">
-  <p:cSld>
-    <p:spTree>
-      <p:nvGrpSpPr>
-        <p:cNvPr id="1" name=""/>
-        <p:cNvGrpSpPr/>
-        <p:nvPr/>
-      </p:nvGrpSpPr>
-      <p:grpSpPr>
-        <a:xfrm>
-          <a:off x="0" y="0"/>
-          <a:ext cx="0" cy="0"/>
-          <a:chOff x="0" y="0"/>
-          <a:chExt cx="0" cy="0"/>
-        </a:xfrm>
-      </p:grpSpPr>
-      <p:sp>
-        <p:nvSpPr>
-          <p:cNvPr id="2" name="Slide Image Placeholder 1"/>
-          <p:cNvSpPr>
-            <a:spLocks noGrp="1" noRot="1" noChangeAspect="1"/>
-          </p:cNvSpPr>
-          <p:nvPr>
-            <p:ph type="sldImg" idx="2"/>
-          </p:nvPr>
-        </p:nvSpPr>
-        <p:spPr/>
-      </p:sp>
-      <p:sp>
-        <p:nvSpPr>
-          <p:cNvPr id="3" name="Text Placeholder 2"/>
-          <p:cNvSpPr>
-            <a:spLocks noGrp="1"/>
-          </p:cNvSpPr>
-          <p:nvPr>
-            <p:ph type="body" idx="3"/>
-          </p:nvPr>
-        </p:nvSpPr>
-        <p:spPr/>
-        <p:txBody>
-          <a:bodyPr/>
-          <a:lstStyle/>
-          <a:p>
-            <a:endParaRPr lang="en-US"/>
-          </a:p>
-        </p:txBody>
-      </p:sp>
-    </p:spTree>
-  </p:cSld>
-  <p:clrMapOvr>
-    <a:masterClrMapping/>
-  </p:clrMapOvr>
-</p:notes>
-</file>
-
 <file path=ppt/slideLayouts/slideLayout1.xml><?xml version="1.0" encoding="utf-8"?>
 <p:sldLayout xmlns:a="http://schemas.openxmlformats.org/drawingml/2006/main" xmlns:r="http://schemas.openxmlformats.org/officeDocument/2006/relationships" xmlns:p="http://schemas.openxmlformats.org/presentationml/2006/main" showMasterSp="0" type="title" preserve="1">
   <p:cSld name="Title Slide">
@@ -9039,3184 +8980,6 @@
 </file>
 
 <file path=ppt/slides/slide1.xml><?xml version="1.0" encoding="utf-8"?>
-<p:sld xmlns:a="http://schemas.openxmlformats.org/drawingml/2006/main" xmlns:r="http://schemas.openxmlformats.org/officeDocument/2006/relationships" xmlns:p="http://schemas.openxmlformats.org/presentationml/2006/main">
-  <p:cSld>
-    <p:spTree>
-      <p:nvGrpSpPr>
-        <p:cNvPr id="1" name=""/>
-        <p:cNvGrpSpPr/>
-        <p:nvPr/>
-      </p:nvGrpSpPr>
-      <p:grpSpPr>
-        <a:xfrm>
-          <a:off x="0" y="0"/>
-          <a:ext cx="0" cy="0"/>
-          <a:chOff x="0" y="0"/>
-          <a:chExt cx="0" cy="0"/>
-        </a:xfrm>
-      </p:grpSpPr>
-      <p:sp>
-        <p:nvSpPr>
-          <p:cNvPr id="11" name="Text Box 10"/>
-          <p:cNvSpPr txBox="1"/>
-          <p:nvPr/>
-        </p:nvSpPr>
-        <p:spPr>
-          <a:xfrm>
-            <a:off x="3009901" y="255905"/>
-            <a:ext cx="6169660" cy="472440"/>
-          </a:xfrm>
-          <a:prstGeom prst="rect">
-            <a:avLst/>
-          </a:prstGeom>
-          <a:noFill/>
-        </p:spPr>
-        <p:txBody>
-          <a:bodyPr wrap="none" rtlCol="0" anchor="t">
-            <a:spAutoFit/>
-          </a:bodyPr>
-          <a:lstStyle/>
-          <a:p>
-            <a:pPr algn="ctr"/>
-            <a:r>
-              <a:rPr lang="en-US" sz="2500" b="1" i="1">
-                <a:solidFill>
-                  <a:srgbClr val="FF0000"/>
-                </a:solidFill>
-                <a:latin typeface="Times New Roman" panose="02020603050405020304" charset="0"/>
-                <a:sym typeface="+mn-ea"/>
-              </a:rPr>
-              <a:t>CHƯƠNG 3: CÀI ĐẶT VÀ THỰC NGHIỆM</a:t>
-            </a:r>
-          </a:p>
-        </p:txBody>
-      </p:sp>
-      <p:sp>
-        <p:nvSpPr>
-          <p:cNvPr id="17" name="Text Box 16"/>
-          <p:cNvSpPr txBox="1"/>
-          <p:nvPr/>
-        </p:nvSpPr>
-        <p:spPr>
-          <a:xfrm>
-            <a:off x="879475" y="1130619"/>
-            <a:ext cx="9234751" cy="396240"/>
-          </a:xfrm>
-          <a:prstGeom prst="rect">
-            <a:avLst/>
-          </a:prstGeom>
-        </p:spPr>
-        <p:style>
-          <a:lnRef idx="1">
-            <a:schemeClr val="accent3"/>
-          </a:lnRef>
-          <a:fillRef idx="3">
-            <a:schemeClr val="accent3"/>
-          </a:fillRef>
-          <a:effectRef idx="2">
-            <a:schemeClr val="accent3"/>
-          </a:effectRef>
-          <a:fontRef idx="minor">
-            <a:schemeClr val="lt1"/>
-          </a:fontRef>
-        </p:style>
-        <p:txBody>
-          <a:bodyPr wrap="square">
-            <a:spAutoFit/>
-          </a:bodyPr>
-          <a:lstStyle/>
-          <a:p>
-            <a:pPr marL="0" indent="0"/>
-            <a:r>
-              <a:rPr lang="en-US" sz="2000" b="1">
-                <a:solidFill>
-                  <a:srgbClr val="000000"/>
-                </a:solidFill>
-                <a:latin typeface="Times New Roman" panose="02020603050405020304" charset="0"/>
-                <a:ea typeface="Times New Roman" panose="02020603050405020304" charset="0"/>
-                <a:cs typeface="Times New Roman" panose="02020603050405020304" charset="0"/>
-                <a:sym typeface="+mn-ea"/>
-              </a:rPr>
-              <a:t>2) Thực nghiệm</a:t>
-            </a:r>
-          </a:p>
-        </p:txBody>
-      </p:sp>
-      <p:sp>
-        <p:nvSpPr>
-          <p:cNvPr id="2" name="Text Box 1"/>
-          <p:cNvSpPr txBox="1"/>
-          <p:nvPr/>
-        </p:nvSpPr>
-        <p:spPr>
-          <a:xfrm>
-            <a:off x="919480" y="1757045"/>
-            <a:ext cx="3390900" cy="365760"/>
-          </a:xfrm>
-          <a:prstGeom prst="rect">
-            <a:avLst/>
-          </a:prstGeom>
-          <a:noFill/>
-        </p:spPr>
-        <p:txBody>
-          <a:bodyPr wrap="square" rtlCol="0">
-            <a:spAutoFit/>
-          </a:bodyPr>
-          <a:lstStyle/>
-          <a:p>
-            <a:r>
-              <a:rPr lang="en-US">
-                <a:latin typeface="Times New Roman" panose="02020603050405020304" charset="0"/>
-              </a:rPr>
-              <a:t>2.2) Giao diện admin:</a:t>
-            </a:r>
-          </a:p>
-        </p:txBody>
-      </p:sp>
-      <p:sp>
-        <p:nvSpPr>
-          <p:cNvPr id="3" name="Text Box 2"/>
-          <p:cNvSpPr txBox="1"/>
-          <p:nvPr/>
-        </p:nvSpPr>
-        <p:spPr>
-          <a:xfrm>
-            <a:off x="919480" y="2274570"/>
-            <a:ext cx="2018665" cy="365760"/>
-          </a:xfrm>
-          <a:prstGeom prst="rect">
-            <a:avLst/>
-          </a:prstGeom>
-          <a:noFill/>
-        </p:spPr>
-        <p:txBody>
-          <a:bodyPr wrap="none" rtlCol="0" anchor="t">
-            <a:spAutoFit/>
-          </a:bodyPr>
-          <a:lstStyle/>
-          <a:p>
-            <a:pPr marL="285750" indent="-285750">
-              <a:buFont typeface="Wingdings" panose="05000000000000000000" charset="0"/>
-              <a:buChar char="ü"/>
-            </a:pPr>
-            <a:r>
-              <a:rPr lang="en-US">
-                <a:latin typeface="Times New Roman" panose="02020603050405020304" charset="0"/>
-                <a:sym typeface="+mn-ea"/>
-              </a:rPr>
-              <a:t> Quản lý tin tức:</a:t>
-            </a:r>
-            <a:endParaRPr lang="en-US"/>
-          </a:p>
-        </p:txBody>
-      </p:sp>
-      <p:sp>
-        <p:nvSpPr>
-          <p:cNvPr id="4" name="Text Box 3"/>
-          <p:cNvSpPr txBox="1"/>
-          <p:nvPr/>
-        </p:nvSpPr>
-        <p:spPr>
-          <a:xfrm>
-            <a:off x="7168515" y="2274570"/>
-            <a:ext cx="2694305" cy="365760"/>
-          </a:xfrm>
-          <a:prstGeom prst="rect">
-            <a:avLst/>
-          </a:prstGeom>
-          <a:noFill/>
-        </p:spPr>
-        <p:txBody>
-          <a:bodyPr wrap="none" rtlCol="0" anchor="t">
-            <a:spAutoFit/>
-          </a:bodyPr>
-          <a:lstStyle/>
-          <a:p>
-            <a:pPr marL="285750" indent="-285750">
-              <a:buFont typeface="Wingdings" panose="05000000000000000000" charset="0"/>
-              <a:buChar char="ü"/>
-            </a:pPr>
-            <a:r>
-              <a:rPr lang="en-US">
-                <a:latin typeface="Times New Roman" panose="02020603050405020304" charset="0"/>
-                <a:sym typeface="+mn-ea"/>
-              </a:rPr>
-              <a:t> Thêm, sửa, xóa tin tức:</a:t>
-            </a:r>
-            <a:endParaRPr lang="en-US"/>
-          </a:p>
-        </p:txBody>
-      </p:sp>
-      <p:pic>
-        <p:nvPicPr>
-          <p:cNvPr id="103" name="Picture 103"/>
-          <p:cNvPicPr>
-            <a:picLocks noGrp="1" noChangeAspect="1"/>
-          </p:cNvPicPr>
-          <p:nvPr>
-            <p:ph sz="half" idx="1"/>
-          </p:nvPr>
-        </p:nvPicPr>
-        <p:blipFill>
-          <a:blip r:embed="rId3" cstate="print">
-            <a:extLst>
-              <a:ext uri="{28A0092B-C50C-407E-A947-70E740481C1C}">
-                <a14:useLocalDpi xmlns:a14="http://schemas.microsoft.com/office/drawing/2010/main" val="0"/>
-              </a:ext>
-            </a:extLst>
-          </a:blip>
-          <a:stretch>
-            <a:fillRect/>
-          </a:stretch>
-        </p:blipFill>
-        <p:spPr>
-          <a:xfrm>
-            <a:off x="609600" y="2925445"/>
-            <a:ext cx="4582160" cy="2143125"/>
-          </a:xfrm>
-          <a:prstGeom prst="rect">
-            <a:avLst/>
-          </a:prstGeom>
-        </p:spPr>
-      </p:pic>
-      <p:pic>
-        <p:nvPicPr>
-          <p:cNvPr id="104" name="Picture 104"/>
-          <p:cNvPicPr>
-            <a:picLocks noGrp="1" noChangeAspect="1" noChangeArrowheads="1"/>
-          </p:cNvPicPr>
-          <p:nvPr>
-            <p:ph sz="half" idx="2"/>
-          </p:nvPr>
-        </p:nvPicPr>
-        <p:blipFill>
-          <a:blip r:embed="rId4" cstate="print">
-            <a:extLst>
-              <a:ext uri="{28A0092B-C50C-407E-A947-70E740481C1C}">
-                <a14:useLocalDpi xmlns:a14="http://schemas.microsoft.com/office/drawing/2010/main" val="0"/>
-              </a:ext>
-            </a:extLst>
-          </a:blip>
-          <a:srcRect/>
-          <a:stretch>
-            <a:fillRect/>
-          </a:stretch>
-        </p:blipFill>
-        <p:spPr>
-          <a:xfrm>
-            <a:off x="6388100" y="3044190"/>
-            <a:ext cx="4718685" cy="2024380"/>
-          </a:xfrm>
-          <a:prstGeom prst="rect">
-            <a:avLst/>
-          </a:prstGeom>
-          <a:noFill/>
-          <a:ln>
-            <a:noFill/>
-          </a:ln>
-        </p:spPr>
-      </p:pic>
-      <p:sp>
-        <p:nvSpPr>
-          <p:cNvPr id="8" name="Content Placeholder 2"/>
-          <p:cNvSpPr txBox="1"/>
-          <p:nvPr/>
-        </p:nvSpPr>
-        <p:spPr>
-          <a:xfrm>
-            <a:off x="889635" y="5387340"/>
-            <a:ext cx="4022725" cy="419100"/>
-          </a:xfrm>
-          <a:prstGeom prst="rect">
-            <a:avLst/>
-          </a:prstGeom>
-        </p:spPr>
-        <p:txBody>
-          <a:bodyPr vert="horz" lIns="91440" tIns="45720" rIns="91440" bIns="45720" rtlCol="0">
-            <a:normAutofit/>
-          </a:bodyPr>
-          <a:lstStyle>
-            <a:lvl1pPr marL="342900" indent="-342900" algn="l" defTabSz="457200" rtl="0" eaLnBrk="1" latinLnBrk="0" hangingPunct="1">
-              <a:spcBef>
-                <a:spcPts val="1000"/>
-              </a:spcBef>
-              <a:spcAft>
-                <a:spcPts val="0"/>
-              </a:spcAft>
-              <a:buClr>
-                <a:schemeClr val="accent1"/>
-              </a:buClr>
-              <a:buSzPct val="80000"/>
-              <a:buFont typeface="Wingdings 3" charset="2"/>
-              <a:buChar char=""/>
-              <a:defRPr sz="1800" b="0" i="0" kern="1200">
-                <a:solidFill>
-                  <a:schemeClr val="tx1">
-                    <a:lumMod val="75000"/>
-                    <a:lumOff val="25000"/>
-                  </a:schemeClr>
-                </a:solidFill>
-                <a:latin typeface="+mn-lt"/>
-                <a:ea typeface="+mn-ea"/>
-                <a:cs typeface="+mn-cs"/>
-              </a:defRPr>
-            </a:lvl1pPr>
-            <a:lvl2pPr marL="742950" indent="-285750" algn="l" defTabSz="457200" rtl="0" eaLnBrk="1" latinLnBrk="0" hangingPunct="1">
-              <a:spcBef>
-                <a:spcPts val="1000"/>
-              </a:spcBef>
-              <a:spcAft>
-                <a:spcPts val="0"/>
-              </a:spcAft>
-              <a:buClr>
-                <a:schemeClr val="accent1"/>
-              </a:buClr>
-              <a:buSzPct val="80000"/>
-              <a:buFont typeface="Wingdings 3" charset="2"/>
-              <a:buChar char=""/>
-              <a:defRPr sz="1600" b="0" i="0" kern="1200">
-                <a:solidFill>
-                  <a:schemeClr val="tx1">
-                    <a:lumMod val="75000"/>
-                    <a:lumOff val="25000"/>
-                  </a:schemeClr>
-                </a:solidFill>
-                <a:latin typeface="+mn-lt"/>
-                <a:ea typeface="+mn-ea"/>
-                <a:cs typeface="+mn-cs"/>
-              </a:defRPr>
-            </a:lvl2pPr>
-            <a:lvl3pPr marL="1143000" indent="-228600" algn="l" defTabSz="457200" rtl="0" eaLnBrk="1" latinLnBrk="0" hangingPunct="1">
-              <a:spcBef>
-                <a:spcPts val="1000"/>
-              </a:spcBef>
-              <a:spcAft>
-                <a:spcPts val="0"/>
-              </a:spcAft>
-              <a:buClr>
-                <a:schemeClr val="accent1"/>
-              </a:buClr>
-              <a:buSzPct val="80000"/>
-              <a:buFont typeface="Wingdings 3" charset="2"/>
-              <a:buChar char=""/>
-              <a:defRPr sz="1400" b="0" i="0" kern="1200">
-                <a:solidFill>
-                  <a:schemeClr val="tx1">
-                    <a:lumMod val="75000"/>
-                    <a:lumOff val="25000"/>
-                  </a:schemeClr>
-                </a:solidFill>
-                <a:latin typeface="+mn-lt"/>
-                <a:ea typeface="+mn-ea"/>
-                <a:cs typeface="+mn-cs"/>
-              </a:defRPr>
-            </a:lvl3pPr>
-            <a:lvl4pPr marL="1600200" indent="-228600" algn="l" defTabSz="457200" rtl="0" eaLnBrk="1" latinLnBrk="0" hangingPunct="1">
-              <a:spcBef>
-                <a:spcPts val="1000"/>
-              </a:spcBef>
-              <a:spcAft>
-                <a:spcPts val="0"/>
-              </a:spcAft>
-              <a:buClr>
-                <a:schemeClr val="accent1"/>
-              </a:buClr>
-              <a:buSzPct val="80000"/>
-              <a:buFont typeface="Wingdings 3" charset="2"/>
-              <a:buChar char=""/>
-              <a:defRPr sz="1200" b="0" i="0" kern="1200">
-                <a:solidFill>
-                  <a:schemeClr val="tx1">
-                    <a:lumMod val="75000"/>
-                    <a:lumOff val="25000"/>
-                  </a:schemeClr>
-                </a:solidFill>
-                <a:latin typeface="+mn-lt"/>
-                <a:ea typeface="+mn-ea"/>
-                <a:cs typeface="+mn-cs"/>
-              </a:defRPr>
-            </a:lvl4pPr>
-            <a:lvl5pPr marL="2057400" indent="-228600" algn="l" defTabSz="457200" rtl="0" eaLnBrk="1" latinLnBrk="0" hangingPunct="1">
-              <a:spcBef>
-                <a:spcPts val="1000"/>
-              </a:spcBef>
-              <a:spcAft>
-                <a:spcPts val="0"/>
-              </a:spcAft>
-              <a:buClr>
-                <a:schemeClr val="accent1"/>
-              </a:buClr>
-              <a:buSzPct val="80000"/>
-              <a:buFont typeface="Wingdings 3" charset="2"/>
-              <a:buChar char=""/>
-              <a:defRPr sz="1200" b="0" i="0" kern="1200">
-                <a:solidFill>
-                  <a:schemeClr val="tx1">
-                    <a:lumMod val="75000"/>
-                    <a:lumOff val="25000"/>
-                  </a:schemeClr>
-                </a:solidFill>
-                <a:latin typeface="+mn-lt"/>
-                <a:ea typeface="+mn-ea"/>
-                <a:cs typeface="+mn-cs"/>
-              </a:defRPr>
-            </a:lvl5pPr>
-            <a:lvl6pPr marL="2514600" indent="-228600" algn="l" defTabSz="457200" rtl="0" eaLnBrk="1" latinLnBrk="0" hangingPunct="1">
-              <a:spcBef>
-                <a:spcPts val="1000"/>
-              </a:spcBef>
-              <a:spcAft>
-                <a:spcPts val="0"/>
-              </a:spcAft>
-              <a:buClr>
-                <a:schemeClr val="accent1"/>
-              </a:buClr>
-              <a:buSzPct val="80000"/>
-              <a:buFont typeface="Wingdings 3" charset="2"/>
-              <a:buChar char=""/>
-              <a:defRPr sz="1200" b="0" i="0" kern="1200">
-                <a:solidFill>
-                  <a:schemeClr val="tx1">
-                    <a:lumMod val="75000"/>
-                    <a:lumOff val="25000"/>
-                  </a:schemeClr>
-                </a:solidFill>
-                <a:latin typeface="+mn-lt"/>
-                <a:ea typeface="+mn-ea"/>
-                <a:cs typeface="+mn-cs"/>
-              </a:defRPr>
-            </a:lvl6pPr>
-            <a:lvl7pPr marL="2971800" indent="-228600" algn="l" defTabSz="457200" rtl="0" eaLnBrk="1" latinLnBrk="0" hangingPunct="1">
-              <a:spcBef>
-                <a:spcPts val="1000"/>
-              </a:spcBef>
-              <a:spcAft>
-                <a:spcPts val="0"/>
-              </a:spcAft>
-              <a:buClr>
-                <a:schemeClr val="accent1"/>
-              </a:buClr>
-              <a:buSzPct val="80000"/>
-              <a:buFont typeface="Wingdings 3" charset="2"/>
-              <a:buChar char=""/>
-              <a:defRPr sz="1200" b="0" i="0" kern="1200">
-                <a:solidFill>
-                  <a:schemeClr val="tx1">
-                    <a:lumMod val="75000"/>
-                    <a:lumOff val="25000"/>
-                  </a:schemeClr>
-                </a:solidFill>
-                <a:latin typeface="+mn-lt"/>
-                <a:ea typeface="+mn-ea"/>
-                <a:cs typeface="+mn-cs"/>
-              </a:defRPr>
-            </a:lvl7pPr>
-            <a:lvl8pPr marL="3429000" indent="-228600" algn="l" defTabSz="457200" rtl="0" eaLnBrk="1" latinLnBrk="0" hangingPunct="1">
-              <a:spcBef>
-                <a:spcPts val="1000"/>
-              </a:spcBef>
-              <a:spcAft>
-                <a:spcPts val="0"/>
-              </a:spcAft>
-              <a:buClr>
-                <a:schemeClr val="accent1"/>
-              </a:buClr>
-              <a:buSzPct val="80000"/>
-              <a:buFont typeface="Wingdings 3" charset="2"/>
-              <a:buChar char=""/>
-              <a:defRPr sz="1200" b="0" i="0" kern="1200">
-                <a:solidFill>
-                  <a:schemeClr val="tx1">
-                    <a:lumMod val="75000"/>
-                    <a:lumOff val="25000"/>
-                  </a:schemeClr>
-                </a:solidFill>
-                <a:latin typeface="+mn-lt"/>
-                <a:ea typeface="+mn-ea"/>
-                <a:cs typeface="+mn-cs"/>
-              </a:defRPr>
-            </a:lvl8pPr>
-            <a:lvl9pPr marL="3886200" indent="-228600" algn="l" defTabSz="457200" rtl="0" eaLnBrk="1" latinLnBrk="0" hangingPunct="1">
-              <a:spcBef>
-                <a:spcPts val="1000"/>
-              </a:spcBef>
-              <a:spcAft>
-                <a:spcPts val="0"/>
-              </a:spcAft>
-              <a:buClr>
-                <a:schemeClr val="accent1"/>
-              </a:buClr>
-              <a:buSzPct val="80000"/>
-              <a:buFont typeface="Wingdings 3" charset="2"/>
-              <a:buChar char=""/>
-              <a:defRPr sz="1200" b="0" i="0" kern="1200">
-                <a:solidFill>
-                  <a:schemeClr val="tx1">
-                    <a:lumMod val="75000"/>
-                    <a:lumOff val="25000"/>
-                  </a:schemeClr>
-                </a:solidFill>
-                <a:latin typeface="+mn-lt"/>
-                <a:ea typeface="+mn-ea"/>
-                <a:cs typeface="+mn-cs"/>
-              </a:defRPr>
-            </a:lvl9pPr>
-          </a:lstStyle>
-          <a:p>
-            <a:pPr marL="0" indent="0">
-              <a:buNone/>
-            </a:pPr>
-            <a:r>
-              <a:rPr lang="en-US" sz="1500" i="1" dirty="0" err="1">
-                <a:solidFill>
-                  <a:schemeClr val="tx1"/>
-                </a:solidFill>
-                <a:latin typeface="Times New Roman" panose="02020603050405020304" charset="0"/>
-                <a:cs typeface="Times New Roman" panose="02020603050405020304" charset="0"/>
-              </a:rPr>
-              <a:t>Hình</a:t>
-            </a:r>
-            <a:r>
-              <a:rPr lang="en-US" sz="1500" i="1" dirty="0">
-                <a:solidFill>
-                  <a:schemeClr val="tx1"/>
-                </a:solidFill>
-                <a:latin typeface="Times New Roman" panose="02020603050405020304" charset="0"/>
-                <a:cs typeface="Times New Roman" panose="02020603050405020304" charset="0"/>
-              </a:rPr>
-              <a:t>. Form quản lý tin tức.</a:t>
-            </a:r>
-          </a:p>
-        </p:txBody>
-      </p:sp>
-      <p:sp>
-        <p:nvSpPr>
-          <p:cNvPr id="9" name="Content Placeholder 2"/>
-          <p:cNvSpPr txBox="1"/>
-          <p:nvPr/>
-        </p:nvSpPr>
-        <p:spPr>
-          <a:xfrm>
-            <a:off x="6736080" y="5387340"/>
-            <a:ext cx="4022725" cy="419100"/>
-          </a:xfrm>
-          <a:prstGeom prst="rect">
-            <a:avLst/>
-          </a:prstGeom>
-        </p:spPr>
-        <p:txBody>
-          <a:bodyPr vert="horz" lIns="91440" tIns="45720" rIns="91440" bIns="45720" rtlCol="0">
-            <a:normAutofit/>
-          </a:bodyPr>
-          <a:lstStyle>
-            <a:lvl1pPr marL="342900" indent="-342900" algn="l" defTabSz="457200" rtl="0" eaLnBrk="1" latinLnBrk="0" hangingPunct="1">
-              <a:spcBef>
-                <a:spcPts val="1000"/>
-              </a:spcBef>
-              <a:spcAft>
-                <a:spcPts val="0"/>
-              </a:spcAft>
-              <a:buClr>
-                <a:schemeClr val="accent1"/>
-              </a:buClr>
-              <a:buSzPct val="80000"/>
-              <a:buFont typeface="Wingdings 3" charset="2"/>
-              <a:buChar char=""/>
-              <a:defRPr sz="1800" b="0" i="0" kern="1200">
-                <a:solidFill>
-                  <a:schemeClr val="tx1">
-                    <a:lumMod val="75000"/>
-                    <a:lumOff val="25000"/>
-                  </a:schemeClr>
-                </a:solidFill>
-                <a:latin typeface="+mn-lt"/>
-                <a:ea typeface="+mn-ea"/>
-                <a:cs typeface="+mn-cs"/>
-              </a:defRPr>
-            </a:lvl1pPr>
-            <a:lvl2pPr marL="742950" indent="-285750" algn="l" defTabSz="457200" rtl="0" eaLnBrk="1" latinLnBrk="0" hangingPunct="1">
-              <a:spcBef>
-                <a:spcPts val="1000"/>
-              </a:spcBef>
-              <a:spcAft>
-                <a:spcPts val="0"/>
-              </a:spcAft>
-              <a:buClr>
-                <a:schemeClr val="accent1"/>
-              </a:buClr>
-              <a:buSzPct val="80000"/>
-              <a:buFont typeface="Wingdings 3" charset="2"/>
-              <a:buChar char=""/>
-              <a:defRPr sz="1600" b="0" i="0" kern="1200">
-                <a:solidFill>
-                  <a:schemeClr val="tx1">
-                    <a:lumMod val="75000"/>
-                    <a:lumOff val="25000"/>
-                  </a:schemeClr>
-                </a:solidFill>
-                <a:latin typeface="+mn-lt"/>
-                <a:ea typeface="+mn-ea"/>
-                <a:cs typeface="+mn-cs"/>
-              </a:defRPr>
-            </a:lvl2pPr>
-            <a:lvl3pPr marL="1143000" indent="-228600" algn="l" defTabSz="457200" rtl="0" eaLnBrk="1" latinLnBrk="0" hangingPunct="1">
-              <a:spcBef>
-                <a:spcPts val="1000"/>
-              </a:spcBef>
-              <a:spcAft>
-                <a:spcPts val="0"/>
-              </a:spcAft>
-              <a:buClr>
-                <a:schemeClr val="accent1"/>
-              </a:buClr>
-              <a:buSzPct val="80000"/>
-              <a:buFont typeface="Wingdings 3" charset="2"/>
-              <a:buChar char=""/>
-              <a:defRPr sz="1400" b="0" i="0" kern="1200">
-                <a:solidFill>
-                  <a:schemeClr val="tx1">
-                    <a:lumMod val="75000"/>
-                    <a:lumOff val="25000"/>
-                  </a:schemeClr>
-                </a:solidFill>
-                <a:latin typeface="+mn-lt"/>
-                <a:ea typeface="+mn-ea"/>
-                <a:cs typeface="+mn-cs"/>
-              </a:defRPr>
-            </a:lvl3pPr>
-            <a:lvl4pPr marL="1600200" indent="-228600" algn="l" defTabSz="457200" rtl="0" eaLnBrk="1" latinLnBrk="0" hangingPunct="1">
-              <a:spcBef>
-                <a:spcPts val="1000"/>
-              </a:spcBef>
-              <a:spcAft>
-                <a:spcPts val="0"/>
-              </a:spcAft>
-              <a:buClr>
-                <a:schemeClr val="accent1"/>
-              </a:buClr>
-              <a:buSzPct val="80000"/>
-              <a:buFont typeface="Wingdings 3" charset="2"/>
-              <a:buChar char=""/>
-              <a:defRPr sz="1200" b="0" i="0" kern="1200">
-                <a:solidFill>
-                  <a:schemeClr val="tx1">
-                    <a:lumMod val="75000"/>
-                    <a:lumOff val="25000"/>
-                  </a:schemeClr>
-                </a:solidFill>
-                <a:latin typeface="+mn-lt"/>
-                <a:ea typeface="+mn-ea"/>
-                <a:cs typeface="+mn-cs"/>
-              </a:defRPr>
-            </a:lvl4pPr>
-            <a:lvl5pPr marL="2057400" indent="-228600" algn="l" defTabSz="457200" rtl="0" eaLnBrk="1" latinLnBrk="0" hangingPunct="1">
-              <a:spcBef>
-                <a:spcPts val="1000"/>
-              </a:spcBef>
-              <a:spcAft>
-                <a:spcPts val="0"/>
-              </a:spcAft>
-              <a:buClr>
-                <a:schemeClr val="accent1"/>
-              </a:buClr>
-              <a:buSzPct val="80000"/>
-              <a:buFont typeface="Wingdings 3" charset="2"/>
-              <a:buChar char=""/>
-              <a:defRPr sz="1200" b="0" i="0" kern="1200">
-                <a:solidFill>
-                  <a:schemeClr val="tx1">
-                    <a:lumMod val="75000"/>
-                    <a:lumOff val="25000"/>
-                  </a:schemeClr>
-                </a:solidFill>
-                <a:latin typeface="+mn-lt"/>
-                <a:ea typeface="+mn-ea"/>
-                <a:cs typeface="+mn-cs"/>
-              </a:defRPr>
-            </a:lvl5pPr>
-            <a:lvl6pPr marL="2514600" indent="-228600" algn="l" defTabSz="457200" rtl="0" eaLnBrk="1" latinLnBrk="0" hangingPunct="1">
-              <a:spcBef>
-                <a:spcPts val="1000"/>
-              </a:spcBef>
-              <a:spcAft>
-                <a:spcPts val="0"/>
-              </a:spcAft>
-              <a:buClr>
-                <a:schemeClr val="accent1"/>
-              </a:buClr>
-              <a:buSzPct val="80000"/>
-              <a:buFont typeface="Wingdings 3" charset="2"/>
-              <a:buChar char=""/>
-              <a:defRPr sz="1200" b="0" i="0" kern="1200">
-                <a:solidFill>
-                  <a:schemeClr val="tx1">
-                    <a:lumMod val="75000"/>
-                    <a:lumOff val="25000"/>
-                  </a:schemeClr>
-                </a:solidFill>
-                <a:latin typeface="+mn-lt"/>
-                <a:ea typeface="+mn-ea"/>
-                <a:cs typeface="+mn-cs"/>
-              </a:defRPr>
-            </a:lvl6pPr>
-            <a:lvl7pPr marL="2971800" indent="-228600" algn="l" defTabSz="457200" rtl="0" eaLnBrk="1" latinLnBrk="0" hangingPunct="1">
-              <a:spcBef>
-                <a:spcPts val="1000"/>
-              </a:spcBef>
-              <a:spcAft>
-                <a:spcPts val="0"/>
-              </a:spcAft>
-              <a:buClr>
-                <a:schemeClr val="accent1"/>
-              </a:buClr>
-              <a:buSzPct val="80000"/>
-              <a:buFont typeface="Wingdings 3" charset="2"/>
-              <a:buChar char=""/>
-              <a:defRPr sz="1200" b="0" i="0" kern="1200">
-                <a:solidFill>
-                  <a:schemeClr val="tx1">
-                    <a:lumMod val="75000"/>
-                    <a:lumOff val="25000"/>
-                  </a:schemeClr>
-                </a:solidFill>
-                <a:latin typeface="+mn-lt"/>
-                <a:ea typeface="+mn-ea"/>
-                <a:cs typeface="+mn-cs"/>
-              </a:defRPr>
-            </a:lvl7pPr>
-            <a:lvl8pPr marL="3429000" indent="-228600" algn="l" defTabSz="457200" rtl="0" eaLnBrk="1" latinLnBrk="0" hangingPunct="1">
-              <a:spcBef>
-                <a:spcPts val="1000"/>
-              </a:spcBef>
-              <a:spcAft>
-                <a:spcPts val="0"/>
-              </a:spcAft>
-              <a:buClr>
-                <a:schemeClr val="accent1"/>
-              </a:buClr>
-              <a:buSzPct val="80000"/>
-              <a:buFont typeface="Wingdings 3" charset="2"/>
-              <a:buChar char=""/>
-              <a:defRPr sz="1200" b="0" i="0" kern="1200">
-                <a:solidFill>
-                  <a:schemeClr val="tx1">
-                    <a:lumMod val="75000"/>
-                    <a:lumOff val="25000"/>
-                  </a:schemeClr>
-                </a:solidFill>
-                <a:latin typeface="+mn-lt"/>
-                <a:ea typeface="+mn-ea"/>
-                <a:cs typeface="+mn-cs"/>
-              </a:defRPr>
-            </a:lvl8pPr>
-            <a:lvl9pPr marL="3886200" indent="-228600" algn="l" defTabSz="457200" rtl="0" eaLnBrk="1" latinLnBrk="0" hangingPunct="1">
-              <a:spcBef>
-                <a:spcPts val="1000"/>
-              </a:spcBef>
-              <a:spcAft>
-                <a:spcPts val="0"/>
-              </a:spcAft>
-              <a:buClr>
-                <a:schemeClr val="accent1"/>
-              </a:buClr>
-              <a:buSzPct val="80000"/>
-              <a:buFont typeface="Wingdings 3" charset="2"/>
-              <a:buChar char=""/>
-              <a:defRPr sz="1200" b="0" i="0" kern="1200">
-                <a:solidFill>
-                  <a:schemeClr val="tx1">
-                    <a:lumMod val="75000"/>
-                    <a:lumOff val="25000"/>
-                  </a:schemeClr>
-                </a:solidFill>
-                <a:latin typeface="+mn-lt"/>
-                <a:ea typeface="+mn-ea"/>
-                <a:cs typeface="+mn-cs"/>
-              </a:defRPr>
-            </a:lvl9pPr>
-          </a:lstStyle>
-          <a:p>
-            <a:pPr marL="0" indent="0">
-              <a:buNone/>
-            </a:pPr>
-            <a:r>
-              <a:rPr lang="en-US" sz="1500" i="1" dirty="0" err="1">
-                <a:solidFill>
-                  <a:schemeClr val="tx1"/>
-                </a:solidFill>
-                <a:latin typeface="Times New Roman" panose="02020603050405020304" charset="0"/>
-                <a:cs typeface="Times New Roman" panose="02020603050405020304" charset="0"/>
-              </a:rPr>
-              <a:t>Hình</a:t>
-            </a:r>
-            <a:r>
-              <a:rPr lang="en-US" sz="1500" i="1" dirty="0">
-                <a:solidFill>
-                  <a:schemeClr val="tx1"/>
-                </a:solidFill>
-                <a:latin typeface="Times New Roman" panose="02020603050405020304" charset="0"/>
-                <a:cs typeface="Times New Roman" panose="02020603050405020304" charset="0"/>
-              </a:rPr>
-              <a:t>. Form quản lý thêm tin tức.</a:t>
-            </a:r>
-          </a:p>
-        </p:txBody>
-      </p:sp>
-    </p:spTree>
-  </p:cSld>
-  <p:clrMapOvr>
-    <a:masterClrMapping/>
-  </p:clrMapOvr>
-  <p:timing>
-    <p:tnLst>
-      <p:par>
-        <p:cTn id="1" dur="indefinite" restart="never" nodeType="tmRoot"/>
-      </p:par>
-    </p:tnLst>
-  </p:timing>
-</p:sld>
-</file>
-
-<file path=ppt/slides/slide2.xml><?xml version="1.0" encoding="utf-8"?>
-<p:sld xmlns:a="http://schemas.openxmlformats.org/drawingml/2006/main" xmlns:r="http://schemas.openxmlformats.org/officeDocument/2006/relationships" xmlns:p="http://schemas.openxmlformats.org/presentationml/2006/main">
-  <p:cSld>
-    <p:spTree>
-      <p:nvGrpSpPr>
-        <p:cNvPr id="1" name=""/>
-        <p:cNvGrpSpPr/>
-        <p:nvPr/>
-      </p:nvGrpSpPr>
-      <p:grpSpPr>
-        <a:xfrm>
-          <a:off x="0" y="0"/>
-          <a:ext cx="0" cy="0"/>
-          <a:chOff x="0" y="0"/>
-          <a:chExt cx="0" cy="0"/>
-        </a:xfrm>
-      </p:grpSpPr>
-      <p:sp>
-        <p:nvSpPr>
-          <p:cNvPr id="12" name="Title 1"/>
-          <p:cNvSpPr txBox="1"/>
-          <p:nvPr/>
-        </p:nvSpPr>
-        <p:spPr>
-          <a:xfrm>
-            <a:off x="1242168" y="194259"/>
-            <a:ext cx="8761413" cy="728480"/>
-          </a:xfrm>
-          <a:prstGeom prst="rect">
-            <a:avLst/>
-          </a:prstGeom>
-          <a:effectLst/>
-        </p:spPr>
-        <p:txBody>
-          <a:bodyPr vert="horz" lIns="91440" tIns="45720" rIns="91440" bIns="45720" rtlCol="0" anchor="ctr">
-            <a:normAutofit/>
-          </a:bodyPr>
-          <a:lstStyle>
-            <a:lvl1pPr algn="ctr" defTabSz="457200" rtl="0" eaLnBrk="1" latinLnBrk="0" hangingPunct="1">
-              <a:spcBef>
-                <a:spcPct val="0"/>
-              </a:spcBef>
-              <a:buNone/>
-              <a:defRPr sz="4000" kern="1200" cap="none">
-                <a:ln w="3175" cmpd="sng">
-                  <a:noFill/>
-                </a:ln>
-                <a:solidFill>
-                  <a:schemeClr val="tx1"/>
-                </a:solidFill>
-                <a:effectLst/>
-                <a:latin typeface="+mj-lt"/>
-                <a:ea typeface="+mj-ea"/>
-                <a:cs typeface="+mj-cs"/>
-              </a:defRPr>
-            </a:lvl1pPr>
-            <a:lvl2pPr eaLnBrk="1" hangingPunct="1">
-              <a:defRPr>
-                <a:solidFill>
-                  <a:schemeClr val="tx2"/>
-                </a:solidFill>
-              </a:defRPr>
-            </a:lvl2pPr>
-            <a:lvl3pPr eaLnBrk="1" hangingPunct="1">
-              <a:defRPr>
-                <a:solidFill>
-                  <a:schemeClr val="tx2"/>
-                </a:solidFill>
-              </a:defRPr>
-            </a:lvl3pPr>
-            <a:lvl4pPr eaLnBrk="1" hangingPunct="1">
-              <a:defRPr>
-                <a:solidFill>
-                  <a:schemeClr val="tx2"/>
-                </a:solidFill>
-              </a:defRPr>
-            </a:lvl4pPr>
-            <a:lvl5pPr eaLnBrk="1" hangingPunct="1">
-              <a:defRPr>
-                <a:solidFill>
-                  <a:schemeClr val="tx2"/>
-                </a:solidFill>
-              </a:defRPr>
-            </a:lvl5pPr>
-            <a:lvl6pPr eaLnBrk="1" hangingPunct="1">
-              <a:defRPr>
-                <a:solidFill>
-                  <a:schemeClr val="tx2"/>
-                </a:solidFill>
-              </a:defRPr>
-            </a:lvl6pPr>
-            <a:lvl7pPr eaLnBrk="1" hangingPunct="1">
-              <a:defRPr>
-                <a:solidFill>
-                  <a:schemeClr val="tx2"/>
-                </a:solidFill>
-              </a:defRPr>
-            </a:lvl7pPr>
-            <a:lvl8pPr eaLnBrk="1" hangingPunct="1">
-              <a:defRPr>
-                <a:solidFill>
-                  <a:schemeClr val="tx2"/>
-                </a:solidFill>
-              </a:defRPr>
-            </a:lvl8pPr>
-            <a:lvl9pPr eaLnBrk="1" hangingPunct="1">
-              <a:defRPr>
-                <a:solidFill>
-                  <a:schemeClr val="tx2"/>
-                </a:solidFill>
-              </a:defRPr>
-            </a:lvl9pPr>
-          </a:lstStyle>
-          <a:p>
-            <a:r>
-              <a:rPr lang="en-US" sz="2500" b="1" i="1" dirty="0">
-                <a:solidFill>
-                  <a:srgbClr val="FF0000"/>
-                </a:solidFill>
-                <a:effectLst/>
-                <a:latin typeface="Times New Roman" panose="02020603050405020304" charset="0"/>
-                <a:cs typeface="Times New Roman" panose="02020603050405020304" charset="0"/>
-              </a:rPr>
-              <a:t>CH</a:t>
-            </a:r>
-            <a:r>
-              <a:rPr lang="vi-VN" sz="2500" b="1" i="1" dirty="0">
-                <a:solidFill>
-                  <a:srgbClr val="FF0000"/>
-                </a:solidFill>
-                <a:effectLst/>
-                <a:latin typeface="Times New Roman" panose="02020603050405020304" charset="0"/>
-                <a:cs typeface="Times New Roman" panose="02020603050405020304" charset="0"/>
-              </a:rPr>
-              <a:t>Ư</a:t>
-            </a:r>
-            <a:r>
-              <a:rPr lang="en-US" sz="2500" b="1" i="1" dirty="0">
-                <a:solidFill>
-                  <a:srgbClr val="FF0000"/>
-                </a:solidFill>
-                <a:effectLst/>
-                <a:latin typeface="Times New Roman" panose="02020603050405020304" charset="0"/>
-                <a:cs typeface="Times New Roman" panose="02020603050405020304" charset="0"/>
-              </a:rPr>
-              <a:t>ƠNG 4 : ĐÁNH GIÁ VÀ KẾT LUẬN</a:t>
-            </a:r>
-          </a:p>
-        </p:txBody>
-      </p:sp>
-      <p:grpSp>
-        <p:nvGrpSpPr>
-          <p:cNvPr id="2" name="Group 1"/>
-          <p:cNvGrpSpPr/>
-          <p:nvPr/>
-        </p:nvGrpSpPr>
-        <p:grpSpPr>
-          <a:xfrm>
-            <a:off x="1018650" y="2037164"/>
-            <a:ext cx="7336762" cy="3416300"/>
-            <a:chOff x="1008407" y="2974562"/>
-            <a:chExt cx="7336762" cy="3416300"/>
-          </a:xfrm>
-        </p:grpSpPr>
-        <p:sp>
-          <p:nvSpPr>
-            <p:cNvPr id="3" name="Arrow: Right 2"/>
-            <p:cNvSpPr/>
-            <p:nvPr/>
-          </p:nvSpPr>
-          <p:spPr>
-            <a:xfrm>
-              <a:off x="1008407" y="2974562"/>
-              <a:ext cx="6812583" cy="3416300"/>
-            </a:xfrm>
-            <a:prstGeom prst="rightArrow">
-              <a:avLst/>
-            </a:prstGeom>
-          </p:spPr>
-          <p:style>
-            <a:lnRef idx="0">
-              <a:schemeClr val="accent1">
-                <a:hueOff val="0"/>
-                <a:satOff val="0"/>
-                <a:lumOff val="0"/>
-                <a:alphaOff val="0"/>
-              </a:schemeClr>
-            </a:lnRef>
-            <a:fillRef idx="1">
-              <a:schemeClr val="accent1">
-                <a:tint val="40000"/>
-                <a:hueOff val="0"/>
-                <a:satOff val="0"/>
-                <a:lumOff val="0"/>
-                <a:alphaOff val="0"/>
-              </a:schemeClr>
-            </a:fillRef>
-            <a:effectRef idx="0">
-              <a:schemeClr val="accent1">
-                <a:tint val="40000"/>
-                <a:hueOff val="0"/>
-                <a:satOff val="0"/>
-                <a:lumOff val="0"/>
-                <a:alphaOff val="0"/>
-              </a:schemeClr>
-            </a:effectRef>
-            <a:fontRef idx="minor">
-              <a:schemeClr val="dk1">
-                <a:hueOff val="0"/>
-                <a:satOff val="0"/>
-                <a:lumOff val="0"/>
-                <a:alphaOff val="0"/>
-              </a:schemeClr>
-            </a:fontRef>
-          </p:style>
-        </p:sp>
-        <p:sp>
-          <p:nvSpPr>
-            <p:cNvPr id="6" name="Freeform: Shape 5"/>
-            <p:cNvSpPr/>
-            <p:nvPr/>
-          </p:nvSpPr>
-          <p:spPr>
-            <a:xfrm>
-              <a:off x="1290430" y="3999452"/>
-              <a:ext cx="1971521" cy="1366520"/>
-            </a:xfrm>
-            <a:custGeom>
-              <a:avLst/>
-              <a:gdLst>
-                <a:gd name="connsiteX0" fmla="*/ 0 w 1971521"/>
-                <a:gd name="connsiteY0" fmla="*/ 227758 h 1366520"/>
-                <a:gd name="connsiteX1" fmla="*/ 227758 w 1971521"/>
-                <a:gd name="connsiteY1" fmla="*/ 0 h 1366520"/>
-                <a:gd name="connsiteX2" fmla="*/ 1743763 w 1971521"/>
-                <a:gd name="connsiteY2" fmla="*/ 0 h 1366520"/>
-                <a:gd name="connsiteX3" fmla="*/ 1971521 w 1971521"/>
-                <a:gd name="connsiteY3" fmla="*/ 227758 h 1366520"/>
-                <a:gd name="connsiteX4" fmla="*/ 1971521 w 1971521"/>
-                <a:gd name="connsiteY4" fmla="*/ 1138762 h 1366520"/>
-                <a:gd name="connsiteX5" fmla="*/ 1743763 w 1971521"/>
-                <a:gd name="connsiteY5" fmla="*/ 1366520 h 1366520"/>
-                <a:gd name="connsiteX6" fmla="*/ 227758 w 1971521"/>
-                <a:gd name="connsiteY6" fmla="*/ 1366520 h 1366520"/>
-                <a:gd name="connsiteX7" fmla="*/ 0 w 1971521"/>
-                <a:gd name="connsiteY7" fmla="*/ 1138762 h 1366520"/>
-                <a:gd name="connsiteX8" fmla="*/ 0 w 1971521"/>
-                <a:gd name="connsiteY8" fmla="*/ 227758 h 1366520"/>
-              </a:gdLst>
-              <a:ahLst/>
-              <a:cxnLst>
-                <a:cxn ang="0">
-                  <a:pos x="connsiteX0" y="connsiteY0"/>
-                </a:cxn>
-                <a:cxn ang="0">
-                  <a:pos x="connsiteX1" y="connsiteY1"/>
-                </a:cxn>
-                <a:cxn ang="0">
-                  <a:pos x="connsiteX2" y="connsiteY2"/>
-                </a:cxn>
-                <a:cxn ang="0">
-                  <a:pos x="connsiteX3" y="connsiteY3"/>
-                </a:cxn>
-                <a:cxn ang="0">
-                  <a:pos x="connsiteX4" y="connsiteY4"/>
-                </a:cxn>
-                <a:cxn ang="0">
-                  <a:pos x="connsiteX5" y="connsiteY5"/>
-                </a:cxn>
-                <a:cxn ang="0">
-                  <a:pos x="connsiteX6" y="connsiteY6"/>
-                </a:cxn>
-                <a:cxn ang="0">
-                  <a:pos x="connsiteX7" y="connsiteY7"/>
-                </a:cxn>
-                <a:cxn ang="0">
-                  <a:pos x="connsiteX8" y="connsiteY8"/>
-                </a:cxn>
-              </a:cxnLst>
-              <a:rect l="l" t="t" r="r" b="b"/>
-              <a:pathLst>
-                <a:path w="1971521" h="1366520">
-                  <a:moveTo>
-                    <a:pt x="0" y="227758"/>
-                  </a:moveTo>
-                  <a:cubicBezTo>
-                    <a:pt x="0" y="101971"/>
-                    <a:pt x="101971" y="0"/>
-                    <a:pt x="227758" y="0"/>
-                  </a:cubicBezTo>
-                  <a:lnTo>
-                    <a:pt x="1743763" y="0"/>
-                  </a:lnTo>
-                  <a:cubicBezTo>
-                    <a:pt x="1869550" y="0"/>
-                    <a:pt x="1971521" y="101971"/>
-                    <a:pt x="1971521" y="227758"/>
-                  </a:cubicBezTo>
-                  <a:lnTo>
-                    <a:pt x="1971521" y="1138762"/>
-                  </a:lnTo>
-                  <a:cubicBezTo>
-                    <a:pt x="1971521" y="1264549"/>
-                    <a:pt x="1869550" y="1366520"/>
-                    <a:pt x="1743763" y="1366520"/>
-                  </a:cubicBezTo>
-                  <a:lnTo>
-                    <a:pt x="227758" y="1366520"/>
-                  </a:lnTo>
-                  <a:cubicBezTo>
-                    <a:pt x="101971" y="1366520"/>
-                    <a:pt x="0" y="1264549"/>
-                    <a:pt x="0" y="1138762"/>
-                  </a:cubicBezTo>
-                  <a:lnTo>
-                    <a:pt x="0" y="227758"/>
-                  </a:lnTo>
-                  <a:close/>
-                </a:path>
-              </a:pathLst>
-            </a:custGeom>
-          </p:spPr>
-          <p:style>
-            <a:lnRef idx="2">
-              <a:schemeClr val="lt1">
-                <a:hueOff val="0"/>
-                <a:satOff val="0"/>
-                <a:lumOff val="0"/>
-                <a:alphaOff val="0"/>
-              </a:schemeClr>
-            </a:lnRef>
-            <a:fillRef idx="1">
-              <a:schemeClr val="accent1">
-                <a:hueOff val="0"/>
-                <a:satOff val="0"/>
-                <a:lumOff val="0"/>
-                <a:alphaOff val="0"/>
-              </a:schemeClr>
-            </a:fillRef>
-            <a:effectRef idx="0">
-              <a:schemeClr val="accent1">
-                <a:hueOff val="0"/>
-                <a:satOff val="0"/>
-                <a:lumOff val="0"/>
-                <a:alphaOff val="0"/>
-              </a:schemeClr>
-            </a:effectRef>
-            <a:fontRef idx="minor">
-              <a:schemeClr val="lt1"/>
-            </a:fontRef>
-          </p:style>
-          <p:txBody>
-            <a:bodyPr spcFirstLastPara="0" vert="horz" wrap="square" lIns="127668" tIns="127668" rIns="127668" bIns="127668" numCol="1" spcCol="1270" anchor="ctr" anchorCtr="0">
-              <a:noAutofit/>
-            </a:bodyPr>
-            <a:lstStyle/>
-            <a:p>
-              <a:pPr marL="0" lvl="0" indent="0" algn="ctr" defTabSz="711200">
-                <a:lnSpc>
-                  <a:spcPct val="90000"/>
-                </a:lnSpc>
-                <a:spcBef>
-                  <a:spcPct val="0"/>
-                </a:spcBef>
-                <a:spcAft>
-                  <a:spcPct val="35000"/>
-                </a:spcAft>
-                <a:buNone/>
-              </a:pPr>
-              <a:r>
-                <a:rPr lang="en-US" sz="1600" kern="1200" dirty="0" err="1">
-                  <a:latin typeface="Arial" panose="020B0604020202020204" pitchFamily="34" charset="0"/>
-                  <a:cs typeface="Arial" panose="020B0604020202020204" pitchFamily="34" charset="0"/>
-                </a:rPr>
-                <a:t>Bố</a:t>
-              </a:r>
-              <a:r>
-                <a:rPr lang="en-US" sz="1600" kern="1200" dirty="0">
-                  <a:latin typeface="Arial" panose="020B0604020202020204" pitchFamily="34" charset="0"/>
-                  <a:cs typeface="Arial" panose="020B0604020202020204" pitchFamily="34" charset="0"/>
-                </a:rPr>
-                <a:t> </a:t>
-              </a:r>
-              <a:r>
-                <a:rPr lang="en-US" sz="1600" kern="1200" dirty="0" err="1">
-                  <a:latin typeface="Arial" panose="020B0604020202020204" pitchFamily="34" charset="0"/>
-                  <a:cs typeface="Arial" panose="020B0604020202020204" pitchFamily="34" charset="0"/>
-                </a:rPr>
-                <a:t>cục</a:t>
-              </a:r>
-              <a:r>
-                <a:rPr lang="en-US" sz="1600" kern="1200" dirty="0">
-                  <a:latin typeface="Arial" panose="020B0604020202020204" pitchFamily="34" charset="0"/>
-                  <a:cs typeface="Arial" panose="020B0604020202020204" pitchFamily="34" charset="0"/>
-                </a:rPr>
-                <a:t> </a:t>
-              </a:r>
-              <a:r>
-                <a:rPr lang="en-US" sz="1600" kern="1200" dirty="0" err="1">
-                  <a:latin typeface="Arial" panose="020B0604020202020204" pitchFamily="34" charset="0"/>
-                  <a:cs typeface="Arial" panose="020B0604020202020204" pitchFamily="34" charset="0"/>
-                </a:rPr>
-                <a:t>giao</a:t>
-              </a:r>
-              <a:r>
-                <a:rPr lang="en-US" sz="1600" kern="1200" dirty="0">
-                  <a:latin typeface="Arial" panose="020B0604020202020204" pitchFamily="34" charset="0"/>
-                  <a:cs typeface="Arial" panose="020B0604020202020204" pitchFamily="34" charset="0"/>
-                </a:rPr>
-                <a:t> </a:t>
-              </a:r>
-              <a:r>
-                <a:rPr lang="en-US" sz="1600" kern="1200" dirty="0" err="1">
-                  <a:latin typeface="Arial" panose="020B0604020202020204" pitchFamily="34" charset="0"/>
-                  <a:cs typeface="Arial" panose="020B0604020202020204" pitchFamily="34" charset="0"/>
-                </a:rPr>
-                <a:t>diện</a:t>
-              </a:r>
-              <a:r>
-                <a:rPr lang="en-US" sz="1600" kern="1200" dirty="0">
-                  <a:latin typeface="Arial" panose="020B0604020202020204" pitchFamily="34" charset="0"/>
-                  <a:cs typeface="Arial" panose="020B0604020202020204" pitchFamily="34" charset="0"/>
-                </a:rPr>
-                <a:t> </a:t>
-              </a:r>
-              <a:r>
-                <a:rPr lang="en-US" sz="1600" kern="1200" dirty="0" err="1">
-                  <a:latin typeface="Arial" panose="020B0604020202020204" pitchFamily="34" charset="0"/>
-                  <a:cs typeface="Arial" panose="020B0604020202020204" pitchFamily="34" charset="0"/>
-                </a:rPr>
-                <a:t>trang</a:t>
-              </a:r>
-              <a:r>
-                <a:rPr lang="en-US" sz="1600" kern="1200" dirty="0">
-                  <a:latin typeface="Arial" panose="020B0604020202020204" pitchFamily="34" charset="0"/>
-                  <a:cs typeface="Arial" panose="020B0604020202020204" pitchFamily="34" charset="0"/>
-                </a:rPr>
-                <a:t> website </a:t>
-              </a:r>
-              <a:r>
-                <a:rPr lang="en-US" sz="1600" kern="1200" dirty="0" err="1">
-                  <a:latin typeface="Arial" panose="020B0604020202020204" pitchFamily="34" charset="0"/>
-                  <a:cs typeface="Arial" panose="020B0604020202020204" pitchFamily="34" charset="0"/>
-                </a:rPr>
-                <a:t>chuẩn</a:t>
-              </a:r>
-              <a:r>
-                <a:rPr lang="en-US" sz="1600" kern="1200" dirty="0">
-                  <a:latin typeface="Arial" panose="020B0604020202020204" pitchFamily="34" charset="0"/>
-                  <a:cs typeface="Arial" panose="020B0604020202020204" pitchFamily="34" charset="0"/>
-                </a:rPr>
-                <a:t>.</a:t>
-              </a:r>
-              <a:endParaRPr lang="en-US" sz="1600" kern="1200" dirty="0"/>
-            </a:p>
-          </p:txBody>
-        </p:sp>
-        <p:sp>
-          <p:nvSpPr>
-            <p:cNvPr id="9" name="Freeform: Shape 8"/>
-            <p:cNvSpPr/>
-            <p:nvPr/>
-          </p:nvSpPr>
-          <p:spPr>
-            <a:xfrm>
-              <a:off x="3399119" y="3999452"/>
-              <a:ext cx="2404441" cy="1366520"/>
-            </a:xfrm>
-            <a:custGeom>
-              <a:avLst/>
-              <a:gdLst>
-                <a:gd name="connsiteX0" fmla="*/ 0 w 2404441"/>
-                <a:gd name="connsiteY0" fmla="*/ 227758 h 1366520"/>
-                <a:gd name="connsiteX1" fmla="*/ 227758 w 2404441"/>
-                <a:gd name="connsiteY1" fmla="*/ 0 h 1366520"/>
-                <a:gd name="connsiteX2" fmla="*/ 2176683 w 2404441"/>
-                <a:gd name="connsiteY2" fmla="*/ 0 h 1366520"/>
-                <a:gd name="connsiteX3" fmla="*/ 2404441 w 2404441"/>
-                <a:gd name="connsiteY3" fmla="*/ 227758 h 1366520"/>
-                <a:gd name="connsiteX4" fmla="*/ 2404441 w 2404441"/>
-                <a:gd name="connsiteY4" fmla="*/ 1138762 h 1366520"/>
-                <a:gd name="connsiteX5" fmla="*/ 2176683 w 2404441"/>
-                <a:gd name="connsiteY5" fmla="*/ 1366520 h 1366520"/>
-                <a:gd name="connsiteX6" fmla="*/ 227758 w 2404441"/>
-                <a:gd name="connsiteY6" fmla="*/ 1366520 h 1366520"/>
-                <a:gd name="connsiteX7" fmla="*/ 0 w 2404441"/>
-                <a:gd name="connsiteY7" fmla="*/ 1138762 h 1366520"/>
-                <a:gd name="connsiteX8" fmla="*/ 0 w 2404441"/>
-                <a:gd name="connsiteY8" fmla="*/ 227758 h 1366520"/>
-              </a:gdLst>
-              <a:ahLst/>
-              <a:cxnLst>
-                <a:cxn ang="0">
-                  <a:pos x="connsiteX0" y="connsiteY0"/>
-                </a:cxn>
-                <a:cxn ang="0">
-                  <a:pos x="connsiteX1" y="connsiteY1"/>
-                </a:cxn>
-                <a:cxn ang="0">
-                  <a:pos x="connsiteX2" y="connsiteY2"/>
-                </a:cxn>
-                <a:cxn ang="0">
-                  <a:pos x="connsiteX3" y="connsiteY3"/>
-                </a:cxn>
-                <a:cxn ang="0">
-                  <a:pos x="connsiteX4" y="connsiteY4"/>
-                </a:cxn>
-                <a:cxn ang="0">
-                  <a:pos x="connsiteX5" y="connsiteY5"/>
-                </a:cxn>
-                <a:cxn ang="0">
-                  <a:pos x="connsiteX6" y="connsiteY6"/>
-                </a:cxn>
-                <a:cxn ang="0">
-                  <a:pos x="connsiteX7" y="connsiteY7"/>
-                </a:cxn>
-                <a:cxn ang="0">
-                  <a:pos x="connsiteX8" y="connsiteY8"/>
-                </a:cxn>
-              </a:cxnLst>
-              <a:rect l="l" t="t" r="r" b="b"/>
-              <a:pathLst>
-                <a:path w="2404441" h="1366520">
-                  <a:moveTo>
-                    <a:pt x="0" y="227758"/>
-                  </a:moveTo>
-                  <a:cubicBezTo>
-                    <a:pt x="0" y="101971"/>
-                    <a:pt x="101971" y="0"/>
-                    <a:pt x="227758" y="0"/>
-                  </a:cubicBezTo>
-                  <a:lnTo>
-                    <a:pt x="2176683" y="0"/>
-                  </a:lnTo>
-                  <a:cubicBezTo>
-                    <a:pt x="2302470" y="0"/>
-                    <a:pt x="2404441" y="101971"/>
-                    <a:pt x="2404441" y="227758"/>
-                  </a:cubicBezTo>
-                  <a:lnTo>
-                    <a:pt x="2404441" y="1138762"/>
-                  </a:lnTo>
-                  <a:cubicBezTo>
-                    <a:pt x="2404441" y="1264549"/>
-                    <a:pt x="2302470" y="1366520"/>
-                    <a:pt x="2176683" y="1366520"/>
-                  </a:cubicBezTo>
-                  <a:lnTo>
-                    <a:pt x="227758" y="1366520"/>
-                  </a:lnTo>
-                  <a:cubicBezTo>
-                    <a:pt x="101971" y="1366520"/>
-                    <a:pt x="0" y="1264549"/>
-                    <a:pt x="0" y="1138762"/>
-                  </a:cubicBezTo>
-                  <a:lnTo>
-                    <a:pt x="0" y="227758"/>
-                  </a:lnTo>
-                  <a:close/>
-                </a:path>
-              </a:pathLst>
-            </a:custGeom>
-          </p:spPr>
-          <p:style>
-            <a:lnRef idx="2">
-              <a:schemeClr val="lt1">
-                <a:hueOff val="0"/>
-                <a:satOff val="0"/>
-                <a:lumOff val="0"/>
-                <a:alphaOff val="0"/>
-              </a:schemeClr>
-            </a:lnRef>
-            <a:fillRef idx="1">
-              <a:schemeClr val="accent1">
-                <a:hueOff val="0"/>
-                <a:satOff val="0"/>
-                <a:lumOff val="0"/>
-                <a:alphaOff val="0"/>
-              </a:schemeClr>
-            </a:fillRef>
-            <a:effectRef idx="0">
-              <a:schemeClr val="accent1">
-                <a:hueOff val="0"/>
-                <a:satOff val="0"/>
-                <a:lumOff val="0"/>
-                <a:alphaOff val="0"/>
-              </a:schemeClr>
-            </a:effectRef>
-            <a:fontRef idx="minor">
-              <a:schemeClr val="lt1"/>
-            </a:fontRef>
-          </p:style>
-          <p:txBody>
-            <a:bodyPr spcFirstLastPara="0" vert="horz" wrap="square" lIns="127668" tIns="127668" rIns="127668" bIns="127668" numCol="1" spcCol="1270" anchor="ctr" anchorCtr="0">
-              <a:noAutofit/>
-            </a:bodyPr>
-            <a:lstStyle/>
-            <a:p>
-              <a:pPr marL="0" lvl="0" indent="0" algn="ctr" defTabSz="711200">
-                <a:lnSpc>
-                  <a:spcPct val="90000"/>
-                </a:lnSpc>
-                <a:spcBef>
-                  <a:spcPct val="0"/>
-                </a:spcBef>
-                <a:spcAft>
-                  <a:spcPct val="35000"/>
-                </a:spcAft>
-                <a:buNone/>
-              </a:pPr>
-              <a:r>
-                <a:rPr lang="en-US" sz="1600" kern="1200" dirty="0" err="1">
-                  <a:latin typeface="Arial" panose="020B0604020202020204" pitchFamily="34" charset="0"/>
-                  <a:cs typeface="Arial" panose="020B0604020202020204" pitchFamily="34" charset="0"/>
-                </a:rPr>
-                <a:t>Màu</a:t>
-              </a:r>
-              <a:r>
-                <a:rPr lang="en-US" sz="1600" kern="1200" dirty="0">
-                  <a:latin typeface="Arial" panose="020B0604020202020204" pitchFamily="34" charset="0"/>
-                  <a:cs typeface="Arial" panose="020B0604020202020204" pitchFamily="34" charset="0"/>
-                </a:rPr>
-                <a:t> nền trắng chủ đạo đơn giản, </a:t>
-              </a:r>
-              <a:r>
-                <a:rPr lang="en-US" sz="1600" kern="1200" dirty="0" err="1">
-                  <a:latin typeface="Arial" panose="020B0604020202020204" pitchFamily="34" charset="0"/>
-                  <a:cs typeface="Arial" panose="020B0604020202020204" pitchFamily="34" charset="0"/>
-                </a:rPr>
-                <a:t>làm</a:t>
-              </a:r>
-              <a:r>
-                <a:rPr lang="en-US" sz="1600" kern="1200" dirty="0">
-                  <a:latin typeface="Arial" panose="020B0604020202020204" pitchFamily="34" charset="0"/>
-                  <a:cs typeface="Arial" panose="020B0604020202020204" pitchFamily="34" charset="0"/>
-                </a:rPr>
-                <a:t> </a:t>
-              </a:r>
-              <a:r>
-                <a:rPr lang="en-US" sz="1600" kern="1200" dirty="0" err="1">
-                  <a:latin typeface="Arial" panose="020B0604020202020204" pitchFamily="34" charset="0"/>
-                  <a:cs typeface="Arial" panose="020B0604020202020204" pitchFamily="34" charset="0"/>
-                </a:rPr>
-                <a:t>nổi</a:t>
-              </a:r>
-              <a:r>
-                <a:rPr lang="en-US" sz="1600" kern="1200" dirty="0">
-                  <a:latin typeface="Arial" panose="020B0604020202020204" pitchFamily="34" charset="0"/>
-                  <a:cs typeface="Arial" panose="020B0604020202020204" pitchFamily="34" charset="0"/>
-                </a:rPr>
-                <a:t> </a:t>
-              </a:r>
-              <a:r>
-                <a:rPr lang="en-US" sz="1600" kern="1200" dirty="0" err="1">
-                  <a:latin typeface="Arial" panose="020B0604020202020204" pitchFamily="34" charset="0"/>
-                  <a:cs typeface="Arial" panose="020B0604020202020204" pitchFamily="34" charset="0"/>
-                </a:rPr>
-                <a:t>bật</a:t>
-              </a:r>
-              <a:r>
-                <a:rPr lang="en-US" sz="1600" kern="1200" dirty="0">
-                  <a:latin typeface="Arial" panose="020B0604020202020204" pitchFamily="34" charset="0"/>
-                  <a:cs typeface="Arial" panose="020B0604020202020204" pitchFamily="34" charset="0"/>
-                </a:rPr>
-                <a:t> </a:t>
-              </a:r>
-              <a:r>
-                <a:rPr lang="en-US" sz="1600" kern="1200" dirty="0" err="1">
-                  <a:latin typeface="Arial" panose="020B0604020202020204" pitchFamily="34" charset="0"/>
-                  <a:cs typeface="Arial" panose="020B0604020202020204" pitchFamily="34" charset="0"/>
-                </a:rPr>
-                <a:t>sản</a:t>
-              </a:r>
-              <a:r>
-                <a:rPr lang="en-US" sz="1600" kern="1200" dirty="0">
-                  <a:latin typeface="Arial" panose="020B0604020202020204" pitchFamily="34" charset="0"/>
-                  <a:cs typeface="Arial" panose="020B0604020202020204" pitchFamily="34" charset="0"/>
-                </a:rPr>
-                <a:t> </a:t>
-              </a:r>
-              <a:r>
-                <a:rPr lang="en-US" sz="1600" kern="1200" dirty="0" err="1">
-                  <a:latin typeface="Arial" panose="020B0604020202020204" pitchFamily="34" charset="0"/>
-                  <a:cs typeface="Arial" panose="020B0604020202020204" pitchFamily="34" charset="0"/>
-                </a:rPr>
-                <a:t>phẩm</a:t>
-              </a:r>
-              <a:r>
-                <a:rPr lang="en-US" sz="1600" kern="1200" dirty="0">
-                  <a:latin typeface="Arial" panose="020B0604020202020204" pitchFamily="34" charset="0"/>
-                  <a:cs typeface="Arial" panose="020B0604020202020204" pitchFamily="34" charset="0"/>
-                </a:rPr>
-                <a:t>.</a:t>
-              </a:r>
-              <a:endParaRPr lang="en-US" sz="1600" kern="1200" dirty="0"/>
-            </a:p>
-          </p:txBody>
-        </p:sp>
-        <p:sp>
-          <p:nvSpPr>
-            <p:cNvPr id="10" name="Freeform: Shape 9"/>
-            <p:cNvSpPr/>
-            <p:nvPr/>
-          </p:nvSpPr>
-          <p:spPr>
-            <a:xfrm>
-              <a:off x="5940728" y="3999452"/>
-              <a:ext cx="2404441" cy="1366520"/>
-            </a:xfrm>
-            <a:custGeom>
-              <a:avLst/>
-              <a:gdLst>
-                <a:gd name="connsiteX0" fmla="*/ 0 w 2404441"/>
-                <a:gd name="connsiteY0" fmla="*/ 227758 h 1366520"/>
-                <a:gd name="connsiteX1" fmla="*/ 227758 w 2404441"/>
-                <a:gd name="connsiteY1" fmla="*/ 0 h 1366520"/>
-                <a:gd name="connsiteX2" fmla="*/ 2176683 w 2404441"/>
-                <a:gd name="connsiteY2" fmla="*/ 0 h 1366520"/>
-                <a:gd name="connsiteX3" fmla="*/ 2404441 w 2404441"/>
-                <a:gd name="connsiteY3" fmla="*/ 227758 h 1366520"/>
-                <a:gd name="connsiteX4" fmla="*/ 2404441 w 2404441"/>
-                <a:gd name="connsiteY4" fmla="*/ 1138762 h 1366520"/>
-                <a:gd name="connsiteX5" fmla="*/ 2176683 w 2404441"/>
-                <a:gd name="connsiteY5" fmla="*/ 1366520 h 1366520"/>
-                <a:gd name="connsiteX6" fmla="*/ 227758 w 2404441"/>
-                <a:gd name="connsiteY6" fmla="*/ 1366520 h 1366520"/>
-                <a:gd name="connsiteX7" fmla="*/ 0 w 2404441"/>
-                <a:gd name="connsiteY7" fmla="*/ 1138762 h 1366520"/>
-                <a:gd name="connsiteX8" fmla="*/ 0 w 2404441"/>
-                <a:gd name="connsiteY8" fmla="*/ 227758 h 1366520"/>
-              </a:gdLst>
-              <a:ahLst/>
-              <a:cxnLst>
-                <a:cxn ang="0">
-                  <a:pos x="connsiteX0" y="connsiteY0"/>
-                </a:cxn>
-                <a:cxn ang="0">
-                  <a:pos x="connsiteX1" y="connsiteY1"/>
-                </a:cxn>
-                <a:cxn ang="0">
-                  <a:pos x="connsiteX2" y="connsiteY2"/>
-                </a:cxn>
-                <a:cxn ang="0">
-                  <a:pos x="connsiteX3" y="connsiteY3"/>
-                </a:cxn>
-                <a:cxn ang="0">
-                  <a:pos x="connsiteX4" y="connsiteY4"/>
-                </a:cxn>
-                <a:cxn ang="0">
-                  <a:pos x="connsiteX5" y="connsiteY5"/>
-                </a:cxn>
-                <a:cxn ang="0">
-                  <a:pos x="connsiteX6" y="connsiteY6"/>
-                </a:cxn>
-                <a:cxn ang="0">
-                  <a:pos x="connsiteX7" y="connsiteY7"/>
-                </a:cxn>
-                <a:cxn ang="0">
-                  <a:pos x="connsiteX8" y="connsiteY8"/>
-                </a:cxn>
-              </a:cxnLst>
-              <a:rect l="l" t="t" r="r" b="b"/>
-              <a:pathLst>
-                <a:path w="2404441" h="1366520">
-                  <a:moveTo>
-                    <a:pt x="0" y="227758"/>
-                  </a:moveTo>
-                  <a:cubicBezTo>
-                    <a:pt x="0" y="101971"/>
-                    <a:pt x="101971" y="0"/>
-                    <a:pt x="227758" y="0"/>
-                  </a:cubicBezTo>
-                  <a:lnTo>
-                    <a:pt x="2176683" y="0"/>
-                  </a:lnTo>
-                  <a:cubicBezTo>
-                    <a:pt x="2302470" y="0"/>
-                    <a:pt x="2404441" y="101971"/>
-                    <a:pt x="2404441" y="227758"/>
-                  </a:cubicBezTo>
-                  <a:lnTo>
-                    <a:pt x="2404441" y="1138762"/>
-                  </a:lnTo>
-                  <a:cubicBezTo>
-                    <a:pt x="2404441" y="1264549"/>
-                    <a:pt x="2302470" y="1366520"/>
-                    <a:pt x="2176683" y="1366520"/>
-                  </a:cubicBezTo>
-                  <a:lnTo>
-                    <a:pt x="227758" y="1366520"/>
-                  </a:lnTo>
-                  <a:cubicBezTo>
-                    <a:pt x="101971" y="1366520"/>
-                    <a:pt x="0" y="1264549"/>
-                    <a:pt x="0" y="1138762"/>
-                  </a:cubicBezTo>
-                  <a:lnTo>
-                    <a:pt x="0" y="227758"/>
-                  </a:lnTo>
-                  <a:close/>
-                </a:path>
-              </a:pathLst>
-            </a:custGeom>
-          </p:spPr>
-          <p:style>
-            <a:lnRef idx="2">
-              <a:schemeClr val="lt1">
-                <a:hueOff val="0"/>
-                <a:satOff val="0"/>
-                <a:lumOff val="0"/>
-                <a:alphaOff val="0"/>
-              </a:schemeClr>
-            </a:lnRef>
-            <a:fillRef idx="1">
-              <a:schemeClr val="accent1">
-                <a:hueOff val="0"/>
-                <a:satOff val="0"/>
-                <a:lumOff val="0"/>
-                <a:alphaOff val="0"/>
-              </a:schemeClr>
-            </a:fillRef>
-            <a:effectRef idx="0">
-              <a:schemeClr val="accent1">
-                <a:hueOff val="0"/>
-                <a:satOff val="0"/>
-                <a:lumOff val="0"/>
-                <a:alphaOff val="0"/>
-              </a:schemeClr>
-            </a:effectRef>
-            <a:fontRef idx="minor">
-              <a:schemeClr val="lt1"/>
-            </a:fontRef>
-          </p:style>
-          <p:txBody>
-            <a:bodyPr spcFirstLastPara="0" vert="horz" wrap="square" lIns="127668" tIns="127668" rIns="127668" bIns="127668" numCol="1" spcCol="1270" anchor="ctr" anchorCtr="0">
-              <a:noAutofit/>
-            </a:bodyPr>
-            <a:lstStyle/>
-            <a:p>
-              <a:pPr marL="0" lvl="0" indent="0" algn="ctr" defTabSz="711200">
-                <a:lnSpc>
-                  <a:spcPct val="90000"/>
-                </a:lnSpc>
-                <a:spcBef>
-                  <a:spcPct val="0"/>
-                </a:spcBef>
-                <a:spcAft>
-                  <a:spcPct val="35000"/>
-                </a:spcAft>
-                <a:buNone/>
-              </a:pPr>
-              <a:r>
-                <a:rPr lang="en-US" sz="1600" kern="1200" dirty="0" err="1">
-                  <a:latin typeface="Arial" panose="020B0604020202020204" pitchFamily="34" charset="0"/>
-                  <a:cs typeface="Arial" panose="020B0604020202020204" pitchFamily="34" charset="0"/>
-                </a:rPr>
-                <a:t>Hệ</a:t>
-              </a:r>
-              <a:r>
-                <a:rPr lang="en-US" sz="1600" kern="1200" dirty="0">
-                  <a:latin typeface="Arial" panose="020B0604020202020204" pitchFamily="34" charset="0"/>
-                  <a:cs typeface="Arial" panose="020B0604020202020204" pitchFamily="34" charset="0"/>
-                </a:rPr>
-                <a:t> </a:t>
-              </a:r>
-              <a:r>
-                <a:rPr lang="en-US" sz="1600" kern="1200" dirty="0" err="1">
-                  <a:latin typeface="Arial" panose="020B0604020202020204" pitchFamily="34" charset="0"/>
-                  <a:cs typeface="Arial" panose="020B0604020202020204" pitchFamily="34" charset="0"/>
-                </a:rPr>
-                <a:t>thống</a:t>
-              </a:r>
-              <a:r>
-                <a:rPr lang="en-US" sz="1600" kern="1200" dirty="0">
-                  <a:latin typeface="Arial" panose="020B0604020202020204" pitchFamily="34" charset="0"/>
-                  <a:cs typeface="Arial" panose="020B0604020202020204" pitchFamily="34" charset="0"/>
-                </a:rPr>
-                <a:t> website đ</a:t>
-              </a:r>
-              <a:r>
-                <a:rPr lang="vi-VN" sz="1600" kern="1200" dirty="0">
-                  <a:latin typeface="Arial" panose="020B0604020202020204" pitchFamily="34" charset="0"/>
-                  <a:cs typeface="Arial" panose="020B0604020202020204" pitchFamily="34" charset="0"/>
-                </a:rPr>
-                <a:t>ư</a:t>
-              </a:r>
-              <a:r>
-                <a:rPr lang="en-US" sz="1600" kern="1200" dirty="0" err="1">
-                  <a:latin typeface="Arial" panose="020B0604020202020204" pitchFamily="34" charset="0"/>
-                  <a:cs typeface="Arial" panose="020B0604020202020204" pitchFamily="34" charset="0"/>
-                </a:rPr>
-                <a:t>ợc</a:t>
-              </a:r>
-              <a:r>
-                <a:rPr lang="en-US" sz="1600" kern="1200" dirty="0">
-                  <a:latin typeface="Arial" panose="020B0604020202020204" pitchFamily="34" charset="0"/>
-                  <a:cs typeface="Arial" panose="020B0604020202020204" pitchFamily="34" charset="0"/>
-                </a:rPr>
-                <a:t> </a:t>
-              </a:r>
-              <a:r>
-                <a:rPr lang="en-US" sz="1600" kern="1200" dirty="0" err="1">
-                  <a:latin typeface="Arial" panose="020B0604020202020204" pitchFamily="34" charset="0"/>
-                  <a:cs typeface="Arial" panose="020B0604020202020204" pitchFamily="34" charset="0"/>
-                </a:rPr>
-                <a:t>phân</a:t>
-              </a:r>
-              <a:r>
-                <a:rPr lang="en-US" sz="1600" kern="1200" dirty="0">
-                  <a:latin typeface="Arial" panose="020B0604020202020204" pitchFamily="34" charset="0"/>
-                  <a:cs typeface="Arial" panose="020B0604020202020204" pitchFamily="34" charset="0"/>
-                </a:rPr>
-                <a:t> chia </a:t>
-              </a:r>
-              <a:r>
-                <a:rPr lang="en-US" sz="1600" kern="1200" dirty="0" err="1">
-                  <a:latin typeface="Arial" panose="020B0604020202020204" pitchFamily="34" charset="0"/>
-                  <a:cs typeface="Arial" panose="020B0604020202020204" pitchFamily="34" charset="0"/>
-                </a:rPr>
-                <a:t>rõ</a:t>
-              </a:r>
-              <a:r>
-                <a:rPr lang="en-US" sz="1600" kern="1200" dirty="0">
-                  <a:latin typeface="Arial" panose="020B0604020202020204" pitchFamily="34" charset="0"/>
-                  <a:cs typeface="Arial" panose="020B0604020202020204" pitchFamily="34" charset="0"/>
-                </a:rPr>
-                <a:t> </a:t>
-              </a:r>
-              <a:r>
-                <a:rPr lang="en-US" sz="1600" kern="1200" dirty="0" err="1">
-                  <a:latin typeface="Arial" panose="020B0604020202020204" pitchFamily="34" charset="0"/>
-                  <a:cs typeface="Arial" panose="020B0604020202020204" pitchFamily="34" charset="0"/>
-                </a:rPr>
-                <a:t>ràng</a:t>
-              </a:r>
-              <a:r>
-                <a:rPr lang="en-US" sz="1600" kern="1200" dirty="0">
-                  <a:latin typeface="Arial" panose="020B0604020202020204" pitchFamily="34" charset="0"/>
-                  <a:cs typeface="Arial" panose="020B0604020202020204" pitchFamily="34" charset="0"/>
-                </a:rPr>
-                <a:t>. </a:t>
-              </a:r>
-              <a:r>
-                <a:rPr lang="en-US" sz="1600" kern="1200" dirty="0" err="1">
-                  <a:latin typeface="Arial" panose="020B0604020202020204" pitchFamily="34" charset="0"/>
-                  <a:cs typeface="Arial" panose="020B0604020202020204" pitchFamily="34" charset="0"/>
-                </a:rPr>
-                <a:t>Giúp</a:t>
-              </a:r>
-              <a:r>
-                <a:rPr lang="en-US" sz="1600" kern="1200" dirty="0">
-                  <a:latin typeface="Arial" panose="020B0604020202020204" pitchFamily="34" charset="0"/>
-                  <a:cs typeface="Arial" panose="020B0604020202020204" pitchFamily="34" charset="0"/>
-                </a:rPr>
-                <a:t> ng</a:t>
-              </a:r>
-              <a:r>
-                <a:rPr lang="vi-VN" sz="1600" kern="1200" dirty="0">
-                  <a:latin typeface="Arial" panose="020B0604020202020204" pitchFamily="34" charset="0"/>
-                  <a:cs typeface="Arial" panose="020B0604020202020204" pitchFamily="34" charset="0"/>
-                </a:rPr>
-                <a:t>ư</a:t>
-              </a:r>
-              <a:r>
-                <a:rPr lang="en-US" sz="1600" kern="1200" dirty="0" err="1">
-                  <a:latin typeface="Arial" panose="020B0604020202020204" pitchFamily="34" charset="0"/>
-                  <a:cs typeface="Arial" panose="020B0604020202020204" pitchFamily="34" charset="0"/>
-                </a:rPr>
-                <a:t>ời</a:t>
-              </a:r>
-              <a:r>
-                <a:rPr lang="en-US" sz="1600" kern="1200" dirty="0">
-                  <a:latin typeface="Arial" panose="020B0604020202020204" pitchFamily="34" charset="0"/>
-                  <a:cs typeface="Arial" panose="020B0604020202020204" pitchFamily="34" charset="0"/>
-                </a:rPr>
-                <a:t> </a:t>
-              </a:r>
-              <a:r>
-                <a:rPr lang="en-US" sz="1600" kern="1200" dirty="0" err="1">
-                  <a:latin typeface="Arial" panose="020B0604020202020204" pitchFamily="34" charset="0"/>
-                  <a:cs typeface="Arial" panose="020B0604020202020204" pitchFamily="34" charset="0"/>
-                </a:rPr>
-                <a:t>dùng</a:t>
-              </a:r>
-              <a:r>
-                <a:rPr lang="en-US" sz="1600" kern="1200" dirty="0">
-                  <a:latin typeface="Arial" panose="020B0604020202020204" pitchFamily="34" charset="0"/>
-                  <a:cs typeface="Arial" panose="020B0604020202020204" pitchFamily="34" charset="0"/>
-                </a:rPr>
-                <a:t> </a:t>
-              </a:r>
-              <a:r>
-                <a:rPr lang="en-US" sz="1600" kern="1200" dirty="0" err="1">
-                  <a:latin typeface="Arial" panose="020B0604020202020204" pitchFamily="34" charset="0"/>
-                  <a:cs typeface="Arial" panose="020B0604020202020204" pitchFamily="34" charset="0"/>
-                </a:rPr>
-                <a:t>dễ</a:t>
-              </a:r>
-              <a:r>
-                <a:rPr lang="en-US" sz="1600" kern="1200" dirty="0">
-                  <a:latin typeface="Arial" panose="020B0604020202020204" pitchFamily="34" charset="0"/>
-                  <a:cs typeface="Arial" panose="020B0604020202020204" pitchFamily="34" charset="0"/>
-                </a:rPr>
-                <a:t> </a:t>
-              </a:r>
-              <a:r>
-                <a:rPr lang="en-US" sz="1600" kern="1200" dirty="0" err="1">
-                  <a:latin typeface="Arial" panose="020B0604020202020204" pitchFamily="34" charset="0"/>
-                  <a:cs typeface="Arial" panose="020B0604020202020204" pitchFamily="34" charset="0"/>
-                </a:rPr>
-                <a:t>dàng</a:t>
-              </a:r>
-              <a:r>
-                <a:rPr lang="en-US" sz="1600" kern="1200" dirty="0">
-                  <a:latin typeface="Arial" panose="020B0604020202020204" pitchFamily="34" charset="0"/>
-                  <a:cs typeface="Arial" panose="020B0604020202020204" pitchFamily="34" charset="0"/>
-                </a:rPr>
-                <a:t> </a:t>
-              </a:r>
-              <a:r>
-                <a:rPr lang="en-US" sz="1600" kern="1200" dirty="0" err="1">
-                  <a:latin typeface="Arial" panose="020B0604020202020204" pitchFamily="34" charset="0"/>
-                  <a:cs typeface="Arial" panose="020B0604020202020204" pitchFamily="34" charset="0"/>
-                </a:rPr>
-                <a:t>mua</a:t>
-              </a:r>
-              <a:r>
-                <a:rPr lang="en-US" sz="1600" kern="1200" dirty="0">
-                  <a:latin typeface="Arial" panose="020B0604020202020204" pitchFamily="34" charset="0"/>
-                  <a:cs typeface="Arial" panose="020B0604020202020204" pitchFamily="34" charset="0"/>
-                </a:rPr>
-                <a:t> </a:t>
-              </a:r>
-              <a:r>
-                <a:rPr lang="en-US" sz="1600" kern="1200" dirty="0" err="1">
-                  <a:latin typeface="Arial" panose="020B0604020202020204" pitchFamily="34" charset="0"/>
-                  <a:cs typeface="Arial" panose="020B0604020202020204" pitchFamily="34" charset="0"/>
-                </a:rPr>
-                <a:t>sắm</a:t>
-              </a:r>
-              <a:r>
-                <a:rPr lang="en-US" sz="1600" kern="1200" dirty="0">
-                  <a:latin typeface="Arial" panose="020B0604020202020204" pitchFamily="34" charset="0"/>
-                  <a:cs typeface="Arial" panose="020B0604020202020204" pitchFamily="34" charset="0"/>
-                </a:rPr>
-                <a:t>, admin </a:t>
-              </a:r>
-              <a:r>
-                <a:rPr lang="en-US" sz="1600" kern="1200" dirty="0" err="1">
-                  <a:latin typeface="Arial" panose="020B0604020202020204" pitchFamily="34" charset="0"/>
-                  <a:cs typeface="Arial" panose="020B0604020202020204" pitchFamily="34" charset="0"/>
-                </a:rPr>
-                <a:t>dễ</a:t>
-              </a:r>
-              <a:r>
-                <a:rPr lang="en-US" sz="1600" kern="1200" dirty="0">
-                  <a:latin typeface="Arial" panose="020B0604020202020204" pitchFamily="34" charset="0"/>
-                  <a:cs typeface="Arial" panose="020B0604020202020204" pitchFamily="34" charset="0"/>
-                </a:rPr>
-                <a:t> </a:t>
-              </a:r>
-              <a:r>
-                <a:rPr lang="en-US" sz="1600" kern="1200" dirty="0" err="1">
-                  <a:latin typeface="Arial" panose="020B0604020202020204" pitchFamily="34" charset="0"/>
-                  <a:cs typeface="Arial" panose="020B0604020202020204" pitchFamily="34" charset="0"/>
-                </a:rPr>
-                <a:t>dàng</a:t>
-              </a:r>
-              <a:r>
-                <a:rPr lang="en-US" sz="1600" kern="1200" dirty="0">
-                  <a:latin typeface="Arial" panose="020B0604020202020204" pitchFamily="34" charset="0"/>
-                  <a:cs typeface="Arial" panose="020B0604020202020204" pitchFamily="34" charset="0"/>
-                </a:rPr>
-                <a:t> </a:t>
-              </a:r>
-              <a:r>
-                <a:rPr lang="en-US" sz="1600" kern="1200" dirty="0" err="1">
-                  <a:latin typeface="Arial" panose="020B0604020202020204" pitchFamily="34" charset="0"/>
-                  <a:cs typeface="Arial" panose="020B0604020202020204" pitchFamily="34" charset="0"/>
-                </a:rPr>
-                <a:t>quản</a:t>
-              </a:r>
-              <a:r>
-                <a:rPr lang="en-US" sz="1600" kern="1200" dirty="0">
-                  <a:latin typeface="Arial" panose="020B0604020202020204" pitchFamily="34" charset="0"/>
-                  <a:cs typeface="Arial" panose="020B0604020202020204" pitchFamily="34" charset="0"/>
-                </a:rPr>
-                <a:t> </a:t>
-              </a:r>
-              <a:r>
-                <a:rPr lang="en-US" sz="1600" kern="1200" dirty="0" err="1">
-                  <a:latin typeface="Arial" panose="020B0604020202020204" pitchFamily="34" charset="0"/>
-                  <a:cs typeface="Arial" panose="020B0604020202020204" pitchFamily="34" charset="0"/>
-                </a:rPr>
-                <a:t>lý</a:t>
-              </a:r>
-              <a:r>
-                <a:rPr lang="en-US" sz="1600" kern="1200" dirty="0">
-                  <a:latin typeface="Arial" panose="020B0604020202020204" pitchFamily="34" charset="0"/>
-                  <a:cs typeface="Arial" panose="020B0604020202020204" pitchFamily="34" charset="0"/>
-                </a:rPr>
-                <a:t>.</a:t>
-              </a:r>
-              <a:endParaRPr lang="en-US" sz="1600" kern="1200" dirty="0"/>
-            </a:p>
-          </p:txBody>
-        </p:sp>
-      </p:grpSp>
-      <p:sp>
-        <p:nvSpPr>
-          <p:cNvPr id="8" name="Oval 7"/>
-          <p:cNvSpPr/>
-          <p:nvPr/>
-        </p:nvSpPr>
-        <p:spPr>
-          <a:xfrm>
-            <a:off x="9029263" y="3215227"/>
-            <a:ext cx="2491409" cy="1060173"/>
-          </a:xfrm>
-          <a:prstGeom prst="ellipse">
-            <a:avLst/>
-          </a:prstGeom>
-          <a:solidFill>
-            <a:schemeClr val="accent1">
-              <a:lumMod val="20000"/>
-              <a:lumOff val="80000"/>
-            </a:schemeClr>
-          </a:solidFill>
-        </p:spPr>
-        <p:style>
-          <a:lnRef idx="2">
-            <a:schemeClr val="accent1">
-              <a:shade val="50000"/>
-            </a:schemeClr>
-          </a:lnRef>
-          <a:fillRef idx="1">
-            <a:schemeClr val="accent1"/>
-          </a:fillRef>
-          <a:effectRef idx="0">
-            <a:schemeClr val="accent1"/>
-          </a:effectRef>
-          <a:fontRef idx="minor">
-            <a:schemeClr val="lt1"/>
-          </a:fontRef>
-        </p:style>
-        <p:txBody>
-          <a:bodyPr rtlCol="0" anchor="ctr"/>
-          <a:lstStyle/>
-          <a:p>
-            <a:pPr algn="ctr"/>
-            <a:r>
-              <a:rPr lang="en-US" b="1" dirty="0">
-                <a:solidFill>
-                  <a:srgbClr val="C00000"/>
-                </a:solidFill>
-                <a:effectLst>
-                  <a:outerShdw blurRad="38100" dist="38100" dir="2700000" algn="tl">
-                    <a:srgbClr val="000000">
-                      <a:alpha val="43137"/>
-                    </a:srgbClr>
-                  </a:outerShdw>
-                </a:effectLst>
-                <a:latin typeface="Arial" panose="020B0604020202020204" pitchFamily="34" charset="0"/>
-                <a:cs typeface="Arial" panose="020B0604020202020204" pitchFamily="34" charset="0"/>
-              </a:rPr>
-              <a:t>ƯU ĐIỂM</a:t>
-            </a:r>
-          </a:p>
-        </p:txBody>
-      </p:sp>
-      <p:sp>
-        <p:nvSpPr>
-          <p:cNvPr id="17" name="Text Box 16"/>
-          <p:cNvSpPr txBox="1"/>
-          <p:nvPr/>
-        </p:nvSpPr>
-        <p:spPr>
-          <a:xfrm>
-            <a:off x="879475" y="1130619"/>
-            <a:ext cx="9234751" cy="396240"/>
-          </a:xfrm>
-          <a:prstGeom prst="rect">
-            <a:avLst/>
-          </a:prstGeom>
-        </p:spPr>
-        <p:style>
-          <a:lnRef idx="1">
-            <a:schemeClr val="accent3"/>
-          </a:lnRef>
-          <a:fillRef idx="3">
-            <a:schemeClr val="accent3"/>
-          </a:fillRef>
-          <a:effectRef idx="2">
-            <a:schemeClr val="accent3"/>
-          </a:effectRef>
-          <a:fontRef idx="minor">
-            <a:schemeClr val="lt1"/>
-          </a:fontRef>
-        </p:style>
-        <p:txBody>
-          <a:bodyPr wrap="square">
-            <a:spAutoFit/>
-          </a:bodyPr>
-          <a:lstStyle/>
-          <a:p>
-            <a:pPr marL="0" indent="0"/>
-            <a:r>
-              <a:rPr lang="en-US" sz="2000" b="1">
-                <a:solidFill>
-                  <a:srgbClr val="000000"/>
-                </a:solidFill>
-                <a:latin typeface="Times New Roman" panose="02020603050405020304" charset="0"/>
-                <a:ea typeface="Times New Roman" panose="02020603050405020304" charset="0"/>
-                <a:cs typeface="Times New Roman" panose="02020603050405020304" charset="0"/>
-                <a:sym typeface="+mn-ea"/>
-              </a:rPr>
-              <a:t>1) Đánh giá</a:t>
-            </a:r>
-          </a:p>
-        </p:txBody>
-      </p:sp>
-    </p:spTree>
-  </p:cSld>
-  <p:clrMapOvr>
-    <a:masterClrMapping/>
-  </p:clrMapOvr>
-  <mc:AlternateContent xmlns:mc="http://schemas.openxmlformats.org/markup-compatibility/2006" xmlns:p14="http://schemas.microsoft.com/office/powerpoint/2010/main">
-    <mc:Choice Requires="p14">
-      <p:transition spd="slow" p14:dur="1400">
-        <p14:doors dir="vert"/>
-      </p:transition>
-    </mc:Choice>
-    <mc:Fallback xmlns="">
-      <p:transition spd="slow">
-        <p:fade/>
-      </p:transition>
-    </mc:Fallback>
-  </mc:AlternateContent>
-  <p:timing>
-    <p:tnLst>
-      <p:par>
-        <p:cTn id="1" dur="indefinite" restart="never" nodeType="tmRoot">
-          <p:childTnLst>
-            <p:seq concurrent="1" nextAc="seek">
-              <p:cTn id="2" dur="indefinite" nodeType="mainSeq">
-                <p:childTnLst>
-                  <p:par>
-                    <p:cTn id="3" fill="hold">
-                      <p:stCondLst>
-                        <p:cond delay="indefinite"/>
-                        <p:cond evt="onBegin" delay="0">
-                          <p:tn val="2"/>
-                        </p:cond>
-                      </p:stCondLst>
-                      <p:childTnLst>
-                        <p:par>
-                          <p:cTn id="4" fill="hold">
-                            <p:stCondLst>
-                              <p:cond delay="0"/>
-                            </p:stCondLst>
-                            <p:childTnLst>
-                              <p:par>
-                                <p:cTn id="5" presetID="32" presetClass="emph" presetSubtype="0" fill="hold" nodeType="withEffect">
-                                  <p:stCondLst>
-                                    <p:cond delay="0"/>
-                                  </p:stCondLst>
-                                  <p:childTnLst>
-                                    <p:animRot by="120000">
-                                      <p:cBhvr>
-                                        <p:cTn id="6" dur="100" fill="hold">
-                                          <p:stCondLst>
-                                            <p:cond delay="0"/>
-                                          </p:stCondLst>
-                                        </p:cTn>
-                                        <p:tgtEl>
-                                          <p:spTgt spid="2"/>
-                                        </p:tgtEl>
-                                        <p:attrNameLst>
-                                          <p:attrName>r</p:attrName>
-                                        </p:attrNameLst>
-                                      </p:cBhvr>
-                                    </p:animRot>
-                                    <p:animRot by="-240000">
-                                      <p:cBhvr>
-                                        <p:cTn id="7" dur="200" fill="hold">
-                                          <p:stCondLst>
-                                            <p:cond delay="200"/>
-                                          </p:stCondLst>
-                                        </p:cTn>
-                                        <p:tgtEl>
-                                          <p:spTgt spid="2"/>
-                                        </p:tgtEl>
-                                        <p:attrNameLst>
-                                          <p:attrName>r</p:attrName>
-                                        </p:attrNameLst>
-                                      </p:cBhvr>
-                                    </p:animRot>
-                                    <p:animRot by="240000">
-                                      <p:cBhvr>
-                                        <p:cTn id="8" dur="200" fill="hold">
-                                          <p:stCondLst>
-                                            <p:cond delay="400"/>
-                                          </p:stCondLst>
-                                        </p:cTn>
-                                        <p:tgtEl>
-                                          <p:spTgt spid="2"/>
-                                        </p:tgtEl>
-                                        <p:attrNameLst>
-                                          <p:attrName>r</p:attrName>
-                                        </p:attrNameLst>
-                                      </p:cBhvr>
-                                    </p:animRot>
-                                    <p:animRot by="-240000">
-                                      <p:cBhvr>
-                                        <p:cTn id="9" dur="200" fill="hold">
-                                          <p:stCondLst>
-                                            <p:cond delay="600"/>
-                                          </p:stCondLst>
-                                        </p:cTn>
-                                        <p:tgtEl>
-                                          <p:spTgt spid="2"/>
-                                        </p:tgtEl>
-                                        <p:attrNameLst>
-                                          <p:attrName>r</p:attrName>
-                                        </p:attrNameLst>
-                                      </p:cBhvr>
-                                    </p:animRot>
-                                    <p:animRot by="120000">
-                                      <p:cBhvr>
-                                        <p:cTn id="10" dur="200" fill="hold">
-                                          <p:stCondLst>
-                                            <p:cond delay="800"/>
-                                          </p:stCondLst>
-                                        </p:cTn>
-                                        <p:tgtEl>
-                                          <p:spTgt spid="2"/>
-                                        </p:tgtEl>
-                                        <p:attrNameLst>
-                                          <p:attrName>r</p:attrName>
-                                        </p:attrNameLst>
-                                      </p:cBhvr>
-                                    </p:animRot>
-                                  </p:childTnLst>
-                                </p:cTn>
-                              </p:par>
-                            </p:childTnLst>
-                          </p:cTn>
-                        </p:par>
-                      </p:childTnLst>
-                    </p:cTn>
-                  </p:par>
-                </p:childTnLst>
-              </p:cTn>
-              <p:prevCondLst>
-                <p:cond evt="onPrev" delay="0">
-                  <p:tgtEl>
-                    <p:sldTgt/>
-                  </p:tgtEl>
-                </p:cond>
-              </p:prevCondLst>
-              <p:nextCondLst>
-                <p:cond evt="onNext" delay="0">
-                  <p:tgtEl>
-                    <p:sldTgt/>
-                  </p:tgtEl>
-                </p:cond>
-              </p:nextCondLst>
-            </p:seq>
-          </p:childTnLst>
-        </p:cTn>
-      </p:par>
-    </p:tnLst>
-  </p:timing>
-</p:sld>
-</file>
-
-<file path=ppt/slides/slide3.xml><?xml version="1.0" encoding="utf-8"?>
-<p:sld xmlns:a="http://schemas.openxmlformats.org/drawingml/2006/main" xmlns:r="http://schemas.openxmlformats.org/officeDocument/2006/relationships" xmlns:p="http://schemas.openxmlformats.org/presentationml/2006/main">
-  <p:cSld>
-    <p:spTree>
-      <p:nvGrpSpPr>
-        <p:cNvPr id="1" name=""/>
-        <p:cNvGrpSpPr/>
-        <p:nvPr/>
-      </p:nvGrpSpPr>
-      <p:grpSpPr>
-        <a:xfrm>
-          <a:off x="0" y="0"/>
-          <a:ext cx="0" cy="0"/>
-          <a:chOff x="0" y="0"/>
-          <a:chExt cx="0" cy="0"/>
-        </a:xfrm>
-      </p:grpSpPr>
-      <p:sp>
-        <p:nvSpPr>
-          <p:cNvPr id="12" name="Title 1"/>
-          <p:cNvSpPr txBox="1"/>
-          <p:nvPr/>
-        </p:nvSpPr>
-        <p:spPr>
-          <a:xfrm>
-            <a:off x="1242168" y="194259"/>
-            <a:ext cx="8761413" cy="728480"/>
-          </a:xfrm>
-          <a:prstGeom prst="rect">
-            <a:avLst/>
-          </a:prstGeom>
-          <a:effectLst/>
-        </p:spPr>
-        <p:txBody>
-          <a:bodyPr vert="horz" lIns="91440" tIns="45720" rIns="91440" bIns="45720" rtlCol="0" anchor="ctr">
-            <a:normAutofit/>
-          </a:bodyPr>
-          <a:lstStyle>
-            <a:lvl1pPr algn="ctr" defTabSz="457200" rtl="0" eaLnBrk="1" latinLnBrk="0" hangingPunct="1">
-              <a:spcBef>
-                <a:spcPct val="0"/>
-              </a:spcBef>
-              <a:buNone/>
-              <a:defRPr sz="4000" kern="1200" cap="none">
-                <a:ln w="3175" cmpd="sng">
-                  <a:noFill/>
-                </a:ln>
-                <a:solidFill>
-                  <a:schemeClr val="tx1"/>
-                </a:solidFill>
-                <a:effectLst/>
-                <a:latin typeface="+mj-lt"/>
-                <a:ea typeface="+mj-ea"/>
-                <a:cs typeface="+mj-cs"/>
-              </a:defRPr>
-            </a:lvl1pPr>
-            <a:lvl2pPr eaLnBrk="1" hangingPunct="1">
-              <a:defRPr>
-                <a:solidFill>
-                  <a:schemeClr val="tx2"/>
-                </a:solidFill>
-              </a:defRPr>
-            </a:lvl2pPr>
-            <a:lvl3pPr eaLnBrk="1" hangingPunct="1">
-              <a:defRPr>
-                <a:solidFill>
-                  <a:schemeClr val="tx2"/>
-                </a:solidFill>
-              </a:defRPr>
-            </a:lvl3pPr>
-            <a:lvl4pPr eaLnBrk="1" hangingPunct="1">
-              <a:defRPr>
-                <a:solidFill>
-                  <a:schemeClr val="tx2"/>
-                </a:solidFill>
-              </a:defRPr>
-            </a:lvl4pPr>
-            <a:lvl5pPr eaLnBrk="1" hangingPunct="1">
-              <a:defRPr>
-                <a:solidFill>
-                  <a:schemeClr val="tx2"/>
-                </a:solidFill>
-              </a:defRPr>
-            </a:lvl5pPr>
-            <a:lvl6pPr eaLnBrk="1" hangingPunct="1">
-              <a:defRPr>
-                <a:solidFill>
-                  <a:schemeClr val="tx2"/>
-                </a:solidFill>
-              </a:defRPr>
-            </a:lvl6pPr>
-            <a:lvl7pPr eaLnBrk="1" hangingPunct="1">
-              <a:defRPr>
-                <a:solidFill>
-                  <a:schemeClr val="tx2"/>
-                </a:solidFill>
-              </a:defRPr>
-            </a:lvl7pPr>
-            <a:lvl8pPr eaLnBrk="1" hangingPunct="1">
-              <a:defRPr>
-                <a:solidFill>
-                  <a:schemeClr val="tx2"/>
-                </a:solidFill>
-              </a:defRPr>
-            </a:lvl8pPr>
-            <a:lvl9pPr eaLnBrk="1" hangingPunct="1">
-              <a:defRPr>
-                <a:solidFill>
-                  <a:schemeClr val="tx2"/>
-                </a:solidFill>
-              </a:defRPr>
-            </a:lvl9pPr>
-          </a:lstStyle>
-          <a:p>
-            <a:r>
-              <a:rPr lang="en-US" sz="2500" b="1" i="1" dirty="0">
-                <a:solidFill>
-                  <a:srgbClr val="FF0000"/>
-                </a:solidFill>
-                <a:effectLst/>
-                <a:latin typeface="Times New Roman" panose="02020603050405020304" charset="0"/>
-                <a:cs typeface="Times New Roman" panose="02020603050405020304" charset="0"/>
-              </a:rPr>
-              <a:t>CH</a:t>
-            </a:r>
-            <a:r>
-              <a:rPr lang="vi-VN" sz="2500" b="1" i="1" dirty="0">
-                <a:solidFill>
-                  <a:srgbClr val="FF0000"/>
-                </a:solidFill>
-                <a:effectLst/>
-                <a:latin typeface="Times New Roman" panose="02020603050405020304" charset="0"/>
-                <a:cs typeface="Times New Roman" panose="02020603050405020304" charset="0"/>
-              </a:rPr>
-              <a:t>Ư</a:t>
-            </a:r>
-            <a:r>
-              <a:rPr lang="en-US" sz="2500" b="1" i="1" dirty="0">
-                <a:solidFill>
-                  <a:srgbClr val="FF0000"/>
-                </a:solidFill>
-                <a:effectLst/>
-                <a:latin typeface="Times New Roman" panose="02020603050405020304" charset="0"/>
-                <a:cs typeface="Times New Roman" panose="02020603050405020304" charset="0"/>
-              </a:rPr>
-              <a:t>ƠNG 4 : ĐÁNH GIÁ VÀ KẾT LUẬN</a:t>
-            </a:r>
-          </a:p>
-        </p:txBody>
-      </p:sp>
-      <p:sp>
-        <p:nvSpPr>
-          <p:cNvPr id="17" name="Text Box 16"/>
-          <p:cNvSpPr txBox="1"/>
-          <p:nvPr/>
-        </p:nvSpPr>
-        <p:spPr>
-          <a:xfrm>
-            <a:off x="879475" y="1130619"/>
-            <a:ext cx="9234751" cy="396240"/>
-          </a:xfrm>
-          <a:prstGeom prst="rect">
-            <a:avLst/>
-          </a:prstGeom>
-        </p:spPr>
-        <p:style>
-          <a:lnRef idx="1">
-            <a:schemeClr val="accent3"/>
-          </a:lnRef>
-          <a:fillRef idx="3">
-            <a:schemeClr val="accent3"/>
-          </a:fillRef>
-          <a:effectRef idx="2">
-            <a:schemeClr val="accent3"/>
-          </a:effectRef>
-          <a:fontRef idx="minor">
-            <a:schemeClr val="lt1"/>
-          </a:fontRef>
-        </p:style>
-        <p:txBody>
-          <a:bodyPr wrap="square">
-            <a:spAutoFit/>
-          </a:bodyPr>
-          <a:lstStyle/>
-          <a:p>
-            <a:pPr marL="0" indent="0"/>
-            <a:r>
-              <a:rPr lang="en-US" sz="2000" b="1">
-                <a:solidFill>
-                  <a:srgbClr val="000000"/>
-                </a:solidFill>
-                <a:latin typeface="Times New Roman" panose="02020603050405020304" charset="0"/>
-                <a:ea typeface="Times New Roman" panose="02020603050405020304" charset="0"/>
-                <a:cs typeface="Times New Roman" panose="02020603050405020304" charset="0"/>
-                <a:sym typeface="+mn-ea"/>
-              </a:rPr>
-              <a:t>1) Đánh giá</a:t>
-            </a:r>
-          </a:p>
-        </p:txBody>
-      </p:sp>
-      <p:sp>
-        <p:nvSpPr>
-          <p:cNvPr id="4" name="Arrow: Pentagon 5"/>
-          <p:cNvSpPr/>
-          <p:nvPr/>
-        </p:nvSpPr>
-        <p:spPr>
-          <a:xfrm>
-            <a:off x="879609" y="2410108"/>
-            <a:ext cx="6115687" cy="1421227"/>
-          </a:xfrm>
-          <a:prstGeom prst="homePlate">
-            <a:avLst/>
-          </a:prstGeom>
-        </p:spPr>
-        <p:style>
-          <a:lnRef idx="2">
-            <a:schemeClr val="accent1">
-              <a:shade val="50000"/>
-            </a:schemeClr>
-          </a:lnRef>
-          <a:fillRef idx="1">
-            <a:schemeClr val="accent1"/>
-          </a:fillRef>
-          <a:effectRef idx="0">
-            <a:schemeClr val="accent1"/>
-          </a:effectRef>
-          <a:fontRef idx="minor">
-            <a:schemeClr val="lt1"/>
-          </a:fontRef>
-        </p:style>
-        <p:txBody>
-          <a:bodyPr rtlCol="0" anchor="ctr"/>
-          <a:lstStyle/>
-          <a:p>
-            <a:pPr algn="ctr"/>
-            <a:r>
-              <a:rPr lang="en-US" dirty="0">
-                <a:latin typeface="Arial" panose="020B0604020202020204" pitchFamily="34" charset="0"/>
-                <a:cs typeface="Arial" panose="020B0604020202020204" pitchFamily="34" charset="0"/>
-              </a:rPr>
-              <a:t>Ch</a:t>
-            </a:r>
-            <a:r>
-              <a:rPr lang="vi-VN" dirty="0">
-                <a:latin typeface="Arial" panose="020B0604020202020204" pitchFamily="34" charset="0"/>
-                <a:cs typeface="Arial" panose="020B0604020202020204" pitchFamily="34" charset="0"/>
-              </a:rPr>
-              <a:t>ư</a:t>
-            </a:r>
-            <a:r>
-              <a:rPr lang="en-US" dirty="0">
-                <a:latin typeface="Arial" panose="020B0604020202020204" pitchFamily="34" charset="0"/>
-                <a:cs typeface="Arial" panose="020B0604020202020204" pitchFamily="34" charset="0"/>
-              </a:rPr>
-              <a:t>a </a:t>
-            </a:r>
-            <a:r>
-              <a:rPr lang="en-US" dirty="0" err="1">
-                <a:latin typeface="Arial" panose="020B0604020202020204" pitchFamily="34" charset="0"/>
-                <a:cs typeface="Arial" panose="020B0604020202020204" pitchFamily="34" charset="0"/>
-              </a:rPr>
-              <a:t>xây</a:t>
-            </a:r>
-            <a:r>
-              <a:rPr lang="en-US" dirty="0">
-                <a:latin typeface="Arial" panose="020B0604020202020204" pitchFamily="34" charset="0"/>
-                <a:cs typeface="Arial" panose="020B0604020202020204" pitchFamily="34" charset="0"/>
-              </a:rPr>
-              <a:t> </a:t>
-            </a:r>
-            <a:r>
-              <a:rPr lang="en-US" dirty="0" err="1">
-                <a:latin typeface="Arial" panose="020B0604020202020204" pitchFamily="34" charset="0"/>
-                <a:cs typeface="Arial" panose="020B0604020202020204" pitchFamily="34" charset="0"/>
-              </a:rPr>
-              <a:t>dựng</a:t>
-            </a:r>
-            <a:r>
-              <a:rPr lang="en-US" dirty="0">
-                <a:latin typeface="Arial" panose="020B0604020202020204" pitchFamily="34" charset="0"/>
-                <a:cs typeface="Arial" panose="020B0604020202020204" pitchFamily="34" charset="0"/>
-              </a:rPr>
-              <a:t> đ</a:t>
-            </a:r>
-            <a:r>
-              <a:rPr lang="vi-VN" dirty="0">
-                <a:latin typeface="Arial" panose="020B0604020202020204" pitchFamily="34" charset="0"/>
-                <a:cs typeface="Arial" panose="020B0604020202020204" pitchFamily="34" charset="0"/>
-              </a:rPr>
-              <a:t>ư</a:t>
-            </a:r>
-            <a:r>
-              <a:rPr lang="en-US" dirty="0" err="1">
-                <a:latin typeface="Arial" panose="020B0604020202020204" pitchFamily="34" charset="0"/>
-                <a:cs typeface="Arial" panose="020B0604020202020204" pitchFamily="34" charset="0"/>
-              </a:rPr>
-              <a:t>ợc</a:t>
-            </a:r>
-            <a:r>
-              <a:rPr lang="en-US" dirty="0">
-                <a:latin typeface="Arial" panose="020B0604020202020204" pitchFamily="34" charset="0"/>
-                <a:cs typeface="Arial" panose="020B0604020202020204" pitchFamily="34" charset="0"/>
-              </a:rPr>
-              <a:t> </a:t>
-            </a:r>
-            <a:r>
-              <a:rPr lang="en-US" dirty="0" err="1">
-                <a:latin typeface="Arial" panose="020B0604020202020204" pitchFamily="34" charset="0"/>
-                <a:cs typeface="Arial" panose="020B0604020202020204" pitchFamily="34" charset="0"/>
-              </a:rPr>
-              <a:t>hệ</a:t>
-            </a:r>
-            <a:r>
-              <a:rPr lang="en-US" dirty="0">
-                <a:latin typeface="Arial" panose="020B0604020202020204" pitchFamily="34" charset="0"/>
-                <a:cs typeface="Arial" panose="020B0604020202020204" pitchFamily="34" charset="0"/>
-              </a:rPr>
-              <a:t> </a:t>
-            </a:r>
-            <a:r>
-              <a:rPr lang="en-US" dirty="0" err="1">
-                <a:latin typeface="Arial" panose="020B0604020202020204" pitchFamily="34" charset="0"/>
-                <a:cs typeface="Arial" panose="020B0604020202020204" pitchFamily="34" charset="0"/>
-              </a:rPr>
-              <a:t>thống</a:t>
-            </a:r>
-            <a:r>
-              <a:rPr lang="en-US" dirty="0">
-                <a:latin typeface="Arial" panose="020B0604020202020204" pitchFamily="34" charset="0"/>
-                <a:cs typeface="Arial" panose="020B0604020202020204" pitchFamily="34" charset="0"/>
-              </a:rPr>
-              <a:t> </a:t>
-            </a:r>
-            <a:r>
-              <a:rPr lang="en-US" dirty="0" err="1">
-                <a:latin typeface="Arial" panose="020B0604020202020204" pitchFamily="34" charset="0"/>
-                <a:cs typeface="Arial" panose="020B0604020202020204" pitchFamily="34" charset="0"/>
-              </a:rPr>
-              <a:t>chăm</a:t>
-            </a:r>
-            <a:r>
-              <a:rPr lang="en-US" dirty="0">
-                <a:latin typeface="Arial" panose="020B0604020202020204" pitchFamily="34" charset="0"/>
-                <a:cs typeface="Arial" panose="020B0604020202020204" pitchFamily="34" charset="0"/>
-              </a:rPr>
-              <a:t> </a:t>
-            </a:r>
-            <a:r>
-              <a:rPr lang="en-US" dirty="0" err="1">
-                <a:latin typeface="Arial" panose="020B0604020202020204" pitchFamily="34" charset="0"/>
-                <a:cs typeface="Arial" panose="020B0604020202020204" pitchFamily="34" charset="0"/>
-              </a:rPr>
-              <a:t>sóc</a:t>
-            </a:r>
-            <a:r>
-              <a:rPr lang="en-US" dirty="0">
-                <a:latin typeface="Arial" panose="020B0604020202020204" pitchFamily="34" charset="0"/>
-                <a:cs typeface="Arial" panose="020B0604020202020204" pitchFamily="34" charset="0"/>
-              </a:rPr>
-              <a:t> </a:t>
-            </a:r>
-            <a:r>
-              <a:rPr lang="en-US" dirty="0" err="1">
-                <a:latin typeface="Arial" panose="020B0604020202020204" pitchFamily="34" charset="0"/>
-                <a:cs typeface="Arial" panose="020B0604020202020204" pitchFamily="34" charset="0"/>
-              </a:rPr>
-              <a:t>khách</a:t>
-            </a:r>
-            <a:r>
-              <a:rPr lang="en-US" dirty="0">
-                <a:latin typeface="Arial" panose="020B0604020202020204" pitchFamily="34" charset="0"/>
-                <a:cs typeface="Arial" panose="020B0604020202020204" pitchFamily="34" charset="0"/>
-              </a:rPr>
-              <a:t> </a:t>
-            </a:r>
-            <a:r>
-              <a:rPr lang="en-US" dirty="0" err="1">
-                <a:latin typeface="Arial" panose="020B0604020202020204" pitchFamily="34" charset="0"/>
-                <a:cs typeface="Arial" panose="020B0604020202020204" pitchFamily="34" charset="0"/>
-              </a:rPr>
-              <a:t>hàng</a:t>
-            </a:r>
-            <a:r>
-              <a:rPr lang="en-US" dirty="0">
-                <a:latin typeface="Arial" panose="020B0604020202020204" pitchFamily="34" charset="0"/>
-                <a:cs typeface="Arial" panose="020B0604020202020204" pitchFamily="34" charset="0"/>
-              </a:rPr>
-              <a:t>.</a:t>
-            </a:r>
-          </a:p>
-        </p:txBody>
-      </p:sp>
-      <p:sp>
-        <p:nvSpPr>
-          <p:cNvPr id="7" name="Oval 6"/>
-          <p:cNvSpPr/>
-          <p:nvPr/>
-        </p:nvSpPr>
-        <p:spPr>
-          <a:xfrm>
-            <a:off x="7788115" y="3190853"/>
-            <a:ext cx="2616967" cy="1520323"/>
-          </a:xfrm>
-          <a:prstGeom prst="ellipse">
-            <a:avLst/>
-          </a:prstGeom>
-          <a:solidFill>
-            <a:schemeClr val="accent1">
-              <a:lumMod val="20000"/>
-              <a:lumOff val="80000"/>
-            </a:schemeClr>
-          </a:solidFill>
-        </p:spPr>
-        <p:style>
-          <a:lnRef idx="2">
-            <a:schemeClr val="accent1">
-              <a:shade val="50000"/>
-            </a:schemeClr>
-          </a:lnRef>
-          <a:fillRef idx="1">
-            <a:schemeClr val="accent1"/>
-          </a:fillRef>
-          <a:effectRef idx="0">
-            <a:schemeClr val="accent1"/>
-          </a:effectRef>
-          <a:fontRef idx="minor">
-            <a:schemeClr val="lt1"/>
-          </a:fontRef>
-        </p:style>
-        <p:txBody>
-          <a:bodyPr rtlCol="0" anchor="ctr"/>
-          <a:lstStyle/>
-          <a:p>
-            <a:pPr algn="ctr"/>
-            <a:r>
-              <a:rPr lang="en-US" b="1" dirty="0">
-                <a:solidFill>
-                  <a:srgbClr val="C00000"/>
-                </a:solidFill>
-                <a:effectLst>
-                  <a:outerShdw blurRad="38100" dist="38100" dir="2700000" algn="tl">
-                    <a:srgbClr val="000000">
-                      <a:alpha val="43137"/>
-                    </a:srgbClr>
-                  </a:outerShdw>
-                </a:effectLst>
-                <a:latin typeface="Arial" panose="020B0604020202020204" pitchFamily="34" charset="0"/>
-                <a:cs typeface="Arial" panose="020B0604020202020204" pitchFamily="34" charset="0"/>
-              </a:rPr>
-              <a:t>NH</a:t>
-            </a:r>
-            <a:r>
-              <a:rPr lang="vi-VN" b="1" dirty="0">
-                <a:solidFill>
-                  <a:srgbClr val="C00000"/>
-                </a:solidFill>
-                <a:effectLst>
-                  <a:outerShdw blurRad="38100" dist="38100" dir="2700000" algn="tl">
-                    <a:srgbClr val="000000">
-                      <a:alpha val="43137"/>
-                    </a:srgbClr>
-                  </a:outerShdw>
-                </a:effectLst>
-                <a:latin typeface="Arial" panose="020B0604020202020204" pitchFamily="34" charset="0"/>
-                <a:cs typeface="Arial" panose="020B0604020202020204" pitchFamily="34" charset="0"/>
-              </a:rPr>
-              <a:t>Ư</a:t>
-            </a:r>
-            <a:r>
-              <a:rPr lang="en-US" b="1" dirty="0">
-                <a:solidFill>
-                  <a:srgbClr val="C00000"/>
-                </a:solidFill>
-                <a:effectLst>
-                  <a:outerShdw blurRad="38100" dist="38100" dir="2700000" algn="tl">
-                    <a:srgbClr val="000000">
-                      <a:alpha val="43137"/>
-                    </a:srgbClr>
-                  </a:outerShdw>
-                </a:effectLst>
-                <a:latin typeface="Arial" panose="020B0604020202020204" pitchFamily="34" charset="0"/>
-                <a:cs typeface="Arial" panose="020B0604020202020204" pitchFamily="34" charset="0"/>
-              </a:rPr>
-              <a:t>ỢC ĐIỂM</a:t>
-            </a:r>
-          </a:p>
-        </p:txBody>
-      </p:sp>
-      <p:sp>
-        <p:nvSpPr>
-          <p:cNvPr id="5" name="Arrow: Pentagon 9"/>
-          <p:cNvSpPr/>
-          <p:nvPr/>
-        </p:nvSpPr>
-        <p:spPr>
-          <a:xfrm>
-            <a:off x="879609" y="4231046"/>
-            <a:ext cx="6115687" cy="1421227"/>
-          </a:xfrm>
-          <a:prstGeom prst="homePlate">
-            <a:avLst/>
-          </a:prstGeom>
-        </p:spPr>
-        <p:style>
-          <a:lnRef idx="2">
-            <a:schemeClr val="accent1">
-              <a:shade val="50000"/>
-            </a:schemeClr>
-          </a:lnRef>
-          <a:fillRef idx="1">
-            <a:schemeClr val="accent1"/>
-          </a:fillRef>
-          <a:effectRef idx="0">
-            <a:schemeClr val="accent1"/>
-          </a:effectRef>
-          <a:fontRef idx="minor">
-            <a:schemeClr val="lt1"/>
-          </a:fontRef>
-        </p:style>
-        <p:txBody>
-          <a:bodyPr rtlCol="0" anchor="ctr"/>
-          <a:lstStyle/>
-          <a:p>
-            <a:pPr algn="ctr"/>
-            <a:r>
-              <a:rPr lang="en-US" dirty="0">
-                <a:latin typeface="Arial" panose="020B0604020202020204" pitchFamily="34" charset="0"/>
-                <a:cs typeface="Arial" panose="020B0604020202020204" pitchFamily="34" charset="0"/>
-              </a:rPr>
-              <a:t>Ch</a:t>
-            </a:r>
-            <a:r>
-              <a:rPr lang="vi-VN" dirty="0">
-                <a:latin typeface="Arial" panose="020B0604020202020204" pitchFamily="34" charset="0"/>
-                <a:cs typeface="Arial" panose="020B0604020202020204" pitchFamily="34" charset="0"/>
-              </a:rPr>
-              <a:t>ư</a:t>
-            </a:r>
-            <a:r>
-              <a:rPr lang="en-US" dirty="0">
-                <a:latin typeface="Arial" panose="020B0604020202020204" pitchFamily="34" charset="0"/>
-                <a:cs typeface="Arial" panose="020B0604020202020204" pitchFamily="34" charset="0"/>
-              </a:rPr>
-              <a:t>a </a:t>
-            </a:r>
-            <a:r>
-              <a:rPr lang="en-US" dirty="0" err="1">
-                <a:latin typeface="Arial" panose="020B0604020202020204" pitchFamily="34" charset="0"/>
-                <a:cs typeface="Arial" panose="020B0604020202020204" pitchFamily="34" charset="0"/>
-              </a:rPr>
-              <a:t>hoàn</a:t>
-            </a:r>
-            <a:r>
-              <a:rPr lang="en-US" dirty="0">
-                <a:latin typeface="Arial" panose="020B0604020202020204" pitchFamily="34" charset="0"/>
-                <a:cs typeface="Arial" panose="020B0604020202020204" pitchFamily="34" charset="0"/>
-              </a:rPr>
-              <a:t> </a:t>
-            </a:r>
-            <a:r>
-              <a:rPr lang="en-US" dirty="0" err="1">
-                <a:latin typeface="Arial" panose="020B0604020202020204" pitchFamily="34" charset="0"/>
-                <a:cs typeface="Arial" panose="020B0604020202020204" pitchFamily="34" charset="0"/>
-              </a:rPr>
-              <a:t>thiện</a:t>
-            </a:r>
-            <a:r>
-              <a:rPr lang="en-US" dirty="0">
-                <a:latin typeface="Arial" panose="020B0604020202020204" pitchFamily="34" charset="0"/>
-                <a:cs typeface="Arial" panose="020B0604020202020204" pitchFamily="34" charset="0"/>
-              </a:rPr>
-              <a:t> đ</a:t>
-            </a:r>
-            <a:r>
-              <a:rPr lang="vi-VN" dirty="0">
-                <a:latin typeface="Arial" panose="020B0604020202020204" pitchFamily="34" charset="0"/>
-                <a:cs typeface="Arial" panose="020B0604020202020204" pitchFamily="34" charset="0"/>
-              </a:rPr>
-              <a:t>ư</a:t>
-            </a:r>
-            <a:r>
-              <a:rPr lang="en-US" dirty="0" err="1">
-                <a:latin typeface="Arial" panose="020B0604020202020204" pitchFamily="34" charset="0"/>
-                <a:cs typeface="Arial" panose="020B0604020202020204" pitchFamily="34" charset="0"/>
-              </a:rPr>
-              <a:t>ợc</a:t>
-            </a:r>
-            <a:r>
-              <a:rPr lang="en-US" dirty="0">
-                <a:latin typeface="Arial" panose="020B0604020202020204" pitchFamily="34" charset="0"/>
-                <a:cs typeface="Arial" panose="020B0604020202020204" pitchFamily="34" charset="0"/>
-              </a:rPr>
-              <a:t> </a:t>
-            </a:r>
-            <a:r>
-              <a:rPr lang="en-US" dirty="0" err="1">
-                <a:latin typeface="Arial" panose="020B0604020202020204" pitchFamily="34" charset="0"/>
-                <a:cs typeface="Arial" panose="020B0604020202020204" pitchFamily="34" charset="0"/>
-              </a:rPr>
-              <a:t>chức</a:t>
-            </a:r>
-            <a:r>
-              <a:rPr lang="en-US" dirty="0">
-                <a:latin typeface="Arial" panose="020B0604020202020204" pitchFamily="34" charset="0"/>
-                <a:cs typeface="Arial" panose="020B0604020202020204" pitchFamily="34" charset="0"/>
-              </a:rPr>
-              <a:t> </a:t>
-            </a:r>
-            <a:r>
-              <a:rPr lang="en-US" dirty="0" err="1">
-                <a:latin typeface="Arial" panose="020B0604020202020204" pitchFamily="34" charset="0"/>
-                <a:cs typeface="Arial" panose="020B0604020202020204" pitchFamily="34" charset="0"/>
-              </a:rPr>
-              <a:t>năng</a:t>
-            </a:r>
-            <a:r>
-              <a:rPr lang="en-US" dirty="0">
-                <a:latin typeface="Arial" panose="020B0604020202020204" pitchFamily="34" charset="0"/>
-                <a:cs typeface="Arial" panose="020B0604020202020204" pitchFamily="34" charset="0"/>
-              </a:rPr>
-              <a:t> </a:t>
-            </a:r>
-            <a:r>
-              <a:rPr lang="en-US" dirty="0" err="1">
-                <a:latin typeface="Arial" panose="020B0604020202020204" pitchFamily="34" charset="0"/>
-                <a:cs typeface="Arial" panose="020B0604020202020204" pitchFamily="34" charset="0"/>
-              </a:rPr>
-              <a:t>gởi</a:t>
-            </a:r>
-            <a:r>
-              <a:rPr lang="en-US" dirty="0">
-                <a:latin typeface="Arial" panose="020B0604020202020204" pitchFamily="34" charset="0"/>
-                <a:cs typeface="Arial" panose="020B0604020202020204" pitchFamily="34" charset="0"/>
-              </a:rPr>
-              <a:t> mail </a:t>
-            </a:r>
-            <a:r>
-              <a:rPr lang="en-US" dirty="0" err="1">
-                <a:latin typeface="Arial" panose="020B0604020202020204" pitchFamily="34" charset="0"/>
-                <a:cs typeface="Arial" panose="020B0604020202020204" pitchFamily="34" charset="0"/>
-              </a:rPr>
-              <a:t>để</a:t>
-            </a:r>
-            <a:r>
-              <a:rPr lang="en-US" dirty="0">
-                <a:latin typeface="Arial" panose="020B0604020202020204" pitchFamily="34" charset="0"/>
-                <a:cs typeface="Arial" panose="020B0604020202020204" pitchFamily="34" charset="0"/>
-              </a:rPr>
-              <a:t> </a:t>
-            </a:r>
-            <a:r>
-              <a:rPr lang="en-US" dirty="0" err="1">
-                <a:latin typeface="Arial" panose="020B0604020202020204" pitchFamily="34" charset="0"/>
-                <a:cs typeface="Arial" panose="020B0604020202020204" pitchFamily="34" charset="0"/>
-              </a:rPr>
-              <a:t>hỗ</a:t>
-            </a:r>
-            <a:r>
-              <a:rPr lang="en-US" dirty="0">
-                <a:latin typeface="Arial" panose="020B0604020202020204" pitchFamily="34" charset="0"/>
-                <a:cs typeface="Arial" panose="020B0604020202020204" pitchFamily="34" charset="0"/>
-              </a:rPr>
-              <a:t> </a:t>
-            </a:r>
-            <a:r>
-              <a:rPr lang="en-US" dirty="0" err="1">
-                <a:latin typeface="Arial" panose="020B0604020202020204" pitchFamily="34" charset="0"/>
-                <a:cs typeface="Arial" panose="020B0604020202020204" pitchFamily="34" charset="0"/>
-              </a:rPr>
-              <a:t>trợ</a:t>
-            </a:r>
-            <a:r>
-              <a:rPr lang="en-US" dirty="0">
-                <a:latin typeface="Arial" panose="020B0604020202020204" pitchFamily="34" charset="0"/>
-                <a:cs typeface="Arial" panose="020B0604020202020204" pitchFamily="34" charset="0"/>
-              </a:rPr>
-              <a:t> </a:t>
-            </a:r>
-            <a:r>
-              <a:rPr lang="en-US" dirty="0" err="1">
-                <a:latin typeface="Arial" panose="020B0604020202020204" pitchFamily="34" charset="0"/>
-                <a:cs typeface="Arial" panose="020B0604020202020204" pitchFamily="34" charset="0"/>
-              </a:rPr>
-              <a:t>khách</a:t>
-            </a:r>
-            <a:r>
-              <a:rPr lang="en-US" dirty="0">
-                <a:latin typeface="Arial" panose="020B0604020202020204" pitchFamily="34" charset="0"/>
-                <a:cs typeface="Arial" panose="020B0604020202020204" pitchFamily="34" charset="0"/>
-              </a:rPr>
-              <a:t> </a:t>
-            </a:r>
-            <a:r>
-              <a:rPr lang="en-US" dirty="0" err="1">
-                <a:latin typeface="Arial" panose="020B0604020202020204" pitchFamily="34" charset="0"/>
-                <a:cs typeface="Arial" panose="020B0604020202020204" pitchFamily="34" charset="0"/>
-              </a:rPr>
-              <a:t>mua</a:t>
-            </a:r>
-            <a:r>
-              <a:rPr lang="en-US" dirty="0">
-                <a:latin typeface="Arial" panose="020B0604020202020204" pitchFamily="34" charset="0"/>
-                <a:cs typeface="Arial" panose="020B0604020202020204" pitchFamily="34" charset="0"/>
-              </a:rPr>
-              <a:t> hang.</a:t>
-            </a:r>
-          </a:p>
-        </p:txBody>
-      </p:sp>
-    </p:spTree>
-  </p:cSld>
-  <p:clrMapOvr>
-    <a:masterClrMapping/>
-  </p:clrMapOvr>
-  <mc:AlternateContent xmlns:mc="http://schemas.openxmlformats.org/markup-compatibility/2006" xmlns:p14="http://schemas.microsoft.com/office/powerpoint/2010/main">
-    <mc:Choice Requires="p14">
-      <p:transition spd="slow" p14:dur="1400">
-        <p14:doors dir="vert"/>
-      </p:transition>
-    </mc:Choice>
-    <mc:Fallback xmlns="">
-      <p:transition spd="slow">
-        <p:fade/>
-      </p:transition>
-    </mc:Fallback>
-  </mc:AlternateContent>
-  <p:timing>
-    <p:tnLst>
-      <p:par>
-        <p:cTn id="1" dur="indefinite" restart="never" nodeType="tmRoot">
-          <p:childTnLst>
-            <p:seq concurrent="1" nextAc="seek">
-              <p:cTn id="2" dur="indefinite" nodeType="mainSeq">
-                <p:childTnLst>
-                  <p:par>
-                    <p:cTn id="3" fill="hold">
-                      <p:stCondLst>
-                        <p:cond delay="indefinite"/>
-                      </p:stCondLst>
-                      <p:childTnLst>
-                        <p:par>
-                          <p:cTn id="4" fill="hold">
-                            <p:stCondLst>
-                              <p:cond delay="0"/>
-                            </p:stCondLst>
-                            <p:childTnLst>
-                              <p:par>
-                                <p:cTn id="5" presetID="42" presetClass="entr" presetSubtype="0" fill="hold" grpId="0" nodeType="clickEffect">
-                                  <p:stCondLst>
-                                    <p:cond delay="0"/>
-                                  </p:stCondLst>
-                                  <p:childTnLst>
-                                    <p:set>
-                                      <p:cBhvr>
-                                        <p:cTn id="6" dur="1" fill="hold">
-                                          <p:stCondLst>
-                                            <p:cond delay="0"/>
-                                          </p:stCondLst>
-                                        </p:cTn>
-                                        <p:tgtEl>
-                                          <p:spTgt spid="4"/>
-                                        </p:tgtEl>
-                                        <p:attrNameLst>
-                                          <p:attrName>style.visibility</p:attrName>
-                                        </p:attrNameLst>
-                                      </p:cBhvr>
-                                      <p:to>
-                                        <p:strVal val="visible"/>
-                                      </p:to>
-                                    </p:set>
-                                    <p:animEffect transition="in" filter="fade">
-                                      <p:cBhvr>
-                                        <p:cTn id="7" dur="1000"/>
-                                        <p:tgtEl>
-                                          <p:spTgt spid="4"/>
-                                        </p:tgtEl>
-                                      </p:cBhvr>
-                                    </p:animEffect>
-                                    <p:anim calcmode="lin" valueType="num">
-                                      <p:cBhvr>
-                                        <p:cTn id="8" dur="1000" fill="hold"/>
-                                        <p:tgtEl>
-                                          <p:spTgt spid="4"/>
-                                        </p:tgtEl>
-                                        <p:attrNameLst>
-                                          <p:attrName>ppt_x</p:attrName>
-                                        </p:attrNameLst>
-                                      </p:cBhvr>
-                                      <p:tavLst>
-                                        <p:tav tm="0">
-                                          <p:val>
-                                            <p:strVal val="#ppt_x"/>
-                                          </p:val>
-                                        </p:tav>
-                                        <p:tav tm="100000">
-                                          <p:val>
-                                            <p:strVal val="#ppt_x"/>
-                                          </p:val>
-                                        </p:tav>
-                                      </p:tavLst>
-                                    </p:anim>
-                                    <p:anim calcmode="lin" valueType="num">
-                                      <p:cBhvr>
-                                        <p:cTn id="9" dur="1000" fill="hold"/>
-                                        <p:tgtEl>
-                                          <p:spTgt spid="4"/>
-                                        </p:tgtEl>
-                                        <p:attrNameLst>
-                                          <p:attrName>ppt_y</p:attrName>
-                                        </p:attrNameLst>
-                                      </p:cBhvr>
-                                      <p:tavLst>
-                                        <p:tav tm="0">
-                                          <p:val>
-                                            <p:strVal val="#ppt_y+.1"/>
-                                          </p:val>
-                                        </p:tav>
-                                        <p:tav tm="100000">
-                                          <p:val>
-                                            <p:strVal val="#ppt_y"/>
-                                          </p:val>
-                                        </p:tav>
-                                      </p:tavLst>
-                                    </p:anim>
-                                  </p:childTnLst>
-                                </p:cTn>
-                              </p:par>
-                            </p:childTnLst>
-                          </p:cTn>
-                        </p:par>
-                      </p:childTnLst>
-                    </p:cTn>
-                  </p:par>
-                  <p:par>
-                    <p:cTn id="10" fill="hold">
-                      <p:stCondLst>
-                        <p:cond delay="indefinite"/>
-                      </p:stCondLst>
-                      <p:childTnLst>
-                        <p:par>
-                          <p:cTn id="11" fill="hold">
-                            <p:stCondLst>
-                              <p:cond delay="0"/>
-                            </p:stCondLst>
-                            <p:childTnLst>
-                              <p:par>
-                                <p:cTn id="12" presetID="42" presetClass="entr" presetSubtype="0" fill="hold" grpId="0" nodeType="clickEffect">
-                                  <p:stCondLst>
-                                    <p:cond delay="0"/>
-                                  </p:stCondLst>
-                                  <p:childTnLst>
-                                    <p:set>
-                                      <p:cBhvr>
-                                        <p:cTn id="13" dur="1" fill="hold">
-                                          <p:stCondLst>
-                                            <p:cond delay="0"/>
-                                          </p:stCondLst>
-                                        </p:cTn>
-                                        <p:tgtEl>
-                                          <p:spTgt spid="5"/>
-                                        </p:tgtEl>
-                                        <p:attrNameLst>
-                                          <p:attrName>style.visibility</p:attrName>
-                                        </p:attrNameLst>
-                                      </p:cBhvr>
-                                      <p:to>
-                                        <p:strVal val="visible"/>
-                                      </p:to>
-                                    </p:set>
-                                    <p:animEffect transition="in" filter="fade">
-                                      <p:cBhvr>
-                                        <p:cTn id="14" dur="1000"/>
-                                        <p:tgtEl>
-                                          <p:spTgt spid="5"/>
-                                        </p:tgtEl>
-                                      </p:cBhvr>
-                                    </p:animEffect>
-                                    <p:anim calcmode="lin" valueType="num">
-                                      <p:cBhvr>
-                                        <p:cTn id="15" dur="1000" fill="hold"/>
-                                        <p:tgtEl>
-                                          <p:spTgt spid="5"/>
-                                        </p:tgtEl>
-                                        <p:attrNameLst>
-                                          <p:attrName>ppt_x</p:attrName>
-                                        </p:attrNameLst>
-                                      </p:cBhvr>
-                                      <p:tavLst>
-                                        <p:tav tm="0">
-                                          <p:val>
-                                            <p:strVal val="#ppt_x"/>
-                                          </p:val>
-                                        </p:tav>
-                                        <p:tav tm="100000">
-                                          <p:val>
-                                            <p:strVal val="#ppt_x"/>
-                                          </p:val>
-                                        </p:tav>
-                                      </p:tavLst>
-                                    </p:anim>
-                                    <p:anim calcmode="lin" valueType="num">
-                                      <p:cBhvr>
-                                        <p:cTn id="16" dur="1000" fill="hold"/>
-                                        <p:tgtEl>
-                                          <p:spTgt spid="5"/>
-                                        </p:tgtEl>
-                                        <p:attrNameLst>
-                                          <p:attrName>ppt_y</p:attrName>
-                                        </p:attrNameLst>
-                                      </p:cBhvr>
-                                      <p:tavLst>
-                                        <p:tav tm="0">
-                                          <p:val>
-                                            <p:strVal val="#ppt_y+.1"/>
-                                          </p:val>
-                                        </p:tav>
-                                        <p:tav tm="100000">
-                                          <p:val>
-                                            <p:strVal val="#ppt_y"/>
-                                          </p:val>
-                                        </p:tav>
-                                      </p:tavLst>
-                                    </p:anim>
-                                  </p:childTnLst>
-                                </p:cTn>
-                              </p:par>
-                            </p:childTnLst>
-                          </p:cTn>
-                        </p:par>
-                      </p:childTnLst>
-                    </p:cTn>
-                  </p:par>
-                </p:childTnLst>
-              </p:cTn>
-              <p:prevCondLst>
-                <p:cond evt="onPrev" delay="0">
-                  <p:tgtEl>
-                    <p:sldTgt/>
-                  </p:tgtEl>
-                </p:cond>
-              </p:prevCondLst>
-              <p:nextCondLst>
-                <p:cond evt="onNext" delay="0">
-                  <p:tgtEl>
-                    <p:sldTgt/>
-                  </p:tgtEl>
-                </p:cond>
-              </p:nextCondLst>
-            </p:seq>
-          </p:childTnLst>
-        </p:cTn>
-      </p:par>
-    </p:tnLst>
-    <p:bldLst>
-      <p:bldP spid="4" grpId="0" bldLvl="0" animBg="1"/>
-      <p:bldP spid="5" grpId="0" bldLvl="0" animBg="1"/>
-    </p:bldLst>
-  </p:timing>
-</p:sld>
-</file>
-
-<file path=ppt/slides/slide4.xml><?xml version="1.0" encoding="utf-8"?>
 <p:sld xmlns:a="http://schemas.openxmlformats.org/drawingml/2006/main" xmlns:r="http://schemas.openxmlformats.org/officeDocument/2006/relationships" xmlns:p="http://schemas.openxmlformats.org/presentationml/2006/main">
   <p:cSld>
     <p:spTree>
@@ -13334,7 +10097,7 @@
   </a:extraClrSchemeLst>
   <a:extLst>
     <a:ext uri="{05A4C25C-085E-4340-85A3-A5531E510DB2}">
-      <thm15:themeFamily xmlns="" xmlns:thm15="http://schemas.microsoft.com/office/thememl/2012/main" name="Office Theme" id="{62F939B6-93AF-4DB8-9C6B-D6C7DFDC589F}" vid="{4A3C46E8-61CC-4603-A589-7422A47A8E4A}"/>
+      <thm15:themeFamily xmlns:thm15="http://schemas.microsoft.com/office/thememl/2012/main" xmlns="" name="Office Theme" id="{62F939B6-93AF-4DB8-9C6B-D6C7DFDC589F}" vid="{4A3C46E8-61CC-4603-A589-7422A47A8E4A}"/>
     </a:ext>
   </a:extLst>
 </a:theme>
@@ -13595,7 +10358,7 @@
   <a:extraClrSchemeLst/>
   <a:extLst>
     <a:ext uri="{05A4C25C-085E-4340-85A3-A5531E510DB2}">
-      <thm15:themeFamily xmlns="" xmlns:thm15="http://schemas.microsoft.com/office/thememl/2012/main" name="Office Theme" id="{62F939B6-93AF-4DB8-9C6B-D6C7DFDC589F}" vid="{4A3C46E8-61CC-4603-A589-7422A47A8E4A}"/>
+      <thm15:themeFamily xmlns:thm15="http://schemas.microsoft.com/office/thememl/2012/main" xmlns="" name="Office Theme" id="{62F939B6-93AF-4DB8-9C6B-D6C7DFDC589F}" vid="{4A3C46E8-61CC-4603-A589-7422A47A8E4A}"/>
     </a:ext>
   </a:extLst>
 </a:theme>

--- a/BỘ-TÀI-NGUYÊN-MÔI-TRƯỜNG-1.pptx
+++ b/BỘ-TÀI-NGUYÊN-MÔI-TRƯỜNG-1.pptx
@@ -5,10 +5,12 @@
     <p:sldMasterId id="2147483648" r:id="rId1"/>
   </p:sldMasterIdLst>
   <p:notesMasterIdLst>
-    <p:notesMasterId r:id="rId3"/>
+    <p:notesMasterId r:id="rId5"/>
   </p:notesMasterIdLst>
   <p:sldIdLst>
-    <p:sldId id="292" r:id="rId2"/>
+    <p:sldId id="295" r:id="rId2"/>
+    <p:sldId id="293" r:id="rId3"/>
+    <p:sldId id="294" r:id="rId4"/>
   </p:sldIdLst>
   <p:sldSz cx="12192000" cy="6858000"/>
   <p:notesSz cx="7104063" cy="10234613"/>
@@ -117,6 +119,753 @@
 </file>
 
 <file path=ppt/diagrams/colors1.xml><?xml version="1.0" encoding="utf-8"?>
+<dgm:colorsDef xmlns:dgm="http://schemas.openxmlformats.org/drawingml/2006/diagram" xmlns:a="http://schemas.openxmlformats.org/drawingml/2006/main" uniqueId="urn:microsoft.com/office/officeart/2005/8/colors/accent1_2#1">
+  <dgm:title val=""/>
+  <dgm:desc val=""/>
+  <dgm:catLst>
+    <dgm:cat type="accent1" pri="11200"/>
+  </dgm:catLst>
+  <dgm:styleLbl name="alignAcc1">
+    <dgm:fillClrLst meth="repeat">
+      <a:schemeClr val="lt1">
+        <a:alpha val="90000"/>
+      </a:schemeClr>
+    </dgm:fillClrLst>
+    <dgm:linClrLst meth="repeat">
+      <a:schemeClr val="accent1"/>
+    </dgm:linClrLst>
+    <dgm:effectClrLst/>
+    <dgm:txLinClrLst/>
+    <dgm:txFillClrLst meth="repeat">
+      <a:schemeClr val="dk1"/>
+    </dgm:txFillClrLst>
+    <dgm:txEffectClrLst/>
+  </dgm:styleLbl>
+  <dgm:styleLbl name="alignAccFollowNode1">
+    <dgm:fillClrLst meth="repeat">
+      <a:schemeClr val="accent1">
+        <a:alpha val="90000"/>
+        <a:tint val="40000"/>
+      </a:schemeClr>
+    </dgm:fillClrLst>
+    <dgm:linClrLst meth="repeat">
+      <a:schemeClr val="accent1">
+        <a:alpha val="90000"/>
+        <a:tint val="40000"/>
+      </a:schemeClr>
+    </dgm:linClrLst>
+    <dgm:effectClrLst/>
+    <dgm:txLinClrLst/>
+    <dgm:txFillClrLst meth="repeat">
+      <a:schemeClr val="dk1"/>
+    </dgm:txFillClrLst>
+    <dgm:txEffectClrLst/>
+  </dgm:styleLbl>
+  <dgm:styleLbl name="alignImgPlace1">
+    <dgm:fillClrLst meth="repeat">
+      <a:schemeClr val="accent1">
+        <a:tint val="50000"/>
+      </a:schemeClr>
+    </dgm:fillClrLst>
+    <dgm:linClrLst meth="repeat">
+      <a:schemeClr val="lt1"/>
+    </dgm:linClrLst>
+    <dgm:effectClrLst/>
+    <dgm:txLinClrLst/>
+    <dgm:txFillClrLst meth="repeat">
+      <a:schemeClr val="lt1"/>
+    </dgm:txFillClrLst>
+    <dgm:txEffectClrLst/>
+  </dgm:styleLbl>
+  <dgm:styleLbl name="alignNode1">
+    <dgm:fillClrLst meth="repeat">
+      <a:schemeClr val="accent1"/>
+    </dgm:fillClrLst>
+    <dgm:linClrLst meth="repeat">
+      <a:schemeClr val="accent1"/>
+    </dgm:linClrLst>
+    <dgm:effectClrLst/>
+    <dgm:txLinClrLst/>
+    <dgm:txFillClrLst/>
+    <dgm:txEffectClrLst/>
+  </dgm:styleLbl>
+  <dgm:styleLbl name="asst0">
+    <dgm:fillClrLst meth="repeat">
+      <a:schemeClr val="accent1"/>
+    </dgm:fillClrLst>
+    <dgm:linClrLst meth="repeat">
+      <a:schemeClr val="lt1"/>
+    </dgm:linClrLst>
+    <dgm:effectClrLst/>
+    <dgm:txLinClrLst/>
+    <dgm:txFillClrLst/>
+    <dgm:txEffectClrLst/>
+  </dgm:styleLbl>
+  <dgm:styleLbl name="asst1">
+    <dgm:fillClrLst meth="repeat">
+      <a:schemeClr val="accent1"/>
+    </dgm:fillClrLst>
+    <dgm:linClrLst meth="repeat">
+      <a:schemeClr val="lt1"/>
+    </dgm:linClrLst>
+    <dgm:effectClrLst/>
+    <dgm:txLinClrLst/>
+    <dgm:txFillClrLst/>
+    <dgm:txEffectClrLst/>
+  </dgm:styleLbl>
+  <dgm:styleLbl name="asst2">
+    <dgm:fillClrLst meth="repeat">
+      <a:schemeClr val="accent1"/>
+    </dgm:fillClrLst>
+    <dgm:linClrLst meth="repeat">
+      <a:schemeClr val="lt1"/>
+    </dgm:linClrLst>
+    <dgm:effectClrLst/>
+    <dgm:txLinClrLst/>
+    <dgm:txFillClrLst/>
+    <dgm:txEffectClrLst/>
+  </dgm:styleLbl>
+  <dgm:styleLbl name="asst3">
+    <dgm:fillClrLst meth="repeat">
+      <a:schemeClr val="accent1"/>
+    </dgm:fillClrLst>
+    <dgm:linClrLst meth="repeat">
+      <a:schemeClr val="lt1"/>
+    </dgm:linClrLst>
+    <dgm:effectClrLst/>
+    <dgm:txLinClrLst/>
+    <dgm:txFillClrLst/>
+    <dgm:txEffectClrLst/>
+  </dgm:styleLbl>
+  <dgm:styleLbl name="asst4">
+    <dgm:fillClrLst meth="repeat">
+      <a:schemeClr val="accent1"/>
+    </dgm:fillClrLst>
+    <dgm:linClrLst meth="repeat">
+      <a:schemeClr val="lt1"/>
+    </dgm:linClrLst>
+    <dgm:effectClrLst/>
+    <dgm:txLinClrLst/>
+    <dgm:txFillClrLst/>
+    <dgm:txEffectClrLst/>
+  </dgm:styleLbl>
+  <dgm:styleLbl name="bgAcc1">
+    <dgm:fillClrLst meth="repeat">
+      <a:schemeClr val="lt1">
+        <a:alpha val="90000"/>
+      </a:schemeClr>
+    </dgm:fillClrLst>
+    <dgm:linClrLst meth="repeat">
+      <a:schemeClr val="accent1"/>
+    </dgm:linClrLst>
+    <dgm:effectClrLst/>
+    <dgm:txLinClrLst/>
+    <dgm:txFillClrLst meth="repeat">
+      <a:schemeClr val="dk1"/>
+    </dgm:txFillClrLst>
+    <dgm:txEffectClrLst/>
+  </dgm:styleLbl>
+  <dgm:styleLbl name="bgAccFollowNode1">
+    <dgm:fillClrLst meth="repeat">
+      <a:schemeClr val="accent1">
+        <a:alpha val="90000"/>
+        <a:tint val="40000"/>
+      </a:schemeClr>
+    </dgm:fillClrLst>
+    <dgm:linClrLst meth="repeat">
+      <a:schemeClr val="accent1">
+        <a:alpha val="90000"/>
+        <a:tint val="40000"/>
+      </a:schemeClr>
+    </dgm:linClrLst>
+    <dgm:effectClrLst/>
+    <dgm:txLinClrLst/>
+    <dgm:txFillClrLst meth="repeat">
+      <a:schemeClr val="dk1"/>
+    </dgm:txFillClrLst>
+    <dgm:txEffectClrLst/>
+  </dgm:styleLbl>
+  <dgm:styleLbl name="bgImgPlace1">
+    <dgm:fillClrLst meth="repeat">
+      <a:schemeClr val="accent1">
+        <a:tint val="50000"/>
+      </a:schemeClr>
+    </dgm:fillClrLst>
+    <dgm:linClrLst meth="repeat">
+      <a:schemeClr val="lt1"/>
+    </dgm:linClrLst>
+    <dgm:effectClrLst/>
+    <dgm:txLinClrLst/>
+    <dgm:txFillClrLst meth="repeat">
+      <a:schemeClr val="lt1"/>
+    </dgm:txFillClrLst>
+    <dgm:txEffectClrLst/>
+  </dgm:styleLbl>
+  <dgm:styleLbl name="bgShp">
+    <dgm:fillClrLst meth="repeat">
+      <a:schemeClr val="accent1">
+        <a:tint val="40000"/>
+      </a:schemeClr>
+    </dgm:fillClrLst>
+    <dgm:linClrLst meth="repeat">
+      <a:schemeClr val="accent1"/>
+    </dgm:linClrLst>
+    <dgm:effectClrLst/>
+    <dgm:txLinClrLst/>
+    <dgm:txFillClrLst meth="repeat">
+      <a:schemeClr val="dk1"/>
+    </dgm:txFillClrLst>
+    <dgm:txEffectClrLst/>
+  </dgm:styleLbl>
+  <dgm:styleLbl name="bgSibTrans2D1">
+    <dgm:fillClrLst meth="repeat">
+      <a:schemeClr val="accent1">
+        <a:tint val="60000"/>
+      </a:schemeClr>
+    </dgm:fillClrLst>
+    <dgm:linClrLst meth="repeat">
+      <a:schemeClr val="accent1">
+        <a:tint val="60000"/>
+      </a:schemeClr>
+    </dgm:linClrLst>
+    <dgm:effectClrLst/>
+    <dgm:txLinClrLst/>
+    <dgm:txFillClrLst/>
+    <dgm:txEffectClrLst/>
+  </dgm:styleLbl>
+  <dgm:styleLbl name="callout">
+    <dgm:fillClrLst meth="repeat">
+      <a:schemeClr val="accent1"/>
+    </dgm:fillClrLst>
+    <dgm:linClrLst meth="repeat">
+      <a:schemeClr val="accent1">
+        <a:tint val="50000"/>
+      </a:schemeClr>
+    </dgm:linClrLst>
+    <dgm:effectClrLst/>
+    <dgm:txLinClrLst/>
+    <dgm:txFillClrLst meth="repeat">
+      <a:schemeClr val="tx1"/>
+    </dgm:txFillClrLst>
+    <dgm:txEffectClrLst/>
+  </dgm:styleLbl>
+  <dgm:styleLbl name="conFgAcc1">
+    <dgm:fillClrLst meth="repeat">
+      <a:schemeClr val="lt1">
+        <a:alpha val="90000"/>
+      </a:schemeClr>
+    </dgm:fillClrLst>
+    <dgm:linClrLst meth="repeat">
+      <a:schemeClr val="accent1"/>
+    </dgm:linClrLst>
+    <dgm:effectClrLst/>
+    <dgm:txLinClrLst/>
+    <dgm:txFillClrLst meth="repeat">
+      <a:schemeClr val="dk1"/>
+    </dgm:txFillClrLst>
+    <dgm:txEffectClrLst/>
+  </dgm:styleLbl>
+  <dgm:styleLbl name="dkBgShp">
+    <dgm:fillClrLst meth="repeat">
+      <a:schemeClr val="accent1">
+        <a:shade val="80000"/>
+      </a:schemeClr>
+    </dgm:fillClrLst>
+    <dgm:linClrLst meth="repeat">
+      <a:schemeClr val="accent1"/>
+    </dgm:linClrLst>
+    <dgm:effectClrLst/>
+    <dgm:txLinClrLst/>
+    <dgm:txFillClrLst meth="repeat">
+      <a:schemeClr val="lt1"/>
+    </dgm:txFillClrLst>
+    <dgm:txEffectClrLst/>
+  </dgm:styleLbl>
+  <dgm:styleLbl name="fgAcc0">
+    <dgm:fillClrLst meth="repeat">
+      <a:schemeClr val="lt1">
+        <a:alpha val="90000"/>
+      </a:schemeClr>
+    </dgm:fillClrLst>
+    <dgm:linClrLst meth="repeat">
+      <a:schemeClr val="accent1"/>
+    </dgm:linClrLst>
+    <dgm:effectClrLst/>
+    <dgm:txLinClrLst/>
+    <dgm:txFillClrLst meth="repeat">
+      <a:schemeClr val="dk1"/>
+    </dgm:txFillClrLst>
+    <dgm:txEffectClrLst/>
+  </dgm:styleLbl>
+  <dgm:styleLbl name="fgAcc1">
+    <dgm:fillClrLst meth="repeat">
+      <a:schemeClr val="lt1">
+        <a:alpha val="90000"/>
+      </a:schemeClr>
+    </dgm:fillClrLst>
+    <dgm:linClrLst meth="repeat">
+      <a:schemeClr val="accent1"/>
+    </dgm:linClrLst>
+    <dgm:effectClrLst/>
+    <dgm:txLinClrLst/>
+    <dgm:txFillClrLst meth="repeat">
+      <a:schemeClr val="dk1"/>
+    </dgm:txFillClrLst>
+    <dgm:txEffectClrLst/>
+  </dgm:styleLbl>
+  <dgm:styleLbl name="fgAcc2">
+    <dgm:fillClrLst meth="repeat">
+      <a:schemeClr val="lt1">
+        <a:alpha val="90000"/>
+      </a:schemeClr>
+    </dgm:fillClrLst>
+    <dgm:linClrLst meth="repeat">
+      <a:schemeClr val="accent1"/>
+    </dgm:linClrLst>
+    <dgm:effectClrLst/>
+    <dgm:txLinClrLst/>
+    <dgm:txFillClrLst meth="repeat">
+      <a:schemeClr val="dk1"/>
+    </dgm:txFillClrLst>
+    <dgm:txEffectClrLst/>
+  </dgm:styleLbl>
+  <dgm:styleLbl name="fgAcc3">
+    <dgm:fillClrLst meth="repeat">
+      <a:schemeClr val="lt1">
+        <a:alpha val="90000"/>
+      </a:schemeClr>
+    </dgm:fillClrLst>
+    <dgm:linClrLst meth="repeat">
+      <a:schemeClr val="accent1"/>
+    </dgm:linClrLst>
+    <dgm:effectClrLst/>
+    <dgm:txLinClrLst/>
+    <dgm:txFillClrLst meth="repeat">
+      <a:schemeClr val="dk1"/>
+    </dgm:txFillClrLst>
+    <dgm:txEffectClrLst/>
+  </dgm:styleLbl>
+  <dgm:styleLbl name="fgAcc4">
+    <dgm:fillClrLst meth="repeat">
+      <a:schemeClr val="lt1">
+        <a:alpha val="90000"/>
+      </a:schemeClr>
+    </dgm:fillClrLst>
+    <dgm:linClrLst meth="repeat">
+      <a:schemeClr val="accent1"/>
+    </dgm:linClrLst>
+    <dgm:effectClrLst/>
+    <dgm:txLinClrLst/>
+    <dgm:txFillClrLst meth="repeat">
+      <a:schemeClr val="dk1"/>
+    </dgm:txFillClrLst>
+    <dgm:txEffectClrLst/>
+  </dgm:styleLbl>
+  <dgm:styleLbl name="fgAccFollowNode1">
+    <dgm:fillClrLst meth="repeat">
+      <a:schemeClr val="accent1">
+        <a:alpha val="90000"/>
+        <a:tint val="40000"/>
+      </a:schemeClr>
+    </dgm:fillClrLst>
+    <dgm:linClrLst meth="repeat">
+      <a:schemeClr val="accent1">
+        <a:alpha val="90000"/>
+        <a:tint val="40000"/>
+      </a:schemeClr>
+    </dgm:linClrLst>
+    <dgm:effectClrLst/>
+    <dgm:txLinClrLst/>
+    <dgm:txFillClrLst meth="repeat">
+      <a:schemeClr val="dk1"/>
+    </dgm:txFillClrLst>
+    <dgm:txEffectClrLst/>
+  </dgm:styleLbl>
+  <dgm:styleLbl name="fgImgPlace1">
+    <dgm:fillClrLst meth="repeat">
+      <a:schemeClr val="accent1">
+        <a:tint val="50000"/>
+      </a:schemeClr>
+    </dgm:fillClrLst>
+    <dgm:linClrLst meth="repeat">
+      <a:schemeClr val="lt1"/>
+    </dgm:linClrLst>
+    <dgm:effectClrLst/>
+    <dgm:txLinClrLst/>
+    <dgm:txFillClrLst meth="repeat">
+      <a:schemeClr val="lt1"/>
+    </dgm:txFillClrLst>
+    <dgm:txEffectClrLst/>
+  </dgm:styleLbl>
+  <dgm:styleLbl name="fgShp">
+    <dgm:fillClrLst meth="repeat">
+      <a:schemeClr val="accent1">
+        <a:tint val="60000"/>
+      </a:schemeClr>
+    </dgm:fillClrLst>
+    <dgm:linClrLst meth="repeat">
+      <a:schemeClr val="lt1"/>
+    </dgm:linClrLst>
+    <dgm:effectClrLst/>
+    <dgm:txLinClrLst/>
+    <dgm:txFillClrLst meth="repeat">
+      <a:schemeClr val="dk1"/>
+    </dgm:txFillClrLst>
+    <dgm:txEffectClrLst/>
+  </dgm:styleLbl>
+  <dgm:styleLbl name="fgSibTrans2D1">
+    <dgm:fillClrLst meth="repeat">
+      <a:schemeClr val="accent1">
+        <a:tint val="60000"/>
+      </a:schemeClr>
+    </dgm:fillClrLst>
+    <dgm:linClrLst meth="repeat">
+      <a:schemeClr val="accent1">
+        <a:tint val="60000"/>
+      </a:schemeClr>
+    </dgm:linClrLst>
+    <dgm:effectClrLst/>
+    <dgm:txLinClrLst/>
+    <dgm:txFillClrLst/>
+    <dgm:txEffectClrLst/>
+  </dgm:styleLbl>
+  <dgm:styleLbl name="lnNode1">
+    <dgm:fillClrLst meth="repeat">
+      <a:schemeClr val="accent1"/>
+    </dgm:fillClrLst>
+    <dgm:linClrLst meth="repeat">
+      <a:schemeClr val="lt1"/>
+    </dgm:linClrLst>
+    <dgm:effectClrLst/>
+    <dgm:txLinClrLst/>
+    <dgm:txFillClrLst/>
+    <dgm:txEffectClrLst/>
+  </dgm:styleLbl>
+  <dgm:styleLbl name="node0">
+    <dgm:fillClrLst meth="repeat">
+      <a:schemeClr val="accent1"/>
+    </dgm:fillClrLst>
+    <dgm:linClrLst meth="repeat">
+      <a:schemeClr val="lt1"/>
+    </dgm:linClrLst>
+    <dgm:effectClrLst/>
+    <dgm:txLinClrLst/>
+    <dgm:txFillClrLst/>
+    <dgm:txEffectClrLst/>
+  </dgm:styleLbl>
+  <dgm:styleLbl name="node1">
+    <dgm:fillClrLst meth="repeat">
+      <a:schemeClr val="accent1"/>
+    </dgm:fillClrLst>
+    <dgm:linClrLst meth="repeat">
+      <a:schemeClr val="lt1"/>
+    </dgm:linClrLst>
+    <dgm:effectClrLst/>
+    <dgm:txLinClrLst/>
+    <dgm:txFillClrLst/>
+    <dgm:txEffectClrLst/>
+  </dgm:styleLbl>
+  <dgm:styleLbl name="node2">
+    <dgm:fillClrLst meth="repeat">
+      <a:schemeClr val="accent1"/>
+    </dgm:fillClrLst>
+    <dgm:linClrLst meth="repeat">
+      <a:schemeClr val="lt1"/>
+    </dgm:linClrLst>
+    <dgm:effectClrLst/>
+    <dgm:txLinClrLst/>
+    <dgm:txFillClrLst/>
+    <dgm:txEffectClrLst/>
+  </dgm:styleLbl>
+  <dgm:styleLbl name="node3">
+    <dgm:fillClrLst meth="repeat">
+      <a:schemeClr val="accent1"/>
+    </dgm:fillClrLst>
+    <dgm:linClrLst meth="repeat">
+      <a:schemeClr val="lt1"/>
+    </dgm:linClrLst>
+    <dgm:effectClrLst/>
+    <dgm:txLinClrLst/>
+    <dgm:txFillClrLst/>
+    <dgm:txEffectClrLst/>
+  </dgm:styleLbl>
+  <dgm:styleLbl name="node4">
+    <dgm:fillClrLst meth="repeat">
+      <a:schemeClr val="accent1"/>
+    </dgm:fillClrLst>
+    <dgm:linClrLst meth="repeat">
+      <a:schemeClr val="lt1"/>
+    </dgm:linClrLst>
+    <dgm:effectClrLst/>
+    <dgm:txLinClrLst/>
+    <dgm:txFillClrLst/>
+    <dgm:txEffectClrLst/>
+  </dgm:styleLbl>
+  <dgm:styleLbl name="parChTrans1D1">
+    <dgm:fillClrLst meth="repeat">
+      <a:schemeClr val="accent1"/>
+    </dgm:fillClrLst>
+    <dgm:linClrLst meth="repeat">
+      <a:schemeClr val="accent1">
+        <a:shade val="60000"/>
+      </a:schemeClr>
+    </dgm:linClrLst>
+    <dgm:effectClrLst/>
+    <dgm:txLinClrLst/>
+    <dgm:txFillClrLst meth="repeat">
+      <a:schemeClr val="tx1"/>
+    </dgm:txFillClrLst>
+    <dgm:txEffectClrLst/>
+  </dgm:styleLbl>
+  <dgm:styleLbl name="parChTrans1D2">
+    <dgm:fillClrLst meth="repeat">
+      <a:schemeClr val="accent1"/>
+    </dgm:fillClrLst>
+    <dgm:linClrLst meth="repeat">
+      <a:schemeClr val="accent1">
+        <a:shade val="60000"/>
+      </a:schemeClr>
+    </dgm:linClrLst>
+    <dgm:effectClrLst/>
+    <dgm:txLinClrLst/>
+    <dgm:txFillClrLst meth="repeat">
+      <a:schemeClr val="tx1"/>
+    </dgm:txFillClrLst>
+    <dgm:txEffectClrLst/>
+  </dgm:styleLbl>
+  <dgm:styleLbl name="parChTrans1D3">
+    <dgm:fillClrLst meth="repeat">
+      <a:schemeClr val="accent1"/>
+    </dgm:fillClrLst>
+    <dgm:linClrLst meth="repeat">
+      <a:schemeClr val="accent1">
+        <a:shade val="80000"/>
+      </a:schemeClr>
+    </dgm:linClrLst>
+    <dgm:effectClrLst/>
+    <dgm:txLinClrLst/>
+    <dgm:txFillClrLst meth="repeat">
+      <a:schemeClr val="tx1"/>
+    </dgm:txFillClrLst>
+    <dgm:txEffectClrLst/>
+  </dgm:styleLbl>
+  <dgm:styleLbl name="parChTrans1D4">
+    <dgm:fillClrLst meth="repeat">
+      <a:schemeClr val="accent1"/>
+    </dgm:fillClrLst>
+    <dgm:linClrLst meth="repeat">
+      <a:schemeClr val="accent1">
+        <a:shade val="80000"/>
+      </a:schemeClr>
+    </dgm:linClrLst>
+    <dgm:effectClrLst/>
+    <dgm:txLinClrLst/>
+    <dgm:txFillClrLst meth="repeat">
+      <a:schemeClr val="tx1"/>
+    </dgm:txFillClrLst>
+    <dgm:txEffectClrLst/>
+  </dgm:styleLbl>
+  <dgm:styleLbl name="parChTrans2D1">
+    <dgm:fillClrLst meth="repeat">
+      <a:schemeClr val="accent1">
+        <a:tint val="60000"/>
+      </a:schemeClr>
+    </dgm:fillClrLst>
+    <dgm:linClrLst meth="repeat">
+      <a:schemeClr val="accent1">
+        <a:tint val="60000"/>
+      </a:schemeClr>
+    </dgm:linClrLst>
+    <dgm:effectClrLst/>
+    <dgm:txLinClrLst/>
+    <dgm:txFillClrLst meth="repeat">
+      <a:schemeClr val="lt1"/>
+    </dgm:txFillClrLst>
+    <dgm:txEffectClrLst/>
+  </dgm:styleLbl>
+  <dgm:styleLbl name="parChTrans2D2">
+    <dgm:fillClrLst meth="repeat">
+      <a:schemeClr val="accent1"/>
+    </dgm:fillClrLst>
+    <dgm:linClrLst meth="repeat">
+      <a:schemeClr val="accent1"/>
+    </dgm:linClrLst>
+    <dgm:effectClrLst/>
+    <dgm:txLinClrLst/>
+    <dgm:txFillClrLst meth="repeat">
+      <a:schemeClr val="lt1"/>
+    </dgm:txFillClrLst>
+    <dgm:txEffectClrLst/>
+  </dgm:styleLbl>
+  <dgm:styleLbl name="parChTrans2D3">
+    <dgm:fillClrLst meth="repeat">
+      <a:schemeClr val="accent1"/>
+    </dgm:fillClrLst>
+    <dgm:linClrLst meth="repeat">
+      <a:schemeClr val="accent1"/>
+    </dgm:linClrLst>
+    <dgm:effectClrLst/>
+    <dgm:txLinClrLst/>
+    <dgm:txFillClrLst meth="repeat">
+      <a:schemeClr val="lt1"/>
+    </dgm:txFillClrLst>
+    <dgm:txEffectClrLst/>
+  </dgm:styleLbl>
+  <dgm:styleLbl name="parChTrans2D4">
+    <dgm:fillClrLst meth="repeat">
+      <a:schemeClr val="accent1"/>
+    </dgm:fillClrLst>
+    <dgm:linClrLst meth="repeat">
+      <a:schemeClr val="accent1"/>
+    </dgm:linClrLst>
+    <dgm:effectClrLst/>
+    <dgm:txLinClrLst/>
+    <dgm:txFillClrLst meth="repeat">
+      <a:schemeClr val="lt1"/>
+    </dgm:txFillClrLst>
+    <dgm:txEffectClrLst/>
+  </dgm:styleLbl>
+  <dgm:styleLbl name="revTx">
+    <dgm:fillClrLst meth="repeat">
+      <a:schemeClr val="lt1">
+        <a:alpha val="0"/>
+      </a:schemeClr>
+    </dgm:fillClrLst>
+    <dgm:linClrLst meth="repeat">
+      <a:schemeClr val="dk1">
+        <a:alpha val="0"/>
+      </a:schemeClr>
+    </dgm:linClrLst>
+    <dgm:effectClrLst/>
+    <dgm:txLinClrLst/>
+    <dgm:txFillClrLst meth="repeat">
+      <a:schemeClr val="tx1"/>
+    </dgm:txFillClrLst>
+    <dgm:txEffectClrLst/>
+  </dgm:styleLbl>
+  <dgm:styleLbl name="sibTrans1D1">
+    <dgm:fillClrLst meth="repeat">
+      <a:schemeClr val="accent1"/>
+    </dgm:fillClrLst>
+    <dgm:linClrLst meth="repeat">
+      <a:schemeClr val="accent1"/>
+    </dgm:linClrLst>
+    <dgm:effectClrLst/>
+    <dgm:txLinClrLst/>
+    <dgm:txFillClrLst meth="repeat">
+      <a:schemeClr val="tx1"/>
+    </dgm:txFillClrLst>
+    <dgm:txEffectClrLst/>
+  </dgm:styleLbl>
+  <dgm:styleLbl name="sibTrans2D1">
+    <dgm:fillClrLst meth="repeat">
+      <a:schemeClr val="accent1">
+        <a:tint val="60000"/>
+      </a:schemeClr>
+    </dgm:fillClrLst>
+    <dgm:linClrLst meth="repeat">
+      <a:schemeClr val="accent1">
+        <a:tint val="60000"/>
+      </a:schemeClr>
+    </dgm:linClrLst>
+    <dgm:effectClrLst/>
+    <dgm:txLinClrLst/>
+    <dgm:txFillClrLst/>
+    <dgm:txEffectClrLst/>
+  </dgm:styleLbl>
+  <dgm:styleLbl name="solidAlignAcc1">
+    <dgm:fillClrLst meth="repeat">
+      <a:schemeClr val="lt1"/>
+    </dgm:fillClrLst>
+    <dgm:linClrLst meth="repeat">
+      <a:schemeClr val="accent1"/>
+    </dgm:linClrLst>
+    <dgm:effectClrLst/>
+    <dgm:txLinClrLst/>
+    <dgm:txFillClrLst meth="repeat">
+      <a:schemeClr val="dk1"/>
+    </dgm:txFillClrLst>
+    <dgm:txEffectClrLst/>
+  </dgm:styleLbl>
+  <dgm:styleLbl name="solidBgAcc1">
+    <dgm:fillClrLst meth="repeat">
+      <a:schemeClr val="lt1"/>
+    </dgm:fillClrLst>
+    <dgm:linClrLst meth="repeat">
+      <a:schemeClr val="accent1"/>
+    </dgm:linClrLst>
+    <dgm:effectClrLst/>
+    <dgm:txLinClrLst/>
+    <dgm:txFillClrLst meth="repeat">
+      <a:schemeClr val="dk1"/>
+    </dgm:txFillClrLst>
+    <dgm:txEffectClrLst/>
+  </dgm:styleLbl>
+  <dgm:styleLbl name="solidFgAcc1">
+    <dgm:fillClrLst meth="repeat">
+      <a:schemeClr val="lt1"/>
+    </dgm:fillClrLst>
+    <dgm:linClrLst meth="repeat">
+      <a:schemeClr val="accent1"/>
+    </dgm:linClrLst>
+    <dgm:effectClrLst/>
+    <dgm:txLinClrLst/>
+    <dgm:txFillClrLst meth="repeat">
+      <a:schemeClr val="dk1"/>
+    </dgm:txFillClrLst>
+    <dgm:txEffectClrLst/>
+  </dgm:styleLbl>
+  <dgm:styleLbl name="trAlignAcc1">
+    <dgm:fillClrLst meth="repeat">
+      <a:schemeClr val="lt1">
+        <a:alpha val="40000"/>
+      </a:schemeClr>
+    </dgm:fillClrLst>
+    <dgm:linClrLst meth="repeat">
+      <a:schemeClr val="accent1"/>
+    </dgm:linClrLst>
+    <dgm:effectClrLst/>
+    <dgm:txLinClrLst/>
+    <dgm:txFillClrLst meth="repeat">
+      <a:schemeClr val="dk1"/>
+    </dgm:txFillClrLst>
+    <dgm:txEffectClrLst/>
+  </dgm:styleLbl>
+  <dgm:styleLbl name="trBgShp">
+    <dgm:fillClrLst meth="repeat">
+      <a:schemeClr val="accent1">
+        <a:tint val="50000"/>
+        <a:alpha val="40000"/>
+      </a:schemeClr>
+    </dgm:fillClrLst>
+    <dgm:linClrLst meth="repeat">
+      <a:schemeClr val="accent1"/>
+    </dgm:linClrLst>
+    <dgm:effectClrLst/>
+    <dgm:txLinClrLst/>
+    <dgm:txFillClrLst meth="repeat">
+      <a:schemeClr val="lt1"/>
+    </dgm:txFillClrLst>
+    <dgm:txEffectClrLst/>
+  </dgm:styleLbl>
+  <dgm:styleLbl name="vennNode1">
+    <dgm:fillClrLst meth="repeat">
+      <a:schemeClr val="accent1">
+        <a:alpha val="50000"/>
+      </a:schemeClr>
+    </dgm:fillClrLst>
+    <dgm:linClrLst meth="repeat">
+      <a:schemeClr val="lt1"/>
+    </dgm:linClrLst>
+    <dgm:effectClrLst/>
+    <dgm:txLinClrLst/>
+    <dgm:txFillClrLst/>
+    <dgm:txEffectClrLst/>
+  </dgm:styleLbl>
+</dgm:colorsDef>
+</file>
+
+<file path=ppt/diagrams/colors2.xml><?xml version="1.0" encoding="utf-8"?>
 <dgm:colorsDef xmlns:dgm="http://schemas.openxmlformats.org/drawingml/2006/diagram" xmlns:a="http://schemas.openxmlformats.org/drawingml/2006/main" uniqueId="urn:microsoft.com/office/officeart/2005/8/colors/accent1_2#1">
   <dgm:title val=""/>
   <dgm:desc val=""/>
@@ -1667,38 +2416,885 @@
     </dgm:pt>
   </dgm:ptLst>
   <dgm:cxnLst>
+    <dgm:cxn modelId="{54228041-A667-4FF8-AB82-BF294E3A4A00}" type="presOf" srcId="{F87B2970-9676-47EF-A823-75C1FA939223}" destId="{D147A4C6-486F-40F3-9570-9FE4D3B25AC3}" srcOrd="0" destOrd="0" presId="urn:microsoft.com/office/officeart/2008/layout/VerticalAccentList"/>
     <dgm:cxn modelId="{1EC8EB2D-3C78-4E4D-AB4D-3CA19AE34B65}" srcId="{42CE822C-8299-4493-A031-3945121AFA82}" destId="{F87B2970-9676-47EF-A823-75C1FA939223}" srcOrd="0" destOrd="0" parTransId="{30A62839-0C44-489F-8792-40572B25756A}" sibTransId="{929DE524-2FDE-4E6F-86CB-AB0362E73EE0}"/>
     <dgm:cxn modelId="{55B07BE5-404A-4B4F-849F-68D5E63C8FF6}" srcId="{42CE822C-8299-4493-A031-3945121AFA82}" destId="{7C94CCF0-D47A-4CD8-AE30-EC2EFFF28E63}" srcOrd="1" destOrd="0" parTransId="{EBC50963-C5E0-4D3B-9D92-E6EAE82F3ED8}" sibTransId="{4C05905D-47DB-48D0-B68B-FB6F16C6513E}"/>
+    <dgm:cxn modelId="{1D1642C5-9CF0-4721-9A72-B1BCF65CA63B}" type="presOf" srcId="{7C94CCF0-D47A-4CD8-AE30-EC2EFFF28E63}" destId="{E3D35423-87B0-456F-ACC7-CFB8E2BC0AFA}" srcOrd="0" destOrd="0" presId="urn:microsoft.com/office/officeart/2008/layout/VerticalAccentList"/>
+    <dgm:cxn modelId="{2E6E2916-68C7-4C71-8014-C9A6037A7418}" type="presOf" srcId="{137B9EA8-7A53-4929-BC31-6C7640ACDB6B}" destId="{0EFBD4A8-7922-4708-A882-1F795528D6FF}" srcOrd="0" destOrd="0" presId="urn:microsoft.com/office/officeart/2008/layout/VerticalAccentList"/>
     <dgm:cxn modelId="{42595EA3-168E-4CF3-A182-9990EC592F3F}" srcId="{7C94CCF0-D47A-4CD8-AE30-EC2EFFF28E63}" destId="{F12F3448-CC38-4EC6-AC00-44DFECF3A432}" srcOrd="0" destOrd="0" parTransId="{BD03B4BE-237D-4B04-826A-4D9C6A32BCA3}" sibTransId="{B747B5CC-C45A-43E2-940D-D0DD6957DA60}"/>
-    <dgm:cxn modelId="{0C6C54C9-6C1D-4D46-A788-743A7E24697A}" type="presOf" srcId="{7C94CCF0-D47A-4CD8-AE30-EC2EFFF28E63}" destId="{E3D35423-87B0-456F-ACC7-CFB8E2BC0AFA}" srcOrd="0" destOrd="0" presId="urn:microsoft.com/office/officeart/2008/layout/VerticalAccentList"/>
-    <dgm:cxn modelId="{00902E3C-74D4-4EA5-9568-93099110FBDE}" type="presOf" srcId="{F87B2970-9676-47EF-A823-75C1FA939223}" destId="{D147A4C6-486F-40F3-9570-9FE4D3B25AC3}" srcOrd="0" destOrd="0" presId="urn:microsoft.com/office/officeart/2008/layout/VerticalAccentList"/>
-    <dgm:cxn modelId="{33B966F4-A396-462C-A22A-ADBAB801EF4A}" type="presOf" srcId="{F12F3448-CC38-4EC6-AC00-44DFECF3A432}" destId="{2CDCD521-FEF5-4E57-B7D2-DAACA7127A9B}" srcOrd="0" destOrd="0" presId="urn:microsoft.com/office/officeart/2008/layout/VerticalAccentList"/>
-    <dgm:cxn modelId="{1AD55FB1-F020-4B5D-855C-E3B5F557AAB4}" type="presOf" srcId="{42CE822C-8299-4493-A031-3945121AFA82}" destId="{C79C3ED4-77C4-42A5-85CF-E4885D909465}" srcOrd="0" destOrd="0" presId="urn:microsoft.com/office/officeart/2008/layout/VerticalAccentList"/>
-    <dgm:cxn modelId="{C92A0AA7-13C7-4589-B318-D425AD2481BB}" type="presOf" srcId="{137B9EA8-7A53-4929-BC31-6C7640ACDB6B}" destId="{0EFBD4A8-7922-4708-A882-1F795528D6FF}" srcOrd="0" destOrd="0" presId="urn:microsoft.com/office/officeart/2008/layout/VerticalAccentList"/>
+    <dgm:cxn modelId="{41FB9109-98D3-48DE-BD61-E7F6B12322A7}" type="presOf" srcId="{F12F3448-CC38-4EC6-AC00-44DFECF3A432}" destId="{2CDCD521-FEF5-4E57-B7D2-DAACA7127A9B}" srcOrd="0" destOrd="0" presId="urn:microsoft.com/office/officeart/2008/layout/VerticalAccentList"/>
+    <dgm:cxn modelId="{C49E1871-3DED-4C29-A0CA-FB1296EB5A91}" type="presOf" srcId="{42CE822C-8299-4493-A031-3945121AFA82}" destId="{C79C3ED4-77C4-42A5-85CF-E4885D909465}" srcOrd="0" destOrd="0" presId="urn:microsoft.com/office/officeart/2008/layout/VerticalAccentList"/>
     <dgm:cxn modelId="{A0158830-664C-445C-87A8-89E4A652B6B2}" srcId="{F87B2970-9676-47EF-A823-75C1FA939223}" destId="{137B9EA8-7A53-4929-BC31-6C7640ACDB6B}" srcOrd="0" destOrd="0" parTransId="{0A877353-C8EE-41CF-A221-673632A4DD92}" sibTransId="{CFF674A4-A1A9-45A2-8096-15583C2E72B4}"/>
-    <dgm:cxn modelId="{DFB551C6-0009-489B-AF0E-593DC1EF3666}" type="presParOf" srcId="{C79C3ED4-77C4-42A5-85CF-E4885D909465}" destId="{E1B1CF76-1AE1-4B5E-8441-701550570A08}" srcOrd="0" destOrd="0" presId="urn:microsoft.com/office/officeart/2008/layout/VerticalAccentList"/>
-    <dgm:cxn modelId="{44605181-1940-49A6-B0E9-638CE72AF62E}" type="presParOf" srcId="{E1B1CF76-1AE1-4B5E-8441-701550570A08}" destId="{D147A4C6-486F-40F3-9570-9FE4D3B25AC3}" srcOrd="0" destOrd="0" presId="urn:microsoft.com/office/officeart/2008/layout/VerticalAccentList"/>
-    <dgm:cxn modelId="{920A0EB4-C7C4-4D90-B970-2599F2912DD6}" type="presParOf" srcId="{C79C3ED4-77C4-42A5-85CF-E4885D909465}" destId="{91265974-9B41-4ACB-91A0-F391C0DB5054}" srcOrd="1" destOrd="0" presId="urn:microsoft.com/office/officeart/2008/layout/VerticalAccentList"/>
-    <dgm:cxn modelId="{2A844916-8106-4B32-84E0-C94FF7F50EBC}" type="presParOf" srcId="{91265974-9B41-4ACB-91A0-F391C0DB5054}" destId="{07A4CBEA-A9B8-4154-991F-335DFBAF3F8C}" srcOrd="0" destOrd="0" presId="urn:microsoft.com/office/officeart/2008/layout/VerticalAccentList"/>
-    <dgm:cxn modelId="{694A50AD-C112-4244-A092-F1A5E995E3CA}" type="presParOf" srcId="{91265974-9B41-4ACB-91A0-F391C0DB5054}" destId="{94CEC78D-C18F-49E9-801C-A93A650E6F77}" srcOrd="1" destOrd="0" presId="urn:microsoft.com/office/officeart/2008/layout/VerticalAccentList"/>
-    <dgm:cxn modelId="{861D61AA-1D59-4CF0-BE75-2A8EC535D84A}" type="presParOf" srcId="{91265974-9B41-4ACB-91A0-F391C0DB5054}" destId="{9A68A251-DE7B-43CE-BC1C-2A9B4BC8F51B}" srcOrd="2" destOrd="0" presId="urn:microsoft.com/office/officeart/2008/layout/VerticalAccentList"/>
-    <dgm:cxn modelId="{C09E9C60-35D6-49AF-B871-EE30C91A9B09}" type="presParOf" srcId="{91265974-9B41-4ACB-91A0-F391C0DB5054}" destId="{64AF3C27-47B9-4A6E-B9C2-0F9F8DE1FADE}" srcOrd="3" destOrd="0" presId="urn:microsoft.com/office/officeart/2008/layout/VerticalAccentList"/>
-    <dgm:cxn modelId="{F127FB3F-966E-4FD9-AE95-8F1DD36BD617}" type="presParOf" srcId="{91265974-9B41-4ACB-91A0-F391C0DB5054}" destId="{AE5C6FA4-51A1-4498-8DC7-2D7ABA019DCC}" srcOrd="4" destOrd="0" presId="urn:microsoft.com/office/officeart/2008/layout/VerticalAccentList"/>
-    <dgm:cxn modelId="{E548EA0A-39B6-44B2-8FB8-BD1D03194A5B}" type="presParOf" srcId="{91265974-9B41-4ACB-91A0-F391C0DB5054}" destId="{F90C31B7-377B-42EF-967B-C5860AB9FD07}" srcOrd="5" destOrd="0" presId="urn:microsoft.com/office/officeart/2008/layout/VerticalAccentList"/>
-    <dgm:cxn modelId="{26583B25-F5B5-4AC5-A601-96BF7477BC3B}" type="presParOf" srcId="{91265974-9B41-4ACB-91A0-F391C0DB5054}" destId="{E469D344-3EF5-45DB-A82B-74DBA8A43829}" srcOrd="6" destOrd="0" presId="urn:microsoft.com/office/officeart/2008/layout/VerticalAccentList"/>
-    <dgm:cxn modelId="{DEFA94A5-BC42-4882-AFFC-61D2D516880E}" type="presParOf" srcId="{91265974-9B41-4ACB-91A0-F391C0DB5054}" destId="{0EFBD4A8-7922-4708-A882-1F795528D6FF}" srcOrd="7" destOrd="0" presId="urn:microsoft.com/office/officeart/2008/layout/VerticalAccentList"/>
-    <dgm:cxn modelId="{AA53A81E-0147-4529-9222-B09013214CC6}" type="presParOf" srcId="{C79C3ED4-77C4-42A5-85CF-E4885D909465}" destId="{833E7C54-5194-41C5-A8C8-B13A1505A887}" srcOrd="2" destOrd="0" presId="urn:microsoft.com/office/officeart/2008/layout/VerticalAccentList"/>
-    <dgm:cxn modelId="{5FC2D51E-D9BF-4A9F-8C4F-ACBF01715FD5}" type="presParOf" srcId="{C79C3ED4-77C4-42A5-85CF-E4885D909465}" destId="{BBA3E1E4-9F2A-4ECE-B1B5-A60F6E52C7AD}" srcOrd="3" destOrd="0" presId="urn:microsoft.com/office/officeart/2008/layout/VerticalAccentList"/>
-    <dgm:cxn modelId="{208FA20A-67C0-414A-AAFF-8C52C3E8B745}" type="presParOf" srcId="{BBA3E1E4-9F2A-4ECE-B1B5-A60F6E52C7AD}" destId="{E3D35423-87B0-456F-ACC7-CFB8E2BC0AFA}" srcOrd="0" destOrd="0" presId="urn:microsoft.com/office/officeart/2008/layout/VerticalAccentList"/>
-    <dgm:cxn modelId="{B2ACD539-6455-4D04-9850-8517BAA7CC28}" type="presParOf" srcId="{C79C3ED4-77C4-42A5-85CF-E4885D909465}" destId="{3C054FA4-CB3D-4635-95D3-32F35F69C068}" srcOrd="4" destOrd="0" presId="urn:microsoft.com/office/officeart/2008/layout/VerticalAccentList"/>
-    <dgm:cxn modelId="{D3256987-1275-48CD-A142-7A2577818E7A}" type="presParOf" srcId="{3C054FA4-CB3D-4635-95D3-32F35F69C068}" destId="{D6A809B1-9B68-45E9-A22A-93C0CD09A4AE}" srcOrd="0" destOrd="0" presId="urn:microsoft.com/office/officeart/2008/layout/VerticalAccentList"/>
-    <dgm:cxn modelId="{47DD7028-535C-4D08-A545-704B710E649A}" type="presParOf" srcId="{3C054FA4-CB3D-4635-95D3-32F35F69C068}" destId="{173476D0-994E-4922-B2E7-B7D4C80BA704}" srcOrd="1" destOrd="0" presId="urn:microsoft.com/office/officeart/2008/layout/VerticalAccentList"/>
-    <dgm:cxn modelId="{930A788B-BA75-4450-BDAB-BBD513569FF8}" type="presParOf" srcId="{3C054FA4-CB3D-4635-95D3-32F35F69C068}" destId="{BB9FDF13-C270-45E8-8CBB-20B68B389FD5}" srcOrd="2" destOrd="0" presId="urn:microsoft.com/office/officeart/2008/layout/VerticalAccentList"/>
-    <dgm:cxn modelId="{2BDAFEB8-E856-45BE-ABD0-FEBEF2684F23}" type="presParOf" srcId="{3C054FA4-CB3D-4635-95D3-32F35F69C068}" destId="{23FE6A94-D871-4559-A997-0CA21D9E86D4}" srcOrd="3" destOrd="0" presId="urn:microsoft.com/office/officeart/2008/layout/VerticalAccentList"/>
-    <dgm:cxn modelId="{C9234DA4-FFEB-4452-B6FA-9CD720E1E454}" type="presParOf" srcId="{3C054FA4-CB3D-4635-95D3-32F35F69C068}" destId="{42AAE86A-C03F-404F-A406-0C47D97BABAC}" srcOrd="4" destOrd="0" presId="urn:microsoft.com/office/officeart/2008/layout/VerticalAccentList"/>
-    <dgm:cxn modelId="{0EEDE097-D7C9-4DAD-B501-2C5E6E3A4B10}" type="presParOf" srcId="{3C054FA4-CB3D-4635-95D3-32F35F69C068}" destId="{DB720FF3-880C-4300-9FB7-6EE64F5E34E7}" srcOrd="5" destOrd="0" presId="urn:microsoft.com/office/officeart/2008/layout/VerticalAccentList"/>
-    <dgm:cxn modelId="{11807FC9-2CFD-4E76-9B18-F97B295FE4B2}" type="presParOf" srcId="{3C054FA4-CB3D-4635-95D3-32F35F69C068}" destId="{FB9421E8-D8FA-49B7-BB73-17E422C08D38}" srcOrd="6" destOrd="0" presId="urn:microsoft.com/office/officeart/2008/layout/VerticalAccentList"/>
-    <dgm:cxn modelId="{323FDB52-175F-4CBB-9387-92D1A0C4DD7B}" type="presParOf" srcId="{3C054FA4-CB3D-4635-95D3-32F35F69C068}" destId="{2CDCD521-FEF5-4E57-B7D2-DAACA7127A9B}" srcOrd="7" destOrd="0" presId="urn:microsoft.com/office/officeart/2008/layout/VerticalAccentList"/>
+    <dgm:cxn modelId="{AE123DE1-E9C7-4BE2-A2E6-2BC3C532BCBD}" type="presParOf" srcId="{C79C3ED4-77C4-42A5-85CF-E4885D909465}" destId="{E1B1CF76-1AE1-4B5E-8441-701550570A08}" srcOrd="0" destOrd="0" presId="urn:microsoft.com/office/officeart/2008/layout/VerticalAccentList"/>
+    <dgm:cxn modelId="{02987A24-8B78-44CD-9A1A-0850EEA62FDE}" type="presParOf" srcId="{E1B1CF76-1AE1-4B5E-8441-701550570A08}" destId="{D147A4C6-486F-40F3-9570-9FE4D3B25AC3}" srcOrd="0" destOrd="0" presId="urn:microsoft.com/office/officeart/2008/layout/VerticalAccentList"/>
+    <dgm:cxn modelId="{19D1B632-68EB-405F-B50A-388924E6E242}" type="presParOf" srcId="{C79C3ED4-77C4-42A5-85CF-E4885D909465}" destId="{91265974-9B41-4ACB-91A0-F391C0DB5054}" srcOrd="1" destOrd="0" presId="urn:microsoft.com/office/officeart/2008/layout/VerticalAccentList"/>
+    <dgm:cxn modelId="{80F6CCE7-38FF-420F-AE5C-96486B012242}" type="presParOf" srcId="{91265974-9B41-4ACB-91A0-F391C0DB5054}" destId="{07A4CBEA-A9B8-4154-991F-335DFBAF3F8C}" srcOrd="0" destOrd="0" presId="urn:microsoft.com/office/officeart/2008/layout/VerticalAccentList"/>
+    <dgm:cxn modelId="{C1155FA2-A3AC-4602-9E69-1A2DCF618D4E}" type="presParOf" srcId="{91265974-9B41-4ACB-91A0-F391C0DB5054}" destId="{94CEC78D-C18F-49E9-801C-A93A650E6F77}" srcOrd="1" destOrd="0" presId="urn:microsoft.com/office/officeart/2008/layout/VerticalAccentList"/>
+    <dgm:cxn modelId="{51147A5A-A5DE-45E3-9119-42DCBDEB9D67}" type="presParOf" srcId="{91265974-9B41-4ACB-91A0-F391C0DB5054}" destId="{9A68A251-DE7B-43CE-BC1C-2A9B4BC8F51B}" srcOrd="2" destOrd="0" presId="urn:microsoft.com/office/officeart/2008/layout/VerticalAccentList"/>
+    <dgm:cxn modelId="{D93140BE-DAAA-49AA-9970-D7610E0A43CF}" type="presParOf" srcId="{91265974-9B41-4ACB-91A0-F391C0DB5054}" destId="{64AF3C27-47B9-4A6E-B9C2-0F9F8DE1FADE}" srcOrd="3" destOrd="0" presId="urn:microsoft.com/office/officeart/2008/layout/VerticalAccentList"/>
+    <dgm:cxn modelId="{F9925D07-2671-4110-BDC9-A39FA2A0EB86}" type="presParOf" srcId="{91265974-9B41-4ACB-91A0-F391C0DB5054}" destId="{AE5C6FA4-51A1-4498-8DC7-2D7ABA019DCC}" srcOrd="4" destOrd="0" presId="urn:microsoft.com/office/officeart/2008/layout/VerticalAccentList"/>
+    <dgm:cxn modelId="{06FF30CD-D428-422D-B6BD-0E08D4001D80}" type="presParOf" srcId="{91265974-9B41-4ACB-91A0-F391C0DB5054}" destId="{F90C31B7-377B-42EF-967B-C5860AB9FD07}" srcOrd="5" destOrd="0" presId="urn:microsoft.com/office/officeart/2008/layout/VerticalAccentList"/>
+    <dgm:cxn modelId="{65A77DE5-9B4A-4F84-B144-BCA2EE479E14}" type="presParOf" srcId="{91265974-9B41-4ACB-91A0-F391C0DB5054}" destId="{E469D344-3EF5-45DB-A82B-74DBA8A43829}" srcOrd="6" destOrd="0" presId="urn:microsoft.com/office/officeart/2008/layout/VerticalAccentList"/>
+    <dgm:cxn modelId="{982E91C3-4B49-4136-B5DC-BEB07F0A1BDD}" type="presParOf" srcId="{91265974-9B41-4ACB-91A0-F391C0DB5054}" destId="{0EFBD4A8-7922-4708-A882-1F795528D6FF}" srcOrd="7" destOrd="0" presId="urn:microsoft.com/office/officeart/2008/layout/VerticalAccentList"/>
+    <dgm:cxn modelId="{3735AABB-7FC9-4B38-A585-66C0EDC16121}" type="presParOf" srcId="{C79C3ED4-77C4-42A5-85CF-E4885D909465}" destId="{833E7C54-5194-41C5-A8C8-B13A1505A887}" srcOrd="2" destOrd="0" presId="urn:microsoft.com/office/officeart/2008/layout/VerticalAccentList"/>
+    <dgm:cxn modelId="{C0D4892C-346F-4DE8-BBF4-CC577DF20C0C}" type="presParOf" srcId="{C79C3ED4-77C4-42A5-85CF-E4885D909465}" destId="{BBA3E1E4-9F2A-4ECE-B1B5-A60F6E52C7AD}" srcOrd="3" destOrd="0" presId="urn:microsoft.com/office/officeart/2008/layout/VerticalAccentList"/>
+    <dgm:cxn modelId="{446FB04C-6043-40DF-BAF6-D37421DD981E}" type="presParOf" srcId="{BBA3E1E4-9F2A-4ECE-B1B5-A60F6E52C7AD}" destId="{E3D35423-87B0-456F-ACC7-CFB8E2BC0AFA}" srcOrd="0" destOrd="0" presId="urn:microsoft.com/office/officeart/2008/layout/VerticalAccentList"/>
+    <dgm:cxn modelId="{45921397-3F95-4EDA-9EFF-B4DFA2711671}" type="presParOf" srcId="{C79C3ED4-77C4-42A5-85CF-E4885D909465}" destId="{3C054FA4-CB3D-4635-95D3-32F35F69C068}" srcOrd="4" destOrd="0" presId="urn:microsoft.com/office/officeart/2008/layout/VerticalAccentList"/>
+    <dgm:cxn modelId="{47DE689A-E27C-48A5-A59F-C5CCB7A6073E}" type="presParOf" srcId="{3C054FA4-CB3D-4635-95D3-32F35F69C068}" destId="{D6A809B1-9B68-45E9-A22A-93C0CD09A4AE}" srcOrd="0" destOrd="0" presId="urn:microsoft.com/office/officeart/2008/layout/VerticalAccentList"/>
+    <dgm:cxn modelId="{D4CBC698-F970-461E-B943-C7012A0BF42B}" type="presParOf" srcId="{3C054FA4-CB3D-4635-95D3-32F35F69C068}" destId="{173476D0-994E-4922-B2E7-B7D4C80BA704}" srcOrd="1" destOrd="0" presId="urn:microsoft.com/office/officeart/2008/layout/VerticalAccentList"/>
+    <dgm:cxn modelId="{A3DD5990-AE4F-46D8-AF66-E6C21FF53A8E}" type="presParOf" srcId="{3C054FA4-CB3D-4635-95D3-32F35F69C068}" destId="{BB9FDF13-C270-45E8-8CBB-20B68B389FD5}" srcOrd="2" destOrd="0" presId="urn:microsoft.com/office/officeart/2008/layout/VerticalAccentList"/>
+    <dgm:cxn modelId="{353F8B00-E348-4FB8-BD2B-3CB7D3A3EFB9}" type="presParOf" srcId="{3C054FA4-CB3D-4635-95D3-32F35F69C068}" destId="{23FE6A94-D871-4559-A997-0CA21D9E86D4}" srcOrd="3" destOrd="0" presId="urn:microsoft.com/office/officeart/2008/layout/VerticalAccentList"/>
+    <dgm:cxn modelId="{0011F2C2-874C-4F93-B195-74F10FF8CFB4}" type="presParOf" srcId="{3C054FA4-CB3D-4635-95D3-32F35F69C068}" destId="{42AAE86A-C03F-404F-A406-0C47D97BABAC}" srcOrd="4" destOrd="0" presId="urn:microsoft.com/office/officeart/2008/layout/VerticalAccentList"/>
+    <dgm:cxn modelId="{EF195C18-1253-4D5B-81EA-AA78F24FAE29}" type="presParOf" srcId="{3C054FA4-CB3D-4635-95D3-32F35F69C068}" destId="{DB720FF3-880C-4300-9FB7-6EE64F5E34E7}" srcOrd="5" destOrd="0" presId="urn:microsoft.com/office/officeart/2008/layout/VerticalAccentList"/>
+    <dgm:cxn modelId="{ADDE46A2-53A0-47A0-B8A8-CD9271041BA5}" type="presParOf" srcId="{3C054FA4-CB3D-4635-95D3-32F35F69C068}" destId="{FB9421E8-D8FA-49B7-BB73-17E422C08D38}" srcOrd="6" destOrd="0" presId="urn:microsoft.com/office/officeart/2008/layout/VerticalAccentList"/>
+    <dgm:cxn modelId="{E7B9F74B-67EC-49EC-BCCB-20DD4DDDAD5F}" type="presParOf" srcId="{3C054FA4-CB3D-4635-95D3-32F35F69C068}" destId="{2CDCD521-FEF5-4E57-B7D2-DAACA7127A9B}" srcOrd="7" destOrd="0" presId="urn:microsoft.com/office/officeart/2008/layout/VerticalAccentList"/>
+  </dgm:cxnLst>
+  <dgm:bg/>
+  <dgm:whole/>
+  <dgm:extLst>
+    <a:ext uri="http://schemas.microsoft.com/office/drawing/2008/diagram">
+      <dsp:dataModelExt xmlns:dsp="http://schemas.microsoft.com/office/drawing/2008/diagram" relId="rId6" minVer="http://schemas.openxmlformats.org/drawingml/2006/diagram"/>
+    </a:ext>
+  </dgm:extLst>
+</dgm:dataModel>
+</file>
+
+<file path=ppt/diagrams/data2.xml><?xml version="1.0" encoding="utf-8"?>
+<dgm:dataModel xmlns:dgm="http://schemas.openxmlformats.org/drawingml/2006/diagram" xmlns:a="http://schemas.openxmlformats.org/drawingml/2006/main">
+  <dgm:ptLst>
+    <dgm:pt modelId="{42CE822C-8299-4493-A031-3945121AFA82}" type="doc">
+      <dgm:prSet loTypeId="urn:microsoft.com/office/officeart/2008/layout/VerticalAccentList" loCatId="list" qsTypeId="urn:microsoft.com/office/officeart/2005/8/quickstyle/simple3#1" qsCatId="simple" csTypeId="urn:microsoft.com/office/officeart/2005/8/colors/accent1_2#1" csCatId="accent1" phldr="1"/>
+      <dgm:spPr/>
+      <dgm:t>
+        <a:bodyPr/>
+        <a:lstStyle/>
+        <a:p>
+          <a:endParaRPr lang="en-US"/>
+        </a:p>
+      </dgm:t>
+    </dgm:pt>
+    <dgm:pt modelId="{F87B2970-9676-47EF-A823-75C1FA939223}">
+      <dgm:prSet phldrT="[Text]"/>
+      <dgm:spPr/>
+      <dgm:t>
+        <a:bodyPr/>
+        <a:lstStyle/>
+        <a:p>
+          <a:endParaRPr lang="en-US" dirty="0"/>
+        </a:p>
+      </dgm:t>
+    </dgm:pt>
+    <dgm:pt modelId="{30A62839-0C44-489F-8792-40572B25756A}" type="parTrans" cxnId="{1EC8EB2D-3C78-4E4D-AB4D-3CA19AE34B65}">
+      <dgm:prSet/>
+      <dgm:spPr/>
+      <dgm:t>
+        <a:bodyPr/>
+        <a:lstStyle/>
+        <a:p>
+          <a:endParaRPr lang="en-US"/>
+        </a:p>
+      </dgm:t>
+    </dgm:pt>
+    <dgm:pt modelId="{929DE524-2FDE-4E6F-86CB-AB0362E73EE0}" type="sibTrans" cxnId="{1EC8EB2D-3C78-4E4D-AB4D-3CA19AE34B65}">
+      <dgm:prSet/>
+      <dgm:spPr/>
+      <dgm:t>
+        <a:bodyPr/>
+        <a:lstStyle/>
+        <a:p>
+          <a:endParaRPr lang="en-US"/>
+        </a:p>
+      </dgm:t>
+    </dgm:pt>
+    <dgm:pt modelId="{137B9EA8-7A53-4929-BC31-6C7640ACDB6B}">
+      <dgm:prSet phldrT="[Text]" custT="1"/>
+      <dgm:spPr/>
+      <dgm:t>
+        <a:bodyPr/>
+        <a:lstStyle/>
+        <a:p>
+          <a:r>
+            <a:rPr lang="en-US" sz="2000" dirty="0" err="1">
+              <a:latin typeface="Times New Roman" panose="02020603050405020304" charset="0"/>
+              <a:cs typeface="Times New Roman" panose="02020603050405020304" charset="0"/>
+            </a:rPr>
+            <a:t>Phát</a:t>
+          </a:r>
+          <a:r>
+            <a:rPr lang="en-US" sz="2000" dirty="0">
+              <a:latin typeface="Times New Roman" panose="02020603050405020304" charset="0"/>
+              <a:cs typeface="Times New Roman" panose="02020603050405020304" charset="0"/>
+            </a:rPr>
+            <a:t> </a:t>
+          </a:r>
+          <a:r>
+            <a:rPr lang="en-US" sz="2000" dirty="0" err="1">
+              <a:latin typeface="Times New Roman" panose="02020603050405020304" charset="0"/>
+              <a:cs typeface="Times New Roman" panose="02020603050405020304" charset="0"/>
+            </a:rPr>
+            <a:t>triển</a:t>
+          </a:r>
+          <a:r>
+            <a:rPr lang="en-US" sz="2000" dirty="0">
+              <a:latin typeface="Times New Roman" panose="02020603050405020304" charset="0"/>
+              <a:cs typeface="Times New Roman" panose="02020603050405020304" charset="0"/>
+            </a:rPr>
+            <a:t> </a:t>
+          </a:r>
+          <a:r>
+            <a:rPr lang="en-US" sz="2000" dirty="0" err="1">
+              <a:latin typeface="Times New Roman" panose="02020603050405020304" charset="0"/>
+              <a:cs typeface="Times New Roman" panose="02020603050405020304" charset="0"/>
+            </a:rPr>
+            <a:t>và</a:t>
+          </a:r>
+          <a:r>
+            <a:rPr lang="en-US" sz="2000" dirty="0">
+              <a:latin typeface="Times New Roman" panose="02020603050405020304" charset="0"/>
+              <a:cs typeface="Times New Roman" panose="02020603050405020304" charset="0"/>
+            </a:rPr>
+            <a:t> </a:t>
+          </a:r>
+          <a:r>
+            <a:rPr lang="en-US" sz="2000" dirty="0" err="1">
+              <a:latin typeface="Times New Roman" panose="02020603050405020304" charset="0"/>
+              <a:cs typeface="Times New Roman" panose="02020603050405020304" charset="0"/>
+            </a:rPr>
+            <a:t>cải</a:t>
+          </a:r>
+          <a:r>
+            <a:rPr lang="en-US" sz="2000" dirty="0">
+              <a:latin typeface="Times New Roman" panose="02020603050405020304" charset="0"/>
+              <a:cs typeface="Times New Roman" panose="02020603050405020304" charset="0"/>
+            </a:rPr>
+            <a:t> </a:t>
+          </a:r>
+          <a:r>
+            <a:rPr lang="en-US" sz="2000" dirty="0" err="1">
+              <a:latin typeface="Times New Roman" panose="02020603050405020304" charset="0"/>
+              <a:cs typeface="Times New Roman" panose="02020603050405020304" charset="0"/>
+            </a:rPr>
+            <a:t>tiến</a:t>
+          </a:r>
+          <a:r>
+            <a:rPr lang="en-US" sz="2000" dirty="0">
+              <a:latin typeface="Times New Roman" panose="02020603050405020304" charset="0"/>
+              <a:cs typeface="Times New Roman" panose="02020603050405020304" charset="0"/>
+            </a:rPr>
+            <a:t> </a:t>
+          </a:r>
+          <a:r>
+            <a:rPr lang="en-US" sz="2000" dirty="0" err="1">
+              <a:latin typeface="Times New Roman" panose="02020603050405020304" charset="0"/>
+              <a:cs typeface="Times New Roman" panose="02020603050405020304" charset="0"/>
+            </a:rPr>
+            <a:t>thêm</a:t>
+          </a:r>
+          <a:r>
+            <a:rPr lang="en-US" sz="2000" dirty="0">
+              <a:latin typeface="Times New Roman" panose="02020603050405020304" charset="0"/>
+              <a:cs typeface="Times New Roman" panose="02020603050405020304" charset="0"/>
+            </a:rPr>
+            <a:t> </a:t>
+          </a:r>
+          <a:r>
+            <a:rPr lang="en-US" sz="2000" dirty="0" err="1">
+              <a:latin typeface="Times New Roman" panose="02020603050405020304" charset="0"/>
+              <a:cs typeface="Times New Roman" panose="02020603050405020304" charset="0"/>
+            </a:rPr>
+            <a:t>các</a:t>
+          </a:r>
+          <a:r>
+            <a:rPr lang="en-US" sz="2000" dirty="0">
+              <a:latin typeface="Times New Roman" panose="02020603050405020304" charset="0"/>
+              <a:cs typeface="Times New Roman" panose="02020603050405020304" charset="0"/>
+            </a:rPr>
+            <a:t> </a:t>
+          </a:r>
+          <a:r>
+            <a:rPr lang="en-US" sz="2000" dirty="0" err="1">
+              <a:latin typeface="Times New Roman" panose="02020603050405020304" charset="0"/>
+              <a:cs typeface="Times New Roman" panose="02020603050405020304" charset="0"/>
+            </a:rPr>
+            <a:t>chức</a:t>
+          </a:r>
+          <a:r>
+            <a:rPr lang="en-US" sz="2000" dirty="0">
+              <a:latin typeface="Times New Roman" panose="02020603050405020304" charset="0"/>
+              <a:cs typeface="Times New Roman" panose="02020603050405020304" charset="0"/>
+            </a:rPr>
+            <a:t> </a:t>
+          </a:r>
+          <a:r>
+            <a:rPr lang="en-US" sz="2000" dirty="0" err="1">
+              <a:latin typeface="Times New Roman" panose="02020603050405020304" charset="0"/>
+              <a:cs typeface="Times New Roman" panose="02020603050405020304" charset="0"/>
+            </a:rPr>
+            <a:t>năng</a:t>
+          </a:r>
+          <a:r>
+            <a:rPr lang="en-US" sz="2000" dirty="0">
+              <a:latin typeface="Times New Roman" panose="02020603050405020304" charset="0"/>
+              <a:cs typeface="Times New Roman" panose="02020603050405020304" charset="0"/>
+            </a:rPr>
+            <a:t> </a:t>
+          </a:r>
+          <a:r>
+            <a:rPr lang="en-US" sz="2000" dirty="0" err="1">
+              <a:latin typeface="Times New Roman" panose="02020603050405020304" charset="0"/>
+              <a:cs typeface="Times New Roman" panose="02020603050405020304" charset="0"/>
+            </a:rPr>
+            <a:t>như</a:t>
+          </a:r>
+          <a:r>
+            <a:rPr lang="en-US" sz="2000" dirty="0">
+              <a:latin typeface="Times New Roman" panose="02020603050405020304" charset="0"/>
+              <a:cs typeface="Times New Roman" panose="02020603050405020304" charset="0"/>
+            </a:rPr>
+            <a:t> </a:t>
+          </a:r>
+          <a:r>
+            <a:rPr lang="en-US" sz="2000">
+              <a:latin typeface="Times New Roman" panose="02020603050405020304" charset="0"/>
+              <a:cs typeface="Times New Roman" panose="02020603050405020304" charset="0"/>
+            </a:rPr>
+            <a:t>: </a:t>
+          </a:r>
+          <a:r>
+            <a:rPr lang="en-US" sz="2000" smtClean="0">
+              <a:latin typeface="Times New Roman" panose="02020603050405020304" charset="0"/>
+              <a:cs typeface="Times New Roman" panose="02020603050405020304" charset="0"/>
+            </a:rPr>
+            <a:t>phân trang,liên </a:t>
+          </a:r>
+          <a:r>
+            <a:rPr lang="en-US" sz="2000" dirty="0" err="1">
+              <a:latin typeface="Times New Roman" panose="02020603050405020304" charset="0"/>
+              <a:cs typeface="Times New Roman" panose="02020603050405020304" charset="0"/>
+            </a:rPr>
+            <a:t>hệ</a:t>
+          </a:r>
+          <a:r>
+            <a:rPr lang="en-US" sz="2000" dirty="0">
+              <a:latin typeface="Times New Roman" panose="02020603050405020304" charset="0"/>
+              <a:cs typeface="Times New Roman" panose="02020603050405020304" charset="0"/>
+            </a:rPr>
+            <a:t> </a:t>
+          </a:r>
+          <a:r>
+            <a:rPr lang="en-US" sz="2000" dirty="0" err="1">
+              <a:latin typeface="Times New Roman" panose="02020603050405020304" charset="0"/>
+              <a:cs typeface="Times New Roman" panose="02020603050405020304" charset="0"/>
+            </a:rPr>
+            <a:t>trực</a:t>
+          </a:r>
+          <a:r>
+            <a:rPr lang="en-US" sz="2000" dirty="0">
+              <a:latin typeface="Times New Roman" panose="02020603050405020304" charset="0"/>
+              <a:cs typeface="Times New Roman" panose="02020603050405020304" charset="0"/>
+            </a:rPr>
+            <a:t> </a:t>
+          </a:r>
+          <a:r>
+            <a:rPr lang="en-US" sz="2000" dirty="0" err="1">
+              <a:latin typeface="Times New Roman" panose="02020603050405020304" charset="0"/>
+              <a:cs typeface="Times New Roman" panose="02020603050405020304" charset="0"/>
+            </a:rPr>
+            <a:t>tuyến</a:t>
+          </a:r>
+          <a:r>
+            <a:rPr lang="en-US" sz="2000">
+              <a:latin typeface="Times New Roman" panose="02020603050405020304" charset="0"/>
+              <a:cs typeface="Times New Roman" panose="02020603050405020304" charset="0"/>
+            </a:rPr>
+            <a:t>, </a:t>
+          </a:r>
+          <a:r>
+            <a:rPr lang="en-US" sz="2000" smtClean="0">
+              <a:latin typeface="Times New Roman" panose="02020603050405020304" charset="0"/>
+              <a:cs typeface="Times New Roman" panose="02020603050405020304" charset="0"/>
+            </a:rPr>
+            <a:t>thêm </a:t>
+          </a:r>
+          <a:r>
+            <a:rPr lang="en-US" sz="2000" dirty="0" err="1">
+              <a:latin typeface="Times New Roman" panose="02020603050405020304" charset="0"/>
+              <a:cs typeface="Times New Roman" panose="02020603050405020304" charset="0"/>
+            </a:rPr>
+            <a:t>đường</a:t>
+          </a:r>
+          <a:r>
+            <a:rPr lang="en-US" sz="2000" dirty="0">
+              <a:latin typeface="Times New Roman" panose="02020603050405020304" charset="0"/>
+              <a:cs typeface="Times New Roman" panose="02020603050405020304" charset="0"/>
+            </a:rPr>
+            <a:t> link </a:t>
+          </a:r>
+          <a:r>
+            <a:rPr lang="en-US" sz="2000" dirty="0" err="1">
+              <a:latin typeface="Times New Roman" panose="02020603050405020304" charset="0"/>
+              <a:cs typeface="Times New Roman" panose="02020603050405020304" charset="0"/>
+            </a:rPr>
+            <a:t>liên</a:t>
+          </a:r>
+          <a:r>
+            <a:rPr lang="en-US" sz="2000" dirty="0">
+              <a:latin typeface="Times New Roman" panose="02020603050405020304" charset="0"/>
+              <a:cs typeface="Times New Roman" panose="02020603050405020304" charset="0"/>
+            </a:rPr>
+            <a:t> </a:t>
+          </a:r>
+          <a:r>
+            <a:rPr lang="en-US" sz="2000" dirty="0" err="1">
+              <a:latin typeface="Times New Roman" panose="02020603050405020304" charset="0"/>
+              <a:cs typeface="Times New Roman" panose="02020603050405020304" charset="0"/>
+            </a:rPr>
+            <a:t>kết</a:t>
+          </a:r>
+          <a:r>
+            <a:rPr lang="en-US" sz="2000" dirty="0">
+              <a:latin typeface="Times New Roman" panose="02020603050405020304" charset="0"/>
+              <a:cs typeface="Times New Roman" panose="02020603050405020304" charset="0"/>
+            </a:rPr>
+            <a:t> </a:t>
+          </a:r>
+          <a:r>
+            <a:rPr lang="en-US" sz="2000" dirty="0" err="1">
+              <a:latin typeface="Times New Roman" panose="02020603050405020304" charset="0"/>
+              <a:cs typeface="Times New Roman" panose="02020603050405020304" charset="0"/>
+            </a:rPr>
+            <a:t>đến</a:t>
+          </a:r>
+          <a:r>
+            <a:rPr lang="en-US" sz="2000" dirty="0">
+              <a:latin typeface="Times New Roman" panose="02020603050405020304" charset="0"/>
+              <a:cs typeface="Times New Roman" panose="02020603050405020304" charset="0"/>
+            </a:rPr>
+            <a:t> map </a:t>
+          </a:r>
+          <a:r>
+            <a:rPr lang="en-US" sz="2000" dirty="0" err="1">
+              <a:latin typeface="Times New Roman" panose="02020603050405020304" charset="0"/>
+              <a:cs typeface="Times New Roman" panose="02020603050405020304" charset="0"/>
+            </a:rPr>
+            <a:t>và</a:t>
+          </a:r>
+          <a:r>
+            <a:rPr lang="en-US" sz="2000" dirty="0">
+              <a:latin typeface="Times New Roman" panose="02020603050405020304" charset="0"/>
+              <a:cs typeface="Times New Roman" panose="02020603050405020304" charset="0"/>
+            </a:rPr>
+            <a:t> </a:t>
+          </a:r>
+          <a:r>
+            <a:rPr lang="en-US" sz="2000" dirty="0" err="1">
+              <a:latin typeface="Times New Roman" panose="02020603050405020304" charset="0"/>
+              <a:cs typeface="Times New Roman" panose="02020603050405020304" charset="0"/>
+            </a:rPr>
+            <a:t>facebook</a:t>
+          </a:r>
+          <a:r>
+            <a:rPr lang="en-US" sz="2000" dirty="0">
+              <a:latin typeface="Times New Roman" panose="02020603050405020304" charset="0"/>
+              <a:cs typeface="Times New Roman" panose="02020603050405020304" charset="0"/>
+            </a:rPr>
+            <a:t>,.. </a:t>
+          </a:r>
+        </a:p>
+      </dgm:t>
+    </dgm:pt>
+    <dgm:pt modelId="{0A877353-C8EE-41CF-A221-673632A4DD92}" type="parTrans" cxnId="{A0158830-664C-445C-87A8-89E4A652B6B2}">
+      <dgm:prSet/>
+      <dgm:spPr/>
+      <dgm:t>
+        <a:bodyPr/>
+        <a:lstStyle/>
+        <a:p>
+          <a:endParaRPr lang="en-US"/>
+        </a:p>
+      </dgm:t>
+    </dgm:pt>
+    <dgm:pt modelId="{CFF674A4-A1A9-45A2-8096-15583C2E72B4}" type="sibTrans" cxnId="{A0158830-664C-445C-87A8-89E4A652B6B2}">
+      <dgm:prSet/>
+      <dgm:spPr/>
+      <dgm:t>
+        <a:bodyPr/>
+        <a:lstStyle/>
+        <a:p>
+          <a:endParaRPr lang="en-US"/>
+        </a:p>
+      </dgm:t>
+    </dgm:pt>
+    <dgm:pt modelId="{7C94CCF0-D47A-4CD8-AE30-EC2EFFF28E63}">
+      <dgm:prSet phldrT="[Text]"/>
+      <dgm:spPr/>
+      <dgm:t>
+        <a:bodyPr/>
+        <a:lstStyle/>
+        <a:p>
+          <a:endParaRPr lang="en-US" dirty="0"/>
+        </a:p>
+      </dgm:t>
+    </dgm:pt>
+    <dgm:pt modelId="{EBC50963-C5E0-4D3B-9D92-E6EAE82F3ED8}" type="parTrans" cxnId="{55B07BE5-404A-4B4F-849F-68D5E63C8FF6}">
+      <dgm:prSet/>
+      <dgm:spPr/>
+      <dgm:t>
+        <a:bodyPr/>
+        <a:lstStyle/>
+        <a:p>
+          <a:endParaRPr lang="en-US"/>
+        </a:p>
+      </dgm:t>
+    </dgm:pt>
+    <dgm:pt modelId="{4C05905D-47DB-48D0-B68B-FB6F16C6513E}" type="sibTrans" cxnId="{55B07BE5-404A-4B4F-849F-68D5E63C8FF6}">
+      <dgm:prSet/>
+      <dgm:spPr/>
+      <dgm:t>
+        <a:bodyPr/>
+        <a:lstStyle/>
+        <a:p>
+          <a:endParaRPr lang="en-US"/>
+        </a:p>
+      </dgm:t>
+    </dgm:pt>
+    <dgm:pt modelId="{F12F3448-CC38-4EC6-AC00-44DFECF3A432}">
+      <dgm:prSet phldrT="[Text]" custT="1"/>
+      <dgm:spPr/>
+      <dgm:t>
+        <a:bodyPr/>
+        <a:lstStyle/>
+        <a:p>
+          <a:r>
+            <a:rPr lang="en-US" sz="2000" dirty="0" err="1">
+              <a:latin typeface="Times New Roman" panose="02020603050405020304" charset="0"/>
+              <a:cs typeface="Times New Roman" panose="02020603050405020304" charset="0"/>
+            </a:rPr>
+            <a:t>Hỗ</a:t>
+          </a:r>
+          <a:r>
+            <a:rPr lang="en-US" sz="2000" dirty="0">
+              <a:latin typeface="Times New Roman" panose="02020603050405020304" charset="0"/>
+              <a:cs typeface="Times New Roman" panose="02020603050405020304" charset="0"/>
+            </a:rPr>
+            <a:t> </a:t>
+          </a:r>
+          <a:r>
+            <a:rPr lang="en-US" sz="2000" dirty="0" err="1">
+              <a:latin typeface="Times New Roman" panose="02020603050405020304" charset="0"/>
+              <a:cs typeface="Times New Roman" panose="02020603050405020304" charset="0"/>
+            </a:rPr>
+            <a:t>trợ</a:t>
+          </a:r>
+          <a:r>
+            <a:rPr lang="en-US" sz="2000" dirty="0">
+              <a:latin typeface="Times New Roman" panose="02020603050405020304" charset="0"/>
+              <a:cs typeface="Times New Roman" panose="02020603050405020304" charset="0"/>
+            </a:rPr>
+            <a:t> </a:t>
+          </a:r>
+          <a:r>
+            <a:rPr lang="en-US" sz="2000" dirty="0" err="1">
+              <a:latin typeface="Times New Roman" panose="02020603050405020304" charset="0"/>
+              <a:cs typeface="Times New Roman" panose="02020603050405020304" charset="0"/>
+            </a:rPr>
+            <a:t>phát</a:t>
+          </a:r>
+          <a:r>
+            <a:rPr lang="en-US" sz="2000" dirty="0">
+              <a:latin typeface="Times New Roman" panose="02020603050405020304" charset="0"/>
+              <a:cs typeface="Times New Roman" panose="02020603050405020304" charset="0"/>
+            </a:rPr>
+            <a:t> </a:t>
+          </a:r>
+          <a:r>
+            <a:rPr lang="en-US" sz="2000" dirty="0" err="1">
+              <a:latin typeface="Times New Roman" panose="02020603050405020304" charset="0"/>
+              <a:cs typeface="Times New Roman" panose="02020603050405020304" charset="0"/>
+            </a:rPr>
+            <a:t>triển</a:t>
+          </a:r>
+          <a:r>
+            <a:rPr lang="en-US" sz="2000" dirty="0">
+              <a:latin typeface="Times New Roman" panose="02020603050405020304" charset="0"/>
+              <a:cs typeface="Times New Roman" panose="02020603050405020304" charset="0"/>
+            </a:rPr>
+            <a:t> </a:t>
+          </a:r>
+          <a:r>
+            <a:rPr lang="en-US" sz="2000" dirty="0" err="1">
+              <a:latin typeface="Times New Roman" panose="02020603050405020304" charset="0"/>
+              <a:cs typeface="Times New Roman" panose="02020603050405020304" charset="0"/>
+            </a:rPr>
+            <a:t>thêm</a:t>
+          </a:r>
+          <a:r>
+            <a:rPr lang="en-US" sz="2000" dirty="0">
+              <a:latin typeface="Times New Roman" panose="02020603050405020304" charset="0"/>
+              <a:cs typeface="Times New Roman" panose="02020603050405020304" charset="0"/>
+            </a:rPr>
+            <a:t> </a:t>
+          </a:r>
+          <a:r>
+            <a:rPr lang="en-US" sz="2000" dirty="0" err="1">
+              <a:latin typeface="Times New Roman" panose="02020603050405020304" charset="0"/>
+              <a:cs typeface="Times New Roman" panose="02020603050405020304" charset="0"/>
+            </a:rPr>
+            <a:t>các</a:t>
+          </a:r>
+          <a:r>
+            <a:rPr lang="en-US" sz="2000" dirty="0">
+              <a:latin typeface="Times New Roman" panose="02020603050405020304" charset="0"/>
+              <a:cs typeface="Times New Roman" panose="02020603050405020304" charset="0"/>
+            </a:rPr>
+            <a:t> </a:t>
+          </a:r>
+          <a:r>
+            <a:rPr lang="en-US" sz="2000" dirty="0" err="1">
+              <a:latin typeface="Times New Roman" panose="02020603050405020304" charset="0"/>
+              <a:cs typeface="Times New Roman" panose="02020603050405020304" charset="0"/>
+            </a:rPr>
+            <a:t>trang</a:t>
+          </a:r>
+          <a:r>
+            <a:rPr lang="en-US" sz="2000" dirty="0">
+              <a:latin typeface="Times New Roman" panose="02020603050405020304" charset="0"/>
+              <a:cs typeface="Times New Roman" panose="02020603050405020304" charset="0"/>
+            </a:rPr>
+            <a:t> </a:t>
+          </a:r>
+          <a:r>
+            <a:rPr lang="en-US" sz="2000" dirty="0" err="1">
+              <a:latin typeface="Times New Roman" panose="02020603050405020304" charset="0"/>
+              <a:cs typeface="Times New Roman" panose="02020603050405020304" charset="0"/>
+            </a:rPr>
+            <a:t>Tuyển</a:t>
+          </a:r>
+          <a:r>
+            <a:rPr lang="en-US" sz="2000" dirty="0">
+              <a:latin typeface="Times New Roman" panose="02020603050405020304" charset="0"/>
+              <a:cs typeface="Times New Roman" panose="02020603050405020304" charset="0"/>
+            </a:rPr>
+            <a:t> </a:t>
+          </a:r>
+          <a:r>
+            <a:rPr lang="en-US" sz="2000" dirty="0" err="1">
+              <a:latin typeface="Times New Roman" panose="02020603050405020304" charset="0"/>
+              <a:cs typeface="Times New Roman" panose="02020603050405020304" charset="0"/>
+            </a:rPr>
+            <a:t>dụng</a:t>
+          </a:r>
+          <a:r>
+            <a:rPr lang="en-US" sz="2000" dirty="0">
+              <a:latin typeface="Times New Roman" panose="02020603050405020304" charset="0"/>
+              <a:cs typeface="Times New Roman" panose="02020603050405020304" charset="0"/>
+            </a:rPr>
+            <a:t>, </a:t>
+          </a:r>
+          <a:r>
+            <a:rPr lang="en-US" sz="2000" dirty="0" err="1">
+              <a:latin typeface="Times New Roman" panose="02020603050405020304" charset="0"/>
+              <a:cs typeface="Times New Roman" panose="02020603050405020304" charset="0"/>
+            </a:rPr>
+            <a:t>hướng</a:t>
+          </a:r>
+          <a:r>
+            <a:rPr lang="en-US" sz="2000" dirty="0">
+              <a:latin typeface="Times New Roman" panose="02020603050405020304" charset="0"/>
+              <a:cs typeface="Times New Roman" panose="02020603050405020304" charset="0"/>
+            </a:rPr>
+            <a:t> </a:t>
+          </a:r>
+          <a:r>
+            <a:rPr lang="en-US" sz="2000" dirty="0" err="1">
+              <a:latin typeface="Times New Roman" panose="02020603050405020304" charset="0"/>
+              <a:cs typeface="Times New Roman" panose="02020603050405020304" charset="0"/>
+            </a:rPr>
+            <a:t>dẫn</a:t>
+          </a:r>
+          <a:r>
+            <a:rPr lang="en-US" sz="2000" dirty="0">
+              <a:latin typeface="Times New Roman" panose="02020603050405020304" charset="0"/>
+              <a:cs typeface="Times New Roman" panose="02020603050405020304" charset="0"/>
+            </a:rPr>
+            <a:t> </a:t>
+          </a:r>
+          <a:r>
+            <a:rPr lang="en-US" sz="2000" dirty="0" err="1">
+              <a:latin typeface="Times New Roman" panose="02020603050405020304" charset="0"/>
+              <a:cs typeface="Times New Roman" panose="02020603050405020304" charset="0"/>
+            </a:rPr>
+            <a:t>mua</a:t>
+          </a:r>
+          <a:r>
+            <a:rPr lang="en-US" sz="2000" dirty="0">
+              <a:latin typeface="Times New Roman" panose="02020603050405020304" charset="0"/>
+              <a:cs typeface="Times New Roman" panose="02020603050405020304" charset="0"/>
+            </a:rPr>
+            <a:t> </a:t>
+          </a:r>
+          <a:r>
+            <a:rPr lang="en-US" sz="2000" dirty="0" err="1">
+              <a:latin typeface="Times New Roman" panose="02020603050405020304" charset="0"/>
+              <a:cs typeface="Times New Roman" panose="02020603050405020304" charset="0"/>
+            </a:rPr>
+            <a:t>hàng</a:t>
+          </a:r>
+          <a:r>
+            <a:rPr lang="en-US" sz="2000" dirty="0">
+              <a:latin typeface="Times New Roman" panose="02020603050405020304" charset="0"/>
+              <a:cs typeface="Times New Roman" panose="02020603050405020304" charset="0"/>
+            </a:rPr>
+            <a:t>, </a:t>
+          </a:r>
+          <a:r>
+            <a:rPr lang="en-US" sz="2000" dirty="0" err="1">
+              <a:latin typeface="Times New Roman" panose="02020603050405020304" charset="0"/>
+              <a:cs typeface="Times New Roman" panose="02020603050405020304" charset="0"/>
+            </a:rPr>
+            <a:t>thanh</a:t>
+          </a:r>
+          <a:r>
+            <a:rPr lang="en-US" sz="2000" dirty="0">
+              <a:latin typeface="Times New Roman" panose="02020603050405020304" charset="0"/>
+              <a:cs typeface="Times New Roman" panose="02020603050405020304" charset="0"/>
+            </a:rPr>
+            <a:t> </a:t>
+          </a:r>
+          <a:r>
+            <a:rPr lang="en-US" sz="2000" dirty="0" err="1">
+              <a:latin typeface="Times New Roman" panose="02020603050405020304" charset="0"/>
+              <a:cs typeface="Times New Roman" panose="02020603050405020304" charset="0"/>
+            </a:rPr>
+            <a:t>toán</a:t>
+          </a:r>
+          <a:r>
+            <a:rPr lang="en-US" sz="2000" dirty="0">
+              <a:latin typeface="Times New Roman" panose="02020603050405020304" charset="0"/>
+              <a:cs typeface="Times New Roman" panose="02020603050405020304" charset="0"/>
+            </a:rPr>
+            <a:t>,..  </a:t>
+          </a:r>
+        </a:p>
+      </dgm:t>
+    </dgm:pt>
+    <dgm:pt modelId="{BD03B4BE-237D-4B04-826A-4D9C6A32BCA3}" type="parTrans" cxnId="{42595EA3-168E-4CF3-A182-9990EC592F3F}">
+      <dgm:prSet/>
+      <dgm:spPr/>
+      <dgm:t>
+        <a:bodyPr/>
+        <a:lstStyle/>
+        <a:p>
+          <a:endParaRPr lang="en-US"/>
+        </a:p>
+      </dgm:t>
+    </dgm:pt>
+    <dgm:pt modelId="{B747B5CC-C45A-43E2-940D-D0DD6957DA60}" type="sibTrans" cxnId="{42595EA3-168E-4CF3-A182-9990EC592F3F}">
+      <dgm:prSet/>
+      <dgm:spPr/>
+      <dgm:t>
+        <a:bodyPr/>
+        <a:lstStyle/>
+        <a:p>
+          <a:endParaRPr lang="en-US"/>
+        </a:p>
+      </dgm:t>
+    </dgm:pt>
+    <dgm:pt modelId="{C79C3ED4-77C4-42A5-85CF-E4885D909465}" type="pres">
+      <dgm:prSet presAssocID="{42CE822C-8299-4493-A031-3945121AFA82}" presName="Name0" presStyleCnt="0">
+        <dgm:presLayoutVars>
+          <dgm:chMax/>
+          <dgm:chPref/>
+          <dgm:dir/>
+        </dgm:presLayoutVars>
+      </dgm:prSet>
+      <dgm:spPr/>
+      <dgm:t>
+        <a:bodyPr/>
+        <a:lstStyle/>
+        <a:p>
+          <a:endParaRPr lang="en-US"/>
+        </a:p>
+      </dgm:t>
+    </dgm:pt>
+    <dgm:pt modelId="{E1B1CF76-1AE1-4B5E-8441-701550570A08}" type="pres">
+      <dgm:prSet presAssocID="{F87B2970-9676-47EF-A823-75C1FA939223}" presName="parenttextcomposite" presStyleCnt="0"/>
+      <dgm:spPr/>
+    </dgm:pt>
+    <dgm:pt modelId="{D147A4C6-486F-40F3-9570-9FE4D3B25AC3}" type="pres">
+      <dgm:prSet presAssocID="{F87B2970-9676-47EF-A823-75C1FA939223}" presName="parenttext" presStyleLbl="revTx" presStyleIdx="0" presStyleCnt="2">
+        <dgm:presLayoutVars>
+          <dgm:chMax/>
+          <dgm:chPref val="2"/>
+          <dgm:bulletEnabled val="1"/>
+        </dgm:presLayoutVars>
+      </dgm:prSet>
+      <dgm:spPr/>
+      <dgm:t>
+        <a:bodyPr/>
+        <a:lstStyle/>
+        <a:p>
+          <a:endParaRPr lang="en-US"/>
+        </a:p>
+      </dgm:t>
+    </dgm:pt>
+    <dgm:pt modelId="{91265974-9B41-4ACB-91A0-F391C0DB5054}" type="pres">
+      <dgm:prSet presAssocID="{F87B2970-9676-47EF-A823-75C1FA939223}" presName="composite" presStyleCnt="0"/>
+      <dgm:spPr/>
+    </dgm:pt>
+    <dgm:pt modelId="{07A4CBEA-A9B8-4154-991F-335DFBAF3F8C}" type="pres">
+      <dgm:prSet presAssocID="{F87B2970-9676-47EF-A823-75C1FA939223}" presName="chevron1" presStyleLbl="alignNode1" presStyleIdx="0" presStyleCnt="14"/>
+      <dgm:spPr/>
+    </dgm:pt>
+    <dgm:pt modelId="{94CEC78D-C18F-49E9-801C-A93A650E6F77}" type="pres">
+      <dgm:prSet presAssocID="{F87B2970-9676-47EF-A823-75C1FA939223}" presName="chevron2" presStyleLbl="alignNode1" presStyleIdx="1" presStyleCnt="14"/>
+      <dgm:spPr/>
+    </dgm:pt>
+    <dgm:pt modelId="{9A68A251-DE7B-43CE-BC1C-2A9B4BC8F51B}" type="pres">
+      <dgm:prSet presAssocID="{F87B2970-9676-47EF-A823-75C1FA939223}" presName="chevron3" presStyleLbl="alignNode1" presStyleIdx="2" presStyleCnt="14"/>
+      <dgm:spPr/>
+    </dgm:pt>
+    <dgm:pt modelId="{64AF3C27-47B9-4A6E-B9C2-0F9F8DE1FADE}" type="pres">
+      <dgm:prSet presAssocID="{F87B2970-9676-47EF-A823-75C1FA939223}" presName="chevron4" presStyleLbl="alignNode1" presStyleIdx="3" presStyleCnt="14"/>
+      <dgm:spPr/>
+    </dgm:pt>
+    <dgm:pt modelId="{AE5C6FA4-51A1-4498-8DC7-2D7ABA019DCC}" type="pres">
+      <dgm:prSet presAssocID="{F87B2970-9676-47EF-A823-75C1FA939223}" presName="chevron5" presStyleLbl="alignNode1" presStyleIdx="4" presStyleCnt="14"/>
+      <dgm:spPr/>
+    </dgm:pt>
+    <dgm:pt modelId="{F90C31B7-377B-42EF-967B-C5860AB9FD07}" type="pres">
+      <dgm:prSet presAssocID="{F87B2970-9676-47EF-A823-75C1FA939223}" presName="chevron6" presStyleLbl="alignNode1" presStyleIdx="5" presStyleCnt="14"/>
+      <dgm:spPr/>
+    </dgm:pt>
+    <dgm:pt modelId="{E469D344-3EF5-45DB-A82B-74DBA8A43829}" type="pres">
+      <dgm:prSet presAssocID="{F87B2970-9676-47EF-A823-75C1FA939223}" presName="chevron7" presStyleLbl="alignNode1" presStyleIdx="6" presStyleCnt="14"/>
+      <dgm:spPr/>
+    </dgm:pt>
+    <dgm:pt modelId="{0EFBD4A8-7922-4708-A882-1F795528D6FF}" type="pres">
+      <dgm:prSet presAssocID="{F87B2970-9676-47EF-A823-75C1FA939223}" presName="childtext" presStyleLbl="solidFgAcc1" presStyleIdx="0" presStyleCnt="2" custScaleX="105447" custScaleY="104476">
+        <dgm:presLayoutVars>
+          <dgm:chMax/>
+          <dgm:chPref val="0"/>
+          <dgm:bulletEnabled val="1"/>
+        </dgm:presLayoutVars>
+      </dgm:prSet>
+      <dgm:spPr/>
+      <dgm:t>
+        <a:bodyPr/>
+        <a:lstStyle/>
+        <a:p>
+          <a:endParaRPr lang="en-US"/>
+        </a:p>
+      </dgm:t>
+    </dgm:pt>
+    <dgm:pt modelId="{833E7C54-5194-41C5-A8C8-B13A1505A887}" type="pres">
+      <dgm:prSet presAssocID="{929DE524-2FDE-4E6F-86CB-AB0362E73EE0}" presName="sibTrans" presStyleCnt="0"/>
+      <dgm:spPr/>
+    </dgm:pt>
+    <dgm:pt modelId="{BBA3E1E4-9F2A-4ECE-B1B5-A60F6E52C7AD}" type="pres">
+      <dgm:prSet presAssocID="{7C94CCF0-D47A-4CD8-AE30-EC2EFFF28E63}" presName="parenttextcomposite" presStyleCnt="0"/>
+      <dgm:spPr/>
+    </dgm:pt>
+    <dgm:pt modelId="{E3D35423-87B0-456F-ACC7-CFB8E2BC0AFA}" type="pres">
+      <dgm:prSet presAssocID="{7C94CCF0-D47A-4CD8-AE30-EC2EFFF28E63}" presName="parenttext" presStyleLbl="revTx" presStyleIdx="1" presStyleCnt="2">
+        <dgm:presLayoutVars>
+          <dgm:chMax/>
+          <dgm:chPref val="2"/>
+          <dgm:bulletEnabled val="1"/>
+        </dgm:presLayoutVars>
+      </dgm:prSet>
+      <dgm:spPr/>
+      <dgm:t>
+        <a:bodyPr/>
+        <a:lstStyle/>
+        <a:p>
+          <a:endParaRPr lang="en-US"/>
+        </a:p>
+      </dgm:t>
+    </dgm:pt>
+    <dgm:pt modelId="{3C054FA4-CB3D-4635-95D3-32F35F69C068}" type="pres">
+      <dgm:prSet presAssocID="{7C94CCF0-D47A-4CD8-AE30-EC2EFFF28E63}" presName="composite" presStyleCnt="0"/>
+      <dgm:spPr/>
+    </dgm:pt>
+    <dgm:pt modelId="{D6A809B1-9B68-45E9-A22A-93C0CD09A4AE}" type="pres">
+      <dgm:prSet presAssocID="{7C94CCF0-D47A-4CD8-AE30-EC2EFFF28E63}" presName="chevron1" presStyleLbl="alignNode1" presStyleIdx="7" presStyleCnt="14"/>
+      <dgm:spPr/>
+    </dgm:pt>
+    <dgm:pt modelId="{173476D0-994E-4922-B2E7-B7D4C80BA704}" type="pres">
+      <dgm:prSet presAssocID="{7C94CCF0-D47A-4CD8-AE30-EC2EFFF28E63}" presName="chevron2" presStyleLbl="alignNode1" presStyleIdx="8" presStyleCnt="14"/>
+      <dgm:spPr/>
+    </dgm:pt>
+    <dgm:pt modelId="{BB9FDF13-C270-45E8-8CBB-20B68B389FD5}" type="pres">
+      <dgm:prSet presAssocID="{7C94CCF0-D47A-4CD8-AE30-EC2EFFF28E63}" presName="chevron3" presStyleLbl="alignNode1" presStyleIdx="9" presStyleCnt="14"/>
+      <dgm:spPr/>
+    </dgm:pt>
+    <dgm:pt modelId="{23FE6A94-D871-4559-A997-0CA21D9E86D4}" type="pres">
+      <dgm:prSet presAssocID="{7C94CCF0-D47A-4CD8-AE30-EC2EFFF28E63}" presName="chevron4" presStyleLbl="alignNode1" presStyleIdx="10" presStyleCnt="14"/>
+      <dgm:spPr/>
+    </dgm:pt>
+    <dgm:pt modelId="{42AAE86A-C03F-404F-A406-0C47D97BABAC}" type="pres">
+      <dgm:prSet presAssocID="{7C94CCF0-D47A-4CD8-AE30-EC2EFFF28E63}" presName="chevron5" presStyleLbl="alignNode1" presStyleIdx="11" presStyleCnt="14"/>
+      <dgm:spPr/>
+    </dgm:pt>
+    <dgm:pt modelId="{DB720FF3-880C-4300-9FB7-6EE64F5E34E7}" type="pres">
+      <dgm:prSet presAssocID="{7C94CCF0-D47A-4CD8-AE30-EC2EFFF28E63}" presName="chevron6" presStyleLbl="alignNode1" presStyleIdx="12" presStyleCnt="14"/>
+      <dgm:spPr/>
+    </dgm:pt>
+    <dgm:pt modelId="{FB9421E8-D8FA-49B7-BB73-17E422C08D38}" type="pres">
+      <dgm:prSet presAssocID="{7C94CCF0-D47A-4CD8-AE30-EC2EFFF28E63}" presName="chevron7" presStyleLbl="alignNode1" presStyleIdx="13" presStyleCnt="14"/>
+      <dgm:spPr/>
+    </dgm:pt>
+    <dgm:pt modelId="{2CDCD521-FEF5-4E57-B7D2-DAACA7127A9B}" type="pres">
+      <dgm:prSet presAssocID="{7C94CCF0-D47A-4CD8-AE30-EC2EFFF28E63}" presName="childtext" presStyleLbl="solidFgAcc1" presStyleIdx="1" presStyleCnt="2">
+        <dgm:presLayoutVars>
+          <dgm:chMax/>
+          <dgm:chPref val="0"/>
+          <dgm:bulletEnabled val="1"/>
+        </dgm:presLayoutVars>
+      </dgm:prSet>
+      <dgm:spPr/>
+      <dgm:t>
+        <a:bodyPr/>
+        <a:lstStyle/>
+        <a:p>
+          <a:endParaRPr lang="en-US"/>
+        </a:p>
+      </dgm:t>
+    </dgm:pt>
+  </dgm:ptLst>
+  <dgm:cxnLst>
+    <dgm:cxn modelId="{1CD70F0C-18D1-4D7C-A854-472143527446}" type="presOf" srcId="{7C94CCF0-D47A-4CD8-AE30-EC2EFFF28E63}" destId="{E3D35423-87B0-456F-ACC7-CFB8E2BC0AFA}" srcOrd="0" destOrd="0" presId="urn:microsoft.com/office/officeart/2008/layout/VerticalAccentList"/>
+    <dgm:cxn modelId="{A0158830-664C-445C-87A8-89E4A652B6B2}" srcId="{F87B2970-9676-47EF-A823-75C1FA939223}" destId="{137B9EA8-7A53-4929-BC31-6C7640ACDB6B}" srcOrd="0" destOrd="0" parTransId="{0A877353-C8EE-41CF-A221-673632A4DD92}" sibTransId="{CFF674A4-A1A9-45A2-8096-15583C2E72B4}"/>
+    <dgm:cxn modelId="{FEEB0D34-6478-4123-844A-829ADA25D107}" type="presOf" srcId="{F12F3448-CC38-4EC6-AC00-44DFECF3A432}" destId="{2CDCD521-FEF5-4E57-B7D2-DAACA7127A9B}" srcOrd="0" destOrd="0" presId="urn:microsoft.com/office/officeart/2008/layout/VerticalAccentList"/>
+    <dgm:cxn modelId="{55B07BE5-404A-4B4F-849F-68D5E63C8FF6}" srcId="{42CE822C-8299-4493-A031-3945121AFA82}" destId="{7C94CCF0-D47A-4CD8-AE30-EC2EFFF28E63}" srcOrd="1" destOrd="0" parTransId="{EBC50963-C5E0-4D3B-9D92-E6EAE82F3ED8}" sibTransId="{4C05905D-47DB-48D0-B68B-FB6F16C6513E}"/>
+    <dgm:cxn modelId="{42595EA3-168E-4CF3-A182-9990EC592F3F}" srcId="{7C94CCF0-D47A-4CD8-AE30-EC2EFFF28E63}" destId="{F12F3448-CC38-4EC6-AC00-44DFECF3A432}" srcOrd="0" destOrd="0" parTransId="{BD03B4BE-237D-4B04-826A-4D9C6A32BCA3}" sibTransId="{B747B5CC-C45A-43E2-940D-D0DD6957DA60}"/>
+    <dgm:cxn modelId="{A2FAA5F1-57A7-4A08-87ED-C088BDB06D66}" type="presOf" srcId="{42CE822C-8299-4493-A031-3945121AFA82}" destId="{C79C3ED4-77C4-42A5-85CF-E4885D909465}" srcOrd="0" destOrd="0" presId="urn:microsoft.com/office/officeart/2008/layout/VerticalAccentList"/>
+    <dgm:cxn modelId="{7A1414E8-7F24-4161-909F-F680CAF21211}" type="presOf" srcId="{137B9EA8-7A53-4929-BC31-6C7640ACDB6B}" destId="{0EFBD4A8-7922-4708-A882-1F795528D6FF}" srcOrd="0" destOrd="0" presId="urn:microsoft.com/office/officeart/2008/layout/VerticalAccentList"/>
+    <dgm:cxn modelId="{E179D5FB-B091-4D9A-8E2F-9795DEBF127E}" type="presOf" srcId="{F87B2970-9676-47EF-A823-75C1FA939223}" destId="{D147A4C6-486F-40F3-9570-9FE4D3B25AC3}" srcOrd="0" destOrd="0" presId="urn:microsoft.com/office/officeart/2008/layout/VerticalAccentList"/>
+    <dgm:cxn modelId="{1EC8EB2D-3C78-4E4D-AB4D-3CA19AE34B65}" srcId="{42CE822C-8299-4493-A031-3945121AFA82}" destId="{F87B2970-9676-47EF-A823-75C1FA939223}" srcOrd="0" destOrd="0" parTransId="{30A62839-0C44-489F-8792-40572B25756A}" sibTransId="{929DE524-2FDE-4E6F-86CB-AB0362E73EE0}"/>
+    <dgm:cxn modelId="{AE69C570-BDEF-4B7E-951F-761E8DDAE93C}" type="presParOf" srcId="{C79C3ED4-77C4-42A5-85CF-E4885D909465}" destId="{E1B1CF76-1AE1-4B5E-8441-701550570A08}" srcOrd="0" destOrd="0" presId="urn:microsoft.com/office/officeart/2008/layout/VerticalAccentList"/>
+    <dgm:cxn modelId="{A2E5F363-F030-4D2A-A021-15E5BEAA6E01}" type="presParOf" srcId="{E1B1CF76-1AE1-4B5E-8441-701550570A08}" destId="{D147A4C6-486F-40F3-9570-9FE4D3B25AC3}" srcOrd="0" destOrd="0" presId="urn:microsoft.com/office/officeart/2008/layout/VerticalAccentList"/>
+    <dgm:cxn modelId="{EB6C9CA5-EC31-4B76-B673-68FE5C7D739F}" type="presParOf" srcId="{C79C3ED4-77C4-42A5-85CF-E4885D909465}" destId="{91265974-9B41-4ACB-91A0-F391C0DB5054}" srcOrd="1" destOrd="0" presId="urn:microsoft.com/office/officeart/2008/layout/VerticalAccentList"/>
+    <dgm:cxn modelId="{D0178983-3FFE-4404-94B1-39DAB628B161}" type="presParOf" srcId="{91265974-9B41-4ACB-91A0-F391C0DB5054}" destId="{07A4CBEA-A9B8-4154-991F-335DFBAF3F8C}" srcOrd="0" destOrd="0" presId="urn:microsoft.com/office/officeart/2008/layout/VerticalAccentList"/>
+    <dgm:cxn modelId="{0FAFC1BB-59C0-41A7-B6C6-3F14F321F88E}" type="presParOf" srcId="{91265974-9B41-4ACB-91A0-F391C0DB5054}" destId="{94CEC78D-C18F-49E9-801C-A93A650E6F77}" srcOrd="1" destOrd="0" presId="urn:microsoft.com/office/officeart/2008/layout/VerticalAccentList"/>
+    <dgm:cxn modelId="{F0177A97-2DBD-4C2D-B46E-6656D0AFC923}" type="presParOf" srcId="{91265974-9B41-4ACB-91A0-F391C0DB5054}" destId="{9A68A251-DE7B-43CE-BC1C-2A9B4BC8F51B}" srcOrd="2" destOrd="0" presId="urn:microsoft.com/office/officeart/2008/layout/VerticalAccentList"/>
+    <dgm:cxn modelId="{347F3C31-D990-4822-AD69-F1C75D851860}" type="presParOf" srcId="{91265974-9B41-4ACB-91A0-F391C0DB5054}" destId="{64AF3C27-47B9-4A6E-B9C2-0F9F8DE1FADE}" srcOrd="3" destOrd="0" presId="urn:microsoft.com/office/officeart/2008/layout/VerticalAccentList"/>
+    <dgm:cxn modelId="{73DE2175-3970-41D4-9830-39643D475D00}" type="presParOf" srcId="{91265974-9B41-4ACB-91A0-F391C0DB5054}" destId="{AE5C6FA4-51A1-4498-8DC7-2D7ABA019DCC}" srcOrd="4" destOrd="0" presId="urn:microsoft.com/office/officeart/2008/layout/VerticalAccentList"/>
+    <dgm:cxn modelId="{9CB57895-6BF2-469F-846A-9B1FE4ABE11B}" type="presParOf" srcId="{91265974-9B41-4ACB-91A0-F391C0DB5054}" destId="{F90C31B7-377B-42EF-967B-C5860AB9FD07}" srcOrd="5" destOrd="0" presId="urn:microsoft.com/office/officeart/2008/layout/VerticalAccentList"/>
+    <dgm:cxn modelId="{061E8D2C-291A-4F06-BEE5-9AFCBA3B869B}" type="presParOf" srcId="{91265974-9B41-4ACB-91A0-F391C0DB5054}" destId="{E469D344-3EF5-45DB-A82B-74DBA8A43829}" srcOrd="6" destOrd="0" presId="urn:microsoft.com/office/officeart/2008/layout/VerticalAccentList"/>
+    <dgm:cxn modelId="{BA9B6CC8-67D0-42E6-B214-598E073D23D4}" type="presParOf" srcId="{91265974-9B41-4ACB-91A0-F391C0DB5054}" destId="{0EFBD4A8-7922-4708-A882-1F795528D6FF}" srcOrd="7" destOrd="0" presId="urn:microsoft.com/office/officeart/2008/layout/VerticalAccentList"/>
+    <dgm:cxn modelId="{4C8C57D0-66E6-477B-ABC5-33E6D9E5E4C1}" type="presParOf" srcId="{C79C3ED4-77C4-42A5-85CF-E4885D909465}" destId="{833E7C54-5194-41C5-A8C8-B13A1505A887}" srcOrd="2" destOrd="0" presId="urn:microsoft.com/office/officeart/2008/layout/VerticalAccentList"/>
+    <dgm:cxn modelId="{FBAC9E23-0889-4899-AAC8-320D56CEA216}" type="presParOf" srcId="{C79C3ED4-77C4-42A5-85CF-E4885D909465}" destId="{BBA3E1E4-9F2A-4ECE-B1B5-A60F6E52C7AD}" srcOrd="3" destOrd="0" presId="urn:microsoft.com/office/officeart/2008/layout/VerticalAccentList"/>
+    <dgm:cxn modelId="{583D5731-C0A2-4F88-84B3-ABD52E76A3C0}" type="presParOf" srcId="{BBA3E1E4-9F2A-4ECE-B1B5-A60F6E52C7AD}" destId="{E3D35423-87B0-456F-ACC7-CFB8E2BC0AFA}" srcOrd="0" destOrd="0" presId="urn:microsoft.com/office/officeart/2008/layout/VerticalAccentList"/>
+    <dgm:cxn modelId="{07059231-36FD-4CE0-8DA0-AE2C2FCD05EE}" type="presParOf" srcId="{C79C3ED4-77C4-42A5-85CF-E4885D909465}" destId="{3C054FA4-CB3D-4635-95D3-32F35F69C068}" srcOrd="4" destOrd="0" presId="urn:microsoft.com/office/officeart/2008/layout/VerticalAccentList"/>
+    <dgm:cxn modelId="{D2BC6D8B-783B-4F53-AFEB-7A8C1041838B}" type="presParOf" srcId="{3C054FA4-CB3D-4635-95D3-32F35F69C068}" destId="{D6A809B1-9B68-45E9-A22A-93C0CD09A4AE}" srcOrd="0" destOrd="0" presId="urn:microsoft.com/office/officeart/2008/layout/VerticalAccentList"/>
+    <dgm:cxn modelId="{78D5808B-D1FF-4ACD-A614-FEE88BCBC130}" type="presParOf" srcId="{3C054FA4-CB3D-4635-95D3-32F35F69C068}" destId="{173476D0-994E-4922-B2E7-B7D4C80BA704}" srcOrd="1" destOrd="0" presId="urn:microsoft.com/office/officeart/2008/layout/VerticalAccentList"/>
+    <dgm:cxn modelId="{07E80A38-2F10-4920-B9C4-7BB2D1B5A77B}" type="presParOf" srcId="{3C054FA4-CB3D-4635-95D3-32F35F69C068}" destId="{BB9FDF13-C270-45E8-8CBB-20B68B389FD5}" srcOrd="2" destOrd="0" presId="urn:microsoft.com/office/officeart/2008/layout/VerticalAccentList"/>
+    <dgm:cxn modelId="{982D91F6-4795-43EE-9FA1-A6396FA04EB1}" type="presParOf" srcId="{3C054FA4-CB3D-4635-95D3-32F35F69C068}" destId="{23FE6A94-D871-4559-A997-0CA21D9E86D4}" srcOrd="3" destOrd="0" presId="urn:microsoft.com/office/officeart/2008/layout/VerticalAccentList"/>
+    <dgm:cxn modelId="{D4274B23-F00A-4941-8C3F-CDD08E6BF679}" type="presParOf" srcId="{3C054FA4-CB3D-4635-95D3-32F35F69C068}" destId="{42AAE86A-C03F-404F-A406-0C47D97BABAC}" srcOrd="4" destOrd="0" presId="urn:microsoft.com/office/officeart/2008/layout/VerticalAccentList"/>
+    <dgm:cxn modelId="{50AB3C23-26AD-46E1-822D-F79BFD84DA50}" type="presParOf" srcId="{3C054FA4-CB3D-4635-95D3-32F35F69C068}" destId="{DB720FF3-880C-4300-9FB7-6EE64F5E34E7}" srcOrd="5" destOrd="0" presId="urn:microsoft.com/office/officeart/2008/layout/VerticalAccentList"/>
+    <dgm:cxn modelId="{8ED7DAB2-E697-458C-A373-384CC71A0952}" type="presParOf" srcId="{3C054FA4-CB3D-4635-95D3-32F35F69C068}" destId="{FB9421E8-D8FA-49B7-BB73-17E422C08D38}" srcOrd="6" destOrd="0" presId="urn:microsoft.com/office/officeart/2008/layout/VerticalAccentList"/>
+    <dgm:cxn modelId="{7638DDB1-3359-4EE4-AF3E-6F4DA9EF2BD2}" type="presParOf" srcId="{3C054FA4-CB3D-4635-95D3-32F35F69C068}" destId="{2CDCD521-FEF5-4E57-B7D2-DAACA7127A9B}" srcOrd="7" destOrd="0" presId="urn:microsoft.com/office/officeart/2008/layout/VerticalAccentList"/>
   </dgm:cxnLst>
   <dgm:bg/>
   <dgm:whole/>
@@ -3681,6 +5277,1977 @@
 </dsp:drawing>
 </file>
 
+<file path=ppt/diagrams/drawing2.xml><?xml version="1.0" encoding="utf-8"?>
+<dsp:drawing xmlns:dgm="http://schemas.openxmlformats.org/drawingml/2006/diagram" xmlns:dsp="http://schemas.microsoft.com/office/drawing/2008/diagram" xmlns:a="http://schemas.openxmlformats.org/drawingml/2006/main">
+  <dsp:spTree>
+    <dsp:nvGrpSpPr>
+      <dsp:cNvPr id="0" name=""/>
+      <dsp:cNvGrpSpPr/>
+    </dsp:nvGrpSpPr>
+    <dsp:grpSpPr/>
+    <dsp:sp modelId="{D147A4C6-486F-40F3-9570-9FE4D3B25AC3}">
+      <dsp:nvSpPr>
+        <dsp:cNvPr id="0" name=""/>
+        <dsp:cNvSpPr/>
+      </dsp:nvSpPr>
+      <dsp:spPr>
+        <a:xfrm>
+          <a:off x="719816" y="2213"/>
+          <a:ext cx="7436986" cy="676089"/>
+        </a:xfrm>
+        <a:prstGeom prst="rect">
+          <a:avLst/>
+        </a:prstGeom>
+        <a:noFill/>
+        <a:ln>
+          <a:noFill/>
+        </a:ln>
+        <a:effectLst/>
+      </dsp:spPr>
+      <dsp:style>
+        <a:lnRef idx="0">
+          <a:scrgbClr r="0" g="0" b="0"/>
+        </a:lnRef>
+        <a:fillRef idx="0">
+          <a:scrgbClr r="0" g="0" b="0"/>
+        </a:fillRef>
+        <a:effectRef idx="0">
+          <a:scrgbClr r="0" g="0" b="0"/>
+        </a:effectRef>
+        <a:fontRef idx="minor"/>
+      </dsp:style>
+      <dsp:txBody>
+        <a:bodyPr spcFirstLastPara="0" vert="horz" wrap="square" lIns="121920" tIns="121920" rIns="121920" bIns="121920" numCol="1" spcCol="1270" anchor="b" anchorCtr="0">
+          <a:noAutofit/>
+        </a:bodyPr>
+        <a:lstStyle/>
+        <a:p>
+          <a:pPr lvl="0" algn="l" defTabSz="1422400">
+            <a:lnSpc>
+              <a:spcPct val="90000"/>
+            </a:lnSpc>
+            <a:spcBef>
+              <a:spcPct val="0"/>
+            </a:spcBef>
+            <a:spcAft>
+              <a:spcPct val="35000"/>
+            </a:spcAft>
+          </a:pPr>
+          <a:endParaRPr lang="en-US" sz="3200" kern="1200" dirty="0"/>
+        </a:p>
+      </dsp:txBody>
+      <dsp:txXfrm>
+        <a:off x="719816" y="2213"/>
+        <a:ext cx="7436986" cy="676089"/>
+      </dsp:txXfrm>
+    </dsp:sp>
+    <dsp:sp modelId="{07A4CBEA-A9B8-4154-991F-335DFBAF3F8C}">
+      <dsp:nvSpPr>
+        <dsp:cNvPr id="0" name=""/>
+        <dsp:cNvSpPr/>
+      </dsp:nvSpPr>
+      <dsp:spPr>
+        <a:xfrm>
+          <a:off x="924995" y="678303"/>
+          <a:ext cx="1740254" cy="1377219"/>
+        </a:xfrm>
+        <a:prstGeom prst="chevron">
+          <a:avLst>
+            <a:gd name="adj" fmla="val 70610"/>
+          </a:avLst>
+        </a:prstGeom>
+        <a:gradFill rotWithShape="0">
+          <a:gsLst>
+            <a:gs pos="0">
+              <a:schemeClr val="accent1">
+                <a:hueOff val="0"/>
+                <a:satOff val="0"/>
+                <a:lumOff val="0"/>
+                <a:alphaOff val="0"/>
+                <a:lumMod val="110000"/>
+                <a:satMod val="105000"/>
+                <a:tint val="67000"/>
+              </a:schemeClr>
+            </a:gs>
+            <a:gs pos="50000">
+              <a:schemeClr val="accent1">
+                <a:hueOff val="0"/>
+                <a:satOff val="0"/>
+                <a:lumOff val="0"/>
+                <a:alphaOff val="0"/>
+                <a:lumMod val="105000"/>
+                <a:satMod val="103000"/>
+                <a:tint val="73000"/>
+              </a:schemeClr>
+            </a:gs>
+            <a:gs pos="100000">
+              <a:schemeClr val="accent1">
+                <a:hueOff val="0"/>
+                <a:satOff val="0"/>
+                <a:lumOff val="0"/>
+                <a:alphaOff val="0"/>
+                <a:lumMod val="105000"/>
+                <a:satMod val="109000"/>
+                <a:tint val="81000"/>
+              </a:schemeClr>
+            </a:gs>
+          </a:gsLst>
+          <a:lin ang="5400000" scaled="0"/>
+        </a:gradFill>
+        <a:ln w="6350" cap="flat" cmpd="sng" algn="ctr">
+          <a:solidFill>
+            <a:schemeClr val="accent1">
+              <a:hueOff val="0"/>
+              <a:satOff val="0"/>
+              <a:lumOff val="0"/>
+              <a:alphaOff val="0"/>
+            </a:schemeClr>
+          </a:solidFill>
+          <a:prstDash val="solid"/>
+          <a:miter lim="800000"/>
+        </a:ln>
+        <a:effectLst/>
+      </dsp:spPr>
+      <dsp:style>
+        <a:lnRef idx="1">
+          <a:scrgbClr r="0" g="0" b="0"/>
+        </a:lnRef>
+        <a:fillRef idx="2">
+          <a:scrgbClr r="0" g="0" b="0"/>
+        </a:fillRef>
+        <a:effectRef idx="1">
+          <a:scrgbClr r="0" g="0" b="0"/>
+        </a:effectRef>
+        <a:fontRef idx="minor">
+          <a:schemeClr val="dk1"/>
+        </a:fontRef>
+      </dsp:style>
+    </dsp:sp>
+    <dsp:sp modelId="{94CEC78D-C18F-49E9-801C-A93A650E6F77}">
+      <dsp:nvSpPr>
+        <dsp:cNvPr id="0" name=""/>
+        <dsp:cNvSpPr/>
+      </dsp:nvSpPr>
+      <dsp:spPr>
+        <a:xfrm>
+          <a:off x="1970305" y="678303"/>
+          <a:ext cx="1740254" cy="1377219"/>
+        </a:xfrm>
+        <a:prstGeom prst="chevron">
+          <a:avLst>
+            <a:gd name="adj" fmla="val 70610"/>
+          </a:avLst>
+        </a:prstGeom>
+        <a:gradFill rotWithShape="0">
+          <a:gsLst>
+            <a:gs pos="0">
+              <a:schemeClr val="accent1">
+                <a:hueOff val="0"/>
+                <a:satOff val="0"/>
+                <a:lumOff val="0"/>
+                <a:alphaOff val="0"/>
+                <a:lumMod val="110000"/>
+                <a:satMod val="105000"/>
+                <a:tint val="67000"/>
+              </a:schemeClr>
+            </a:gs>
+            <a:gs pos="50000">
+              <a:schemeClr val="accent1">
+                <a:hueOff val="0"/>
+                <a:satOff val="0"/>
+                <a:lumOff val="0"/>
+                <a:alphaOff val="0"/>
+                <a:lumMod val="105000"/>
+                <a:satMod val="103000"/>
+                <a:tint val="73000"/>
+              </a:schemeClr>
+            </a:gs>
+            <a:gs pos="100000">
+              <a:schemeClr val="accent1">
+                <a:hueOff val="0"/>
+                <a:satOff val="0"/>
+                <a:lumOff val="0"/>
+                <a:alphaOff val="0"/>
+                <a:lumMod val="105000"/>
+                <a:satMod val="109000"/>
+                <a:tint val="81000"/>
+              </a:schemeClr>
+            </a:gs>
+          </a:gsLst>
+          <a:lin ang="5400000" scaled="0"/>
+        </a:gradFill>
+        <a:ln w="6350" cap="flat" cmpd="sng" algn="ctr">
+          <a:solidFill>
+            <a:schemeClr val="accent1">
+              <a:hueOff val="0"/>
+              <a:satOff val="0"/>
+              <a:lumOff val="0"/>
+              <a:alphaOff val="0"/>
+            </a:schemeClr>
+          </a:solidFill>
+          <a:prstDash val="solid"/>
+          <a:miter lim="800000"/>
+        </a:ln>
+        <a:effectLst/>
+      </dsp:spPr>
+      <dsp:style>
+        <a:lnRef idx="1">
+          <a:scrgbClr r="0" g="0" b="0"/>
+        </a:lnRef>
+        <a:fillRef idx="2">
+          <a:scrgbClr r="0" g="0" b="0"/>
+        </a:fillRef>
+        <a:effectRef idx="1">
+          <a:scrgbClr r="0" g="0" b="0"/>
+        </a:effectRef>
+        <a:fontRef idx="minor">
+          <a:schemeClr val="dk1"/>
+        </a:fontRef>
+      </dsp:style>
+    </dsp:sp>
+    <dsp:sp modelId="{9A68A251-DE7B-43CE-BC1C-2A9B4BC8F51B}">
+      <dsp:nvSpPr>
+        <dsp:cNvPr id="0" name=""/>
+        <dsp:cNvSpPr/>
+      </dsp:nvSpPr>
+      <dsp:spPr>
+        <a:xfrm>
+          <a:off x="3016441" y="678303"/>
+          <a:ext cx="1740254" cy="1377219"/>
+        </a:xfrm>
+        <a:prstGeom prst="chevron">
+          <a:avLst>
+            <a:gd name="adj" fmla="val 70610"/>
+          </a:avLst>
+        </a:prstGeom>
+        <a:gradFill rotWithShape="0">
+          <a:gsLst>
+            <a:gs pos="0">
+              <a:schemeClr val="accent1">
+                <a:hueOff val="0"/>
+                <a:satOff val="0"/>
+                <a:lumOff val="0"/>
+                <a:alphaOff val="0"/>
+                <a:lumMod val="110000"/>
+                <a:satMod val="105000"/>
+                <a:tint val="67000"/>
+              </a:schemeClr>
+            </a:gs>
+            <a:gs pos="50000">
+              <a:schemeClr val="accent1">
+                <a:hueOff val="0"/>
+                <a:satOff val="0"/>
+                <a:lumOff val="0"/>
+                <a:alphaOff val="0"/>
+                <a:lumMod val="105000"/>
+                <a:satMod val="103000"/>
+                <a:tint val="73000"/>
+              </a:schemeClr>
+            </a:gs>
+            <a:gs pos="100000">
+              <a:schemeClr val="accent1">
+                <a:hueOff val="0"/>
+                <a:satOff val="0"/>
+                <a:lumOff val="0"/>
+                <a:alphaOff val="0"/>
+                <a:lumMod val="105000"/>
+                <a:satMod val="109000"/>
+                <a:tint val="81000"/>
+              </a:schemeClr>
+            </a:gs>
+          </a:gsLst>
+          <a:lin ang="5400000" scaled="0"/>
+        </a:gradFill>
+        <a:ln w="6350" cap="flat" cmpd="sng" algn="ctr">
+          <a:solidFill>
+            <a:schemeClr val="accent1">
+              <a:hueOff val="0"/>
+              <a:satOff val="0"/>
+              <a:lumOff val="0"/>
+              <a:alphaOff val="0"/>
+            </a:schemeClr>
+          </a:solidFill>
+          <a:prstDash val="solid"/>
+          <a:miter lim="800000"/>
+        </a:ln>
+        <a:effectLst/>
+      </dsp:spPr>
+      <dsp:style>
+        <a:lnRef idx="1">
+          <a:scrgbClr r="0" g="0" b="0"/>
+        </a:lnRef>
+        <a:fillRef idx="2">
+          <a:scrgbClr r="0" g="0" b="0"/>
+        </a:fillRef>
+        <a:effectRef idx="1">
+          <a:scrgbClr r="0" g="0" b="0"/>
+        </a:effectRef>
+        <a:fontRef idx="minor">
+          <a:schemeClr val="dk1"/>
+        </a:fontRef>
+      </dsp:style>
+    </dsp:sp>
+    <dsp:sp modelId="{64AF3C27-47B9-4A6E-B9C2-0F9F8DE1FADE}">
+      <dsp:nvSpPr>
+        <dsp:cNvPr id="0" name=""/>
+        <dsp:cNvSpPr/>
+      </dsp:nvSpPr>
+      <dsp:spPr>
+        <a:xfrm>
+          <a:off x="4061751" y="678303"/>
+          <a:ext cx="1740254" cy="1377219"/>
+        </a:xfrm>
+        <a:prstGeom prst="chevron">
+          <a:avLst>
+            <a:gd name="adj" fmla="val 70610"/>
+          </a:avLst>
+        </a:prstGeom>
+        <a:gradFill rotWithShape="0">
+          <a:gsLst>
+            <a:gs pos="0">
+              <a:schemeClr val="accent1">
+                <a:hueOff val="0"/>
+                <a:satOff val="0"/>
+                <a:lumOff val="0"/>
+                <a:alphaOff val="0"/>
+                <a:lumMod val="110000"/>
+                <a:satMod val="105000"/>
+                <a:tint val="67000"/>
+              </a:schemeClr>
+            </a:gs>
+            <a:gs pos="50000">
+              <a:schemeClr val="accent1">
+                <a:hueOff val="0"/>
+                <a:satOff val="0"/>
+                <a:lumOff val="0"/>
+                <a:alphaOff val="0"/>
+                <a:lumMod val="105000"/>
+                <a:satMod val="103000"/>
+                <a:tint val="73000"/>
+              </a:schemeClr>
+            </a:gs>
+            <a:gs pos="100000">
+              <a:schemeClr val="accent1">
+                <a:hueOff val="0"/>
+                <a:satOff val="0"/>
+                <a:lumOff val="0"/>
+                <a:alphaOff val="0"/>
+                <a:lumMod val="105000"/>
+                <a:satMod val="109000"/>
+                <a:tint val="81000"/>
+              </a:schemeClr>
+            </a:gs>
+          </a:gsLst>
+          <a:lin ang="5400000" scaled="0"/>
+        </a:gradFill>
+        <a:ln w="6350" cap="flat" cmpd="sng" algn="ctr">
+          <a:solidFill>
+            <a:schemeClr val="accent1">
+              <a:hueOff val="0"/>
+              <a:satOff val="0"/>
+              <a:lumOff val="0"/>
+              <a:alphaOff val="0"/>
+            </a:schemeClr>
+          </a:solidFill>
+          <a:prstDash val="solid"/>
+          <a:miter lim="800000"/>
+        </a:ln>
+        <a:effectLst/>
+      </dsp:spPr>
+      <dsp:style>
+        <a:lnRef idx="1">
+          <a:scrgbClr r="0" g="0" b="0"/>
+        </a:lnRef>
+        <a:fillRef idx="2">
+          <a:scrgbClr r="0" g="0" b="0"/>
+        </a:fillRef>
+        <a:effectRef idx="1">
+          <a:scrgbClr r="0" g="0" b="0"/>
+        </a:effectRef>
+        <a:fontRef idx="minor">
+          <a:schemeClr val="dk1"/>
+        </a:fontRef>
+      </dsp:style>
+    </dsp:sp>
+    <dsp:sp modelId="{AE5C6FA4-51A1-4498-8DC7-2D7ABA019DCC}">
+      <dsp:nvSpPr>
+        <dsp:cNvPr id="0" name=""/>
+        <dsp:cNvSpPr/>
+      </dsp:nvSpPr>
+      <dsp:spPr>
+        <a:xfrm>
+          <a:off x="5107887" y="678303"/>
+          <a:ext cx="1740254" cy="1377219"/>
+        </a:xfrm>
+        <a:prstGeom prst="chevron">
+          <a:avLst>
+            <a:gd name="adj" fmla="val 70610"/>
+          </a:avLst>
+        </a:prstGeom>
+        <a:gradFill rotWithShape="0">
+          <a:gsLst>
+            <a:gs pos="0">
+              <a:schemeClr val="accent1">
+                <a:hueOff val="0"/>
+                <a:satOff val="0"/>
+                <a:lumOff val="0"/>
+                <a:alphaOff val="0"/>
+                <a:lumMod val="110000"/>
+                <a:satMod val="105000"/>
+                <a:tint val="67000"/>
+              </a:schemeClr>
+            </a:gs>
+            <a:gs pos="50000">
+              <a:schemeClr val="accent1">
+                <a:hueOff val="0"/>
+                <a:satOff val="0"/>
+                <a:lumOff val="0"/>
+                <a:alphaOff val="0"/>
+                <a:lumMod val="105000"/>
+                <a:satMod val="103000"/>
+                <a:tint val="73000"/>
+              </a:schemeClr>
+            </a:gs>
+            <a:gs pos="100000">
+              <a:schemeClr val="accent1">
+                <a:hueOff val="0"/>
+                <a:satOff val="0"/>
+                <a:lumOff val="0"/>
+                <a:alphaOff val="0"/>
+                <a:lumMod val="105000"/>
+                <a:satMod val="109000"/>
+                <a:tint val="81000"/>
+              </a:schemeClr>
+            </a:gs>
+          </a:gsLst>
+          <a:lin ang="5400000" scaled="0"/>
+        </a:gradFill>
+        <a:ln w="6350" cap="flat" cmpd="sng" algn="ctr">
+          <a:solidFill>
+            <a:schemeClr val="accent1">
+              <a:hueOff val="0"/>
+              <a:satOff val="0"/>
+              <a:lumOff val="0"/>
+              <a:alphaOff val="0"/>
+            </a:schemeClr>
+          </a:solidFill>
+          <a:prstDash val="solid"/>
+          <a:miter lim="800000"/>
+        </a:ln>
+        <a:effectLst/>
+      </dsp:spPr>
+      <dsp:style>
+        <a:lnRef idx="1">
+          <a:scrgbClr r="0" g="0" b="0"/>
+        </a:lnRef>
+        <a:fillRef idx="2">
+          <a:scrgbClr r="0" g="0" b="0"/>
+        </a:fillRef>
+        <a:effectRef idx="1">
+          <a:scrgbClr r="0" g="0" b="0"/>
+        </a:effectRef>
+        <a:fontRef idx="minor">
+          <a:schemeClr val="dk1"/>
+        </a:fontRef>
+      </dsp:style>
+    </dsp:sp>
+    <dsp:sp modelId="{F90C31B7-377B-42EF-967B-C5860AB9FD07}">
+      <dsp:nvSpPr>
+        <dsp:cNvPr id="0" name=""/>
+        <dsp:cNvSpPr/>
+      </dsp:nvSpPr>
+      <dsp:spPr>
+        <a:xfrm>
+          <a:off x="6153196" y="678303"/>
+          <a:ext cx="1740254" cy="1377219"/>
+        </a:xfrm>
+        <a:prstGeom prst="chevron">
+          <a:avLst>
+            <a:gd name="adj" fmla="val 70610"/>
+          </a:avLst>
+        </a:prstGeom>
+        <a:gradFill rotWithShape="0">
+          <a:gsLst>
+            <a:gs pos="0">
+              <a:schemeClr val="accent1">
+                <a:hueOff val="0"/>
+                <a:satOff val="0"/>
+                <a:lumOff val="0"/>
+                <a:alphaOff val="0"/>
+                <a:lumMod val="110000"/>
+                <a:satMod val="105000"/>
+                <a:tint val="67000"/>
+              </a:schemeClr>
+            </a:gs>
+            <a:gs pos="50000">
+              <a:schemeClr val="accent1">
+                <a:hueOff val="0"/>
+                <a:satOff val="0"/>
+                <a:lumOff val="0"/>
+                <a:alphaOff val="0"/>
+                <a:lumMod val="105000"/>
+                <a:satMod val="103000"/>
+                <a:tint val="73000"/>
+              </a:schemeClr>
+            </a:gs>
+            <a:gs pos="100000">
+              <a:schemeClr val="accent1">
+                <a:hueOff val="0"/>
+                <a:satOff val="0"/>
+                <a:lumOff val="0"/>
+                <a:alphaOff val="0"/>
+                <a:lumMod val="105000"/>
+                <a:satMod val="109000"/>
+                <a:tint val="81000"/>
+              </a:schemeClr>
+            </a:gs>
+          </a:gsLst>
+          <a:lin ang="5400000" scaled="0"/>
+        </a:gradFill>
+        <a:ln w="6350" cap="flat" cmpd="sng" algn="ctr">
+          <a:solidFill>
+            <a:schemeClr val="accent1">
+              <a:hueOff val="0"/>
+              <a:satOff val="0"/>
+              <a:lumOff val="0"/>
+              <a:alphaOff val="0"/>
+            </a:schemeClr>
+          </a:solidFill>
+          <a:prstDash val="solid"/>
+          <a:miter lim="800000"/>
+        </a:ln>
+        <a:effectLst/>
+      </dsp:spPr>
+      <dsp:style>
+        <a:lnRef idx="1">
+          <a:scrgbClr r="0" g="0" b="0"/>
+        </a:lnRef>
+        <a:fillRef idx="2">
+          <a:scrgbClr r="0" g="0" b="0"/>
+        </a:fillRef>
+        <a:effectRef idx="1">
+          <a:scrgbClr r="0" g="0" b="0"/>
+        </a:effectRef>
+        <a:fontRef idx="minor">
+          <a:schemeClr val="dk1"/>
+        </a:fontRef>
+      </dsp:style>
+    </dsp:sp>
+    <dsp:sp modelId="{E469D344-3EF5-45DB-A82B-74DBA8A43829}">
+      <dsp:nvSpPr>
+        <dsp:cNvPr id="0" name=""/>
+        <dsp:cNvSpPr/>
+      </dsp:nvSpPr>
+      <dsp:spPr>
+        <a:xfrm>
+          <a:off x="7199333" y="678303"/>
+          <a:ext cx="1740254" cy="1377219"/>
+        </a:xfrm>
+        <a:prstGeom prst="chevron">
+          <a:avLst>
+            <a:gd name="adj" fmla="val 70610"/>
+          </a:avLst>
+        </a:prstGeom>
+        <a:gradFill rotWithShape="0">
+          <a:gsLst>
+            <a:gs pos="0">
+              <a:schemeClr val="accent1">
+                <a:hueOff val="0"/>
+                <a:satOff val="0"/>
+                <a:lumOff val="0"/>
+                <a:alphaOff val="0"/>
+                <a:lumMod val="110000"/>
+                <a:satMod val="105000"/>
+                <a:tint val="67000"/>
+              </a:schemeClr>
+            </a:gs>
+            <a:gs pos="50000">
+              <a:schemeClr val="accent1">
+                <a:hueOff val="0"/>
+                <a:satOff val="0"/>
+                <a:lumOff val="0"/>
+                <a:alphaOff val="0"/>
+                <a:lumMod val="105000"/>
+                <a:satMod val="103000"/>
+                <a:tint val="73000"/>
+              </a:schemeClr>
+            </a:gs>
+            <a:gs pos="100000">
+              <a:schemeClr val="accent1">
+                <a:hueOff val="0"/>
+                <a:satOff val="0"/>
+                <a:lumOff val="0"/>
+                <a:alphaOff val="0"/>
+                <a:lumMod val="105000"/>
+                <a:satMod val="109000"/>
+                <a:tint val="81000"/>
+              </a:schemeClr>
+            </a:gs>
+          </a:gsLst>
+          <a:lin ang="5400000" scaled="0"/>
+        </a:gradFill>
+        <a:ln w="6350" cap="flat" cmpd="sng" algn="ctr">
+          <a:solidFill>
+            <a:schemeClr val="accent1">
+              <a:hueOff val="0"/>
+              <a:satOff val="0"/>
+              <a:lumOff val="0"/>
+              <a:alphaOff val="0"/>
+            </a:schemeClr>
+          </a:solidFill>
+          <a:prstDash val="solid"/>
+          <a:miter lim="800000"/>
+        </a:ln>
+        <a:effectLst/>
+      </dsp:spPr>
+      <dsp:style>
+        <a:lnRef idx="1">
+          <a:scrgbClr r="0" g="0" b="0"/>
+        </a:lnRef>
+        <a:fillRef idx="2">
+          <a:scrgbClr r="0" g="0" b="0"/>
+        </a:fillRef>
+        <a:effectRef idx="1">
+          <a:scrgbClr r="0" g="0" b="0"/>
+        </a:effectRef>
+        <a:fontRef idx="minor">
+          <a:schemeClr val="dk1"/>
+        </a:fontRef>
+      </dsp:style>
+    </dsp:sp>
+    <dsp:sp modelId="{0EFBD4A8-7922-4708-A882-1F795528D6FF}">
+      <dsp:nvSpPr>
+        <dsp:cNvPr id="0" name=""/>
+        <dsp:cNvSpPr/>
+      </dsp:nvSpPr>
+      <dsp:spPr>
+        <a:xfrm>
+          <a:off x="719816" y="791367"/>
+          <a:ext cx="7944026" cy="1151091"/>
+        </a:xfrm>
+        <a:prstGeom prst="rect">
+          <a:avLst/>
+        </a:prstGeom>
+        <a:gradFill rotWithShape="0">
+          <a:gsLst>
+            <a:gs pos="0">
+              <a:schemeClr val="lt1">
+                <a:hueOff val="0"/>
+                <a:satOff val="0"/>
+                <a:lumOff val="0"/>
+                <a:alphaOff val="0"/>
+                <a:lumMod val="110000"/>
+                <a:satMod val="105000"/>
+                <a:tint val="67000"/>
+              </a:schemeClr>
+            </a:gs>
+            <a:gs pos="50000">
+              <a:schemeClr val="lt1">
+                <a:hueOff val="0"/>
+                <a:satOff val="0"/>
+                <a:lumOff val="0"/>
+                <a:alphaOff val="0"/>
+                <a:lumMod val="105000"/>
+                <a:satMod val="103000"/>
+                <a:tint val="73000"/>
+              </a:schemeClr>
+            </a:gs>
+            <a:gs pos="100000">
+              <a:schemeClr val="lt1">
+                <a:hueOff val="0"/>
+                <a:satOff val="0"/>
+                <a:lumOff val="0"/>
+                <a:alphaOff val="0"/>
+                <a:lumMod val="105000"/>
+                <a:satMod val="109000"/>
+                <a:tint val="81000"/>
+              </a:schemeClr>
+            </a:gs>
+          </a:gsLst>
+          <a:lin ang="5400000" scaled="0"/>
+        </a:gradFill>
+        <a:ln w="6350" cap="flat" cmpd="sng" algn="ctr">
+          <a:solidFill>
+            <a:schemeClr val="accent1">
+              <a:hueOff val="0"/>
+              <a:satOff val="0"/>
+              <a:lumOff val="0"/>
+              <a:alphaOff val="0"/>
+            </a:schemeClr>
+          </a:solidFill>
+          <a:prstDash val="solid"/>
+          <a:miter lim="800000"/>
+        </a:ln>
+        <a:effectLst/>
+      </dsp:spPr>
+      <dsp:style>
+        <a:lnRef idx="1">
+          <a:scrgbClr r="0" g="0" b="0"/>
+        </a:lnRef>
+        <a:fillRef idx="2">
+          <a:scrgbClr r="0" g="0" b="0"/>
+        </a:fillRef>
+        <a:effectRef idx="0">
+          <a:scrgbClr r="0" g="0" b="0"/>
+        </a:effectRef>
+        <a:fontRef idx="minor"/>
+      </dsp:style>
+      <dsp:txBody>
+        <a:bodyPr spcFirstLastPara="0" vert="horz" wrap="square" lIns="50800" tIns="50800" rIns="50800" bIns="50800" numCol="1" spcCol="1270" anchor="ctr" anchorCtr="0">
+          <a:noAutofit/>
+        </a:bodyPr>
+        <a:lstStyle/>
+        <a:p>
+          <a:pPr lvl="0" algn="l" defTabSz="889000">
+            <a:lnSpc>
+              <a:spcPct val="90000"/>
+            </a:lnSpc>
+            <a:spcBef>
+              <a:spcPct val="0"/>
+            </a:spcBef>
+            <a:spcAft>
+              <a:spcPct val="35000"/>
+            </a:spcAft>
+          </a:pPr>
+          <a:r>
+            <a:rPr lang="en-US" sz="2000" kern="1200" dirty="0" err="1">
+              <a:latin typeface="Times New Roman" panose="02020603050405020304" charset="0"/>
+              <a:cs typeface="Times New Roman" panose="02020603050405020304" charset="0"/>
+            </a:rPr>
+            <a:t>Phát</a:t>
+          </a:r>
+          <a:r>
+            <a:rPr lang="en-US" sz="2000" kern="1200" dirty="0">
+              <a:latin typeface="Times New Roman" panose="02020603050405020304" charset="0"/>
+              <a:cs typeface="Times New Roman" panose="02020603050405020304" charset="0"/>
+            </a:rPr>
+            <a:t> </a:t>
+          </a:r>
+          <a:r>
+            <a:rPr lang="en-US" sz="2000" kern="1200" dirty="0" err="1">
+              <a:latin typeface="Times New Roman" panose="02020603050405020304" charset="0"/>
+              <a:cs typeface="Times New Roman" panose="02020603050405020304" charset="0"/>
+            </a:rPr>
+            <a:t>triển</a:t>
+          </a:r>
+          <a:r>
+            <a:rPr lang="en-US" sz="2000" kern="1200" dirty="0">
+              <a:latin typeface="Times New Roman" panose="02020603050405020304" charset="0"/>
+              <a:cs typeface="Times New Roman" panose="02020603050405020304" charset="0"/>
+            </a:rPr>
+            <a:t> </a:t>
+          </a:r>
+          <a:r>
+            <a:rPr lang="en-US" sz="2000" kern="1200" dirty="0" err="1">
+              <a:latin typeface="Times New Roman" panose="02020603050405020304" charset="0"/>
+              <a:cs typeface="Times New Roman" panose="02020603050405020304" charset="0"/>
+            </a:rPr>
+            <a:t>và</a:t>
+          </a:r>
+          <a:r>
+            <a:rPr lang="en-US" sz="2000" kern="1200" dirty="0">
+              <a:latin typeface="Times New Roman" panose="02020603050405020304" charset="0"/>
+              <a:cs typeface="Times New Roman" panose="02020603050405020304" charset="0"/>
+            </a:rPr>
+            <a:t> </a:t>
+          </a:r>
+          <a:r>
+            <a:rPr lang="en-US" sz="2000" kern="1200" dirty="0" err="1">
+              <a:latin typeface="Times New Roman" panose="02020603050405020304" charset="0"/>
+              <a:cs typeface="Times New Roman" panose="02020603050405020304" charset="0"/>
+            </a:rPr>
+            <a:t>cải</a:t>
+          </a:r>
+          <a:r>
+            <a:rPr lang="en-US" sz="2000" kern="1200" dirty="0">
+              <a:latin typeface="Times New Roman" panose="02020603050405020304" charset="0"/>
+              <a:cs typeface="Times New Roman" panose="02020603050405020304" charset="0"/>
+            </a:rPr>
+            <a:t> </a:t>
+          </a:r>
+          <a:r>
+            <a:rPr lang="en-US" sz="2000" kern="1200" dirty="0" err="1">
+              <a:latin typeface="Times New Roman" panose="02020603050405020304" charset="0"/>
+              <a:cs typeface="Times New Roman" panose="02020603050405020304" charset="0"/>
+            </a:rPr>
+            <a:t>tiến</a:t>
+          </a:r>
+          <a:r>
+            <a:rPr lang="en-US" sz="2000" kern="1200" dirty="0">
+              <a:latin typeface="Times New Roman" panose="02020603050405020304" charset="0"/>
+              <a:cs typeface="Times New Roman" panose="02020603050405020304" charset="0"/>
+            </a:rPr>
+            <a:t> </a:t>
+          </a:r>
+          <a:r>
+            <a:rPr lang="en-US" sz="2000" kern="1200" dirty="0" err="1">
+              <a:latin typeface="Times New Roman" panose="02020603050405020304" charset="0"/>
+              <a:cs typeface="Times New Roman" panose="02020603050405020304" charset="0"/>
+            </a:rPr>
+            <a:t>thêm</a:t>
+          </a:r>
+          <a:r>
+            <a:rPr lang="en-US" sz="2000" kern="1200" dirty="0">
+              <a:latin typeface="Times New Roman" panose="02020603050405020304" charset="0"/>
+              <a:cs typeface="Times New Roman" panose="02020603050405020304" charset="0"/>
+            </a:rPr>
+            <a:t> </a:t>
+          </a:r>
+          <a:r>
+            <a:rPr lang="en-US" sz="2000" kern="1200" dirty="0" err="1">
+              <a:latin typeface="Times New Roman" panose="02020603050405020304" charset="0"/>
+              <a:cs typeface="Times New Roman" panose="02020603050405020304" charset="0"/>
+            </a:rPr>
+            <a:t>các</a:t>
+          </a:r>
+          <a:r>
+            <a:rPr lang="en-US" sz="2000" kern="1200" dirty="0">
+              <a:latin typeface="Times New Roman" panose="02020603050405020304" charset="0"/>
+              <a:cs typeface="Times New Roman" panose="02020603050405020304" charset="0"/>
+            </a:rPr>
+            <a:t> </a:t>
+          </a:r>
+          <a:r>
+            <a:rPr lang="en-US" sz="2000" kern="1200" dirty="0" err="1">
+              <a:latin typeface="Times New Roman" panose="02020603050405020304" charset="0"/>
+              <a:cs typeface="Times New Roman" panose="02020603050405020304" charset="0"/>
+            </a:rPr>
+            <a:t>chức</a:t>
+          </a:r>
+          <a:r>
+            <a:rPr lang="en-US" sz="2000" kern="1200" dirty="0">
+              <a:latin typeface="Times New Roman" panose="02020603050405020304" charset="0"/>
+              <a:cs typeface="Times New Roman" panose="02020603050405020304" charset="0"/>
+            </a:rPr>
+            <a:t> </a:t>
+          </a:r>
+          <a:r>
+            <a:rPr lang="en-US" sz="2000" kern="1200" dirty="0" err="1">
+              <a:latin typeface="Times New Roman" panose="02020603050405020304" charset="0"/>
+              <a:cs typeface="Times New Roman" panose="02020603050405020304" charset="0"/>
+            </a:rPr>
+            <a:t>năng</a:t>
+          </a:r>
+          <a:r>
+            <a:rPr lang="en-US" sz="2000" kern="1200" dirty="0">
+              <a:latin typeface="Times New Roman" panose="02020603050405020304" charset="0"/>
+              <a:cs typeface="Times New Roman" panose="02020603050405020304" charset="0"/>
+            </a:rPr>
+            <a:t> </a:t>
+          </a:r>
+          <a:r>
+            <a:rPr lang="en-US" sz="2000" kern="1200" dirty="0" err="1">
+              <a:latin typeface="Times New Roman" panose="02020603050405020304" charset="0"/>
+              <a:cs typeface="Times New Roman" panose="02020603050405020304" charset="0"/>
+            </a:rPr>
+            <a:t>như</a:t>
+          </a:r>
+          <a:r>
+            <a:rPr lang="en-US" sz="2000" kern="1200" dirty="0">
+              <a:latin typeface="Times New Roman" panose="02020603050405020304" charset="0"/>
+              <a:cs typeface="Times New Roman" panose="02020603050405020304" charset="0"/>
+            </a:rPr>
+            <a:t> </a:t>
+          </a:r>
+          <a:r>
+            <a:rPr lang="en-US" sz="2000" kern="1200">
+              <a:latin typeface="Times New Roman" panose="02020603050405020304" charset="0"/>
+              <a:cs typeface="Times New Roman" panose="02020603050405020304" charset="0"/>
+            </a:rPr>
+            <a:t>: </a:t>
+          </a:r>
+          <a:r>
+            <a:rPr lang="en-US" sz="2000" kern="1200" smtClean="0">
+              <a:latin typeface="Times New Roman" panose="02020603050405020304" charset="0"/>
+              <a:cs typeface="Times New Roman" panose="02020603050405020304" charset="0"/>
+            </a:rPr>
+            <a:t>phân trang,liên </a:t>
+          </a:r>
+          <a:r>
+            <a:rPr lang="en-US" sz="2000" kern="1200" dirty="0" err="1">
+              <a:latin typeface="Times New Roman" panose="02020603050405020304" charset="0"/>
+              <a:cs typeface="Times New Roman" panose="02020603050405020304" charset="0"/>
+            </a:rPr>
+            <a:t>hệ</a:t>
+          </a:r>
+          <a:r>
+            <a:rPr lang="en-US" sz="2000" kern="1200" dirty="0">
+              <a:latin typeface="Times New Roman" panose="02020603050405020304" charset="0"/>
+              <a:cs typeface="Times New Roman" panose="02020603050405020304" charset="0"/>
+            </a:rPr>
+            <a:t> </a:t>
+          </a:r>
+          <a:r>
+            <a:rPr lang="en-US" sz="2000" kern="1200" dirty="0" err="1">
+              <a:latin typeface="Times New Roman" panose="02020603050405020304" charset="0"/>
+              <a:cs typeface="Times New Roman" panose="02020603050405020304" charset="0"/>
+            </a:rPr>
+            <a:t>trực</a:t>
+          </a:r>
+          <a:r>
+            <a:rPr lang="en-US" sz="2000" kern="1200" dirty="0">
+              <a:latin typeface="Times New Roman" panose="02020603050405020304" charset="0"/>
+              <a:cs typeface="Times New Roman" panose="02020603050405020304" charset="0"/>
+            </a:rPr>
+            <a:t> </a:t>
+          </a:r>
+          <a:r>
+            <a:rPr lang="en-US" sz="2000" kern="1200" dirty="0" err="1">
+              <a:latin typeface="Times New Roman" panose="02020603050405020304" charset="0"/>
+              <a:cs typeface="Times New Roman" panose="02020603050405020304" charset="0"/>
+            </a:rPr>
+            <a:t>tuyến</a:t>
+          </a:r>
+          <a:r>
+            <a:rPr lang="en-US" sz="2000" kern="1200">
+              <a:latin typeface="Times New Roman" panose="02020603050405020304" charset="0"/>
+              <a:cs typeface="Times New Roman" panose="02020603050405020304" charset="0"/>
+            </a:rPr>
+            <a:t>, </a:t>
+          </a:r>
+          <a:r>
+            <a:rPr lang="en-US" sz="2000" kern="1200" smtClean="0">
+              <a:latin typeface="Times New Roman" panose="02020603050405020304" charset="0"/>
+              <a:cs typeface="Times New Roman" panose="02020603050405020304" charset="0"/>
+            </a:rPr>
+            <a:t>thêm </a:t>
+          </a:r>
+          <a:r>
+            <a:rPr lang="en-US" sz="2000" kern="1200" dirty="0" err="1">
+              <a:latin typeface="Times New Roman" panose="02020603050405020304" charset="0"/>
+              <a:cs typeface="Times New Roman" panose="02020603050405020304" charset="0"/>
+            </a:rPr>
+            <a:t>đường</a:t>
+          </a:r>
+          <a:r>
+            <a:rPr lang="en-US" sz="2000" kern="1200" dirty="0">
+              <a:latin typeface="Times New Roman" panose="02020603050405020304" charset="0"/>
+              <a:cs typeface="Times New Roman" panose="02020603050405020304" charset="0"/>
+            </a:rPr>
+            <a:t> link </a:t>
+          </a:r>
+          <a:r>
+            <a:rPr lang="en-US" sz="2000" kern="1200" dirty="0" err="1">
+              <a:latin typeface="Times New Roman" panose="02020603050405020304" charset="0"/>
+              <a:cs typeface="Times New Roman" panose="02020603050405020304" charset="0"/>
+            </a:rPr>
+            <a:t>liên</a:t>
+          </a:r>
+          <a:r>
+            <a:rPr lang="en-US" sz="2000" kern="1200" dirty="0">
+              <a:latin typeface="Times New Roman" panose="02020603050405020304" charset="0"/>
+              <a:cs typeface="Times New Roman" panose="02020603050405020304" charset="0"/>
+            </a:rPr>
+            <a:t> </a:t>
+          </a:r>
+          <a:r>
+            <a:rPr lang="en-US" sz="2000" kern="1200" dirty="0" err="1">
+              <a:latin typeface="Times New Roman" panose="02020603050405020304" charset="0"/>
+              <a:cs typeface="Times New Roman" panose="02020603050405020304" charset="0"/>
+            </a:rPr>
+            <a:t>kết</a:t>
+          </a:r>
+          <a:r>
+            <a:rPr lang="en-US" sz="2000" kern="1200" dirty="0">
+              <a:latin typeface="Times New Roman" panose="02020603050405020304" charset="0"/>
+              <a:cs typeface="Times New Roman" panose="02020603050405020304" charset="0"/>
+            </a:rPr>
+            <a:t> </a:t>
+          </a:r>
+          <a:r>
+            <a:rPr lang="en-US" sz="2000" kern="1200" dirty="0" err="1">
+              <a:latin typeface="Times New Roman" panose="02020603050405020304" charset="0"/>
+              <a:cs typeface="Times New Roman" panose="02020603050405020304" charset="0"/>
+            </a:rPr>
+            <a:t>đến</a:t>
+          </a:r>
+          <a:r>
+            <a:rPr lang="en-US" sz="2000" kern="1200" dirty="0">
+              <a:latin typeface="Times New Roman" panose="02020603050405020304" charset="0"/>
+              <a:cs typeface="Times New Roman" panose="02020603050405020304" charset="0"/>
+            </a:rPr>
+            <a:t> map </a:t>
+          </a:r>
+          <a:r>
+            <a:rPr lang="en-US" sz="2000" kern="1200" dirty="0" err="1">
+              <a:latin typeface="Times New Roman" panose="02020603050405020304" charset="0"/>
+              <a:cs typeface="Times New Roman" panose="02020603050405020304" charset="0"/>
+            </a:rPr>
+            <a:t>và</a:t>
+          </a:r>
+          <a:r>
+            <a:rPr lang="en-US" sz="2000" kern="1200" dirty="0">
+              <a:latin typeface="Times New Roman" panose="02020603050405020304" charset="0"/>
+              <a:cs typeface="Times New Roman" panose="02020603050405020304" charset="0"/>
+            </a:rPr>
+            <a:t> </a:t>
+          </a:r>
+          <a:r>
+            <a:rPr lang="en-US" sz="2000" kern="1200" dirty="0" err="1">
+              <a:latin typeface="Times New Roman" panose="02020603050405020304" charset="0"/>
+              <a:cs typeface="Times New Roman" panose="02020603050405020304" charset="0"/>
+            </a:rPr>
+            <a:t>facebook</a:t>
+          </a:r>
+          <a:r>
+            <a:rPr lang="en-US" sz="2000" kern="1200" dirty="0">
+              <a:latin typeface="Times New Roman" panose="02020603050405020304" charset="0"/>
+              <a:cs typeface="Times New Roman" panose="02020603050405020304" charset="0"/>
+            </a:rPr>
+            <a:t>,.. </a:t>
+          </a:r>
+        </a:p>
+      </dsp:txBody>
+      <dsp:txXfrm>
+        <a:off x="719816" y="791367"/>
+        <a:ext cx="7944026" cy="1151091"/>
+      </dsp:txXfrm>
+    </dsp:sp>
+    <dsp:sp modelId="{E3D35423-87B0-456F-ACC7-CFB8E2BC0AFA}">
+      <dsp:nvSpPr>
+        <dsp:cNvPr id="0" name=""/>
+        <dsp:cNvSpPr/>
+      </dsp:nvSpPr>
+      <dsp:spPr>
+        <a:xfrm>
+          <a:off x="719816" y="2127084"/>
+          <a:ext cx="7436986" cy="676089"/>
+        </a:xfrm>
+        <a:prstGeom prst="rect">
+          <a:avLst/>
+        </a:prstGeom>
+        <a:noFill/>
+        <a:ln>
+          <a:noFill/>
+        </a:ln>
+        <a:effectLst/>
+      </dsp:spPr>
+      <dsp:style>
+        <a:lnRef idx="0">
+          <a:scrgbClr r="0" g="0" b="0"/>
+        </a:lnRef>
+        <a:fillRef idx="0">
+          <a:scrgbClr r="0" g="0" b="0"/>
+        </a:fillRef>
+        <a:effectRef idx="0">
+          <a:scrgbClr r="0" g="0" b="0"/>
+        </a:effectRef>
+        <a:fontRef idx="minor"/>
+      </dsp:style>
+      <dsp:txBody>
+        <a:bodyPr spcFirstLastPara="0" vert="horz" wrap="square" lIns="121920" tIns="121920" rIns="121920" bIns="121920" numCol="1" spcCol="1270" anchor="b" anchorCtr="0">
+          <a:noAutofit/>
+        </a:bodyPr>
+        <a:lstStyle/>
+        <a:p>
+          <a:pPr lvl="0" algn="l" defTabSz="1422400">
+            <a:lnSpc>
+              <a:spcPct val="90000"/>
+            </a:lnSpc>
+            <a:spcBef>
+              <a:spcPct val="0"/>
+            </a:spcBef>
+            <a:spcAft>
+              <a:spcPct val="35000"/>
+            </a:spcAft>
+          </a:pPr>
+          <a:endParaRPr lang="en-US" sz="3200" kern="1200" dirty="0"/>
+        </a:p>
+      </dsp:txBody>
+      <dsp:txXfrm>
+        <a:off x="719816" y="2127084"/>
+        <a:ext cx="7436986" cy="676089"/>
+      </dsp:txXfrm>
+    </dsp:sp>
+    <dsp:sp modelId="{D6A809B1-9B68-45E9-A22A-93C0CD09A4AE}">
+      <dsp:nvSpPr>
+        <dsp:cNvPr id="0" name=""/>
+        <dsp:cNvSpPr/>
+      </dsp:nvSpPr>
+      <dsp:spPr>
+        <a:xfrm>
+          <a:off x="719816" y="2803174"/>
+          <a:ext cx="1740254" cy="1377219"/>
+        </a:xfrm>
+        <a:prstGeom prst="chevron">
+          <a:avLst>
+            <a:gd name="adj" fmla="val 70610"/>
+          </a:avLst>
+        </a:prstGeom>
+        <a:gradFill rotWithShape="0">
+          <a:gsLst>
+            <a:gs pos="0">
+              <a:schemeClr val="accent1">
+                <a:hueOff val="0"/>
+                <a:satOff val="0"/>
+                <a:lumOff val="0"/>
+                <a:alphaOff val="0"/>
+                <a:lumMod val="110000"/>
+                <a:satMod val="105000"/>
+                <a:tint val="67000"/>
+              </a:schemeClr>
+            </a:gs>
+            <a:gs pos="50000">
+              <a:schemeClr val="accent1">
+                <a:hueOff val="0"/>
+                <a:satOff val="0"/>
+                <a:lumOff val="0"/>
+                <a:alphaOff val="0"/>
+                <a:lumMod val="105000"/>
+                <a:satMod val="103000"/>
+                <a:tint val="73000"/>
+              </a:schemeClr>
+            </a:gs>
+            <a:gs pos="100000">
+              <a:schemeClr val="accent1">
+                <a:hueOff val="0"/>
+                <a:satOff val="0"/>
+                <a:lumOff val="0"/>
+                <a:alphaOff val="0"/>
+                <a:lumMod val="105000"/>
+                <a:satMod val="109000"/>
+                <a:tint val="81000"/>
+              </a:schemeClr>
+            </a:gs>
+          </a:gsLst>
+          <a:lin ang="5400000" scaled="0"/>
+        </a:gradFill>
+        <a:ln w="6350" cap="flat" cmpd="sng" algn="ctr">
+          <a:solidFill>
+            <a:schemeClr val="accent1">
+              <a:hueOff val="0"/>
+              <a:satOff val="0"/>
+              <a:lumOff val="0"/>
+              <a:alphaOff val="0"/>
+            </a:schemeClr>
+          </a:solidFill>
+          <a:prstDash val="solid"/>
+          <a:miter lim="800000"/>
+        </a:ln>
+        <a:effectLst/>
+      </dsp:spPr>
+      <dsp:style>
+        <a:lnRef idx="1">
+          <a:scrgbClr r="0" g="0" b="0"/>
+        </a:lnRef>
+        <a:fillRef idx="2">
+          <a:scrgbClr r="0" g="0" b="0"/>
+        </a:fillRef>
+        <a:effectRef idx="1">
+          <a:scrgbClr r="0" g="0" b="0"/>
+        </a:effectRef>
+        <a:fontRef idx="minor">
+          <a:schemeClr val="dk1"/>
+        </a:fontRef>
+      </dsp:style>
+    </dsp:sp>
+    <dsp:sp modelId="{173476D0-994E-4922-B2E7-B7D4C80BA704}">
+      <dsp:nvSpPr>
+        <dsp:cNvPr id="0" name=""/>
+        <dsp:cNvSpPr/>
+      </dsp:nvSpPr>
+      <dsp:spPr>
+        <a:xfrm>
+          <a:off x="1765125" y="2803174"/>
+          <a:ext cx="1740254" cy="1377219"/>
+        </a:xfrm>
+        <a:prstGeom prst="chevron">
+          <a:avLst>
+            <a:gd name="adj" fmla="val 70610"/>
+          </a:avLst>
+        </a:prstGeom>
+        <a:gradFill rotWithShape="0">
+          <a:gsLst>
+            <a:gs pos="0">
+              <a:schemeClr val="accent1">
+                <a:hueOff val="0"/>
+                <a:satOff val="0"/>
+                <a:lumOff val="0"/>
+                <a:alphaOff val="0"/>
+                <a:lumMod val="110000"/>
+                <a:satMod val="105000"/>
+                <a:tint val="67000"/>
+              </a:schemeClr>
+            </a:gs>
+            <a:gs pos="50000">
+              <a:schemeClr val="accent1">
+                <a:hueOff val="0"/>
+                <a:satOff val="0"/>
+                <a:lumOff val="0"/>
+                <a:alphaOff val="0"/>
+                <a:lumMod val="105000"/>
+                <a:satMod val="103000"/>
+                <a:tint val="73000"/>
+              </a:schemeClr>
+            </a:gs>
+            <a:gs pos="100000">
+              <a:schemeClr val="accent1">
+                <a:hueOff val="0"/>
+                <a:satOff val="0"/>
+                <a:lumOff val="0"/>
+                <a:alphaOff val="0"/>
+                <a:lumMod val="105000"/>
+                <a:satMod val="109000"/>
+                <a:tint val="81000"/>
+              </a:schemeClr>
+            </a:gs>
+          </a:gsLst>
+          <a:lin ang="5400000" scaled="0"/>
+        </a:gradFill>
+        <a:ln w="6350" cap="flat" cmpd="sng" algn="ctr">
+          <a:solidFill>
+            <a:schemeClr val="accent1">
+              <a:hueOff val="0"/>
+              <a:satOff val="0"/>
+              <a:lumOff val="0"/>
+              <a:alphaOff val="0"/>
+            </a:schemeClr>
+          </a:solidFill>
+          <a:prstDash val="solid"/>
+          <a:miter lim="800000"/>
+        </a:ln>
+        <a:effectLst/>
+      </dsp:spPr>
+      <dsp:style>
+        <a:lnRef idx="1">
+          <a:scrgbClr r="0" g="0" b="0"/>
+        </a:lnRef>
+        <a:fillRef idx="2">
+          <a:scrgbClr r="0" g="0" b="0"/>
+        </a:fillRef>
+        <a:effectRef idx="1">
+          <a:scrgbClr r="0" g="0" b="0"/>
+        </a:effectRef>
+        <a:fontRef idx="minor">
+          <a:schemeClr val="dk1"/>
+        </a:fontRef>
+      </dsp:style>
+    </dsp:sp>
+    <dsp:sp modelId="{BB9FDF13-C270-45E8-8CBB-20B68B389FD5}">
+      <dsp:nvSpPr>
+        <dsp:cNvPr id="0" name=""/>
+        <dsp:cNvSpPr/>
+      </dsp:nvSpPr>
+      <dsp:spPr>
+        <a:xfrm>
+          <a:off x="2811261" y="2803174"/>
+          <a:ext cx="1740254" cy="1377219"/>
+        </a:xfrm>
+        <a:prstGeom prst="chevron">
+          <a:avLst>
+            <a:gd name="adj" fmla="val 70610"/>
+          </a:avLst>
+        </a:prstGeom>
+        <a:gradFill rotWithShape="0">
+          <a:gsLst>
+            <a:gs pos="0">
+              <a:schemeClr val="accent1">
+                <a:hueOff val="0"/>
+                <a:satOff val="0"/>
+                <a:lumOff val="0"/>
+                <a:alphaOff val="0"/>
+                <a:lumMod val="110000"/>
+                <a:satMod val="105000"/>
+                <a:tint val="67000"/>
+              </a:schemeClr>
+            </a:gs>
+            <a:gs pos="50000">
+              <a:schemeClr val="accent1">
+                <a:hueOff val="0"/>
+                <a:satOff val="0"/>
+                <a:lumOff val="0"/>
+                <a:alphaOff val="0"/>
+                <a:lumMod val="105000"/>
+                <a:satMod val="103000"/>
+                <a:tint val="73000"/>
+              </a:schemeClr>
+            </a:gs>
+            <a:gs pos="100000">
+              <a:schemeClr val="accent1">
+                <a:hueOff val="0"/>
+                <a:satOff val="0"/>
+                <a:lumOff val="0"/>
+                <a:alphaOff val="0"/>
+                <a:lumMod val="105000"/>
+                <a:satMod val="109000"/>
+                <a:tint val="81000"/>
+              </a:schemeClr>
+            </a:gs>
+          </a:gsLst>
+          <a:lin ang="5400000" scaled="0"/>
+        </a:gradFill>
+        <a:ln w="6350" cap="flat" cmpd="sng" algn="ctr">
+          <a:solidFill>
+            <a:schemeClr val="accent1">
+              <a:hueOff val="0"/>
+              <a:satOff val="0"/>
+              <a:lumOff val="0"/>
+              <a:alphaOff val="0"/>
+            </a:schemeClr>
+          </a:solidFill>
+          <a:prstDash val="solid"/>
+          <a:miter lim="800000"/>
+        </a:ln>
+        <a:effectLst/>
+      </dsp:spPr>
+      <dsp:style>
+        <a:lnRef idx="1">
+          <a:scrgbClr r="0" g="0" b="0"/>
+        </a:lnRef>
+        <a:fillRef idx="2">
+          <a:scrgbClr r="0" g="0" b="0"/>
+        </a:fillRef>
+        <a:effectRef idx="1">
+          <a:scrgbClr r="0" g="0" b="0"/>
+        </a:effectRef>
+        <a:fontRef idx="minor">
+          <a:schemeClr val="dk1"/>
+        </a:fontRef>
+      </dsp:style>
+    </dsp:sp>
+    <dsp:sp modelId="{23FE6A94-D871-4559-A997-0CA21D9E86D4}">
+      <dsp:nvSpPr>
+        <dsp:cNvPr id="0" name=""/>
+        <dsp:cNvSpPr/>
+      </dsp:nvSpPr>
+      <dsp:spPr>
+        <a:xfrm>
+          <a:off x="3856571" y="2803174"/>
+          <a:ext cx="1740254" cy="1377219"/>
+        </a:xfrm>
+        <a:prstGeom prst="chevron">
+          <a:avLst>
+            <a:gd name="adj" fmla="val 70610"/>
+          </a:avLst>
+        </a:prstGeom>
+        <a:gradFill rotWithShape="0">
+          <a:gsLst>
+            <a:gs pos="0">
+              <a:schemeClr val="accent1">
+                <a:hueOff val="0"/>
+                <a:satOff val="0"/>
+                <a:lumOff val="0"/>
+                <a:alphaOff val="0"/>
+                <a:lumMod val="110000"/>
+                <a:satMod val="105000"/>
+                <a:tint val="67000"/>
+              </a:schemeClr>
+            </a:gs>
+            <a:gs pos="50000">
+              <a:schemeClr val="accent1">
+                <a:hueOff val="0"/>
+                <a:satOff val="0"/>
+                <a:lumOff val="0"/>
+                <a:alphaOff val="0"/>
+                <a:lumMod val="105000"/>
+                <a:satMod val="103000"/>
+                <a:tint val="73000"/>
+              </a:schemeClr>
+            </a:gs>
+            <a:gs pos="100000">
+              <a:schemeClr val="accent1">
+                <a:hueOff val="0"/>
+                <a:satOff val="0"/>
+                <a:lumOff val="0"/>
+                <a:alphaOff val="0"/>
+                <a:lumMod val="105000"/>
+                <a:satMod val="109000"/>
+                <a:tint val="81000"/>
+              </a:schemeClr>
+            </a:gs>
+          </a:gsLst>
+          <a:lin ang="5400000" scaled="0"/>
+        </a:gradFill>
+        <a:ln w="6350" cap="flat" cmpd="sng" algn="ctr">
+          <a:solidFill>
+            <a:schemeClr val="accent1">
+              <a:hueOff val="0"/>
+              <a:satOff val="0"/>
+              <a:lumOff val="0"/>
+              <a:alphaOff val="0"/>
+            </a:schemeClr>
+          </a:solidFill>
+          <a:prstDash val="solid"/>
+          <a:miter lim="800000"/>
+        </a:ln>
+        <a:effectLst/>
+      </dsp:spPr>
+      <dsp:style>
+        <a:lnRef idx="1">
+          <a:scrgbClr r="0" g="0" b="0"/>
+        </a:lnRef>
+        <a:fillRef idx="2">
+          <a:scrgbClr r="0" g="0" b="0"/>
+        </a:fillRef>
+        <a:effectRef idx="1">
+          <a:scrgbClr r="0" g="0" b="0"/>
+        </a:effectRef>
+        <a:fontRef idx="minor">
+          <a:schemeClr val="dk1"/>
+        </a:fontRef>
+      </dsp:style>
+    </dsp:sp>
+    <dsp:sp modelId="{42AAE86A-C03F-404F-A406-0C47D97BABAC}">
+      <dsp:nvSpPr>
+        <dsp:cNvPr id="0" name=""/>
+        <dsp:cNvSpPr/>
+      </dsp:nvSpPr>
+      <dsp:spPr>
+        <a:xfrm>
+          <a:off x="4902707" y="2803174"/>
+          <a:ext cx="1740254" cy="1377219"/>
+        </a:xfrm>
+        <a:prstGeom prst="chevron">
+          <a:avLst>
+            <a:gd name="adj" fmla="val 70610"/>
+          </a:avLst>
+        </a:prstGeom>
+        <a:gradFill rotWithShape="0">
+          <a:gsLst>
+            <a:gs pos="0">
+              <a:schemeClr val="accent1">
+                <a:hueOff val="0"/>
+                <a:satOff val="0"/>
+                <a:lumOff val="0"/>
+                <a:alphaOff val="0"/>
+                <a:lumMod val="110000"/>
+                <a:satMod val="105000"/>
+                <a:tint val="67000"/>
+              </a:schemeClr>
+            </a:gs>
+            <a:gs pos="50000">
+              <a:schemeClr val="accent1">
+                <a:hueOff val="0"/>
+                <a:satOff val="0"/>
+                <a:lumOff val="0"/>
+                <a:alphaOff val="0"/>
+                <a:lumMod val="105000"/>
+                <a:satMod val="103000"/>
+                <a:tint val="73000"/>
+              </a:schemeClr>
+            </a:gs>
+            <a:gs pos="100000">
+              <a:schemeClr val="accent1">
+                <a:hueOff val="0"/>
+                <a:satOff val="0"/>
+                <a:lumOff val="0"/>
+                <a:alphaOff val="0"/>
+                <a:lumMod val="105000"/>
+                <a:satMod val="109000"/>
+                <a:tint val="81000"/>
+              </a:schemeClr>
+            </a:gs>
+          </a:gsLst>
+          <a:lin ang="5400000" scaled="0"/>
+        </a:gradFill>
+        <a:ln w="6350" cap="flat" cmpd="sng" algn="ctr">
+          <a:solidFill>
+            <a:schemeClr val="accent1">
+              <a:hueOff val="0"/>
+              <a:satOff val="0"/>
+              <a:lumOff val="0"/>
+              <a:alphaOff val="0"/>
+            </a:schemeClr>
+          </a:solidFill>
+          <a:prstDash val="solid"/>
+          <a:miter lim="800000"/>
+        </a:ln>
+        <a:effectLst/>
+      </dsp:spPr>
+      <dsp:style>
+        <a:lnRef idx="1">
+          <a:scrgbClr r="0" g="0" b="0"/>
+        </a:lnRef>
+        <a:fillRef idx="2">
+          <a:scrgbClr r="0" g="0" b="0"/>
+        </a:fillRef>
+        <a:effectRef idx="1">
+          <a:scrgbClr r="0" g="0" b="0"/>
+        </a:effectRef>
+        <a:fontRef idx="minor">
+          <a:schemeClr val="dk1"/>
+        </a:fontRef>
+      </dsp:style>
+    </dsp:sp>
+    <dsp:sp modelId="{DB720FF3-880C-4300-9FB7-6EE64F5E34E7}">
+      <dsp:nvSpPr>
+        <dsp:cNvPr id="0" name=""/>
+        <dsp:cNvSpPr/>
+      </dsp:nvSpPr>
+      <dsp:spPr>
+        <a:xfrm>
+          <a:off x="5948017" y="2803174"/>
+          <a:ext cx="1740254" cy="1377219"/>
+        </a:xfrm>
+        <a:prstGeom prst="chevron">
+          <a:avLst>
+            <a:gd name="adj" fmla="val 70610"/>
+          </a:avLst>
+        </a:prstGeom>
+        <a:gradFill rotWithShape="0">
+          <a:gsLst>
+            <a:gs pos="0">
+              <a:schemeClr val="accent1">
+                <a:hueOff val="0"/>
+                <a:satOff val="0"/>
+                <a:lumOff val="0"/>
+                <a:alphaOff val="0"/>
+                <a:lumMod val="110000"/>
+                <a:satMod val="105000"/>
+                <a:tint val="67000"/>
+              </a:schemeClr>
+            </a:gs>
+            <a:gs pos="50000">
+              <a:schemeClr val="accent1">
+                <a:hueOff val="0"/>
+                <a:satOff val="0"/>
+                <a:lumOff val="0"/>
+                <a:alphaOff val="0"/>
+                <a:lumMod val="105000"/>
+                <a:satMod val="103000"/>
+                <a:tint val="73000"/>
+              </a:schemeClr>
+            </a:gs>
+            <a:gs pos="100000">
+              <a:schemeClr val="accent1">
+                <a:hueOff val="0"/>
+                <a:satOff val="0"/>
+                <a:lumOff val="0"/>
+                <a:alphaOff val="0"/>
+                <a:lumMod val="105000"/>
+                <a:satMod val="109000"/>
+                <a:tint val="81000"/>
+              </a:schemeClr>
+            </a:gs>
+          </a:gsLst>
+          <a:lin ang="5400000" scaled="0"/>
+        </a:gradFill>
+        <a:ln w="6350" cap="flat" cmpd="sng" algn="ctr">
+          <a:solidFill>
+            <a:schemeClr val="accent1">
+              <a:hueOff val="0"/>
+              <a:satOff val="0"/>
+              <a:lumOff val="0"/>
+              <a:alphaOff val="0"/>
+            </a:schemeClr>
+          </a:solidFill>
+          <a:prstDash val="solid"/>
+          <a:miter lim="800000"/>
+        </a:ln>
+        <a:effectLst/>
+      </dsp:spPr>
+      <dsp:style>
+        <a:lnRef idx="1">
+          <a:scrgbClr r="0" g="0" b="0"/>
+        </a:lnRef>
+        <a:fillRef idx="2">
+          <a:scrgbClr r="0" g="0" b="0"/>
+        </a:fillRef>
+        <a:effectRef idx="1">
+          <a:scrgbClr r="0" g="0" b="0"/>
+        </a:effectRef>
+        <a:fontRef idx="minor">
+          <a:schemeClr val="dk1"/>
+        </a:fontRef>
+      </dsp:style>
+    </dsp:sp>
+    <dsp:sp modelId="{FB9421E8-D8FA-49B7-BB73-17E422C08D38}">
+      <dsp:nvSpPr>
+        <dsp:cNvPr id="0" name=""/>
+        <dsp:cNvSpPr/>
+      </dsp:nvSpPr>
+      <dsp:spPr>
+        <a:xfrm>
+          <a:off x="6994153" y="2803174"/>
+          <a:ext cx="1740254" cy="1377219"/>
+        </a:xfrm>
+        <a:prstGeom prst="chevron">
+          <a:avLst>
+            <a:gd name="adj" fmla="val 70610"/>
+          </a:avLst>
+        </a:prstGeom>
+        <a:gradFill rotWithShape="0">
+          <a:gsLst>
+            <a:gs pos="0">
+              <a:schemeClr val="accent1">
+                <a:hueOff val="0"/>
+                <a:satOff val="0"/>
+                <a:lumOff val="0"/>
+                <a:alphaOff val="0"/>
+                <a:lumMod val="110000"/>
+                <a:satMod val="105000"/>
+                <a:tint val="67000"/>
+              </a:schemeClr>
+            </a:gs>
+            <a:gs pos="50000">
+              <a:schemeClr val="accent1">
+                <a:hueOff val="0"/>
+                <a:satOff val="0"/>
+                <a:lumOff val="0"/>
+                <a:alphaOff val="0"/>
+                <a:lumMod val="105000"/>
+                <a:satMod val="103000"/>
+                <a:tint val="73000"/>
+              </a:schemeClr>
+            </a:gs>
+            <a:gs pos="100000">
+              <a:schemeClr val="accent1">
+                <a:hueOff val="0"/>
+                <a:satOff val="0"/>
+                <a:lumOff val="0"/>
+                <a:alphaOff val="0"/>
+                <a:lumMod val="105000"/>
+                <a:satMod val="109000"/>
+                <a:tint val="81000"/>
+              </a:schemeClr>
+            </a:gs>
+          </a:gsLst>
+          <a:lin ang="5400000" scaled="0"/>
+        </a:gradFill>
+        <a:ln w="6350" cap="flat" cmpd="sng" algn="ctr">
+          <a:solidFill>
+            <a:schemeClr val="accent1">
+              <a:hueOff val="0"/>
+              <a:satOff val="0"/>
+              <a:lumOff val="0"/>
+              <a:alphaOff val="0"/>
+            </a:schemeClr>
+          </a:solidFill>
+          <a:prstDash val="solid"/>
+          <a:miter lim="800000"/>
+        </a:ln>
+        <a:effectLst/>
+      </dsp:spPr>
+      <dsp:style>
+        <a:lnRef idx="1">
+          <a:scrgbClr r="0" g="0" b="0"/>
+        </a:lnRef>
+        <a:fillRef idx="2">
+          <a:scrgbClr r="0" g="0" b="0"/>
+        </a:fillRef>
+        <a:effectRef idx="1">
+          <a:scrgbClr r="0" g="0" b="0"/>
+        </a:effectRef>
+        <a:fontRef idx="minor">
+          <a:schemeClr val="dk1"/>
+        </a:fontRef>
+      </dsp:style>
+    </dsp:sp>
+    <dsp:sp modelId="{2CDCD521-FEF5-4E57-B7D2-DAACA7127A9B}">
+      <dsp:nvSpPr>
+        <dsp:cNvPr id="0" name=""/>
+        <dsp:cNvSpPr/>
+      </dsp:nvSpPr>
+      <dsp:spPr>
+        <a:xfrm>
+          <a:off x="719816" y="2940896"/>
+          <a:ext cx="7533667" cy="1101775"/>
+        </a:xfrm>
+        <a:prstGeom prst="rect">
+          <a:avLst/>
+        </a:prstGeom>
+        <a:gradFill rotWithShape="0">
+          <a:gsLst>
+            <a:gs pos="0">
+              <a:schemeClr val="lt1">
+                <a:hueOff val="0"/>
+                <a:satOff val="0"/>
+                <a:lumOff val="0"/>
+                <a:alphaOff val="0"/>
+                <a:lumMod val="110000"/>
+                <a:satMod val="105000"/>
+                <a:tint val="67000"/>
+              </a:schemeClr>
+            </a:gs>
+            <a:gs pos="50000">
+              <a:schemeClr val="lt1">
+                <a:hueOff val="0"/>
+                <a:satOff val="0"/>
+                <a:lumOff val="0"/>
+                <a:alphaOff val="0"/>
+                <a:lumMod val="105000"/>
+                <a:satMod val="103000"/>
+                <a:tint val="73000"/>
+              </a:schemeClr>
+            </a:gs>
+            <a:gs pos="100000">
+              <a:schemeClr val="lt1">
+                <a:hueOff val="0"/>
+                <a:satOff val="0"/>
+                <a:lumOff val="0"/>
+                <a:alphaOff val="0"/>
+                <a:lumMod val="105000"/>
+                <a:satMod val="109000"/>
+                <a:tint val="81000"/>
+              </a:schemeClr>
+            </a:gs>
+          </a:gsLst>
+          <a:lin ang="5400000" scaled="0"/>
+        </a:gradFill>
+        <a:ln w="6350" cap="flat" cmpd="sng" algn="ctr">
+          <a:solidFill>
+            <a:schemeClr val="accent1">
+              <a:hueOff val="0"/>
+              <a:satOff val="0"/>
+              <a:lumOff val="0"/>
+              <a:alphaOff val="0"/>
+            </a:schemeClr>
+          </a:solidFill>
+          <a:prstDash val="solid"/>
+          <a:miter lim="800000"/>
+        </a:ln>
+        <a:effectLst/>
+      </dsp:spPr>
+      <dsp:style>
+        <a:lnRef idx="1">
+          <a:scrgbClr r="0" g="0" b="0"/>
+        </a:lnRef>
+        <a:fillRef idx="2">
+          <a:scrgbClr r="0" g="0" b="0"/>
+        </a:fillRef>
+        <a:effectRef idx="0">
+          <a:scrgbClr r="0" g="0" b="0"/>
+        </a:effectRef>
+        <a:fontRef idx="minor"/>
+      </dsp:style>
+      <dsp:txBody>
+        <a:bodyPr spcFirstLastPara="0" vert="horz" wrap="square" lIns="50800" tIns="50800" rIns="50800" bIns="50800" numCol="1" spcCol="1270" anchor="ctr" anchorCtr="0">
+          <a:noAutofit/>
+        </a:bodyPr>
+        <a:lstStyle/>
+        <a:p>
+          <a:pPr lvl="0" algn="l" defTabSz="889000">
+            <a:lnSpc>
+              <a:spcPct val="90000"/>
+            </a:lnSpc>
+            <a:spcBef>
+              <a:spcPct val="0"/>
+            </a:spcBef>
+            <a:spcAft>
+              <a:spcPct val="35000"/>
+            </a:spcAft>
+          </a:pPr>
+          <a:r>
+            <a:rPr lang="en-US" sz="2000" kern="1200" dirty="0" err="1">
+              <a:latin typeface="Times New Roman" panose="02020603050405020304" charset="0"/>
+              <a:cs typeface="Times New Roman" panose="02020603050405020304" charset="0"/>
+            </a:rPr>
+            <a:t>Hỗ</a:t>
+          </a:r>
+          <a:r>
+            <a:rPr lang="en-US" sz="2000" kern="1200" dirty="0">
+              <a:latin typeface="Times New Roman" panose="02020603050405020304" charset="0"/>
+              <a:cs typeface="Times New Roman" panose="02020603050405020304" charset="0"/>
+            </a:rPr>
+            <a:t> </a:t>
+          </a:r>
+          <a:r>
+            <a:rPr lang="en-US" sz="2000" kern="1200" dirty="0" err="1">
+              <a:latin typeface="Times New Roman" panose="02020603050405020304" charset="0"/>
+              <a:cs typeface="Times New Roman" panose="02020603050405020304" charset="0"/>
+            </a:rPr>
+            <a:t>trợ</a:t>
+          </a:r>
+          <a:r>
+            <a:rPr lang="en-US" sz="2000" kern="1200" dirty="0">
+              <a:latin typeface="Times New Roman" panose="02020603050405020304" charset="0"/>
+              <a:cs typeface="Times New Roman" panose="02020603050405020304" charset="0"/>
+            </a:rPr>
+            <a:t> </a:t>
+          </a:r>
+          <a:r>
+            <a:rPr lang="en-US" sz="2000" kern="1200" dirty="0" err="1">
+              <a:latin typeface="Times New Roman" panose="02020603050405020304" charset="0"/>
+              <a:cs typeface="Times New Roman" panose="02020603050405020304" charset="0"/>
+            </a:rPr>
+            <a:t>phát</a:t>
+          </a:r>
+          <a:r>
+            <a:rPr lang="en-US" sz="2000" kern="1200" dirty="0">
+              <a:latin typeface="Times New Roman" panose="02020603050405020304" charset="0"/>
+              <a:cs typeface="Times New Roman" panose="02020603050405020304" charset="0"/>
+            </a:rPr>
+            <a:t> </a:t>
+          </a:r>
+          <a:r>
+            <a:rPr lang="en-US" sz="2000" kern="1200" dirty="0" err="1">
+              <a:latin typeface="Times New Roman" panose="02020603050405020304" charset="0"/>
+              <a:cs typeface="Times New Roman" panose="02020603050405020304" charset="0"/>
+            </a:rPr>
+            <a:t>triển</a:t>
+          </a:r>
+          <a:r>
+            <a:rPr lang="en-US" sz="2000" kern="1200" dirty="0">
+              <a:latin typeface="Times New Roman" panose="02020603050405020304" charset="0"/>
+              <a:cs typeface="Times New Roman" panose="02020603050405020304" charset="0"/>
+            </a:rPr>
+            <a:t> </a:t>
+          </a:r>
+          <a:r>
+            <a:rPr lang="en-US" sz="2000" kern="1200" dirty="0" err="1">
+              <a:latin typeface="Times New Roman" panose="02020603050405020304" charset="0"/>
+              <a:cs typeface="Times New Roman" panose="02020603050405020304" charset="0"/>
+            </a:rPr>
+            <a:t>thêm</a:t>
+          </a:r>
+          <a:r>
+            <a:rPr lang="en-US" sz="2000" kern="1200" dirty="0">
+              <a:latin typeface="Times New Roman" panose="02020603050405020304" charset="0"/>
+              <a:cs typeface="Times New Roman" panose="02020603050405020304" charset="0"/>
+            </a:rPr>
+            <a:t> </a:t>
+          </a:r>
+          <a:r>
+            <a:rPr lang="en-US" sz="2000" kern="1200" dirty="0" err="1">
+              <a:latin typeface="Times New Roman" panose="02020603050405020304" charset="0"/>
+              <a:cs typeface="Times New Roman" panose="02020603050405020304" charset="0"/>
+            </a:rPr>
+            <a:t>các</a:t>
+          </a:r>
+          <a:r>
+            <a:rPr lang="en-US" sz="2000" kern="1200" dirty="0">
+              <a:latin typeface="Times New Roman" panose="02020603050405020304" charset="0"/>
+              <a:cs typeface="Times New Roman" panose="02020603050405020304" charset="0"/>
+            </a:rPr>
+            <a:t> </a:t>
+          </a:r>
+          <a:r>
+            <a:rPr lang="en-US" sz="2000" kern="1200" dirty="0" err="1">
+              <a:latin typeface="Times New Roman" panose="02020603050405020304" charset="0"/>
+              <a:cs typeface="Times New Roman" panose="02020603050405020304" charset="0"/>
+            </a:rPr>
+            <a:t>trang</a:t>
+          </a:r>
+          <a:r>
+            <a:rPr lang="en-US" sz="2000" kern="1200" dirty="0">
+              <a:latin typeface="Times New Roman" panose="02020603050405020304" charset="0"/>
+              <a:cs typeface="Times New Roman" panose="02020603050405020304" charset="0"/>
+            </a:rPr>
+            <a:t> </a:t>
+          </a:r>
+          <a:r>
+            <a:rPr lang="en-US" sz="2000" kern="1200" dirty="0" err="1">
+              <a:latin typeface="Times New Roman" panose="02020603050405020304" charset="0"/>
+              <a:cs typeface="Times New Roman" panose="02020603050405020304" charset="0"/>
+            </a:rPr>
+            <a:t>Tuyển</a:t>
+          </a:r>
+          <a:r>
+            <a:rPr lang="en-US" sz="2000" kern="1200" dirty="0">
+              <a:latin typeface="Times New Roman" panose="02020603050405020304" charset="0"/>
+              <a:cs typeface="Times New Roman" panose="02020603050405020304" charset="0"/>
+            </a:rPr>
+            <a:t> </a:t>
+          </a:r>
+          <a:r>
+            <a:rPr lang="en-US" sz="2000" kern="1200" dirty="0" err="1">
+              <a:latin typeface="Times New Roman" panose="02020603050405020304" charset="0"/>
+              <a:cs typeface="Times New Roman" panose="02020603050405020304" charset="0"/>
+            </a:rPr>
+            <a:t>dụng</a:t>
+          </a:r>
+          <a:r>
+            <a:rPr lang="en-US" sz="2000" kern="1200" dirty="0">
+              <a:latin typeface="Times New Roman" panose="02020603050405020304" charset="0"/>
+              <a:cs typeface="Times New Roman" panose="02020603050405020304" charset="0"/>
+            </a:rPr>
+            <a:t>, </a:t>
+          </a:r>
+          <a:r>
+            <a:rPr lang="en-US" sz="2000" kern="1200" dirty="0" err="1">
+              <a:latin typeface="Times New Roman" panose="02020603050405020304" charset="0"/>
+              <a:cs typeface="Times New Roman" panose="02020603050405020304" charset="0"/>
+            </a:rPr>
+            <a:t>hướng</a:t>
+          </a:r>
+          <a:r>
+            <a:rPr lang="en-US" sz="2000" kern="1200" dirty="0">
+              <a:latin typeface="Times New Roman" panose="02020603050405020304" charset="0"/>
+              <a:cs typeface="Times New Roman" panose="02020603050405020304" charset="0"/>
+            </a:rPr>
+            <a:t> </a:t>
+          </a:r>
+          <a:r>
+            <a:rPr lang="en-US" sz="2000" kern="1200" dirty="0" err="1">
+              <a:latin typeface="Times New Roman" panose="02020603050405020304" charset="0"/>
+              <a:cs typeface="Times New Roman" panose="02020603050405020304" charset="0"/>
+            </a:rPr>
+            <a:t>dẫn</a:t>
+          </a:r>
+          <a:r>
+            <a:rPr lang="en-US" sz="2000" kern="1200" dirty="0">
+              <a:latin typeface="Times New Roman" panose="02020603050405020304" charset="0"/>
+              <a:cs typeface="Times New Roman" panose="02020603050405020304" charset="0"/>
+            </a:rPr>
+            <a:t> </a:t>
+          </a:r>
+          <a:r>
+            <a:rPr lang="en-US" sz="2000" kern="1200" dirty="0" err="1">
+              <a:latin typeface="Times New Roman" panose="02020603050405020304" charset="0"/>
+              <a:cs typeface="Times New Roman" panose="02020603050405020304" charset="0"/>
+            </a:rPr>
+            <a:t>mua</a:t>
+          </a:r>
+          <a:r>
+            <a:rPr lang="en-US" sz="2000" kern="1200" dirty="0">
+              <a:latin typeface="Times New Roman" panose="02020603050405020304" charset="0"/>
+              <a:cs typeface="Times New Roman" panose="02020603050405020304" charset="0"/>
+            </a:rPr>
+            <a:t> </a:t>
+          </a:r>
+          <a:r>
+            <a:rPr lang="en-US" sz="2000" kern="1200" dirty="0" err="1">
+              <a:latin typeface="Times New Roman" panose="02020603050405020304" charset="0"/>
+              <a:cs typeface="Times New Roman" panose="02020603050405020304" charset="0"/>
+            </a:rPr>
+            <a:t>hàng</a:t>
+          </a:r>
+          <a:r>
+            <a:rPr lang="en-US" sz="2000" kern="1200" dirty="0">
+              <a:latin typeface="Times New Roman" panose="02020603050405020304" charset="0"/>
+              <a:cs typeface="Times New Roman" panose="02020603050405020304" charset="0"/>
+            </a:rPr>
+            <a:t>, </a:t>
+          </a:r>
+          <a:r>
+            <a:rPr lang="en-US" sz="2000" kern="1200" dirty="0" err="1">
+              <a:latin typeface="Times New Roman" panose="02020603050405020304" charset="0"/>
+              <a:cs typeface="Times New Roman" panose="02020603050405020304" charset="0"/>
+            </a:rPr>
+            <a:t>thanh</a:t>
+          </a:r>
+          <a:r>
+            <a:rPr lang="en-US" sz="2000" kern="1200" dirty="0">
+              <a:latin typeface="Times New Roman" panose="02020603050405020304" charset="0"/>
+              <a:cs typeface="Times New Roman" panose="02020603050405020304" charset="0"/>
+            </a:rPr>
+            <a:t> </a:t>
+          </a:r>
+          <a:r>
+            <a:rPr lang="en-US" sz="2000" kern="1200" dirty="0" err="1">
+              <a:latin typeface="Times New Roman" panose="02020603050405020304" charset="0"/>
+              <a:cs typeface="Times New Roman" panose="02020603050405020304" charset="0"/>
+            </a:rPr>
+            <a:t>toán</a:t>
+          </a:r>
+          <a:r>
+            <a:rPr lang="en-US" sz="2000" kern="1200" dirty="0">
+              <a:latin typeface="Times New Roman" panose="02020603050405020304" charset="0"/>
+              <a:cs typeface="Times New Roman" panose="02020603050405020304" charset="0"/>
+            </a:rPr>
+            <a:t>,..  </a:t>
+          </a:r>
+        </a:p>
+      </dsp:txBody>
+      <dsp:txXfrm>
+        <a:off x="719816" y="2940896"/>
+        <a:ext cx="7533667" cy="1101775"/>
+      </dsp:txXfrm>
+    </dsp:sp>
+  </dsp:spTree>
+</dsp:drawing>
+</file>
+
 <file path=ppt/diagrams/layout1.xml><?xml version="1.0" encoding="utf-8"?>
 <dgm:layoutDef xmlns:dgm="http://schemas.openxmlformats.org/drawingml/2006/diagram" xmlns:a="http://schemas.openxmlformats.org/drawingml/2006/main" uniqueId="urn:microsoft.com/office/officeart/2008/layout/VerticalAccentList">
   <dgm:title val=""/>
@@ -4253,7 +7820,1639 @@
 </dgm:layoutDef>
 </file>
 
+<file path=ppt/diagrams/layout2.xml><?xml version="1.0" encoding="utf-8"?>
+<dgm:layoutDef xmlns:dgm="http://schemas.openxmlformats.org/drawingml/2006/diagram" xmlns:a="http://schemas.openxmlformats.org/drawingml/2006/main" uniqueId="urn:microsoft.com/office/officeart/2008/layout/VerticalAccentList">
+  <dgm:title val=""/>
+  <dgm:desc val=""/>
+  <dgm:catLst>
+    <dgm:cat type="list" pri="16500"/>
+  </dgm:catLst>
+  <dgm:sampData>
+    <dgm:dataModel>
+      <dgm:ptLst>
+        <dgm:pt modelId="0" type="doc"/>
+        <dgm:pt modelId="10">
+          <dgm:prSet phldr="1"/>
+        </dgm:pt>
+        <dgm:pt modelId="11">
+          <dgm:prSet phldr="1"/>
+        </dgm:pt>
+        <dgm:pt modelId="20">
+          <dgm:prSet phldr="1"/>
+        </dgm:pt>
+        <dgm:pt modelId="21">
+          <dgm:prSet phldr="1"/>
+        </dgm:pt>
+        <dgm:pt modelId="30">
+          <dgm:prSet phldr="1"/>
+        </dgm:pt>
+        <dgm:pt modelId="31">
+          <dgm:prSet phldr="1"/>
+        </dgm:pt>
+      </dgm:ptLst>
+      <dgm:cxnLst>
+        <dgm:cxn modelId="40" srcId="0" destId="10" srcOrd="0" destOrd="0"/>
+        <dgm:cxn modelId="12" srcId="10" destId="11" srcOrd="0" destOrd="0"/>
+        <dgm:cxn modelId="50" srcId="0" destId="20" srcOrd="1" destOrd="0"/>
+        <dgm:cxn modelId="22" srcId="20" destId="21" srcOrd="0" destOrd="0"/>
+        <dgm:cxn modelId="60" srcId="0" destId="30" srcOrd="2" destOrd="0"/>
+        <dgm:cxn modelId="32" srcId="30" destId="31" srcOrd="0" destOrd="0"/>
+      </dgm:cxnLst>
+      <dgm:bg/>
+      <dgm:whole/>
+    </dgm:dataModel>
+  </dgm:sampData>
+  <dgm:styleData>
+    <dgm:dataModel>
+      <dgm:ptLst>
+        <dgm:pt modelId="0" type="doc"/>
+        <dgm:pt modelId="10">
+          <dgm:prSet phldr="1"/>
+        </dgm:pt>
+        <dgm:pt modelId="11">
+          <dgm:prSet phldr="1"/>
+        </dgm:pt>
+        <dgm:pt modelId="20">
+          <dgm:prSet phldr="1"/>
+        </dgm:pt>
+        <dgm:pt modelId="21">
+          <dgm:prSet phldr="1"/>
+        </dgm:pt>
+        <dgm:pt modelId="30">
+          <dgm:prSet phldr="1"/>
+        </dgm:pt>
+        <dgm:pt modelId="31">
+          <dgm:prSet phldr="1"/>
+        </dgm:pt>
+      </dgm:ptLst>
+      <dgm:cxnLst>
+        <dgm:cxn modelId="40" srcId="0" destId="10" srcOrd="0" destOrd="0"/>
+        <dgm:cxn modelId="12" srcId="10" destId="11" srcOrd="0" destOrd="0"/>
+        <dgm:cxn modelId="50" srcId="0" destId="20" srcOrd="1" destOrd="0"/>
+        <dgm:cxn modelId="22" srcId="20" destId="21" srcOrd="0" destOrd="0"/>
+        <dgm:cxn modelId="60" srcId="0" destId="30" srcOrd="2" destOrd="0"/>
+        <dgm:cxn modelId="32" srcId="30" destId="31" srcOrd="0" destOrd="0"/>
+      </dgm:cxnLst>
+      <dgm:bg/>
+      <dgm:whole/>
+    </dgm:dataModel>
+  </dgm:styleData>
+  <dgm:clrData>
+    <dgm:dataModel>
+      <dgm:ptLst>
+        <dgm:pt modelId="0" type="doc"/>
+        <dgm:pt modelId="10">
+          <dgm:prSet phldr="1"/>
+        </dgm:pt>
+        <dgm:pt modelId="11">
+          <dgm:prSet phldr="1"/>
+        </dgm:pt>
+        <dgm:pt modelId="20">
+          <dgm:prSet phldr="1"/>
+        </dgm:pt>
+        <dgm:pt modelId="21">
+          <dgm:prSet phldr="1"/>
+        </dgm:pt>
+        <dgm:pt modelId="30">
+          <dgm:prSet phldr="1"/>
+        </dgm:pt>
+        <dgm:pt modelId="31">
+          <dgm:prSet phldr="1"/>
+        </dgm:pt>
+      </dgm:ptLst>
+      <dgm:cxnLst>
+        <dgm:cxn modelId="40" srcId="0" destId="10" srcOrd="0" destOrd="0"/>
+        <dgm:cxn modelId="12" srcId="10" destId="11" srcOrd="0" destOrd="0"/>
+        <dgm:cxn modelId="50" srcId="0" destId="20" srcOrd="1" destOrd="0"/>
+        <dgm:cxn modelId="22" srcId="20" destId="21" srcOrd="0" destOrd="0"/>
+        <dgm:cxn modelId="60" srcId="0" destId="30" srcOrd="2" destOrd="0"/>
+        <dgm:cxn modelId="32" srcId="30" destId="31" srcOrd="0" destOrd="0"/>
+      </dgm:cxnLst>
+      <dgm:bg/>
+      <dgm:whole/>
+    </dgm:dataModel>
+  </dgm:clrData>
+  <dgm:layoutNode name="Name0">
+    <dgm:varLst>
+      <dgm:chMax/>
+      <dgm:chPref/>
+      <dgm:dir/>
+    </dgm:varLst>
+    <dgm:choose name="Name1">
+      <dgm:if name="Name2" func="var" arg="dir" op="equ" val="norm">
+        <dgm:alg type="lin">
+          <dgm:param type="linDir" val="fromT"/>
+          <dgm:param type="nodeHorzAlign" val="l"/>
+        </dgm:alg>
+      </dgm:if>
+      <dgm:else name="Name3">
+        <dgm:alg type="lin">
+          <dgm:param type="linDir" val="fromT"/>
+          <dgm:param type="nodeHorzAlign" val="r"/>
+        </dgm:alg>
+      </dgm:else>
+    </dgm:choose>
+    <dgm:shape xmlns:r="http://schemas.openxmlformats.org/officeDocument/2006/relationships" r:blip="">
+      <dgm:adjLst/>
+    </dgm:shape>
+    <dgm:constrLst>
+      <dgm:constr type="primFontSz" for="des" forName="parenttext" refType="primFontSz" refFor="des" refForName="childtext" op="gte"/>
+      <dgm:constr type="w" for="ch" forName="composite" refType="w"/>
+      <dgm:constr type="h" for="ch" forName="composite" refType="h"/>
+      <dgm:constr type="w" for="ch" forName="parallelogramComposite" refType="w"/>
+      <dgm:constr type="h" for="ch" forName="parallelogramComposite" refType="h"/>
+      <dgm:constr type="w" for="ch" forName="parenttextcomposite" refType="w" fact="0.9"/>
+      <dgm:constr type="h" for="ch" forName="parenttextcomposite" refType="h" fact="0.6"/>
+      <dgm:constr type="h" for="ch" forName="sibTrans" refType="h" refFor="ch" refForName="composite" op="equ" fact="0.02"/>
+      <dgm:constr type="h" for="ch" forName="sibTrans" op="equ"/>
+    </dgm:constrLst>
+    <dgm:forEach name="nodesForEach" axis="ch" ptType="node">
+      <dgm:layoutNode name="parenttextcomposite">
+        <dgm:alg type="composite">
+          <dgm:param type="ar" val="11"/>
+        </dgm:alg>
+        <dgm:shape xmlns:r="http://schemas.openxmlformats.org/officeDocument/2006/relationships" r:blip="">
+          <dgm:adjLst/>
+        </dgm:shape>
+        <dgm:constrLst>
+          <dgm:constr type="h" for="ch" forName="parenttext" refType="h"/>
+          <dgm:constr type="w" for="ch" forName="parenttext" refType="w"/>
+        </dgm:constrLst>
+        <dgm:layoutNode name="parenttext" styleLbl="revTx">
+          <dgm:varLst>
+            <dgm:chMax/>
+            <dgm:chPref val="2"/>
+            <dgm:bulletEnabled val="1"/>
+          </dgm:varLst>
+          <dgm:choose name="Name4">
+            <dgm:if name="Name5" func="var" arg="dir" op="equ" val="norm">
+              <dgm:alg type="tx">
+                <dgm:param type="parTxLTRAlign" val="l"/>
+                <dgm:param type="txAnchorVert" val="b"/>
+              </dgm:alg>
+            </dgm:if>
+            <dgm:else name="Name6">
+              <dgm:alg type="tx">
+                <dgm:param type="parTxLTRAlign" val="r"/>
+                <dgm:param type="txAnchorVert" val="b"/>
+              </dgm:alg>
+            </dgm:else>
+          </dgm:choose>
+          <dgm:shape xmlns:r="http://schemas.openxmlformats.org/officeDocument/2006/relationships" type="rect" r:blip="">
+            <dgm:adjLst/>
+          </dgm:shape>
+          <dgm:presOf axis="self" ptType="node"/>
+          <dgm:constrLst>
+            <dgm:constr type="lMarg" refType="primFontSz" fact="0.3"/>
+            <dgm:constr type="rMarg" refType="primFontSz" fact="0.3"/>
+            <dgm:constr type="tMarg" refType="primFontSz" fact="0.3"/>
+            <dgm:constr type="bMarg" refType="primFontSz" fact="0.3"/>
+          </dgm:constrLst>
+          <dgm:ruleLst>
+            <dgm:rule type="primFontSz" val="5" fact="NaN" max="NaN"/>
+          </dgm:ruleLst>
+        </dgm:layoutNode>
+      </dgm:layoutNode>
+      <dgm:choose name="Name7">
+        <dgm:if name="Name8" axis="ch" ptType="node" func="cnt" op="gte" val="1">
+          <dgm:layoutNode name="composite">
+            <dgm:alg type="composite">
+              <dgm:param type="ar" val="6"/>
+            </dgm:alg>
+            <dgm:shape xmlns:r="http://schemas.openxmlformats.org/officeDocument/2006/relationships" r:blip="">
+              <dgm:adjLst/>
+            </dgm:shape>
+            <dgm:choose name="Name9">
+              <dgm:if name="Name10" func="var" arg="dir" op="equ" val="norm">
+                <dgm:constrLst>
+                  <dgm:constr type="l" for="ch" forName="chevron1" refType="w" fact="0.0301"/>
+                  <dgm:constr type="t" for="ch" forName="chevron1" refType="h" fact="0"/>
+                  <dgm:constr type="w" for="ch" forName="chevron1" refType="w" fact="0.2106"/>
+                  <dgm:constr type="h" for="ch" forName="chevron1" refType="h"/>
+                  <dgm:constr type="l" for="ch" forName="chevron2" refType="w" fact="0.1566"/>
+                  <dgm:constr type="t" for="ch" forName="chevron2" refType="h" fact="0"/>
+                  <dgm:constr type="w" for="ch" forName="chevron2" refType="w" fact="0.2106"/>
+                  <dgm:constr type="h" for="ch" forName="chevron2" refType="h"/>
+                  <dgm:constr type="l" for="ch" forName="chevron3" refType="w" fact="0.2832"/>
+                  <dgm:constr type="t" for="ch" forName="chevron3" refType="h" fact="0"/>
+                  <dgm:constr type="w" for="ch" forName="chevron3" refType="w" fact="0.2106"/>
+                  <dgm:constr type="h" for="ch" forName="chevron3" refType="h"/>
+                  <dgm:constr type="l" for="ch" forName="chevron4" refType="w" fact="0.4097"/>
+                  <dgm:constr type="t" for="ch" forName="chevron4" refType="h" fact="0"/>
+                  <dgm:constr type="w" for="ch" forName="chevron4" refType="w" fact="0.2106"/>
+                  <dgm:constr type="h" for="ch" forName="chevron4" refType="h"/>
+                  <dgm:constr type="l" for="ch" forName="chevron5" refType="w" fact="0.5363"/>
+                  <dgm:constr type="t" for="ch" forName="chevron5" refType="h" fact="0"/>
+                  <dgm:constr type="w" for="ch" forName="chevron5" refType="w" fact="0.2106"/>
+                  <dgm:constr type="h" for="ch" forName="chevron5" refType="h"/>
+                  <dgm:constr type="l" for="ch" forName="chevron6" refType="w" fact="0.6628"/>
+                  <dgm:constr type="t" for="ch" forName="chevron6" refType="h" fact="0"/>
+                  <dgm:constr type="w" for="ch" forName="chevron6" refType="w" fact="0.2106"/>
+                  <dgm:constr type="h" for="ch" forName="chevron6" refType="h"/>
+                  <dgm:constr type="l" for="ch" forName="chevron7" refType="w" fact="0.7894"/>
+                  <dgm:constr type="t" for="ch" forName="chevron7" refType="h" fact="0"/>
+                  <dgm:constr type="w" for="ch" forName="chevron7" refType="w" fact="0.2106"/>
+                  <dgm:constr type="h" for="ch" forName="chevron7" refType="h"/>
+                  <dgm:constr type="l" for="ch" forName="childtext" refType="w" fact="0.0301"/>
+                  <dgm:constr type="t" for="ch" forName="childtext" refType="h" fact="0.1"/>
+                  <dgm:constr type="w" for="ch" forName="childtext" refType="w" fact="0.9117"/>
+                  <dgm:constr type="h" for="ch" forName="childtext" refType="h" fact="0.8"/>
+                </dgm:constrLst>
+              </dgm:if>
+              <dgm:else name="Name11">
+                <dgm:constrLst>
+                  <dgm:constr type="l" for="ch" forName="chevron1" refType="w" fact="0.0301"/>
+                  <dgm:constr type="t" for="ch" forName="chevron1" refType="h" fact="0"/>
+                  <dgm:constr type="w" for="ch" forName="chevron1" refType="w" fact="0.2106"/>
+                  <dgm:constr type="h" for="ch" forName="chevron1" refType="h"/>
+                  <dgm:constr type="l" for="ch" forName="chevron2" refType="w" fact="0.1566"/>
+                  <dgm:constr type="t" for="ch" forName="chevron2" refType="h" fact="0"/>
+                  <dgm:constr type="w" for="ch" forName="chevron2" refType="w" fact="0.2106"/>
+                  <dgm:constr type="h" for="ch" forName="chevron2" refType="h"/>
+                  <dgm:constr type="l" for="ch" forName="chevron3" refType="w" fact="0.2832"/>
+                  <dgm:constr type="t" for="ch" forName="chevron3" refType="h" fact="0"/>
+                  <dgm:constr type="w" for="ch" forName="chevron3" refType="w" fact="0.2106"/>
+                  <dgm:constr type="h" for="ch" forName="chevron3" refType="h"/>
+                  <dgm:constr type="l" for="ch" forName="chevron4" refType="w" fact="0.4097"/>
+                  <dgm:constr type="t" for="ch" forName="chevron4" refType="h" fact="0"/>
+                  <dgm:constr type="w" for="ch" forName="chevron4" refType="w" fact="0.2106"/>
+                  <dgm:constr type="h" for="ch" forName="chevron4" refType="h"/>
+                  <dgm:constr type="l" for="ch" forName="chevron5" refType="w" fact="0.5363"/>
+                  <dgm:constr type="t" for="ch" forName="chevron5" refType="h" fact="0"/>
+                  <dgm:constr type="w" for="ch" forName="chevron5" refType="w" fact="0.2106"/>
+                  <dgm:constr type="h" for="ch" forName="chevron5" refType="h"/>
+                  <dgm:constr type="l" for="ch" forName="chevron6" refType="w" fact="0.6628"/>
+                  <dgm:constr type="t" for="ch" forName="chevron6" refType="h" fact="0"/>
+                  <dgm:constr type="w" for="ch" forName="chevron6" refType="w" fact="0.2106"/>
+                  <dgm:constr type="h" for="ch" forName="chevron6" refType="h"/>
+                  <dgm:constr type="l" for="ch" forName="chevron7" refType="w" fact="0.7894"/>
+                  <dgm:constr type="t" for="ch" forName="chevron7" refType="h" fact="0"/>
+                  <dgm:constr type="w" for="ch" forName="chevron7" refType="w" fact="0.2106"/>
+                  <dgm:constr type="h" for="ch" forName="chevron7" refType="h"/>
+                  <dgm:constr type="l" for="ch" forName="childtext" refType="w" fact="0.0883"/>
+                  <dgm:constr type="t" for="ch" forName="childtext" refType="h" fact="0.1"/>
+                  <dgm:constr type="w" for="ch" forName="childtext" refType="w" fact="0.9117"/>
+                  <dgm:constr type="h" for="ch" forName="childtext" refType="h" fact="0.8"/>
+                </dgm:constrLst>
+              </dgm:else>
+            </dgm:choose>
+            <dgm:ruleLst/>
+            <dgm:layoutNode name="chevron1" styleLbl="alignNode1">
+              <dgm:alg type="sp"/>
+              <dgm:choose name="Name12">
+                <dgm:if name="Name13" func="var" arg="dir" op="equ" val="norm">
+                  <dgm:shape xmlns:r="http://schemas.openxmlformats.org/officeDocument/2006/relationships" type="chevron" r:blip="">
+                    <dgm:adjLst>
+                      <dgm:adj idx="1" val="0.7061"/>
+                    </dgm:adjLst>
+                  </dgm:shape>
+                </dgm:if>
+                <dgm:else name="Name14">
+                  <dgm:shape xmlns:r="http://schemas.openxmlformats.org/officeDocument/2006/relationships" rot="180" type="chevron" r:blip="">
+                    <dgm:adjLst>
+                      <dgm:adj idx="1" val="0.7061"/>
+                    </dgm:adjLst>
+                  </dgm:shape>
+                </dgm:else>
+              </dgm:choose>
+              <dgm:presOf/>
+            </dgm:layoutNode>
+            <dgm:layoutNode name="chevron2" styleLbl="alignNode1">
+              <dgm:alg type="sp"/>
+              <dgm:choose name="Name15">
+                <dgm:if name="Name16" func="var" arg="dir" op="equ" val="norm">
+                  <dgm:shape xmlns:r="http://schemas.openxmlformats.org/officeDocument/2006/relationships" type="chevron" r:blip="">
+                    <dgm:adjLst>
+                      <dgm:adj idx="1" val="0.7061"/>
+                    </dgm:adjLst>
+                  </dgm:shape>
+                </dgm:if>
+                <dgm:else name="Name17">
+                  <dgm:shape xmlns:r="http://schemas.openxmlformats.org/officeDocument/2006/relationships" rot="180" type="chevron" r:blip="">
+                    <dgm:adjLst>
+                      <dgm:adj idx="1" val="0.7061"/>
+                    </dgm:adjLst>
+                  </dgm:shape>
+                </dgm:else>
+              </dgm:choose>
+              <dgm:presOf/>
+            </dgm:layoutNode>
+            <dgm:layoutNode name="chevron3" styleLbl="alignNode1">
+              <dgm:alg type="sp"/>
+              <dgm:choose name="Name18">
+                <dgm:if name="Name19" func="var" arg="dir" op="equ" val="norm">
+                  <dgm:shape xmlns:r="http://schemas.openxmlformats.org/officeDocument/2006/relationships" type="chevron" r:blip="">
+                    <dgm:adjLst>
+                      <dgm:adj idx="1" val="0.7061"/>
+                    </dgm:adjLst>
+                  </dgm:shape>
+                </dgm:if>
+                <dgm:else name="Name20">
+                  <dgm:shape xmlns:r="http://schemas.openxmlformats.org/officeDocument/2006/relationships" rot="180" type="chevron" r:blip="">
+                    <dgm:adjLst>
+                      <dgm:adj idx="1" val="0.7061"/>
+                    </dgm:adjLst>
+                  </dgm:shape>
+                </dgm:else>
+              </dgm:choose>
+              <dgm:presOf/>
+            </dgm:layoutNode>
+            <dgm:layoutNode name="chevron4" styleLbl="alignNode1">
+              <dgm:alg type="sp"/>
+              <dgm:choose name="Name21">
+                <dgm:if name="Name22" func="var" arg="dir" op="equ" val="norm">
+                  <dgm:shape xmlns:r="http://schemas.openxmlformats.org/officeDocument/2006/relationships" type="chevron" r:blip="">
+                    <dgm:adjLst>
+                      <dgm:adj idx="1" val="0.7061"/>
+                    </dgm:adjLst>
+                  </dgm:shape>
+                </dgm:if>
+                <dgm:else name="Name23">
+                  <dgm:shape xmlns:r="http://schemas.openxmlformats.org/officeDocument/2006/relationships" rot="180" type="chevron" r:blip="">
+                    <dgm:adjLst>
+                      <dgm:adj idx="1" val="0.7061"/>
+                    </dgm:adjLst>
+                  </dgm:shape>
+                </dgm:else>
+              </dgm:choose>
+              <dgm:presOf/>
+            </dgm:layoutNode>
+            <dgm:layoutNode name="chevron5" styleLbl="alignNode1">
+              <dgm:alg type="sp"/>
+              <dgm:choose name="Name24">
+                <dgm:if name="Name25" func="var" arg="dir" op="equ" val="norm">
+                  <dgm:shape xmlns:r="http://schemas.openxmlformats.org/officeDocument/2006/relationships" type="chevron" r:blip="">
+                    <dgm:adjLst>
+                      <dgm:adj idx="1" val="0.7061"/>
+                    </dgm:adjLst>
+                  </dgm:shape>
+                </dgm:if>
+                <dgm:else name="Name26">
+                  <dgm:shape xmlns:r="http://schemas.openxmlformats.org/officeDocument/2006/relationships" rot="180" type="chevron" r:blip="">
+                    <dgm:adjLst>
+                      <dgm:adj idx="1" val="0.7061"/>
+                    </dgm:adjLst>
+                  </dgm:shape>
+                </dgm:else>
+              </dgm:choose>
+              <dgm:presOf/>
+            </dgm:layoutNode>
+            <dgm:layoutNode name="chevron6" styleLbl="alignNode1">
+              <dgm:alg type="sp"/>
+              <dgm:choose name="Name27">
+                <dgm:if name="Name28" func="var" arg="dir" op="equ" val="norm">
+                  <dgm:shape xmlns:r="http://schemas.openxmlformats.org/officeDocument/2006/relationships" type="chevron" r:blip="">
+                    <dgm:adjLst>
+                      <dgm:adj idx="1" val="0.7061"/>
+                    </dgm:adjLst>
+                  </dgm:shape>
+                </dgm:if>
+                <dgm:else name="Name29">
+                  <dgm:shape xmlns:r="http://schemas.openxmlformats.org/officeDocument/2006/relationships" rot="180" type="chevron" r:blip="">
+                    <dgm:adjLst>
+                      <dgm:adj idx="1" val="0.7061"/>
+                    </dgm:adjLst>
+                  </dgm:shape>
+                </dgm:else>
+              </dgm:choose>
+              <dgm:presOf/>
+            </dgm:layoutNode>
+            <dgm:layoutNode name="chevron7" styleLbl="alignNode1">
+              <dgm:alg type="sp"/>
+              <dgm:choose name="Name30">
+                <dgm:if name="Name31" func="var" arg="dir" op="equ" val="norm">
+                  <dgm:shape xmlns:r="http://schemas.openxmlformats.org/officeDocument/2006/relationships" type="chevron" r:blip="">
+                    <dgm:adjLst>
+                      <dgm:adj idx="1" val="0.7061"/>
+                    </dgm:adjLst>
+                  </dgm:shape>
+                </dgm:if>
+                <dgm:else name="Name32">
+                  <dgm:shape xmlns:r="http://schemas.openxmlformats.org/officeDocument/2006/relationships" rot="180" type="chevron" r:blip="">
+                    <dgm:adjLst>
+                      <dgm:adj idx="1" val="0.7061"/>
+                    </dgm:adjLst>
+                  </dgm:shape>
+                </dgm:else>
+              </dgm:choose>
+              <dgm:presOf/>
+            </dgm:layoutNode>
+            <dgm:layoutNode name="childtext" styleLbl="solidFgAcc1">
+              <dgm:varLst>
+                <dgm:chMax/>
+                <dgm:chPref val="0"/>
+                <dgm:bulletEnabled val="1"/>
+              </dgm:varLst>
+              <dgm:choose name="Name33">
+                <dgm:if name="Name34" func="var" arg="dir" op="equ" val="norm">
+                  <dgm:alg type="tx">
+                    <dgm:param type="parTxLTRAlign" val="l"/>
+                    <dgm:param type="txAnchorVertCh" val="t"/>
+                  </dgm:alg>
+                </dgm:if>
+                <dgm:else name="Name35">
+                  <dgm:alg type="tx">
+                    <dgm:param type="parTxLTRAlign" val="r"/>
+                    <dgm:param type="shpTxLTRAlignCh" val="r"/>
+                    <dgm:param type="txAnchorVertCh" val="t"/>
+                  </dgm:alg>
+                </dgm:else>
+              </dgm:choose>
+              <dgm:shape xmlns:r="http://schemas.openxmlformats.org/officeDocument/2006/relationships" type="rect" r:blip="">
+                <dgm:adjLst/>
+              </dgm:shape>
+              <dgm:presOf axis="des" ptType="node"/>
+              <dgm:constrLst>
+                <dgm:constr type="lMarg" refType="primFontSz" fact="0.2"/>
+                <dgm:constr type="rMarg" refType="primFontSz" fact="0.2"/>
+                <dgm:constr type="tMarg" refType="primFontSz" fact="0.2"/>
+                <dgm:constr type="bMarg" refType="primFontSz" fact="0.2"/>
+              </dgm:constrLst>
+              <dgm:ruleLst>
+                <dgm:rule type="primFontSz" val="5" fact="NaN" max="NaN"/>
+              </dgm:ruleLst>
+            </dgm:layoutNode>
+          </dgm:layoutNode>
+        </dgm:if>
+        <dgm:else name="Name36">
+          <dgm:layoutNode name="parallelogramComposite">
+            <dgm:alg type="composite">
+              <dgm:param type="ar" val="50"/>
+            </dgm:alg>
+            <dgm:shape xmlns:r="http://schemas.openxmlformats.org/officeDocument/2006/relationships" r:blip="">
+              <dgm:adjLst/>
+            </dgm:shape>
+            <dgm:constrLst>
+              <dgm:constr type="l" for="ch" forName="parallelogram1" refType="w" fact="0"/>
+              <dgm:constr type="t" for="ch" forName="parallelogram1" refType="h" fact="0"/>
+              <dgm:constr type="w" for="ch" forName="parallelogram1" refType="w" fact="0.12"/>
+              <dgm:constr type="h" for="ch" forName="parallelogram1" refType="h"/>
+              <dgm:constr type="l" for="ch" forName="parallelogram2" refType="w" fact="0.127"/>
+              <dgm:constr type="t" for="ch" forName="parallelogram2" refType="h" fact="0"/>
+              <dgm:constr type="w" for="ch" forName="parallelogram2" refType="w" fact="0.12"/>
+              <dgm:constr type="h" for="ch" forName="parallelogram2" refType="h"/>
+              <dgm:constr type="l" for="ch" forName="parallelogram3" refType="w" fact="0.254"/>
+              <dgm:constr type="t" for="ch" forName="parallelogram3" refType="h" fact="0"/>
+              <dgm:constr type="w" for="ch" forName="parallelogram3" refType="w" fact="0.12"/>
+              <dgm:constr type="h" for="ch" forName="parallelogram3" refType="h"/>
+              <dgm:constr type="l" for="ch" forName="parallelogram4" refType="w" fact="0.381"/>
+              <dgm:constr type="t" for="ch" forName="parallelogram4" refType="h" fact="0"/>
+              <dgm:constr type="w" for="ch" forName="parallelogram4" refType="w" fact="0.12"/>
+              <dgm:constr type="h" for="ch" forName="parallelogram4" refType="h"/>
+              <dgm:constr type="l" for="ch" forName="parallelogram5" refType="w" fact="0.508"/>
+              <dgm:constr type="t" for="ch" forName="parallelogram5" refType="h" fact="0"/>
+              <dgm:constr type="w" for="ch" forName="parallelogram5" refType="w" fact="0.12"/>
+              <dgm:constr type="h" for="ch" forName="parallelogram5" refType="h"/>
+              <dgm:constr type="l" for="ch" forName="parallelogram6" refType="w" fact="0.635"/>
+              <dgm:constr type="t" for="ch" forName="parallelogram6" refType="h" fact="0"/>
+              <dgm:constr type="w" for="ch" forName="parallelogram6" refType="w" fact="0.12"/>
+              <dgm:constr type="h" for="ch" forName="parallelogram6" refType="h"/>
+              <dgm:constr type="l" for="ch" forName="parallelogram7" refType="w" fact="0.762"/>
+              <dgm:constr type="t" for="ch" forName="parallelogram7" refType="h" fact="0"/>
+              <dgm:constr type="w" for="ch" forName="parallelogram7" refType="w" fact="0.12"/>
+              <dgm:constr type="h" for="ch" forName="parallelogram7" refType="h"/>
+            </dgm:constrLst>
+            <dgm:ruleLst/>
+            <dgm:layoutNode name="parallelogram1" styleLbl="alignNode1">
+              <dgm:alg type="sp"/>
+              <dgm:shape xmlns:r="http://schemas.openxmlformats.org/officeDocument/2006/relationships" type="parallelogram" r:blip="">
+                <dgm:adjLst>
+                  <dgm:adj idx="1" val="1.4084"/>
+                </dgm:adjLst>
+              </dgm:shape>
+              <dgm:presOf/>
+            </dgm:layoutNode>
+            <dgm:layoutNode name="parallelogram2" styleLbl="alignNode1">
+              <dgm:alg type="sp"/>
+              <dgm:shape xmlns:r="http://schemas.openxmlformats.org/officeDocument/2006/relationships" type="parallelogram" r:blip="">
+                <dgm:adjLst>
+                  <dgm:adj idx="1" val="1.4084"/>
+                </dgm:adjLst>
+              </dgm:shape>
+              <dgm:presOf/>
+            </dgm:layoutNode>
+            <dgm:layoutNode name="parallelogram3" styleLbl="alignNode1">
+              <dgm:alg type="sp"/>
+              <dgm:shape xmlns:r="http://schemas.openxmlformats.org/officeDocument/2006/relationships" type="parallelogram" r:blip="">
+                <dgm:adjLst>
+                  <dgm:adj idx="1" val="1.4084"/>
+                </dgm:adjLst>
+              </dgm:shape>
+              <dgm:presOf/>
+            </dgm:layoutNode>
+            <dgm:layoutNode name="parallelogram4" styleLbl="alignNode1">
+              <dgm:alg type="sp"/>
+              <dgm:shape xmlns:r="http://schemas.openxmlformats.org/officeDocument/2006/relationships" type="parallelogram" r:blip="">
+                <dgm:adjLst>
+                  <dgm:adj idx="1" val="1.4084"/>
+                </dgm:adjLst>
+              </dgm:shape>
+              <dgm:presOf/>
+            </dgm:layoutNode>
+            <dgm:layoutNode name="parallelogram5" styleLbl="alignNode1">
+              <dgm:alg type="sp"/>
+              <dgm:shape xmlns:r="http://schemas.openxmlformats.org/officeDocument/2006/relationships" type="parallelogram" r:blip="">
+                <dgm:adjLst>
+                  <dgm:adj idx="1" val="1.4084"/>
+                </dgm:adjLst>
+              </dgm:shape>
+              <dgm:presOf/>
+            </dgm:layoutNode>
+            <dgm:layoutNode name="parallelogram6" styleLbl="alignNode1">
+              <dgm:alg type="sp"/>
+              <dgm:shape xmlns:r="http://schemas.openxmlformats.org/officeDocument/2006/relationships" type="parallelogram" r:blip="">
+                <dgm:adjLst>
+                  <dgm:adj idx="1" val="1.4084"/>
+                </dgm:adjLst>
+              </dgm:shape>
+              <dgm:presOf/>
+            </dgm:layoutNode>
+            <dgm:layoutNode name="parallelogram7" styleLbl="alignNode1">
+              <dgm:alg type="sp"/>
+              <dgm:shape xmlns:r="http://schemas.openxmlformats.org/officeDocument/2006/relationships" type="parallelogram" r:blip="">
+                <dgm:adjLst>
+                  <dgm:adj idx="1" val="1.4084"/>
+                </dgm:adjLst>
+              </dgm:shape>
+              <dgm:presOf/>
+            </dgm:layoutNode>
+          </dgm:layoutNode>
+        </dgm:else>
+      </dgm:choose>
+      <dgm:forEach name="sibTransForEach" axis="followSib" ptType="sibTrans" cnt="1">
+        <dgm:layoutNode name="sibTrans">
+          <dgm:alg type="sp"/>
+          <dgm:shape xmlns:r="http://schemas.openxmlformats.org/officeDocument/2006/relationships" r:blip="">
+            <dgm:adjLst/>
+          </dgm:shape>
+        </dgm:layoutNode>
+      </dgm:forEach>
+    </dgm:forEach>
+  </dgm:layoutNode>
+</dgm:layoutDef>
+</file>
+
 <file path=ppt/diagrams/quickStyle1.xml><?xml version="1.0" encoding="utf-8"?>
+<dgm:styleDef xmlns:dgm="http://schemas.openxmlformats.org/drawingml/2006/diagram" xmlns:a="http://schemas.openxmlformats.org/drawingml/2006/main" uniqueId="urn:microsoft.com/office/officeart/2005/8/quickstyle/simple3#1">
+  <dgm:title val=""/>
+  <dgm:desc val=""/>
+  <dgm:catLst>
+    <dgm:cat type="simple" pri="10300"/>
+  </dgm:catLst>
+  <dgm:scene3d>
+    <a:camera prst="orthographicFront"/>
+    <a:lightRig rig="threePt" dir="t"/>
+  </dgm:scene3d>
+  <dgm:styleLbl name="alignAcc1">
+    <dgm:scene3d>
+      <a:camera prst="orthographicFront"/>
+      <a:lightRig rig="threePt" dir="t"/>
+    </dgm:scene3d>
+    <dgm:sp3d/>
+    <dgm:txPr/>
+    <dgm:style>
+      <a:lnRef idx="1">
+        <a:scrgbClr r="0" g="0" b="0"/>
+      </a:lnRef>
+      <a:fillRef idx="1">
+        <a:scrgbClr r="0" g="0" b="0"/>
+      </a:fillRef>
+      <a:effectRef idx="0">
+        <a:scrgbClr r="0" g="0" b="0"/>
+      </a:effectRef>
+      <a:fontRef idx="minor"/>
+    </dgm:style>
+  </dgm:styleLbl>
+  <dgm:styleLbl name="alignAccFollowNode1">
+    <dgm:scene3d>
+      <a:camera prst="orthographicFront"/>
+      <a:lightRig rig="threePt" dir="t"/>
+    </dgm:scene3d>
+    <dgm:sp3d/>
+    <dgm:txPr/>
+    <dgm:style>
+      <a:lnRef idx="1">
+        <a:scrgbClr r="0" g="0" b="0"/>
+      </a:lnRef>
+      <a:fillRef idx="1">
+        <a:scrgbClr r="0" g="0" b="0"/>
+      </a:fillRef>
+      <a:effectRef idx="0">
+        <a:scrgbClr r="0" g="0" b="0"/>
+      </a:effectRef>
+      <a:fontRef idx="minor"/>
+    </dgm:style>
+  </dgm:styleLbl>
+  <dgm:styleLbl name="alignImgPlace1">
+    <dgm:scene3d>
+      <a:camera prst="orthographicFront"/>
+      <a:lightRig rig="threePt" dir="t"/>
+    </dgm:scene3d>
+    <dgm:sp3d/>
+    <dgm:txPr/>
+    <dgm:style>
+      <a:lnRef idx="1">
+        <a:scrgbClr r="0" g="0" b="0"/>
+      </a:lnRef>
+      <a:fillRef idx="1">
+        <a:scrgbClr r="0" g="0" b="0"/>
+      </a:fillRef>
+      <a:effectRef idx="1">
+        <a:scrgbClr r="0" g="0" b="0"/>
+      </a:effectRef>
+      <a:fontRef idx="minor"/>
+    </dgm:style>
+  </dgm:styleLbl>
+  <dgm:styleLbl name="alignNode1">
+    <dgm:scene3d>
+      <a:camera prst="orthographicFront"/>
+      <a:lightRig rig="threePt" dir="t"/>
+    </dgm:scene3d>
+    <dgm:sp3d/>
+    <dgm:txPr/>
+    <dgm:style>
+      <a:lnRef idx="1">
+        <a:scrgbClr r="0" g="0" b="0"/>
+      </a:lnRef>
+      <a:fillRef idx="2">
+        <a:scrgbClr r="0" g="0" b="0"/>
+      </a:fillRef>
+      <a:effectRef idx="1">
+        <a:scrgbClr r="0" g="0" b="0"/>
+      </a:effectRef>
+      <a:fontRef idx="minor">
+        <a:schemeClr val="dk1"/>
+      </a:fontRef>
+    </dgm:style>
+  </dgm:styleLbl>
+  <dgm:styleLbl name="asst0">
+    <dgm:scene3d>
+      <a:camera prst="orthographicFront"/>
+      <a:lightRig rig="flat" dir="t"/>
+    </dgm:scene3d>
+    <dgm:sp3d prstMaterial="dkEdge">
+      <a:bevelT w="8200" h="38100"/>
+    </dgm:sp3d>
+    <dgm:txPr/>
+    <dgm:style>
+      <a:lnRef idx="0">
+        <a:scrgbClr r="0" g="0" b="0"/>
+      </a:lnRef>
+      <a:fillRef idx="2">
+        <a:scrgbClr r="0" g="0" b="0"/>
+      </a:fillRef>
+      <a:effectRef idx="1">
+        <a:scrgbClr r="0" g="0" b="0"/>
+      </a:effectRef>
+      <a:fontRef idx="minor">
+        <a:schemeClr val="dk1"/>
+      </a:fontRef>
+    </dgm:style>
+  </dgm:styleLbl>
+  <dgm:styleLbl name="asst1">
+    <dgm:scene3d>
+      <a:camera prst="orthographicFront"/>
+      <a:lightRig rig="flat" dir="t"/>
+    </dgm:scene3d>
+    <dgm:sp3d prstMaterial="dkEdge">
+      <a:bevelT w="8200" h="38100"/>
+    </dgm:sp3d>
+    <dgm:txPr/>
+    <dgm:style>
+      <a:lnRef idx="0">
+        <a:scrgbClr r="0" g="0" b="0"/>
+      </a:lnRef>
+      <a:fillRef idx="2">
+        <a:scrgbClr r="0" g="0" b="0"/>
+      </a:fillRef>
+      <a:effectRef idx="1">
+        <a:scrgbClr r="0" g="0" b="0"/>
+      </a:effectRef>
+      <a:fontRef idx="minor">
+        <a:schemeClr val="dk1"/>
+      </a:fontRef>
+    </dgm:style>
+  </dgm:styleLbl>
+  <dgm:styleLbl name="asst2">
+    <dgm:scene3d>
+      <a:camera prst="orthographicFront"/>
+      <a:lightRig rig="flat" dir="t"/>
+    </dgm:scene3d>
+    <dgm:sp3d prstMaterial="dkEdge">
+      <a:bevelT w="8200" h="38100"/>
+    </dgm:sp3d>
+    <dgm:txPr/>
+    <dgm:style>
+      <a:lnRef idx="0">
+        <a:scrgbClr r="0" g="0" b="0"/>
+      </a:lnRef>
+      <a:fillRef idx="2">
+        <a:scrgbClr r="0" g="0" b="0"/>
+      </a:fillRef>
+      <a:effectRef idx="1">
+        <a:scrgbClr r="0" g="0" b="0"/>
+      </a:effectRef>
+      <a:fontRef idx="minor">
+        <a:schemeClr val="dk1"/>
+      </a:fontRef>
+    </dgm:style>
+  </dgm:styleLbl>
+  <dgm:styleLbl name="asst3">
+    <dgm:scene3d>
+      <a:camera prst="orthographicFront"/>
+      <a:lightRig rig="flat" dir="t"/>
+    </dgm:scene3d>
+    <dgm:sp3d prstMaterial="dkEdge">
+      <a:bevelT w="8200" h="38100"/>
+    </dgm:sp3d>
+    <dgm:txPr/>
+    <dgm:style>
+      <a:lnRef idx="0">
+        <a:scrgbClr r="0" g="0" b="0"/>
+      </a:lnRef>
+      <a:fillRef idx="2">
+        <a:scrgbClr r="0" g="0" b="0"/>
+      </a:fillRef>
+      <a:effectRef idx="1">
+        <a:scrgbClr r="0" g="0" b="0"/>
+      </a:effectRef>
+      <a:fontRef idx="minor">
+        <a:schemeClr val="dk1"/>
+      </a:fontRef>
+    </dgm:style>
+  </dgm:styleLbl>
+  <dgm:styleLbl name="asst4">
+    <dgm:scene3d>
+      <a:camera prst="orthographicFront"/>
+      <a:lightRig rig="flat" dir="t"/>
+    </dgm:scene3d>
+    <dgm:sp3d prstMaterial="dkEdge">
+      <a:bevelT w="8200" h="38100"/>
+    </dgm:sp3d>
+    <dgm:txPr/>
+    <dgm:style>
+      <a:lnRef idx="0">
+        <a:scrgbClr r="0" g="0" b="0"/>
+      </a:lnRef>
+      <a:fillRef idx="2">
+        <a:scrgbClr r="0" g="0" b="0"/>
+      </a:fillRef>
+      <a:effectRef idx="1">
+        <a:scrgbClr r="0" g="0" b="0"/>
+      </a:effectRef>
+      <a:fontRef idx="minor">
+        <a:schemeClr val="dk1"/>
+      </a:fontRef>
+    </dgm:style>
+  </dgm:styleLbl>
+  <dgm:styleLbl name="bgAcc1">
+    <dgm:scene3d>
+      <a:camera prst="orthographicFront"/>
+      <a:lightRig rig="threePt" dir="t"/>
+    </dgm:scene3d>
+    <dgm:sp3d/>
+    <dgm:txPr/>
+    <dgm:style>
+      <a:lnRef idx="1">
+        <a:scrgbClr r="0" g="0" b="0"/>
+      </a:lnRef>
+      <a:fillRef idx="1">
+        <a:scrgbClr r="0" g="0" b="0"/>
+      </a:fillRef>
+      <a:effectRef idx="0">
+        <a:scrgbClr r="0" g="0" b="0"/>
+      </a:effectRef>
+      <a:fontRef idx="minor"/>
+    </dgm:style>
+  </dgm:styleLbl>
+  <dgm:styleLbl name="bgAccFollowNode1">
+    <dgm:scene3d>
+      <a:camera prst="orthographicFront"/>
+      <a:lightRig rig="threePt" dir="t"/>
+    </dgm:scene3d>
+    <dgm:sp3d/>
+    <dgm:txPr/>
+    <dgm:style>
+      <a:lnRef idx="1">
+        <a:scrgbClr r="0" g="0" b="0"/>
+      </a:lnRef>
+      <a:fillRef idx="1">
+        <a:scrgbClr r="0" g="0" b="0"/>
+      </a:fillRef>
+      <a:effectRef idx="0">
+        <a:scrgbClr r="0" g="0" b="0"/>
+      </a:effectRef>
+      <a:fontRef idx="minor"/>
+    </dgm:style>
+  </dgm:styleLbl>
+  <dgm:styleLbl name="bgImgPlace1">
+    <dgm:scene3d>
+      <a:camera prst="orthographicFront"/>
+      <a:lightRig rig="threePt" dir="t"/>
+    </dgm:scene3d>
+    <dgm:sp3d/>
+    <dgm:txPr/>
+    <dgm:style>
+      <a:lnRef idx="1">
+        <a:scrgbClr r="0" g="0" b="0"/>
+      </a:lnRef>
+      <a:fillRef idx="1">
+        <a:scrgbClr r="0" g="0" b="0"/>
+      </a:fillRef>
+      <a:effectRef idx="1">
+        <a:scrgbClr r="0" g="0" b="0"/>
+      </a:effectRef>
+      <a:fontRef idx="minor"/>
+    </dgm:style>
+  </dgm:styleLbl>
+  <dgm:styleLbl name="bgShp">
+    <dgm:scene3d>
+      <a:camera prst="orthographicFront"/>
+      <a:lightRig rig="threePt" dir="t"/>
+    </dgm:scene3d>
+    <dgm:sp3d/>
+    <dgm:txPr/>
+    <dgm:style>
+      <a:lnRef idx="0">
+        <a:scrgbClr r="0" g="0" b="0"/>
+      </a:lnRef>
+      <a:fillRef idx="1">
+        <a:scrgbClr r="0" g="0" b="0"/>
+      </a:fillRef>
+      <a:effectRef idx="1">
+        <a:scrgbClr r="0" g="0" b="0"/>
+      </a:effectRef>
+      <a:fontRef idx="minor"/>
+    </dgm:style>
+  </dgm:styleLbl>
+  <dgm:styleLbl name="bgSibTrans2D1">
+    <dgm:scene3d>
+      <a:camera prst="orthographicFront"/>
+      <a:lightRig rig="threePt" dir="t"/>
+    </dgm:scene3d>
+    <dgm:sp3d/>
+    <dgm:txPr/>
+    <dgm:style>
+      <a:lnRef idx="0">
+        <a:scrgbClr r="0" g="0" b="0"/>
+      </a:lnRef>
+      <a:fillRef idx="2">
+        <a:scrgbClr r="0" g="0" b="0"/>
+      </a:fillRef>
+      <a:effectRef idx="1">
+        <a:scrgbClr r="0" g="0" b="0"/>
+      </a:effectRef>
+      <a:fontRef idx="minor">
+        <a:schemeClr val="dk1"/>
+      </a:fontRef>
+    </dgm:style>
+  </dgm:styleLbl>
+  <dgm:styleLbl name="callout">
+    <dgm:scene3d>
+      <a:camera prst="orthographicFront"/>
+      <a:lightRig rig="threePt" dir="t"/>
+    </dgm:scene3d>
+    <dgm:sp3d/>
+    <dgm:txPr/>
+    <dgm:style>
+      <a:lnRef idx="1">
+        <a:scrgbClr r="0" g="0" b="0"/>
+      </a:lnRef>
+      <a:fillRef idx="2">
+        <a:scrgbClr r="0" g="0" b="0"/>
+      </a:fillRef>
+      <a:effectRef idx="1">
+        <a:scrgbClr r="0" g="0" b="0"/>
+      </a:effectRef>
+      <a:fontRef idx="minor"/>
+    </dgm:style>
+  </dgm:styleLbl>
+  <dgm:styleLbl name="conFgAcc1">
+    <dgm:scene3d>
+      <a:camera prst="orthographicFront"/>
+      <a:lightRig rig="threePt" dir="t"/>
+    </dgm:scene3d>
+    <dgm:sp3d/>
+    <dgm:txPr/>
+    <dgm:style>
+      <a:lnRef idx="1">
+        <a:scrgbClr r="0" g="0" b="0"/>
+      </a:lnRef>
+      <a:fillRef idx="1">
+        <a:scrgbClr r="0" g="0" b="0"/>
+      </a:fillRef>
+      <a:effectRef idx="0">
+        <a:scrgbClr r="0" g="0" b="0"/>
+      </a:effectRef>
+      <a:fontRef idx="minor"/>
+    </dgm:style>
+  </dgm:styleLbl>
+  <dgm:styleLbl name="dkBgShp">
+    <dgm:scene3d>
+      <a:camera prst="orthographicFront"/>
+      <a:lightRig rig="threePt" dir="t"/>
+    </dgm:scene3d>
+    <dgm:sp3d/>
+    <dgm:txPr/>
+    <dgm:style>
+      <a:lnRef idx="0">
+        <a:scrgbClr r="0" g="0" b="0"/>
+      </a:lnRef>
+      <a:fillRef idx="1">
+        <a:scrgbClr r="0" g="0" b="0"/>
+      </a:fillRef>
+      <a:effectRef idx="1">
+        <a:scrgbClr r="0" g="0" b="0"/>
+      </a:effectRef>
+      <a:fontRef idx="minor"/>
+    </dgm:style>
+  </dgm:styleLbl>
+  <dgm:styleLbl name="fgAcc0">
+    <dgm:scene3d>
+      <a:camera prst="orthographicFront"/>
+      <a:lightRig rig="threePt" dir="t"/>
+    </dgm:scene3d>
+    <dgm:sp3d/>
+    <dgm:txPr/>
+    <dgm:style>
+      <a:lnRef idx="1">
+        <a:scrgbClr r="0" g="0" b="0"/>
+      </a:lnRef>
+      <a:fillRef idx="1">
+        <a:scrgbClr r="0" g="0" b="0"/>
+      </a:fillRef>
+      <a:effectRef idx="0">
+        <a:scrgbClr r="0" g="0" b="0"/>
+      </a:effectRef>
+      <a:fontRef idx="minor"/>
+    </dgm:style>
+  </dgm:styleLbl>
+  <dgm:styleLbl name="fgAcc1">
+    <dgm:scene3d>
+      <a:camera prst="orthographicFront"/>
+      <a:lightRig rig="threePt" dir="t"/>
+    </dgm:scene3d>
+    <dgm:sp3d/>
+    <dgm:txPr/>
+    <dgm:style>
+      <a:lnRef idx="1">
+        <a:scrgbClr r="0" g="0" b="0"/>
+      </a:lnRef>
+      <a:fillRef idx="1">
+        <a:scrgbClr r="0" g="0" b="0"/>
+      </a:fillRef>
+      <a:effectRef idx="0">
+        <a:scrgbClr r="0" g="0" b="0"/>
+      </a:effectRef>
+      <a:fontRef idx="minor"/>
+    </dgm:style>
+  </dgm:styleLbl>
+  <dgm:styleLbl name="fgAcc2">
+    <dgm:scene3d>
+      <a:camera prst="orthographicFront"/>
+      <a:lightRig rig="threePt" dir="t"/>
+    </dgm:scene3d>
+    <dgm:sp3d/>
+    <dgm:txPr/>
+    <dgm:style>
+      <a:lnRef idx="1">
+        <a:scrgbClr r="0" g="0" b="0"/>
+      </a:lnRef>
+      <a:fillRef idx="1">
+        <a:scrgbClr r="0" g="0" b="0"/>
+      </a:fillRef>
+      <a:effectRef idx="0">
+        <a:scrgbClr r="0" g="0" b="0"/>
+      </a:effectRef>
+      <a:fontRef idx="minor"/>
+    </dgm:style>
+  </dgm:styleLbl>
+  <dgm:styleLbl name="fgAcc3">
+    <dgm:scene3d>
+      <a:camera prst="orthographicFront"/>
+      <a:lightRig rig="threePt" dir="t"/>
+    </dgm:scene3d>
+    <dgm:sp3d/>
+    <dgm:txPr/>
+    <dgm:style>
+      <a:lnRef idx="1">
+        <a:scrgbClr r="0" g="0" b="0"/>
+      </a:lnRef>
+      <a:fillRef idx="1">
+        <a:scrgbClr r="0" g="0" b="0"/>
+      </a:fillRef>
+      <a:effectRef idx="0">
+        <a:scrgbClr r="0" g="0" b="0"/>
+      </a:effectRef>
+      <a:fontRef idx="minor"/>
+    </dgm:style>
+  </dgm:styleLbl>
+  <dgm:styleLbl name="fgAcc4">
+    <dgm:scene3d>
+      <a:camera prst="orthographicFront"/>
+      <a:lightRig rig="threePt" dir="t"/>
+    </dgm:scene3d>
+    <dgm:sp3d/>
+    <dgm:txPr/>
+    <dgm:style>
+      <a:lnRef idx="1">
+        <a:scrgbClr r="0" g="0" b="0"/>
+      </a:lnRef>
+      <a:fillRef idx="1">
+        <a:scrgbClr r="0" g="0" b="0"/>
+      </a:fillRef>
+      <a:effectRef idx="0">
+        <a:scrgbClr r="0" g="0" b="0"/>
+      </a:effectRef>
+      <a:fontRef idx="minor"/>
+    </dgm:style>
+  </dgm:styleLbl>
+  <dgm:styleLbl name="fgAccFollowNode1">
+    <dgm:scene3d>
+      <a:camera prst="orthographicFront"/>
+      <a:lightRig rig="threePt" dir="t"/>
+    </dgm:scene3d>
+    <dgm:sp3d/>
+    <dgm:txPr/>
+    <dgm:style>
+      <a:lnRef idx="1">
+        <a:scrgbClr r="0" g="0" b="0"/>
+      </a:lnRef>
+      <a:fillRef idx="1">
+        <a:scrgbClr r="0" g="0" b="0"/>
+      </a:fillRef>
+      <a:effectRef idx="0">
+        <a:scrgbClr r="0" g="0" b="0"/>
+      </a:effectRef>
+      <a:fontRef idx="minor"/>
+    </dgm:style>
+  </dgm:styleLbl>
+  <dgm:styleLbl name="fgImgPlace1">
+    <dgm:scene3d>
+      <a:camera prst="orthographicFront"/>
+      <a:lightRig rig="threePt" dir="t"/>
+    </dgm:scene3d>
+    <dgm:sp3d/>
+    <dgm:txPr/>
+    <dgm:style>
+      <a:lnRef idx="1">
+        <a:scrgbClr r="0" g="0" b="0"/>
+      </a:lnRef>
+      <a:fillRef idx="1">
+        <a:scrgbClr r="0" g="0" b="0"/>
+      </a:fillRef>
+      <a:effectRef idx="1">
+        <a:scrgbClr r="0" g="0" b="0"/>
+      </a:effectRef>
+      <a:fontRef idx="minor"/>
+    </dgm:style>
+  </dgm:styleLbl>
+  <dgm:styleLbl name="fgShp">
+    <dgm:scene3d>
+      <a:camera prst="orthographicFront"/>
+      <a:lightRig rig="flat" dir="t"/>
+    </dgm:scene3d>
+    <dgm:sp3d prstMaterial="dkEdge">
+      <a:bevelT w="8200" h="38100"/>
+    </dgm:sp3d>
+    <dgm:txPr/>
+    <dgm:style>
+      <a:lnRef idx="1">
+        <a:scrgbClr r="0" g="0" b="0"/>
+      </a:lnRef>
+      <a:fillRef idx="2">
+        <a:scrgbClr r="0" g="0" b="0"/>
+      </a:fillRef>
+      <a:effectRef idx="1">
+        <a:scrgbClr r="0" g="0" b="0"/>
+      </a:effectRef>
+      <a:fontRef idx="minor"/>
+    </dgm:style>
+  </dgm:styleLbl>
+  <dgm:styleLbl name="fgSibTrans2D1">
+    <dgm:scene3d>
+      <a:camera prst="orthographicFront"/>
+      <a:lightRig rig="threePt" dir="t"/>
+    </dgm:scene3d>
+    <dgm:sp3d/>
+    <dgm:txPr/>
+    <dgm:style>
+      <a:lnRef idx="0">
+        <a:scrgbClr r="0" g="0" b="0"/>
+      </a:lnRef>
+      <a:fillRef idx="2">
+        <a:scrgbClr r="0" g="0" b="0"/>
+      </a:fillRef>
+      <a:effectRef idx="1">
+        <a:scrgbClr r="0" g="0" b="0"/>
+      </a:effectRef>
+      <a:fontRef idx="minor">
+        <a:schemeClr val="dk1"/>
+      </a:fontRef>
+    </dgm:style>
+  </dgm:styleLbl>
+  <dgm:styleLbl name="lnNode1">
+    <dgm:scene3d>
+      <a:camera prst="orthographicFront"/>
+      <a:lightRig rig="flat" dir="t"/>
+    </dgm:scene3d>
+    <dgm:sp3d prstMaterial="dkEdge">
+      <a:bevelT w="8200" h="38100"/>
+    </dgm:sp3d>
+    <dgm:txPr/>
+    <dgm:style>
+      <a:lnRef idx="1">
+        <a:scrgbClr r="0" g="0" b="0"/>
+      </a:lnRef>
+      <a:fillRef idx="2">
+        <a:scrgbClr r="0" g="0" b="0"/>
+      </a:fillRef>
+      <a:effectRef idx="0">
+        <a:scrgbClr r="0" g="0" b="0"/>
+      </a:effectRef>
+      <a:fontRef idx="minor">
+        <a:schemeClr val="dk1"/>
+      </a:fontRef>
+    </dgm:style>
+  </dgm:styleLbl>
+  <dgm:styleLbl name="node0">
+    <dgm:scene3d>
+      <a:camera prst="orthographicFront"/>
+      <a:lightRig rig="flat" dir="t"/>
+    </dgm:scene3d>
+    <dgm:sp3d prstMaterial="dkEdge">
+      <a:bevelT w="8200" h="38100"/>
+    </dgm:sp3d>
+    <dgm:txPr/>
+    <dgm:style>
+      <a:lnRef idx="0">
+        <a:scrgbClr r="0" g="0" b="0"/>
+      </a:lnRef>
+      <a:fillRef idx="2">
+        <a:scrgbClr r="0" g="0" b="0"/>
+      </a:fillRef>
+      <a:effectRef idx="1">
+        <a:scrgbClr r="0" g="0" b="0"/>
+      </a:effectRef>
+      <a:fontRef idx="minor">
+        <a:schemeClr val="dk1"/>
+      </a:fontRef>
+    </dgm:style>
+  </dgm:styleLbl>
+  <dgm:styleLbl name="node1">
+    <dgm:scene3d>
+      <a:camera prst="orthographicFront"/>
+      <a:lightRig rig="flat" dir="t"/>
+    </dgm:scene3d>
+    <dgm:sp3d prstMaterial="dkEdge">
+      <a:bevelT w="8200" h="38100"/>
+    </dgm:sp3d>
+    <dgm:txPr/>
+    <dgm:style>
+      <a:lnRef idx="0">
+        <a:scrgbClr r="0" g="0" b="0"/>
+      </a:lnRef>
+      <a:fillRef idx="2">
+        <a:scrgbClr r="0" g="0" b="0"/>
+      </a:fillRef>
+      <a:effectRef idx="1">
+        <a:scrgbClr r="0" g="0" b="0"/>
+      </a:effectRef>
+      <a:fontRef idx="minor">
+        <a:schemeClr val="dk1"/>
+      </a:fontRef>
+    </dgm:style>
+  </dgm:styleLbl>
+  <dgm:styleLbl name="node2">
+    <dgm:scene3d>
+      <a:camera prst="orthographicFront"/>
+      <a:lightRig rig="flat" dir="t"/>
+    </dgm:scene3d>
+    <dgm:sp3d prstMaterial="dkEdge">
+      <a:bevelT w="8200" h="38100"/>
+    </dgm:sp3d>
+    <dgm:txPr/>
+    <dgm:style>
+      <a:lnRef idx="0">
+        <a:scrgbClr r="0" g="0" b="0"/>
+      </a:lnRef>
+      <a:fillRef idx="2">
+        <a:scrgbClr r="0" g="0" b="0"/>
+      </a:fillRef>
+      <a:effectRef idx="1">
+        <a:scrgbClr r="0" g="0" b="0"/>
+      </a:effectRef>
+      <a:fontRef idx="minor">
+        <a:schemeClr val="dk1"/>
+      </a:fontRef>
+    </dgm:style>
+  </dgm:styleLbl>
+  <dgm:styleLbl name="node3">
+    <dgm:scene3d>
+      <a:camera prst="orthographicFront"/>
+      <a:lightRig rig="flat" dir="t"/>
+    </dgm:scene3d>
+    <dgm:sp3d prstMaterial="dkEdge">
+      <a:bevelT w="8200" h="38100"/>
+    </dgm:sp3d>
+    <dgm:txPr/>
+    <dgm:style>
+      <a:lnRef idx="0">
+        <a:scrgbClr r="0" g="0" b="0"/>
+      </a:lnRef>
+      <a:fillRef idx="2">
+        <a:scrgbClr r="0" g="0" b="0"/>
+      </a:fillRef>
+      <a:effectRef idx="1">
+        <a:scrgbClr r="0" g="0" b="0"/>
+      </a:effectRef>
+      <a:fontRef idx="minor">
+        <a:schemeClr val="dk1"/>
+      </a:fontRef>
+    </dgm:style>
+  </dgm:styleLbl>
+  <dgm:styleLbl name="node4">
+    <dgm:scene3d>
+      <a:camera prst="orthographicFront"/>
+      <a:lightRig rig="flat" dir="t"/>
+    </dgm:scene3d>
+    <dgm:sp3d prstMaterial="dkEdge">
+      <a:bevelT w="8200" h="38100"/>
+    </dgm:sp3d>
+    <dgm:txPr/>
+    <dgm:style>
+      <a:lnRef idx="0">
+        <a:scrgbClr r="0" g="0" b="0"/>
+      </a:lnRef>
+      <a:fillRef idx="2">
+        <a:scrgbClr r="0" g="0" b="0"/>
+      </a:fillRef>
+      <a:effectRef idx="1">
+        <a:scrgbClr r="0" g="0" b="0"/>
+      </a:effectRef>
+      <a:fontRef idx="minor">
+        <a:schemeClr val="dk1"/>
+      </a:fontRef>
+    </dgm:style>
+  </dgm:styleLbl>
+  <dgm:styleLbl name="parChTrans1D1">
+    <dgm:scene3d>
+      <a:camera prst="orthographicFront"/>
+      <a:lightRig rig="threePt" dir="t"/>
+    </dgm:scene3d>
+    <dgm:sp3d/>
+    <dgm:txPr/>
+    <dgm:style>
+      <a:lnRef idx="2">
+        <a:scrgbClr r="0" g="0" b="0"/>
+      </a:lnRef>
+      <a:fillRef idx="0">
+        <a:scrgbClr r="0" g="0" b="0"/>
+      </a:fillRef>
+      <a:effectRef idx="0">
+        <a:scrgbClr r="0" g="0" b="0"/>
+      </a:effectRef>
+      <a:fontRef idx="minor"/>
+    </dgm:style>
+  </dgm:styleLbl>
+  <dgm:styleLbl name="parChTrans1D2">
+    <dgm:scene3d>
+      <a:camera prst="orthographicFront"/>
+      <a:lightRig rig="threePt" dir="t"/>
+    </dgm:scene3d>
+    <dgm:sp3d/>
+    <dgm:txPr/>
+    <dgm:style>
+      <a:lnRef idx="2">
+        <a:scrgbClr r="0" g="0" b="0"/>
+      </a:lnRef>
+      <a:fillRef idx="0">
+        <a:scrgbClr r="0" g="0" b="0"/>
+      </a:fillRef>
+      <a:effectRef idx="0">
+        <a:scrgbClr r="0" g="0" b="0"/>
+      </a:effectRef>
+      <a:fontRef idx="minor"/>
+    </dgm:style>
+  </dgm:styleLbl>
+  <dgm:styleLbl name="parChTrans1D3">
+    <dgm:scene3d>
+      <a:camera prst="orthographicFront"/>
+      <a:lightRig rig="threePt" dir="t"/>
+    </dgm:scene3d>
+    <dgm:sp3d/>
+    <dgm:txPr/>
+    <dgm:style>
+      <a:lnRef idx="2">
+        <a:scrgbClr r="0" g="0" b="0"/>
+      </a:lnRef>
+      <a:fillRef idx="0">
+        <a:scrgbClr r="0" g="0" b="0"/>
+      </a:fillRef>
+      <a:effectRef idx="0">
+        <a:scrgbClr r="0" g="0" b="0"/>
+      </a:effectRef>
+      <a:fontRef idx="minor"/>
+    </dgm:style>
+  </dgm:styleLbl>
+  <dgm:styleLbl name="parChTrans1D4">
+    <dgm:scene3d>
+      <a:camera prst="orthographicFront"/>
+      <a:lightRig rig="threePt" dir="t"/>
+    </dgm:scene3d>
+    <dgm:sp3d/>
+    <dgm:txPr/>
+    <dgm:style>
+      <a:lnRef idx="2">
+        <a:scrgbClr r="0" g="0" b="0"/>
+      </a:lnRef>
+      <a:fillRef idx="0">
+        <a:scrgbClr r="0" g="0" b="0"/>
+      </a:fillRef>
+      <a:effectRef idx="0">
+        <a:scrgbClr r="0" g="0" b="0"/>
+      </a:effectRef>
+      <a:fontRef idx="minor"/>
+    </dgm:style>
+  </dgm:styleLbl>
+  <dgm:styleLbl name="parChTrans2D1">
+    <dgm:scene3d>
+      <a:camera prst="orthographicFront"/>
+      <a:lightRig rig="threePt" dir="t"/>
+    </dgm:scene3d>
+    <dgm:sp3d/>
+    <dgm:txPr/>
+    <dgm:style>
+      <a:lnRef idx="1">
+        <a:scrgbClr r="0" g="0" b="0"/>
+      </a:lnRef>
+      <a:fillRef idx="2">
+        <a:scrgbClr r="0" g="0" b="0"/>
+      </a:fillRef>
+      <a:effectRef idx="1">
+        <a:scrgbClr r="0" g="0" b="0"/>
+      </a:effectRef>
+      <a:fontRef idx="minor">
+        <a:schemeClr val="dk1"/>
+      </a:fontRef>
+    </dgm:style>
+  </dgm:styleLbl>
+  <dgm:styleLbl name="parChTrans2D2">
+    <dgm:scene3d>
+      <a:camera prst="orthographicFront"/>
+      <a:lightRig rig="threePt" dir="t"/>
+    </dgm:scene3d>
+    <dgm:sp3d/>
+    <dgm:txPr/>
+    <dgm:style>
+      <a:lnRef idx="1">
+        <a:scrgbClr r="0" g="0" b="0"/>
+      </a:lnRef>
+      <a:fillRef idx="2">
+        <a:scrgbClr r="0" g="0" b="0"/>
+      </a:fillRef>
+      <a:effectRef idx="1">
+        <a:scrgbClr r="0" g="0" b="0"/>
+      </a:effectRef>
+      <a:fontRef idx="minor">
+        <a:schemeClr val="dk1"/>
+      </a:fontRef>
+    </dgm:style>
+  </dgm:styleLbl>
+  <dgm:styleLbl name="parChTrans2D3">
+    <dgm:scene3d>
+      <a:camera prst="orthographicFront"/>
+      <a:lightRig rig="threePt" dir="t"/>
+    </dgm:scene3d>
+    <dgm:sp3d/>
+    <dgm:txPr/>
+    <dgm:style>
+      <a:lnRef idx="1">
+        <a:scrgbClr r="0" g="0" b="0"/>
+      </a:lnRef>
+      <a:fillRef idx="2">
+        <a:scrgbClr r="0" g="0" b="0"/>
+      </a:fillRef>
+      <a:effectRef idx="1">
+        <a:scrgbClr r="0" g="0" b="0"/>
+      </a:effectRef>
+      <a:fontRef idx="minor">
+        <a:schemeClr val="dk1"/>
+      </a:fontRef>
+    </dgm:style>
+  </dgm:styleLbl>
+  <dgm:styleLbl name="parChTrans2D4">
+    <dgm:scene3d>
+      <a:camera prst="orthographicFront"/>
+      <a:lightRig rig="threePt" dir="t"/>
+    </dgm:scene3d>
+    <dgm:sp3d/>
+    <dgm:txPr/>
+    <dgm:style>
+      <a:lnRef idx="1">
+        <a:scrgbClr r="0" g="0" b="0"/>
+      </a:lnRef>
+      <a:fillRef idx="2">
+        <a:scrgbClr r="0" g="0" b="0"/>
+      </a:fillRef>
+      <a:effectRef idx="1">
+        <a:scrgbClr r="0" g="0" b="0"/>
+      </a:effectRef>
+      <a:fontRef idx="minor">
+        <a:schemeClr val="dk1"/>
+      </a:fontRef>
+    </dgm:style>
+  </dgm:styleLbl>
+  <dgm:styleLbl name="revTx">
+    <dgm:scene3d>
+      <a:camera prst="orthographicFront"/>
+      <a:lightRig rig="threePt" dir="t"/>
+    </dgm:scene3d>
+    <dgm:sp3d/>
+    <dgm:txPr/>
+    <dgm:style>
+      <a:lnRef idx="0">
+        <a:scrgbClr r="0" g="0" b="0"/>
+      </a:lnRef>
+      <a:fillRef idx="0">
+        <a:scrgbClr r="0" g="0" b="0"/>
+      </a:fillRef>
+      <a:effectRef idx="0">
+        <a:scrgbClr r="0" g="0" b="0"/>
+      </a:effectRef>
+      <a:fontRef idx="minor"/>
+    </dgm:style>
+  </dgm:styleLbl>
+  <dgm:styleLbl name="sibTrans1D1">
+    <dgm:scene3d>
+      <a:camera prst="orthographicFront"/>
+      <a:lightRig rig="threePt" dir="t"/>
+    </dgm:scene3d>
+    <dgm:sp3d/>
+    <dgm:txPr/>
+    <dgm:style>
+      <a:lnRef idx="1">
+        <a:scrgbClr r="0" g="0" b="0"/>
+      </a:lnRef>
+      <a:fillRef idx="0">
+        <a:scrgbClr r="0" g="0" b="0"/>
+      </a:fillRef>
+      <a:effectRef idx="0">
+        <a:scrgbClr r="0" g="0" b="0"/>
+      </a:effectRef>
+      <a:fontRef idx="minor"/>
+    </dgm:style>
+  </dgm:styleLbl>
+  <dgm:styleLbl name="sibTrans2D1">
+    <dgm:scene3d>
+      <a:camera prst="orthographicFront"/>
+      <a:lightRig rig="threePt" dir="t"/>
+    </dgm:scene3d>
+    <dgm:sp3d/>
+    <dgm:txPr/>
+    <dgm:style>
+      <a:lnRef idx="0">
+        <a:scrgbClr r="0" g="0" b="0"/>
+      </a:lnRef>
+      <a:fillRef idx="2">
+        <a:scrgbClr r="0" g="0" b="0"/>
+      </a:fillRef>
+      <a:effectRef idx="1">
+        <a:scrgbClr r="0" g="0" b="0"/>
+      </a:effectRef>
+      <a:fontRef idx="minor">
+        <a:schemeClr val="dk1"/>
+      </a:fontRef>
+    </dgm:style>
+  </dgm:styleLbl>
+  <dgm:styleLbl name="solidAlignAcc1">
+    <dgm:scene3d>
+      <a:camera prst="orthographicFront"/>
+      <a:lightRig rig="threePt" dir="t"/>
+    </dgm:scene3d>
+    <dgm:sp3d/>
+    <dgm:txPr/>
+    <dgm:style>
+      <a:lnRef idx="1">
+        <a:scrgbClr r="0" g="0" b="0"/>
+      </a:lnRef>
+      <a:fillRef idx="1">
+        <a:scrgbClr r="0" g="0" b="0"/>
+      </a:fillRef>
+      <a:effectRef idx="0">
+        <a:scrgbClr r="0" g="0" b="0"/>
+      </a:effectRef>
+      <a:fontRef idx="minor"/>
+    </dgm:style>
+  </dgm:styleLbl>
+  <dgm:styleLbl name="solidBgAcc1">
+    <dgm:scene3d>
+      <a:camera prst="orthographicFront"/>
+      <a:lightRig rig="threePt" dir="t"/>
+    </dgm:scene3d>
+    <dgm:sp3d/>
+    <dgm:txPr/>
+    <dgm:style>
+      <a:lnRef idx="1">
+        <a:scrgbClr r="0" g="0" b="0"/>
+      </a:lnRef>
+      <a:fillRef idx="1">
+        <a:scrgbClr r="0" g="0" b="0"/>
+      </a:fillRef>
+      <a:effectRef idx="0">
+        <a:scrgbClr r="0" g="0" b="0"/>
+      </a:effectRef>
+      <a:fontRef idx="minor"/>
+    </dgm:style>
+  </dgm:styleLbl>
+  <dgm:styleLbl name="solidFgAcc1">
+    <dgm:scene3d>
+      <a:camera prst="orthographicFront"/>
+      <a:lightRig rig="threePt" dir="t"/>
+    </dgm:scene3d>
+    <dgm:sp3d/>
+    <dgm:txPr/>
+    <dgm:style>
+      <a:lnRef idx="1">
+        <a:scrgbClr r="0" g="0" b="0"/>
+      </a:lnRef>
+      <a:fillRef idx="2">
+        <a:scrgbClr r="0" g="0" b="0"/>
+      </a:fillRef>
+      <a:effectRef idx="0">
+        <a:scrgbClr r="0" g="0" b="0"/>
+      </a:effectRef>
+      <a:fontRef idx="minor"/>
+    </dgm:style>
+  </dgm:styleLbl>
+  <dgm:styleLbl name="trAlignAcc1">
+    <dgm:scene3d>
+      <a:camera prst="orthographicFront"/>
+      <a:lightRig rig="threePt" dir="t"/>
+    </dgm:scene3d>
+    <dgm:sp3d/>
+    <dgm:txPr/>
+    <dgm:style>
+      <a:lnRef idx="1">
+        <a:scrgbClr r="0" g="0" b="0"/>
+      </a:lnRef>
+      <a:fillRef idx="1">
+        <a:scrgbClr r="0" g="0" b="0"/>
+      </a:fillRef>
+      <a:effectRef idx="0">
+        <a:scrgbClr r="0" g="0" b="0"/>
+      </a:effectRef>
+      <a:fontRef idx="minor"/>
+    </dgm:style>
+  </dgm:styleLbl>
+  <dgm:styleLbl name="trBgShp">
+    <dgm:scene3d>
+      <a:camera prst="orthographicFront"/>
+      <a:lightRig rig="threePt" dir="t"/>
+    </dgm:scene3d>
+    <dgm:sp3d/>
+    <dgm:txPr/>
+    <dgm:style>
+      <a:lnRef idx="0">
+        <a:scrgbClr r="0" g="0" b="0"/>
+      </a:lnRef>
+      <a:fillRef idx="1">
+        <a:scrgbClr r="0" g="0" b="0"/>
+      </a:fillRef>
+      <a:effectRef idx="0">
+        <a:scrgbClr r="0" g="0" b="0"/>
+      </a:effectRef>
+      <a:fontRef idx="minor"/>
+    </dgm:style>
+  </dgm:styleLbl>
+  <dgm:styleLbl name="vennNode1">
+    <dgm:scene3d>
+      <a:camera prst="orthographicFront"/>
+      <a:lightRig rig="flat" dir="t"/>
+    </dgm:scene3d>
+    <dgm:sp3d prstMaterial="dkEdge">
+      <a:bevelT w="8200" h="38100"/>
+    </dgm:sp3d>
+    <dgm:txPr/>
+    <dgm:style>
+      <a:lnRef idx="0">
+        <a:scrgbClr r="0" g="0" b="0"/>
+      </a:lnRef>
+      <a:fillRef idx="2">
+        <a:scrgbClr r="0" g="0" b="0"/>
+      </a:fillRef>
+      <a:effectRef idx="0">
+        <a:scrgbClr r="0" g="0" b="0"/>
+      </a:effectRef>
+      <a:fontRef idx="minor">
+        <a:schemeClr val="tx1"/>
+      </a:fontRef>
+    </dgm:style>
+  </dgm:styleLbl>
+</dgm:styleDef>
+</file>
+
+<file path=ppt/diagrams/quickStyle2.xml><?xml version="1.0" encoding="utf-8"?>
 <dgm:styleDef xmlns:dgm="http://schemas.openxmlformats.org/drawingml/2006/diagram" xmlns:a="http://schemas.openxmlformats.org/drawingml/2006/main" uniqueId="urn:microsoft.com/office/officeart/2005/8/quickstyle/simple3#1">
   <dgm:title val=""/>
   <dgm:desc val=""/>
@@ -8998,6 +14197,74 @@
       </p:grpSpPr>
       <p:sp>
         <p:nvSpPr>
+          <p:cNvPr id="2" name="Title 1"/>
+          <p:cNvSpPr>
+            <a:spLocks noGrp="1"/>
+          </p:cNvSpPr>
+          <p:nvPr>
+            <p:ph type="title"/>
+          </p:nvPr>
+        </p:nvSpPr>
+        <p:spPr/>
+        <p:txBody>
+          <a:bodyPr/>
+          <a:lstStyle/>
+          <a:p>
+            <a:endParaRPr lang="en-US"/>
+          </a:p>
+        </p:txBody>
+      </p:sp>
+      <p:sp>
+        <p:nvSpPr>
+          <p:cNvPr id="3" name="Content Placeholder 2"/>
+          <p:cNvSpPr>
+            <a:spLocks noGrp="1"/>
+          </p:cNvSpPr>
+          <p:nvPr>
+            <p:ph idx="1"/>
+          </p:nvPr>
+        </p:nvSpPr>
+        <p:spPr/>
+        <p:txBody>
+          <a:bodyPr/>
+          <a:lstStyle/>
+          <a:p>
+            <a:endParaRPr lang="en-US"/>
+          </a:p>
+        </p:txBody>
+      </p:sp>
+    </p:spTree>
+    <p:extLst>
+      <p:ext uri="{BB962C8B-B14F-4D97-AF65-F5344CB8AC3E}">
+        <p14:creationId xmlns:p14="http://schemas.microsoft.com/office/powerpoint/2010/main" val="3675896059"/>
+      </p:ext>
+    </p:extLst>
+  </p:cSld>
+  <p:clrMapOvr>
+    <a:masterClrMapping/>
+  </p:clrMapOvr>
+</p:sld>
+</file>
+
+<file path=ppt/slides/slide2.xml><?xml version="1.0" encoding="utf-8"?>
+<p:sld xmlns:a="http://schemas.openxmlformats.org/drawingml/2006/main" xmlns:r="http://schemas.openxmlformats.org/officeDocument/2006/relationships" xmlns:p="http://schemas.openxmlformats.org/presentationml/2006/main">
+  <p:cSld>
+    <p:spTree>
+      <p:nvGrpSpPr>
+        <p:cNvPr id="1" name=""/>
+        <p:cNvGrpSpPr/>
+        <p:nvPr/>
+      </p:nvGrpSpPr>
+      <p:grpSpPr>
+        <a:xfrm>
+          <a:off x="0" y="0"/>
+          <a:ext cx="0" cy="0"/>
+          <a:chOff x="0" y="0"/>
+          <a:chExt cx="0" cy="0"/>
+        </a:xfrm>
+      </p:grpSpPr>
+      <p:sp>
+        <p:nvSpPr>
           <p:cNvPr id="12" name="Title 1"/>
           <p:cNvSpPr txBox="1"/>
           <p:nvPr/>
@@ -9190,7 +14457,7 @@
             <p:ph idx="1"/>
             <p:extLst>
               <p:ext uri="{D42A27DB-BD31-4B8C-83A1-F6EECF244321}">
-                <p14:modId xmlns:p14="http://schemas.microsoft.com/office/powerpoint/2010/main" val="920295544"/>
+                <p14:modId xmlns:p14="http://schemas.microsoft.com/office/powerpoint/2010/main" val="838352926"/>
               </p:ext>
             </p:extLst>
           </p:nvPr>
@@ -9206,6 +14473,274 @@
         </a:graphic>
       </p:graphicFrame>
     </p:spTree>
+    <p:extLst>
+      <p:ext uri="{BB962C8B-B14F-4D97-AF65-F5344CB8AC3E}">
+        <p14:creationId xmlns:p14="http://schemas.microsoft.com/office/powerpoint/2010/main" val="731092238"/>
+      </p:ext>
+    </p:extLst>
+  </p:cSld>
+  <p:clrMapOvr>
+    <a:masterClrMapping/>
+  </p:clrMapOvr>
+  <mc:AlternateContent xmlns:mc="http://schemas.openxmlformats.org/markup-compatibility/2006" xmlns:p14="http://schemas.microsoft.com/office/powerpoint/2010/main">
+    <mc:Choice Requires="p14">
+      <p:transition spd="slow" p14:dur="1400">
+        <p14:doors dir="vert"/>
+      </p:transition>
+    </mc:Choice>
+    <mc:Fallback xmlns="">
+      <p:transition spd="slow">
+        <p:fade/>
+      </p:transition>
+    </mc:Fallback>
+  </mc:AlternateContent>
+  <p:timing>
+    <p:tnLst>
+      <p:par>
+        <p:cTn id="1" dur="indefinite" restart="never" nodeType="tmRoot"/>
+      </p:par>
+    </p:tnLst>
+    <p:bldLst>
+      <p:bldGraphic spid="6" grpId="0">
+        <p:bldAsOne/>
+      </p:bldGraphic>
+    </p:bldLst>
+  </p:timing>
+</p:sld>
+</file>
+
+<file path=ppt/slides/slide3.xml><?xml version="1.0" encoding="utf-8"?>
+<p:sld xmlns:a="http://schemas.openxmlformats.org/drawingml/2006/main" xmlns:r="http://schemas.openxmlformats.org/officeDocument/2006/relationships" xmlns:p="http://schemas.openxmlformats.org/presentationml/2006/main">
+  <p:cSld>
+    <p:spTree>
+      <p:nvGrpSpPr>
+        <p:cNvPr id="1" name=""/>
+        <p:cNvGrpSpPr/>
+        <p:nvPr/>
+      </p:nvGrpSpPr>
+      <p:grpSpPr>
+        <a:xfrm>
+          <a:off x="0" y="0"/>
+          <a:ext cx="0" cy="0"/>
+          <a:chOff x="0" y="0"/>
+          <a:chExt cx="0" cy="0"/>
+        </a:xfrm>
+      </p:grpSpPr>
+      <p:sp>
+        <p:nvSpPr>
+          <p:cNvPr id="12" name="Title 1"/>
+          <p:cNvSpPr txBox="1"/>
+          <p:nvPr/>
+        </p:nvSpPr>
+        <p:spPr>
+          <a:xfrm>
+            <a:off x="1242168" y="194259"/>
+            <a:ext cx="8761413" cy="728480"/>
+          </a:xfrm>
+          <a:prstGeom prst="rect">
+            <a:avLst/>
+          </a:prstGeom>
+          <a:effectLst/>
+        </p:spPr>
+        <p:txBody>
+          <a:bodyPr vert="horz" lIns="91440" tIns="45720" rIns="91440" bIns="45720" rtlCol="0" anchor="ctr">
+            <a:normAutofit/>
+          </a:bodyPr>
+          <a:lstStyle>
+            <a:lvl1pPr algn="ctr" defTabSz="457200" rtl="0" eaLnBrk="1" latinLnBrk="0" hangingPunct="1">
+              <a:spcBef>
+                <a:spcPct val="0"/>
+              </a:spcBef>
+              <a:buNone/>
+              <a:defRPr sz="4000" kern="1200" cap="none">
+                <a:ln w="3175" cmpd="sng">
+                  <a:noFill/>
+                </a:ln>
+                <a:solidFill>
+                  <a:schemeClr val="tx1"/>
+                </a:solidFill>
+                <a:effectLst/>
+                <a:latin typeface="+mj-lt"/>
+                <a:ea typeface="+mj-ea"/>
+                <a:cs typeface="+mj-cs"/>
+              </a:defRPr>
+            </a:lvl1pPr>
+            <a:lvl2pPr eaLnBrk="1" hangingPunct="1">
+              <a:defRPr>
+                <a:solidFill>
+                  <a:schemeClr val="tx2"/>
+                </a:solidFill>
+              </a:defRPr>
+            </a:lvl2pPr>
+            <a:lvl3pPr eaLnBrk="1" hangingPunct="1">
+              <a:defRPr>
+                <a:solidFill>
+                  <a:schemeClr val="tx2"/>
+                </a:solidFill>
+              </a:defRPr>
+            </a:lvl3pPr>
+            <a:lvl4pPr eaLnBrk="1" hangingPunct="1">
+              <a:defRPr>
+                <a:solidFill>
+                  <a:schemeClr val="tx2"/>
+                </a:solidFill>
+              </a:defRPr>
+            </a:lvl4pPr>
+            <a:lvl5pPr eaLnBrk="1" hangingPunct="1">
+              <a:defRPr>
+                <a:solidFill>
+                  <a:schemeClr val="tx2"/>
+                </a:solidFill>
+              </a:defRPr>
+            </a:lvl5pPr>
+            <a:lvl6pPr eaLnBrk="1" hangingPunct="1">
+              <a:defRPr>
+                <a:solidFill>
+                  <a:schemeClr val="tx2"/>
+                </a:solidFill>
+              </a:defRPr>
+            </a:lvl6pPr>
+            <a:lvl7pPr eaLnBrk="1" hangingPunct="1">
+              <a:defRPr>
+                <a:solidFill>
+                  <a:schemeClr val="tx2"/>
+                </a:solidFill>
+              </a:defRPr>
+            </a:lvl7pPr>
+            <a:lvl8pPr eaLnBrk="1" hangingPunct="1">
+              <a:defRPr>
+                <a:solidFill>
+                  <a:schemeClr val="tx2"/>
+                </a:solidFill>
+              </a:defRPr>
+            </a:lvl8pPr>
+            <a:lvl9pPr eaLnBrk="1" hangingPunct="1">
+              <a:defRPr>
+                <a:solidFill>
+                  <a:schemeClr val="tx2"/>
+                </a:solidFill>
+              </a:defRPr>
+            </a:lvl9pPr>
+          </a:lstStyle>
+          <a:p>
+            <a:r>
+              <a:rPr lang="en-US" sz="2500" b="1" i="1" dirty="0">
+                <a:solidFill>
+                  <a:srgbClr val="FF0000"/>
+                </a:solidFill>
+                <a:effectLst/>
+                <a:latin typeface="Times New Roman" panose="02020603050405020304" charset="0"/>
+                <a:cs typeface="Times New Roman" panose="02020603050405020304" charset="0"/>
+              </a:rPr>
+              <a:t>CH</a:t>
+            </a:r>
+            <a:r>
+              <a:rPr lang="vi-VN" sz="2500" b="1" i="1" dirty="0">
+                <a:solidFill>
+                  <a:srgbClr val="FF0000"/>
+                </a:solidFill>
+                <a:effectLst/>
+                <a:latin typeface="Times New Roman" panose="02020603050405020304" charset="0"/>
+                <a:cs typeface="Times New Roman" panose="02020603050405020304" charset="0"/>
+              </a:rPr>
+              <a:t>Ư</a:t>
+            </a:r>
+            <a:r>
+              <a:rPr lang="en-US" sz="2500" b="1" i="1" dirty="0">
+                <a:solidFill>
+                  <a:srgbClr val="FF0000"/>
+                </a:solidFill>
+                <a:effectLst/>
+                <a:latin typeface="Times New Roman" panose="02020603050405020304" charset="0"/>
+                <a:cs typeface="Times New Roman" panose="02020603050405020304" charset="0"/>
+              </a:rPr>
+              <a:t>ƠNG 4 : ĐÁNH GIÁ VÀ KẾT LUẬN</a:t>
+            </a:r>
+          </a:p>
+        </p:txBody>
+      </p:sp>
+      <p:sp>
+        <p:nvSpPr>
+          <p:cNvPr id="17" name="Text Box 16"/>
+          <p:cNvSpPr txBox="1"/>
+          <p:nvPr/>
+        </p:nvSpPr>
+        <p:spPr>
+          <a:xfrm>
+            <a:off x="879475" y="1130619"/>
+            <a:ext cx="9234751" cy="396240"/>
+          </a:xfrm>
+          <a:prstGeom prst="rect">
+            <a:avLst/>
+          </a:prstGeom>
+        </p:spPr>
+        <p:style>
+          <a:lnRef idx="1">
+            <a:schemeClr val="accent3"/>
+          </a:lnRef>
+          <a:fillRef idx="3">
+            <a:schemeClr val="accent3"/>
+          </a:fillRef>
+          <a:effectRef idx="2">
+            <a:schemeClr val="accent3"/>
+          </a:effectRef>
+          <a:fontRef idx="minor">
+            <a:schemeClr val="lt1"/>
+          </a:fontRef>
+        </p:style>
+        <p:txBody>
+          <a:bodyPr wrap="square">
+            <a:spAutoFit/>
+          </a:bodyPr>
+          <a:lstStyle/>
+          <a:p>
+            <a:pPr marL="0" indent="0"/>
+            <a:r>
+              <a:rPr lang="en-US" sz="2000" b="1">
+                <a:solidFill>
+                  <a:srgbClr val="000000"/>
+                </a:solidFill>
+                <a:latin typeface="Times New Roman" panose="02020603050405020304" charset="0"/>
+                <a:ea typeface="Times New Roman" panose="02020603050405020304" charset="0"/>
+                <a:cs typeface="Times New Roman" panose="02020603050405020304" charset="0"/>
+                <a:sym typeface="+mn-ea"/>
+              </a:rPr>
+              <a:t>2) Hướng phát triển</a:t>
+            </a:r>
+          </a:p>
+        </p:txBody>
+      </p:sp>
+      <p:graphicFrame>
+        <p:nvGraphicFramePr>
+          <p:cNvPr id="6" name="Content Placeholder 5"/>
+          <p:cNvGraphicFramePr>
+            <a:graphicFrameLocks noGrp="1"/>
+          </p:cNvGraphicFramePr>
+          <p:nvPr>
+            <p:ph idx="1"/>
+            <p:extLst>
+              <p:ext uri="{D42A27DB-BD31-4B8C-83A1-F6EECF244321}">
+                <p14:modId xmlns:p14="http://schemas.microsoft.com/office/powerpoint/2010/main" val="838352926"/>
+              </p:ext>
+            </p:extLst>
+          </p:nvPr>
+        </p:nvGraphicFramePr>
+        <p:xfrm>
+          <a:off x="879635" y="1797245"/>
+          <a:ext cx="9659404" cy="4182608"/>
+        </p:xfrm>
+        <a:graphic>
+          <a:graphicData uri="http://schemas.openxmlformats.org/drawingml/2006/diagram">
+            <dgm:relIds xmlns:dgm="http://schemas.openxmlformats.org/drawingml/2006/diagram" xmlns:r="http://schemas.openxmlformats.org/officeDocument/2006/relationships" r:dm="rId2" r:lo="rId3" r:qs="rId4" r:cs="rId5"/>
+          </a:graphicData>
+        </a:graphic>
+      </p:graphicFrame>
+    </p:spTree>
+    <p:extLst>
+      <p:ext uri="{BB962C8B-B14F-4D97-AF65-F5344CB8AC3E}">
+        <p14:creationId xmlns:p14="http://schemas.microsoft.com/office/powerpoint/2010/main" val="731092238"/>
+      </p:ext>
+    </p:extLst>
   </p:cSld>
   <p:clrMapOvr>
     <a:masterClrMapping/>
